--- a/3_Presentations/week 12/Week 12 Loads and Dynamics WEC25.pptx
+++ b/3_Presentations/week 12/Week 12 Loads and Dynamics WEC25.pptx
@@ -6,7 +6,7 @@
     <p:sldMasterId id="2147483660" r:id="rId2"/>
   </p:sldMasterIdLst>
   <p:notesMasterIdLst>
-    <p:notesMasterId r:id="rId12"/>
+    <p:notesMasterId r:id="rId13"/>
   </p:notesMasterIdLst>
   <p:sldIdLst>
     <p:sldId id="256" r:id="rId3"/>
@@ -16,8 +16,9 @@
     <p:sldId id="276" r:id="rId7"/>
     <p:sldId id="291" r:id="rId8"/>
     <p:sldId id="292" r:id="rId9"/>
-    <p:sldId id="293" r:id="rId10"/>
-    <p:sldId id="260" r:id="rId11"/>
+    <p:sldId id="294" r:id="rId10"/>
+    <p:sldId id="293" r:id="rId11"/>
+    <p:sldId id="260" r:id="rId12"/>
   </p:sldIdLst>
   <p:sldSz cx="12192000" cy="6858000"/>
   <p:notesSz cx="6858000" cy="9144000"/>
@@ -136,6 +137,7 @@
             <p14:sldId id="276"/>
             <p14:sldId id="291"/>
             <p14:sldId id="292"/>
+            <p14:sldId id="294"/>
             <p14:sldId id="293"/>
           </p14:sldIdLst>
         </p14:section>
@@ -235,7 +237,7 @@
           <a:p>
             <a:fld id="{F652B7C8-164C-4140-932B-122F288D33CD}" type="datetimeFigureOut">
               <a:rPr lang="en-GB" smtClean="0"/>
-              <a:t>15/12/2025</a:t>
+              <a:t>16/12/2025</a:t>
             </a:fld>
             <a:endParaRPr lang="en-GB"/>
           </a:p>
@@ -586,6 +588,90 @@
 </p:notes>
 </file>
 
+<file path=ppt/notesSlides/notesSlide10.xml><?xml version="1.0" encoding="utf-8"?>
+<p:notes xmlns:a="http://schemas.openxmlformats.org/drawingml/2006/main" xmlns:r="http://schemas.openxmlformats.org/officeDocument/2006/relationships" xmlns:p="http://schemas.openxmlformats.org/presentationml/2006/main">
+  <p:cSld>
+    <p:spTree>
+      <p:nvGrpSpPr>
+        <p:cNvPr id="1" name=""/>
+        <p:cNvGrpSpPr/>
+        <p:nvPr/>
+      </p:nvGrpSpPr>
+      <p:grpSpPr>
+        <a:xfrm>
+          <a:off x="0" y="0"/>
+          <a:ext cx="0" cy="0"/>
+          <a:chOff x="0" y="0"/>
+          <a:chExt cx="0" cy="0"/>
+        </a:xfrm>
+      </p:grpSpPr>
+      <p:sp>
+        <p:nvSpPr>
+          <p:cNvPr id="2" name="Slide Image Placeholder 1"/>
+          <p:cNvSpPr>
+            <a:spLocks noGrp="1" noRot="1" noChangeAspect="1"/>
+          </p:cNvSpPr>
+          <p:nvPr>
+            <p:ph type="sldImg"/>
+          </p:nvPr>
+        </p:nvSpPr>
+        <p:spPr/>
+      </p:sp>
+      <p:sp>
+        <p:nvSpPr>
+          <p:cNvPr id="3" name="Notes Placeholder 2"/>
+          <p:cNvSpPr>
+            <a:spLocks noGrp="1"/>
+          </p:cNvSpPr>
+          <p:nvPr>
+            <p:ph type="body" idx="1"/>
+          </p:nvPr>
+        </p:nvSpPr>
+        <p:spPr/>
+        <p:txBody>
+          <a:bodyPr/>
+          <a:lstStyle/>
+          <a:p>
+            <a:endParaRPr lang="en-GB"/>
+          </a:p>
+        </p:txBody>
+      </p:sp>
+      <p:sp>
+        <p:nvSpPr>
+          <p:cNvPr id="4" name="Slide Number Placeholder 3"/>
+          <p:cNvSpPr>
+            <a:spLocks noGrp="1"/>
+          </p:cNvSpPr>
+          <p:nvPr>
+            <p:ph type="sldNum" sz="quarter" idx="5"/>
+          </p:nvPr>
+        </p:nvSpPr>
+        <p:spPr/>
+        <p:txBody>
+          <a:bodyPr/>
+          <a:lstStyle/>
+          <a:p>
+            <a:fld id="{CA23327E-A3FE-4279-B080-AD6DAF9EDC39}" type="slidenum">
+              <a:rPr lang="en-GB" smtClean="0"/>
+              <a:t>10</a:t>
+            </a:fld>
+            <a:endParaRPr lang="en-GB"/>
+          </a:p>
+        </p:txBody>
+      </p:sp>
+    </p:spTree>
+    <p:extLst>
+      <p:ext uri="{BB962C8B-B14F-4D97-AF65-F5344CB8AC3E}">
+        <p14:creationId xmlns:p14="http://schemas.microsoft.com/office/powerpoint/2010/main" val="229405926"/>
+      </p:ext>
+    </p:extLst>
+  </p:cSld>
+  <p:clrMapOvr>
+    <a:masterClrMapping/>
+  </p:clrMapOvr>
+</p:notes>
+</file>
+
 <file path=ppt/notesSlides/notesSlide2.xml><?xml version="1.0" encoding="utf-8"?>
 <p:notes xmlns:a="http://schemas.openxmlformats.org/drawingml/2006/main" xmlns:r="http://schemas.openxmlformats.org/officeDocument/2006/relationships" xmlns:p="http://schemas.openxmlformats.org/presentationml/2006/main">
   <p:cSld>
@@ -1398,7 +1484,7 @@
         <p:cNvPr id="1" name="">
           <a:extLst>
             <a:ext uri="{FF2B5EF4-FFF2-40B4-BE49-F238E27FC236}">
-              <a16:creationId xmlns:a16="http://schemas.microsoft.com/office/drawing/2014/main" id="{A08A7D5E-EC1D-CB17-ACD9-CA2152BEFF92}"/>
+              <a16:creationId xmlns:a16="http://schemas.microsoft.com/office/drawing/2014/main" id="{9175C1F2-6819-8207-675D-863180A69CF7}"/>
             </a:ext>
           </a:extLst>
         </p:cNvPr>
@@ -1418,7 +1504,7 @@
           <p:cNvPr id="2" name="Slide Image Placeholder 1">
             <a:extLst>
               <a:ext uri="{FF2B5EF4-FFF2-40B4-BE49-F238E27FC236}">
-                <a16:creationId xmlns:a16="http://schemas.microsoft.com/office/drawing/2014/main" id="{477F400F-7385-6278-F6F6-84F834564E08}"/>
+                <a16:creationId xmlns:a16="http://schemas.microsoft.com/office/drawing/2014/main" id="{8ECF6D5D-1820-EB52-2494-8D8B5D4DFB06}"/>
               </a:ext>
             </a:extLst>
           </p:cNvPr>
@@ -1436,7 +1522,7 @@
           <p:cNvPr id="3" name="Notes Placeholder 2">
             <a:extLst>
               <a:ext uri="{FF2B5EF4-FFF2-40B4-BE49-F238E27FC236}">
-                <a16:creationId xmlns:a16="http://schemas.microsoft.com/office/drawing/2014/main" id="{A3AEF4A5-D8A5-17A3-72DC-35B22601BE69}"/>
+                <a16:creationId xmlns:a16="http://schemas.microsoft.com/office/drawing/2014/main" id="{19CDDD9D-EB4F-4873-B7EB-9421A7E8F5A4}"/>
               </a:ext>
             </a:extLst>
           </p:cNvPr>
@@ -1461,7 +1547,7 @@
           <p:cNvPr id="4" name="Slide Number Placeholder 3">
             <a:extLst>
               <a:ext uri="{FF2B5EF4-FFF2-40B4-BE49-F238E27FC236}">
-                <a16:creationId xmlns:a16="http://schemas.microsoft.com/office/drawing/2014/main" id="{49D058A6-FC44-A60A-BC34-8634FFA19B68}"/>
+                <a16:creationId xmlns:a16="http://schemas.microsoft.com/office/drawing/2014/main" id="{FB67A47F-55A1-4DDB-DA93-EBE8CC1ECD29}"/>
               </a:ext>
             </a:extLst>
           </p:cNvPr>
@@ -1548,7 +1634,7 @@
     </p:spTree>
     <p:extLst>
       <p:ext uri="{BB962C8B-B14F-4D97-AF65-F5344CB8AC3E}">
-        <p14:creationId xmlns:p14="http://schemas.microsoft.com/office/powerpoint/2010/main" val="704209798"/>
+        <p14:creationId xmlns:p14="http://schemas.microsoft.com/office/powerpoint/2010/main" val="3809868539"/>
       </p:ext>
     </p:extLst>
   </p:cSld>
@@ -1563,7 +1649,13 @@
   <p:cSld>
     <p:spTree>
       <p:nvGrpSpPr>
-        <p:cNvPr id="1" name=""/>
+        <p:cNvPr id="1" name="">
+          <a:extLst>
+            <a:ext uri="{FF2B5EF4-FFF2-40B4-BE49-F238E27FC236}">
+              <a16:creationId xmlns:a16="http://schemas.microsoft.com/office/drawing/2014/main" id="{A08A7D5E-EC1D-CB17-ACD9-CA2152BEFF92}"/>
+            </a:ext>
+          </a:extLst>
+        </p:cNvPr>
         <p:cNvGrpSpPr/>
         <p:nvPr/>
       </p:nvGrpSpPr>
@@ -1577,7 +1669,13 @@
       </p:grpSpPr>
       <p:sp>
         <p:nvSpPr>
-          <p:cNvPr id="2" name="Slide Image Placeholder 1"/>
+          <p:cNvPr id="2" name="Slide Image Placeholder 1">
+            <a:extLst>
+              <a:ext uri="{FF2B5EF4-FFF2-40B4-BE49-F238E27FC236}">
+                <a16:creationId xmlns:a16="http://schemas.microsoft.com/office/drawing/2014/main" id="{477F400F-7385-6278-F6F6-84F834564E08}"/>
+              </a:ext>
+            </a:extLst>
+          </p:cNvPr>
           <p:cNvSpPr>
             <a:spLocks noGrp="1" noRot="1" noChangeAspect="1"/>
           </p:cNvSpPr>
@@ -1589,7 +1687,13 @@
       </p:sp>
       <p:sp>
         <p:nvSpPr>
-          <p:cNvPr id="3" name="Notes Placeholder 2"/>
+          <p:cNvPr id="3" name="Notes Placeholder 2">
+            <a:extLst>
+              <a:ext uri="{FF2B5EF4-FFF2-40B4-BE49-F238E27FC236}">
+                <a16:creationId xmlns:a16="http://schemas.microsoft.com/office/drawing/2014/main" id="{A3AEF4A5-D8A5-17A3-72DC-35B22601BE69}"/>
+              </a:ext>
+            </a:extLst>
+          </p:cNvPr>
           <p:cNvSpPr>
             <a:spLocks noGrp="1"/>
           </p:cNvSpPr>
@@ -1602,13 +1706,19 @@
           <a:bodyPr/>
           <a:lstStyle/>
           <a:p>
-            <a:endParaRPr lang="en-GB"/>
+            <a:endParaRPr lang="en-US" dirty="0"/>
           </a:p>
         </p:txBody>
       </p:sp>
       <p:sp>
         <p:nvSpPr>
-          <p:cNvPr id="4" name="Slide Number Placeholder 3"/>
+          <p:cNvPr id="4" name="Slide Number Placeholder 3">
+            <a:extLst>
+              <a:ext uri="{FF2B5EF4-FFF2-40B4-BE49-F238E27FC236}">
+                <a16:creationId xmlns:a16="http://schemas.microsoft.com/office/drawing/2014/main" id="{49D058A6-FC44-A60A-BC34-8634FFA19B68}"/>
+              </a:ext>
+            </a:extLst>
+          </p:cNvPr>
           <p:cNvSpPr>
             <a:spLocks noGrp="1"/>
           </p:cNvSpPr>
@@ -1621,18 +1731,78 @@
           <a:bodyPr/>
           <a:lstStyle/>
           <a:p>
+            <a:pPr marL="0" marR="0" lvl="0" indent="0" algn="r" defTabSz="914400" rtl="0" eaLnBrk="1" fontAlgn="auto" latinLnBrk="0" hangingPunct="1">
+              <a:lnSpc>
+                <a:spcPct val="100000"/>
+              </a:lnSpc>
+              <a:spcBef>
+                <a:spcPts val="0"/>
+              </a:spcBef>
+              <a:spcAft>
+                <a:spcPts val="0"/>
+              </a:spcAft>
+              <a:buClrTx/>
+              <a:buSzTx/>
+              <a:buFontTx/>
+              <a:buNone/>
+              <a:tabLst/>
+              <a:defRPr/>
+            </a:pPr>
             <a:fld id="{CA23327E-A3FE-4279-B080-AD6DAF9EDC39}" type="slidenum">
-              <a:rPr lang="en-GB" smtClean="0"/>
+              <a:rPr kumimoji="0" lang="en-GB" sz="1200" b="0" i="0" u="none" strike="noStrike" kern="1200" cap="none" spc="0" normalizeH="0" baseline="0" noProof="0" smtClean="0">
+                <a:ln>
+                  <a:noFill/>
+                </a:ln>
+                <a:solidFill>
+                  <a:prstClr val="black"/>
+                </a:solidFill>
+                <a:effectLst/>
+                <a:uLnTx/>
+                <a:uFillTx/>
+                <a:latin typeface="Aptos" panose="02110004020202020204"/>
+                <a:ea typeface="+mn-ea"/>
+                <a:cs typeface="+mn-cs"/>
+              </a:rPr>
+              <a:pPr marL="0" marR="0" lvl="0" indent="0" algn="r" defTabSz="914400" rtl="0" eaLnBrk="1" fontAlgn="auto" latinLnBrk="0" hangingPunct="1">
+                <a:lnSpc>
+                  <a:spcPct val="100000"/>
+                </a:lnSpc>
+                <a:spcBef>
+                  <a:spcPts val="0"/>
+                </a:spcBef>
+                <a:spcAft>
+                  <a:spcPts val="0"/>
+                </a:spcAft>
+                <a:buClrTx/>
+                <a:buSzTx/>
+                <a:buFontTx/>
+                <a:buNone/>
+                <a:tabLst/>
+                <a:defRPr/>
+              </a:pPr>
               <a:t>9</a:t>
             </a:fld>
-            <a:endParaRPr lang="en-GB"/>
+            <a:endParaRPr kumimoji="0" lang="en-GB" sz="1200" b="0" i="0" u="none" strike="noStrike" kern="1200" cap="none" spc="0" normalizeH="0" baseline="0" noProof="0">
+              <a:ln>
+                <a:noFill/>
+              </a:ln>
+              <a:solidFill>
+                <a:prstClr val="black"/>
+              </a:solidFill>
+              <a:effectLst/>
+              <a:uLnTx/>
+              <a:uFillTx/>
+              <a:latin typeface="Aptos" panose="02110004020202020204"/>
+              <a:ea typeface="+mn-ea"/>
+              <a:cs typeface="+mn-cs"/>
+            </a:endParaRPr>
           </a:p>
         </p:txBody>
       </p:sp>
     </p:spTree>
     <p:extLst>
       <p:ext uri="{BB962C8B-B14F-4D97-AF65-F5344CB8AC3E}">
-        <p14:creationId xmlns:p14="http://schemas.microsoft.com/office/powerpoint/2010/main" val="229405926"/>
+        <p14:creationId xmlns:p14="http://schemas.microsoft.com/office/powerpoint/2010/main" val="704209798"/>
       </p:ext>
     </p:extLst>
   </p:cSld>
@@ -1789,7 +1959,7 @@
           <a:p>
             <a:fld id="{A442582E-7652-4336-8F82-B8F78DEBE1E6}" type="datetime1">
               <a:rPr lang="en-GB" smtClean="0"/>
-              <a:t>15/12/2025</a:t>
+              <a:t>16/12/2025</a:t>
             </a:fld>
             <a:endParaRPr lang="en-GB"/>
           </a:p>
@@ -1972,7 +2142,7 @@
           <a:p>
             <a:fld id="{C6E4C014-E638-4D69-B7E7-9E0555AE7620}" type="datetime1">
               <a:rPr lang="en-GB" smtClean="0"/>
-              <a:t>15/12/2025</a:t>
+              <a:t>16/12/2025</a:t>
             </a:fld>
             <a:endParaRPr lang="en-GB"/>
           </a:p>
@@ -2180,7 +2350,7 @@
           <a:p>
             <a:fld id="{3F55F2F9-D101-4F42-A846-5D94E4802AD7}" type="datetime1">
               <a:rPr lang="en-GB" smtClean="0"/>
-              <a:t>15/12/2025</a:t>
+              <a:t>16/12/2025</a:t>
             </a:fld>
             <a:endParaRPr lang="en-GB"/>
           </a:p>
@@ -2400,7 +2570,7 @@
           <a:p>
             <a:fld id="{B8D3EC99-01D5-4EE5-ACB1-C061987EA0AA}" type="datetimeFigureOut">
               <a:rPr lang="en-GB" smtClean="0"/>
-              <a:t>15/12/2025</a:t>
+              <a:t>16/12/2025</a:t>
             </a:fld>
             <a:endParaRPr lang="en-GB"/>
           </a:p>
@@ -2598,7 +2768,7 @@
           <a:p>
             <a:fld id="{B8D3EC99-01D5-4EE5-ACB1-C061987EA0AA}" type="datetimeFigureOut">
               <a:rPr lang="en-GB" smtClean="0"/>
-              <a:t>15/12/2025</a:t>
+              <a:t>16/12/2025</a:t>
             </a:fld>
             <a:endParaRPr lang="en-GB"/>
           </a:p>
@@ -2873,7 +3043,7 @@
           <a:p>
             <a:fld id="{B8D3EC99-01D5-4EE5-ACB1-C061987EA0AA}" type="datetimeFigureOut">
               <a:rPr lang="en-GB" smtClean="0"/>
-              <a:t>15/12/2025</a:t>
+              <a:t>16/12/2025</a:t>
             </a:fld>
             <a:endParaRPr lang="en-GB"/>
           </a:p>
@@ -3138,7 +3308,7 @@
           <a:p>
             <a:fld id="{B8D3EC99-01D5-4EE5-ACB1-C061987EA0AA}" type="datetimeFigureOut">
               <a:rPr lang="en-GB" smtClean="0"/>
-              <a:t>15/12/2025</a:t>
+              <a:t>16/12/2025</a:t>
             </a:fld>
             <a:endParaRPr lang="en-GB"/>
           </a:p>
@@ -3550,7 +3720,7 @@
           <a:p>
             <a:fld id="{B8D3EC99-01D5-4EE5-ACB1-C061987EA0AA}" type="datetimeFigureOut">
               <a:rPr lang="en-GB" smtClean="0"/>
-              <a:t>15/12/2025</a:t>
+              <a:t>16/12/2025</a:t>
             </a:fld>
             <a:endParaRPr lang="en-GB"/>
           </a:p>
@@ -3691,7 +3861,7 @@
           <a:p>
             <a:fld id="{B8D3EC99-01D5-4EE5-ACB1-C061987EA0AA}" type="datetimeFigureOut">
               <a:rPr lang="en-GB" smtClean="0"/>
-              <a:t>15/12/2025</a:t>
+              <a:t>16/12/2025</a:t>
             </a:fld>
             <a:endParaRPr lang="en-GB"/>
           </a:p>
@@ -3804,7 +3974,7 @@
           <a:p>
             <a:fld id="{B8D3EC99-01D5-4EE5-ACB1-C061987EA0AA}" type="datetimeFigureOut">
               <a:rPr lang="en-GB" smtClean="0"/>
-              <a:t>15/12/2025</a:t>
+              <a:t>16/12/2025</a:t>
             </a:fld>
             <a:endParaRPr lang="en-GB"/>
           </a:p>
@@ -4115,7 +4285,7 @@
           <a:p>
             <a:fld id="{B8D3EC99-01D5-4EE5-ACB1-C061987EA0AA}" type="datetimeFigureOut">
               <a:rPr lang="en-GB" smtClean="0"/>
-              <a:t>15/12/2025</a:t>
+              <a:t>16/12/2025</a:t>
             </a:fld>
             <a:endParaRPr lang="en-GB"/>
           </a:p>
@@ -4313,7 +4483,7 @@
           <a:p>
             <a:fld id="{2521100E-89DB-4D21-B66A-B5E24FA59FB2}" type="datetime1">
               <a:rPr lang="en-GB" smtClean="0"/>
-              <a:t>15/12/2025</a:t>
+              <a:t>16/12/2025</a:t>
             </a:fld>
             <a:endParaRPr lang="en-GB"/>
           </a:p>
@@ -4581,7 +4751,7 @@
           <a:p>
             <a:fld id="{B8D3EC99-01D5-4EE5-ACB1-C061987EA0AA}" type="datetimeFigureOut">
               <a:rPr lang="en-GB" smtClean="0"/>
-              <a:t>15/12/2025</a:t>
+              <a:t>16/12/2025</a:t>
             </a:fld>
             <a:endParaRPr lang="en-GB"/>
           </a:p>
@@ -4779,7 +4949,7 @@
           <a:p>
             <a:fld id="{B8D3EC99-01D5-4EE5-ACB1-C061987EA0AA}" type="datetimeFigureOut">
               <a:rPr lang="en-GB" smtClean="0"/>
-              <a:t>15/12/2025</a:t>
+              <a:t>16/12/2025</a:t>
             </a:fld>
             <a:endParaRPr lang="en-GB"/>
           </a:p>
@@ -4987,7 +5157,7 @@
           <a:p>
             <a:fld id="{B8D3EC99-01D5-4EE5-ACB1-C061987EA0AA}" type="datetimeFigureOut">
               <a:rPr lang="en-GB" smtClean="0"/>
-              <a:t>15/12/2025</a:t>
+              <a:t>16/12/2025</a:t>
             </a:fld>
             <a:endParaRPr lang="en-GB"/>
           </a:p>
@@ -5262,7 +5432,7 @@
           <a:p>
             <a:fld id="{5537878B-5315-4496-8D10-2F17543DB034}" type="datetime1">
               <a:rPr lang="en-GB" smtClean="0"/>
-              <a:t>15/12/2025</a:t>
+              <a:t>16/12/2025</a:t>
             </a:fld>
             <a:endParaRPr lang="en-GB"/>
           </a:p>
@@ -5527,7 +5697,7 @@
           <a:p>
             <a:fld id="{DEBEA969-CEB0-4E87-8DDD-72161074DF01}" type="datetime1">
               <a:rPr lang="en-GB" smtClean="0"/>
-              <a:t>15/12/2025</a:t>
+              <a:t>16/12/2025</a:t>
             </a:fld>
             <a:endParaRPr lang="en-GB"/>
           </a:p>
@@ -5939,7 +6109,7 @@
           <a:p>
             <a:fld id="{6335A96A-71C8-435E-B03B-275B6E0D4AB2}" type="datetime1">
               <a:rPr lang="en-GB" smtClean="0"/>
-              <a:t>15/12/2025</a:t>
+              <a:t>16/12/2025</a:t>
             </a:fld>
             <a:endParaRPr lang="en-GB"/>
           </a:p>
@@ -6080,7 +6250,7 @@
           <a:p>
             <a:fld id="{9402E411-883A-45F0-8C4F-B0FE2C65FB28}" type="datetime1">
               <a:rPr lang="en-GB" smtClean="0"/>
-              <a:t>15/12/2025</a:t>
+              <a:t>16/12/2025</a:t>
             </a:fld>
             <a:endParaRPr lang="en-GB"/>
           </a:p>
@@ -6193,7 +6363,7 @@
           <a:p>
             <a:fld id="{986F6F48-3B55-4945-B23D-B0C51AFE28E6}" type="datetime1">
               <a:rPr lang="en-GB" smtClean="0"/>
-              <a:t>15/12/2025</a:t>
+              <a:t>16/12/2025</a:t>
             </a:fld>
             <a:endParaRPr lang="en-GB"/>
           </a:p>
@@ -6504,7 +6674,7 @@
           <a:p>
             <a:fld id="{86209ACC-63FA-4EE9-AE4D-ECCDA5B91432}" type="datetime1">
               <a:rPr lang="en-GB" smtClean="0"/>
-              <a:t>15/12/2025</a:t>
+              <a:t>16/12/2025</a:t>
             </a:fld>
             <a:endParaRPr lang="en-GB"/>
           </a:p>
@@ -6792,7 +6962,7 @@
           <a:p>
             <a:fld id="{F38D1FE4-6F4F-4845-8022-15597911E7C2}" type="datetime1">
               <a:rPr lang="en-GB" smtClean="0"/>
-              <a:t>15/12/2025</a:t>
+              <a:t>16/12/2025</a:t>
             </a:fld>
             <a:endParaRPr lang="en-GB"/>
           </a:p>
@@ -7033,7 +7203,7 @@
           <a:p>
             <a:fld id="{C1516A2C-1914-4EE9-9598-2A06F9BE67BF}" type="datetime1">
               <a:rPr lang="en-GB" smtClean="0"/>
-              <a:t>15/12/2025</a:t>
+              <a:t>16/12/2025</a:t>
             </a:fld>
             <a:endParaRPr lang="en-GB"/>
           </a:p>
@@ -7602,7 +7772,7 @@
           <a:p>
             <a:fld id="{B8D3EC99-01D5-4EE5-ACB1-C061987EA0AA}" type="datetimeFigureOut">
               <a:rPr lang="en-GB" smtClean="0"/>
-              <a:t>15/12/2025</a:t>
+              <a:t>16/12/2025</a:t>
             </a:fld>
             <a:endParaRPr lang="en-GB"/>
           </a:p>
@@ -8368,13 +8538,8 @@
             <a:pPr algn="ctr"/>
             <a:r>
               <a:rPr lang="en-US" sz="1400" dirty="0"/>
-              <a:t>Presenter  – Paresh </a:t>
+              <a:t>Presenter  – Arham Memon</a:t>
             </a:r>
-            <a:r>
-              <a:rPr lang="en-US" sz="1400" dirty="0" err="1"/>
-              <a:t>Nakum</a:t>
-            </a:r>
-            <a:endParaRPr lang="en-US" sz="1400" dirty="0"/>
           </a:p>
           <a:p>
             <a:pPr algn="ctr"/>
@@ -10481,21 +10646,8 @@
                   <a:schemeClr val="bg1"/>
                 </a:solidFill>
               </a:rPr>
-              <a:t>Paresh </a:t>
+              <a:t>Arham Memon</a:t>
             </a:r>
-            <a:r>
-              <a:rPr lang="en-US" sz="1200" dirty="0" err="1">
-                <a:solidFill>
-                  <a:schemeClr val="bg1"/>
-                </a:solidFill>
-              </a:rPr>
-              <a:t>Nakum</a:t>
-            </a:r>
-            <a:endParaRPr lang="en-US" sz="1200" dirty="0">
-              <a:solidFill>
-                <a:schemeClr val="bg1"/>
-              </a:solidFill>
-            </a:endParaRPr>
           </a:p>
         </p:txBody>
       </p:sp>
@@ -10542,6 +10694,2452 @@
     <p:extLst>
       <p:ext uri="{BB962C8B-B14F-4D97-AF65-F5344CB8AC3E}">
         <p14:creationId xmlns:p14="http://schemas.microsoft.com/office/powerpoint/2010/main" val="736408120"/>
+      </p:ext>
+    </p:extLst>
+  </p:cSld>
+  <p:clrMapOvr>
+    <a:masterClrMapping/>
+  </p:clrMapOvr>
+</p:sld>
+</file>
+
+<file path=ppt/slides/slide10.xml><?xml version="1.0" encoding="utf-8"?>
+<p:sld xmlns:a="http://schemas.openxmlformats.org/drawingml/2006/main" xmlns:r="http://schemas.openxmlformats.org/officeDocument/2006/relationships" xmlns:p="http://schemas.openxmlformats.org/presentationml/2006/main">
+  <p:cSld>
+    <p:spTree>
+      <p:nvGrpSpPr>
+        <p:cNvPr id="1" name="">
+          <a:extLst>
+            <a:ext uri="{FF2B5EF4-FFF2-40B4-BE49-F238E27FC236}">
+              <a16:creationId xmlns:a16="http://schemas.microsoft.com/office/drawing/2014/main" id="{5D5F9DB2-1C60-2A59-656D-A5B74C9C4890}"/>
+            </a:ext>
+          </a:extLst>
+        </p:cNvPr>
+        <p:cNvGrpSpPr/>
+        <p:nvPr/>
+      </p:nvGrpSpPr>
+      <p:grpSpPr>
+        <a:xfrm>
+          <a:off x="0" y="0"/>
+          <a:ext cx="0" cy="0"/>
+          <a:chOff x="0" y="0"/>
+          <a:chExt cx="0" cy="0"/>
+        </a:xfrm>
+      </p:grpSpPr>
+      <p:sp>
+        <p:nvSpPr>
+          <p:cNvPr id="11" name="Free-form: Shape 13">
+            <a:extLst>
+              <a:ext uri="{FF2B5EF4-FFF2-40B4-BE49-F238E27FC236}">
+                <a16:creationId xmlns:a16="http://schemas.microsoft.com/office/drawing/2014/main" id="{28A9E759-5D36-7577-1B72-EEFA19D202C6}"/>
+              </a:ext>
+            </a:extLst>
+          </p:cNvPr>
+          <p:cNvSpPr/>
+          <p:nvPr/>
+        </p:nvSpPr>
+        <p:spPr>
+          <a:xfrm rot="10800000">
+            <a:off x="-35168" y="277945"/>
+            <a:ext cx="12216286" cy="898824"/>
+          </a:xfrm>
+          <a:custGeom>
+            <a:avLst/>
+            <a:gdLst>
+              <a:gd name="connsiteX0" fmla="*/ 17585 w 9486900"/>
+              <a:gd name="connsiteY0" fmla="*/ 8792 h 931984"/>
+              <a:gd name="connsiteX1" fmla="*/ 2004646 w 9486900"/>
+              <a:gd name="connsiteY1" fmla="*/ 26376 h 931984"/>
+              <a:gd name="connsiteX2" fmla="*/ 4466492 w 9486900"/>
+              <a:gd name="connsiteY2" fmla="*/ 35169 h 931984"/>
+              <a:gd name="connsiteX3" fmla="*/ 7025054 w 9486900"/>
+              <a:gd name="connsiteY3" fmla="*/ 0 h 931984"/>
+              <a:gd name="connsiteX4" fmla="*/ 9486900 w 9486900"/>
+              <a:gd name="connsiteY4" fmla="*/ 8792 h 931984"/>
+              <a:gd name="connsiteX5" fmla="*/ 9478108 w 9486900"/>
+              <a:gd name="connsiteY5" fmla="*/ 914400 h 931984"/>
+              <a:gd name="connsiteX6" fmla="*/ 7262446 w 9486900"/>
+              <a:gd name="connsiteY6" fmla="*/ 905607 h 931984"/>
+              <a:gd name="connsiteX7" fmla="*/ 4835769 w 9486900"/>
+              <a:gd name="connsiteY7" fmla="*/ 931984 h 931984"/>
+              <a:gd name="connsiteX8" fmla="*/ 2760785 w 9486900"/>
+              <a:gd name="connsiteY8" fmla="*/ 923192 h 931984"/>
+              <a:gd name="connsiteX9" fmla="*/ 0 w 9486900"/>
+              <a:gd name="connsiteY9" fmla="*/ 879230 h 931984"/>
+              <a:gd name="connsiteX10" fmla="*/ 17585 w 9486900"/>
+              <a:gd name="connsiteY10" fmla="*/ 8792 h 931984"/>
+              <a:gd name="connsiteX0" fmla="*/ 17585 w 9486900"/>
+              <a:gd name="connsiteY0" fmla="*/ 168095 h 1091287"/>
+              <a:gd name="connsiteX1" fmla="*/ 2004646 w 9486900"/>
+              <a:gd name="connsiteY1" fmla="*/ 185679 h 1091287"/>
+              <a:gd name="connsiteX2" fmla="*/ 4466492 w 9486900"/>
+              <a:gd name="connsiteY2" fmla="*/ 194472 h 1091287"/>
+              <a:gd name="connsiteX3" fmla="*/ 7025054 w 9486900"/>
+              <a:gd name="connsiteY3" fmla="*/ 159303 h 1091287"/>
+              <a:gd name="connsiteX4" fmla="*/ 9486900 w 9486900"/>
+              <a:gd name="connsiteY4" fmla="*/ 168095 h 1091287"/>
+              <a:gd name="connsiteX5" fmla="*/ 9478108 w 9486900"/>
+              <a:gd name="connsiteY5" fmla="*/ 1073703 h 1091287"/>
+              <a:gd name="connsiteX6" fmla="*/ 7262446 w 9486900"/>
+              <a:gd name="connsiteY6" fmla="*/ 1064910 h 1091287"/>
+              <a:gd name="connsiteX7" fmla="*/ 4835769 w 9486900"/>
+              <a:gd name="connsiteY7" fmla="*/ 1091287 h 1091287"/>
+              <a:gd name="connsiteX8" fmla="*/ 2760785 w 9486900"/>
+              <a:gd name="connsiteY8" fmla="*/ 1082495 h 1091287"/>
+              <a:gd name="connsiteX9" fmla="*/ 0 w 9486900"/>
+              <a:gd name="connsiteY9" fmla="*/ 1038533 h 1091287"/>
+              <a:gd name="connsiteX10" fmla="*/ 17585 w 9486900"/>
+              <a:gd name="connsiteY10" fmla="*/ 168095 h 1091287"/>
+              <a:gd name="connsiteX0" fmla="*/ 17585 w 9486900"/>
+              <a:gd name="connsiteY0" fmla="*/ 234508 h 1157700"/>
+              <a:gd name="connsiteX1" fmla="*/ 2004646 w 9486900"/>
+              <a:gd name="connsiteY1" fmla="*/ 252092 h 1157700"/>
+              <a:gd name="connsiteX2" fmla="*/ 4466492 w 9486900"/>
+              <a:gd name="connsiteY2" fmla="*/ 260885 h 1157700"/>
+              <a:gd name="connsiteX3" fmla="*/ 7025054 w 9486900"/>
+              <a:gd name="connsiteY3" fmla="*/ 225716 h 1157700"/>
+              <a:gd name="connsiteX4" fmla="*/ 9486900 w 9486900"/>
+              <a:gd name="connsiteY4" fmla="*/ 234508 h 1157700"/>
+              <a:gd name="connsiteX5" fmla="*/ 9478108 w 9486900"/>
+              <a:gd name="connsiteY5" fmla="*/ 1140116 h 1157700"/>
+              <a:gd name="connsiteX6" fmla="*/ 7262446 w 9486900"/>
+              <a:gd name="connsiteY6" fmla="*/ 1131323 h 1157700"/>
+              <a:gd name="connsiteX7" fmla="*/ 4835769 w 9486900"/>
+              <a:gd name="connsiteY7" fmla="*/ 1157700 h 1157700"/>
+              <a:gd name="connsiteX8" fmla="*/ 2760785 w 9486900"/>
+              <a:gd name="connsiteY8" fmla="*/ 1148908 h 1157700"/>
+              <a:gd name="connsiteX9" fmla="*/ 0 w 9486900"/>
+              <a:gd name="connsiteY9" fmla="*/ 1104946 h 1157700"/>
+              <a:gd name="connsiteX10" fmla="*/ 17585 w 9486900"/>
+              <a:gd name="connsiteY10" fmla="*/ 234508 h 1157700"/>
+              <a:gd name="connsiteX0" fmla="*/ 17585 w 9486900"/>
+              <a:gd name="connsiteY0" fmla="*/ 375168 h 1298360"/>
+              <a:gd name="connsiteX1" fmla="*/ 2004646 w 9486900"/>
+              <a:gd name="connsiteY1" fmla="*/ 392752 h 1298360"/>
+              <a:gd name="connsiteX2" fmla="*/ 4466492 w 9486900"/>
+              <a:gd name="connsiteY2" fmla="*/ 401545 h 1298360"/>
+              <a:gd name="connsiteX3" fmla="*/ 7025054 w 9486900"/>
+              <a:gd name="connsiteY3" fmla="*/ 366376 h 1298360"/>
+              <a:gd name="connsiteX4" fmla="*/ 9486900 w 9486900"/>
+              <a:gd name="connsiteY4" fmla="*/ 375168 h 1298360"/>
+              <a:gd name="connsiteX5" fmla="*/ 9478108 w 9486900"/>
+              <a:gd name="connsiteY5" fmla="*/ 1280776 h 1298360"/>
+              <a:gd name="connsiteX6" fmla="*/ 7262446 w 9486900"/>
+              <a:gd name="connsiteY6" fmla="*/ 1271983 h 1298360"/>
+              <a:gd name="connsiteX7" fmla="*/ 4835769 w 9486900"/>
+              <a:gd name="connsiteY7" fmla="*/ 1298360 h 1298360"/>
+              <a:gd name="connsiteX8" fmla="*/ 2760785 w 9486900"/>
+              <a:gd name="connsiteY8" fmla="*/ 1289568 h 1298360"/>
+              <a:gd name="connsiteX9" fmla="*/ 0 w 9486900"/>
+              <a:gd name="connsiteY9" fmla="*/ 1245606 h 1298360"/>
+              <a:gd name="connsiteX10" fmla="*/ 17585 w 9486900"/>
+              <a:gd name="connsiteY10" fmla="*/ 375168 h 1298360"/>
+              <a:gd name="connsiteX0" fmla="*/ 17585 w 9486900"/>
+              <a:gd name="connsiteY0" fmla="*/ 375168 h 1298360"/>
+              <a:gd name="connsiteX1" fmla="*/ 2004646 w 9486900"/>
+              <a:gd name="connsiteY1" fmla="*/ 392752 h 1298360"/>
+              <a:gd name="connsiteX2" fmla="*/ 4466492 w 9486900"/>
+              <a:gd name="connsiteY2" fmla="*/ 401545 h 1298360"/>
+              <a:gd name="connsiteX3" fmla="*/ 7025054 w 9486900"/>
+              <a:gd name="connsiteY3" fmla="*/ 366376 h 1298360"/>
+              <a:gd name="connsiteX4" fmla="*/ 9486900 w 9486900"/>
+              <a:gd name="connsiteY4" fmla="*/ 375168 h 1298360"/>
+              <a:gd name="connsiteX5" fmla="*/ 9478108 w 9486900"/>
+              <a:gd name="connsiteY5" fmla="*/ 1280776 h 1298360"/>
+              <a:gd name="connsiteX6" fmla="*/ 7262446 w 9486900"/>
+              <a:gd name="connsiteY6" fmla="*/ 1271983 h 1298360"/>
+              <a:gd name="connsiteX7" fmla="*/ 4835769 w 9486900"/>
+              <a:gd name="connsiteY7" fmla="*/ 1298360 h 1298360"/>
+              <a:gd name="connsiteX8" fmla="*/ 2760785 w 9486900"/>
+              <a:gd name="connsiteY8" fmla="*/ 1289568 h 1298360"/>
+              <a:gd name="connsiteX9" fmla="*/ 0 w 9486900"/>
+              <a:gd name="connsiteY9" fmla="*/ 1245606 h 1298360"/>
+              <a:gd name="connsiteX10" fmla="*/ 17585 w 9486900"/>
+              <a:gd name="connsiteY10" fmla="*/ 375168 h 1298360"/>
+              <a:gd name="connsiteX0" fmla="*/ 17585 w 9486900"/>
+              <a:gd name="connsiteY0" fmla="*/ 375168 h 1298360"/>
+              <a:gd name="connsiteX1" fmla="*/ 2004646 w 9486900"/>
+              <a:gd name="connsiteY1" fmla="*/ 392752 h 1298360"/>
+              <a:gd name="connsiteX2" fmla="*/ 4466492 w 9486900"/>
+              <a:gd name="connsiteY2" fmla="*/ 401545 h 1298360"/>
+              <a:gd name="connsiteX3" fmla="*/ 7025054 w 9486900"/>
+              <a:gd name="connsiteY3" fmla="*/ 366376 h 1298360"/>
+              <a:gd name="connsiteX4" fmla="*/ 9486900 w 9486900"/>
+              <a:gd name="connsiteY4" fmla="*/ 375168 h 1298360"/>
+              <a:gd name="connsiteX5" fmla="*/ 9478108 w 9486900"/>
+              <a:gd name="connsiteY5" fmla="*/ 1280776 h 1298360"/>
+              <a:gd name="connsiteX6" fmla="*/ 7262446 w 9486900"/>
+              <a:gd name="connsiteY6" fmla="*/ 1271983 h 1298360"/>
+              <a:gd name="connsiteX7" fmla="*/ 4835769 w 9486900"/>
+              <a:gd name="connsiteY7" fmla="*/ 1298360 h 1298360"/>
+              <a:gd name="connsiteX8" fmla="*/ 2760785 w 9486900"/>
+              <a:gd name="connsiteY8" fmla="*/ 1289568 h 1298360"/>
+              <a:gd name="connsiteX9" fmla="*/ 0 w 9486900"/>
+              <a:gd name="connsiteY9" fmla="*/ 1245606 h 1298360"/>
+              <a:gd name="connsiteX10" fmla="*/ 17585 w 9486900"/>
+              <a:gd name="connsiteY10" fmla="*/ 375168 h 1298360"/>
+              <a:gd name="connsiteX0" fmla="*/ 17585 w 9486900"/>
+              <a:gd name="connsiteY0" fmla="*/ 375168 h 1298360"/>
+              <a:gd name="connsiteX1" fmla="*/ 2004646 w 9486900"/>
+              <a:gd name="connsiteY1" fmla="*/ 392752 h 1298360"/>
+              <a:gd name="connsiteX2" fmla="*/ 4466492 w 9486900"/>
+              <a:gd name="connsiteY2" fmla="*/ 401545 h 1298360"/>
+              <a:gd name="connsiteX3" fmla="*/ 7025054 w 9486900"/>
+              <a:gd name="connsiteY3" fmla="*/ 366376 h 1298360"/>
+              <a:gd name="connsiteX4" fmla="*/ 9486900 w 9486900"/>
+              <a:gd name="connsiteY4" fmla="*/ 375168 h 1298360"/>
+              <a:gd name="connsiteX5" fmla="*/ 9478108 w 9486900"/>
+              <a:gd name="connsiteY5" fmla="*/ 1280776 h 1298360"/>
+              <a:gd name="connsiteX6" fmla="*/ 7262446 w 9486900"/>
+              <a:gd name="connsiteY6" fmla="*/ 1271983 h 1298360"/>
+              <a:gd name="connsiteX7" fmla="*/ 4835769 w 9486900"/>
+              <a:gd name="connsiteY7" fmla="*/ 1298360 h 1298360"/>
+              <a:gd name="connsiteX8" fmla="*/ 2760785 w 9486900"/>
+              <a:gd name="connsiteY8" fmla="*/ 1289568 h 1298360"/>
+              <a:gd name="connsiteX9" fmla="*/ 0 w 9486900"/>
+              <a:gd name="connsiteY9" fmla="*/ 1245606 h 1298360"/>
+              <a:gd name="connsiteX10" fmla="*/ 17585 w 9486900"/>
+              <a:gd name="connsiteY10" fmla="*/ 375168 h 1298360"/>
+              <a:gd name="connsiteX0" fmla="*/ 17585 w 9486900"/>
+              <a:gd name="connsiteY0" fmla="*/ 375168 h 1298360"/>
+              <a:gd name="connsiteX1" fmla="*/ 2004646 w 9486900"/>
+              <a:gd name="connsiteY1" fmla="*/ 392752 h 1298360"/>
+              <a:gd name="connsiteX2" fmla="*/ 4466492 w 9486900"/>
+              <a:gd name="connsiteY2" fmla="*/ 401545 h 1298360"/>
+              <a:gd name="connsiteX3" fmla="*/ 7025054 w 9486900"/>
+              <a:gd name="connsiteY3" fmla="*/ 366376 h 1298360"/>
+              <a:gd name="connsiteX4" fmla="*/ 9486900 w 9486900"/>
+              <a:gd name="connsiteY4" fmla="*/ 375168 h 1298360"/>
+              <a:gd name="connsiteX5" fmla="*/ 9478108 w 9486900"/>
+              <a:gd name="connsiteY5" fmla="*/ 1280776 h 1298360"/>
+              <a:gd name="connsiteX6" fmla="*/ 7262446 w 9486900"/>
+              <a:gd name="connsiteY6" fmla="*/ 1271983 h 1298360"/>
+              <a:gd name="connsiteX7" fmla="*/ 4835769 w 9486900"/>
+              <a:gd name="connsiteY7" fmla="*/ 1298360 h 1298360"/>
+              <a:gd name="connsiteX8" fmla="*/ 2760785 w 9486900"/>
+              <a:gd name="connsiteY8" fmla="*/ 1289568 h 1298360"/>
+              <a:gd name="connsiteX9" fmla="*/ 0 w 9486900"/>
+              <a:gd name="connsiteY9" fmla="*/ 1245606 h 1298360"/>
+              <a:gd name="connsiteX10" fmla="*/ 17585 w 9486900"/>
+              <a:gd name="connsiteY10" fmla="*/ 375168 h 1298360"/>
+              <a:gd name="connsiteX0" fmla="*/ 17585 w 9486900"/>
+              <a:gd name="connsiteY0" fmla="*/ 375168 h 1298360"/>
+              <a:gd name="connsiteX1" fmla="*/ 2004646 w 9486900"/>
+              <a:gd name="connsiteY1" fmla="*/ 392752 h 1298360"/>
+              <a:gd name="connsiteX2" fmla="*/ 4466492 w 9486900"/>
+              <a:gd name="connsiteY2" fmla="*/ 401545 h 1298360"/>
+              <a:gd name="connsiteX3" fmla="*/ 7025054 w 9486900"/>
+              <a:gd name="connsiteY3" fmla="*/ 366376 h 1298360"/>
+              <a:gd name="connsiteX4" fmla="*/ 9486900 w 9486900"/>
+              <a:gd name="connsiteY4" fmla="*/ 375168 h 1298360"/>
+              <a:gd name="connsiteX5" fmla="*/ 9478108 w 9486900"/>
+              <a:gd name="connsiteY5" fmla="*/ 1280776 h 1298360"/>
+              <a:gd name="connsiteX6" fmla="*/ 7262446 w 9486900"/>
+              <a:gd name="connsiteY6" fmla="*/ 1271983 h 1298360"/>
+              <a:gd name="connsiteX7" fmla="*/ 4835769 w 9486900"/>
+              <a:gd name="connsiteY7" fmla="*/ 1298360 h 1298360"/>
+              <a:gd name="connsiteX8" fmla="*/ 2760785 w 9486900"/>
+              <a:gd name="connsiteY8" fmla="*/ 1289568 h 1298360"/>
+              <a:gd name="connsiteX9" fmla="*/ 0 w 9486900"/>
+              <a:gd name="connsiteY9" fmla="*/ 1245606 h 1298360"/>
+              <a:gd name="connsiteX10" fmla="*/ 17585 w 9486900"/>
+              <a:gd name="connsiteY10" fmla="*/ 375168 h 1298360"/>
+              <a:gd name="connsiteX0" fmla="*/ 8792 w 9478107"/>
+              <a:gd name="connsiteY0" fmla="*/ 375168 h 1298360"/>
+              <a:gd name="connsiteX1" fmla="*/ 1995853 w 9478107"/>
+              <a:gd name="connsiteY1" fmla="*/ 392752 h 1298360"/>
+              <a:gd name="connsiteX2" fmla="*/ 4457699 w 9478107"/>
+              <a:gd name="connsiteY2" fmla="*/ 401545 h 1298360"/>
+              <a:gd name="connsiteX3" fmla="*/ 7016261 w 9478107"/>
+              <a:gd name="connsiteY3" fmla="*/ 366376 h 1298360"/>
+              <a:gd name="connsiteX4" fmla="*/ 9478107 w 9478107"/>
+              <a:gd name="connsiteY4" fmla="*/ 375168 h 1298360"/>
+              <a:gd name="connsiteX5" fmla="*/ 9469315 w 9478107"/>
+              <a:gd name="connsiteY5" fmla="*/ 1280776 h 1298360"/>
+              <a:gd name="connsiteX6" fmla="*/ 7253653 w 9478107"/>
+              <a:gd name="connsiteY6" fmla="*/ 1271983 h 1298360"/>
+              <a:gd name="connsiteX7" fmla="*/ 4826976 w 9478107"/>
+              <a:gd name="connsiteY7" fmla="*/ 1298360 h 1298360"/>
+              <a:gd name="connsiteX8" fmla="*/ 2751992 w 9478107"/>
+              <a:gd name="connsiteY8" fmla="*/ 1289568 h 1298360"/>
+              <a:gd name="connsiteX9" fmla="*/ 0 w 9478107"/>
+              <a:gd name="connsiteY9" fmla="*/ 1236814 h 1298360"/>
+              <a:gd name="connsiteX10" fmla="*/ 8792 w 9478107"/>
+              <a:gd name="connsiteY10" fmla="*/ 375168 h 1298360"/>
+              <a:gd name="connsiteX0" fmla="*/ 8792 w 9478107"/>
+              <a:gd name="connsiteY0" fmla="*/ 421112 h 1344304"/>
+              <a:gd name="connsiteX1" fmla="*/ 2057399 w 9478107"/>
+              <a:gd name="connsiteY1" fmla="*/ 377150 h 1344304"/>
+              <a:gd name="connsiteX2" fmla="*/ 4457699 w 9478107"/>
+              <a:gd name="connsiteY2" fmla="*/ 447489 h 1344304"/>
+              <a:gd name="connsiteX3" fmla="*/ 7016261 w 9478107"/>
+              <a:gd name="connsiteY3" fmla="*/ 412320 h 1344304"/>
+              <a:gd name="connsiteX4" fmla="*/ 9478107 w 9478107"/>
+              <a:gd name="connsiteY4" fmla="*/ 421112 h 1344304"/>
+              <a:gd name="connsiteX5" fmla="*/ 9469315 w 9478107"/>
+              <a:gd name="connsiteY5" fmla="*/ 1326720 h 1344304"/>
+              <a:gd name="connsiteX6" fmla="*/ 7253653 w 9478107"/>
+              <a:gd name="connsiteY6" fmla="*/ 1317927 h 1344304"/>
+              <a:gd name="connsiteX7" fmla="*/ 4826976 w 9478107"/>
+              <a:gd name="connsiteY7" fmla="*/ 1344304 h 1344304"/>
+              <a:gd name="connsiteX8" fmla="*/ 2751992 w 9478107"/>
+              <a:gd name="connsiteY8" fmla="*/ 1335512 h 1344304"/>
+              <a:gd name="connsiteX9" fmla="*/ 0 w 9478107"/>
+              <a:gd name="connsiteY9" fmla="*/ 1282758 h 1344304"/>
+              <a:gd name="connsiteX10" fmla="*/ 8792 w 9478107"/>
+              <a:gd name="connsiteY10" fmla="*/ 421112 h 1344304"/>
+              <a:gd name="connsiteX0" fmla="*/ 8792 w 9478107"/>
+              <a:gd name="connsiteY0" fmla="*/ 350485 h 1273677"/>
+              <a:gd name="connsiteX1" fmla="*/ 2057399 w 9478107"/>
+              <a:gd name="connsiteY1" fmla="*/ 306523 h 1273677"/>
+              <a:gd name="connsiteX2" fmla="*/ 4457699 w 9478107"/>
+              <a:gd name="connsiteY2" fmla="*/ 376862 h 1273677"/>
+              <a:gd name="connsiteX3" fmla="*/ 7016261 w 9478107"/>
+              <a:gd name="connsiteY3" fmla="*/ 341693 h 1273677"/>
+              <a:gd name="connsiteX4" fmla="*/ 9478107 w 9478107"/>
+              <a:gd name="connsiteY4" fmla="*/ 350485 h 1273677"/>
+              <a:gd name="connsiteX5" fmla="*/ 9469315 w 9478107"/>
+              <a:gd name="connsiteY5" fmla="*/ 1256093 h 1273677"/>
+              <a:gd name="connsiteX6" fmla="*/ 7253653 w 9478107"/>
+              <a:gd name="connsiteY6" fmla="*/ 1247300 h 1273677"/>
+              <a:gd name="connsiteX7" fmla="*/ 4826976 w 9478107"/>
+              <a:gd name="connsiteY7" fmla="*/ 1273677 h 1273677"/>
+              <a:gd name="connsiteX8" fmla="*/ 2751992 w 9478107"/>
+              <a:gd name="connsiteY8" fmla="*/ 1264885 h 1273677"/>
+              <a:gd name="connsiteX9" fmla="*/ 0 w 9478107"/>
+              <a:gd name="connsiteY9" fmla="*/ 1212131 h 1273677"/>
+              <a:gd name="connsiteX10" fmla="*/ 8792 w 9478107"/>
+              <a:gd name="connsiteY10" fmla="*/ 350485 h 1273677"/>
+              <a:gd name="connsiteX0" fmla="*/ 8792 w 9478107"/>
+              <a:gd name="connsiteY0" fmla="*/ 350485 h 1273677"/>
+              <a:gd name="connsiteX1" fmla="*/ 2057399 w 9478107"/>
+              <a:gd name="connsiteY1" fmla="*/ 306523 h 1273677"/>
+              <a:gd name="connsiteX2" fmla="*/ 4457699 w 9478107"/>
+              <a:gd name="connsiteY2" fmla="*/ 376862 h 1273677"/>
+              <a:gd name="connsiteX3" fmla="*/ 7016261 w 9478107"/>
+              <a:gd name="connsiteY3" fmla="*/ 341693 h 1273677"/>
+              <a:gd name="connsiteX4" fmla="*/ 9478107 w 9478107"/>
+              <a:gd name="connsiteY4" fmla="*/ 350485 h 1273677"/>
+              <a:gd name="connsiteX5" fmla="*/ 9469315 w 9478107"/>
+              <a:gd name="connsiteY5" fmla="*/ 1256093 h 1273677"/>
+              <a:gd name="connsiteX6" fmla="*/ 7253653 w 9478107"/>
+              <a:gd name="connsiteY6" fmla="*/ 1247300 h 1273677"/>
+              <a:gd name="connsiteX7" fmla="*/ 4826976 w 9478107"/>
+              <a:gd name="connsiteY7" fmla="*/ 1273677 h 1273677"/>
+              <a:gd name="connsiteX8" fmla="*/ 2751992 w 9478107"/>
+              <a:gd name="connsiteY8" fmla="*/ 1264885 h 1273677"/>
+              <a:gd name="connsiteX9" fmla="*/ 0 w 9478107"/>
+              <a:gd name="connsiteY9" fmla="*/ 1212131 h 1273677"/>
+              <a:gd name="connsiteX10" fmla="*/ 8792 w 9478107"/>
+              <a:gd name="connsiteY10" fmla="*/ 350485 h 1273677"/>
+              <a:gd name="connsiteX0" fmla="*/ 8792 w 9478107"/>
+              <a:gd name="connsiteY0" fmla="*/ 346954 h 1270146"/>
+              <a:gd name="connsiteX1" fmla="*/ 2358147 w 9478107"/>
+              <a:gd name="connsiteY1" fmla="*/ 302992 h 1270146"/>
+              <a:gd name="connsiteX2" fmla="*/ 4457699 w 9478107"/>
+              <a:gd name="connsiteY2" fmla="*/ 373331 h 1270146"/>
+              <a:gd name="connsiteX3" fmla="*/ 7016261 w 9478107"/>
+              <a:gd name="connsiteY3" fmla="*/ 338162 h 1270146"/>
+              <a:gd name="connsiteX4" fmla="*/ 9478107 w 9478107"/>
+              <a:gd name="connsiteY4" fmla="*/ 346954 h 1270146"/>
+              <a:gd name="connsiteX5" fmla="*/ 9469315 w 9478107"/>
+              <a:gd name="connsiteY5" fmla="*/ 1252562 h 1270146"/>
+              <a:gd name="connsiteX6" fmla="*/ 7253653 w 9478107"/>
+              <a:gd name="connsiteY6" fmla="*/ 1243769 h 1270146"/>
+              <a:gd name="connsiteX7" fmla="*/ 4826976 w 9478107"/>
+              <a:gd name="connsiteY7" fmla="*/ 1270146 h 1270146"/>
+              <a:gd name="connsiteX8" fmla="*/ 2751992 w 9478107"/>
+              <a:gd name="connsiteY8" fmla="*/ 1261354 h 1270146"/>
+              <a:gd name="connsiteX9" fmla="*/ 0 w 9478107"/>
+              <a:gd name="connsiteY9" fmla="*/ 1208600 h 1270146"/>
+              <a:gd name="connsiteX10" fmla="*/ 8792 w 9478107"/>
+              <a:gd name="connsiteY10" fmla="*/ 346954 h 1270146"/>
+              <a:gd name="connsiteX0" fmla="*/ 8792 w 9478107"/>
+              <a:gd name="connsiteY0" fmla="*/ 346954 h 1270146"/>
+              <a:gd name="connsiteX1" fmla="*/ 2358147 w 9478107"/>
+              <a:gd name="connsiteY1" fmla="*/ 302992 h 1270146"/>
+              <a:gd name="connsiteX2" fmla="*/ 5127546 w 9478107"/>
+              <a:gd name="connsiteY2" fmla="*/ 115678 h 1270146"/>
+              <a:gd name="connsiteX3" fmla="*/ 7016261 w 9478107"/>
+              <a:gd name="connsiteY3" fmla="*/ 338162 h 1270146"/>
+              <a:gd name="connsiteX4" fmla="*/ 9478107 w 9478107"/>
+              <a:gd name="connsiteY4" fmla="*/ 346954 h 1270146"/>
+              <a:gd name="connsiteX5" fmla="*/ 9469315 w 9478107"/>
+              <a:gd name="connsiteY5" fmla="*/ 1252562 h 1270146"/>
+              <a:gd name="connsiteX6" fmla="*/ 7253653 w 9478107"/>
+              <a:gd name="connsiteY6" fmla="*/ 1243769 h 1270146"/>
+              <a:gd name="connsiteX7" fmla="*/ 4826976 w 9478107"/>
+              <a:gd name="connsiteY7" fmla="*/ 1270146 h 1270146"/>
+              <a:gd name="connsiteX8" fmla="*/ 2751992 w 9478107"/>
+              <a:gd name="connsiteY8" fmla="*/ 1261354 h 1270146"/>
+              <a:gd name="connsiteX9" fmla="*/ 0 w 9478107"/>
+              <a:gd name="connsiteY9" fmla="*/ 1208600 h 1270146"/>
+              <a:gd name="connsiteX10" fmla="*/ 8792 w 9478107"/>
+              <a:gd name="connsiteY10" fmla="*/ 346954 h 1270146"/>
+              <a:gd name="connsiteX0" fmla="*/ 8792 w 9478107"/>
+              <a:gd name="connsiteY0" fmla="*/ 346954 h 1270146"/>
+              <a:gd name="connsiteX1" fmla="*/ 2358147 w 9478107"/>
+              <a:gd name="connsiteY1" fmla="*/ 302992 h 1270146"/>
+              <a:gd name="connsiteX2" fmla="*/ 5127546 w 9478107"/>
+              <a:gd name="connsiteY2" fmla="*/ 115678 h 1270146"/>
+              <a:gd name="connsiteX3" fmla="*/ 7084613 w 9478107"/>
+              <a:gd name="connsiteY3" fmla="*/ 724642 h 1270146"/>
+              <a:gd name="connsiteX4" fmla="*/ 9478107 w 9478107"/>
+              <a:gd name="connsiteY4" fmla="*/ 346954 h 1270146"/>
+              <a:gd name="connsiteX5" fmla="*/ 9469315 w 9478107"/>
+              <a:gd name="connsiteY5" fmla="*/ 1252562 h 1270146"/>
+              <a:gd name="connsiteX6" fmla="*/ 7253653 w 9478107"/>
+              <a:gd name="connsiteY6" fmla="*/ 1243769 h 1270146"/>
+              <a:gd name="connsiteX7" fmla="*/ 4826976 w 9478107"/>
+              <a:gd name="connsiteY7" fmla="*/ 1270146 h 1270146"/>
+              <a:gd name="connsiteX8" fmla="*/ 2751992 w 9478107"/>
+              <a:gd name="connsiteY8" fmla="*/ 1261354 h 1270146"/>
+              <a:gd name="connsiteX9" fmla="*/ 0 w 9478107"/>
+              <a:gd name="connsiteY9" fmla="*/ 1208600 h 1270146"/>
+              <a:gd name="connsiteX10" fmla="*/ 8792 w 9478107"/>
+              <a:gd name="connsiteY10" fmla="*/ 346954 h 1270146"/>
+              <a:gd name="connsiteX0" fmla="*/ 8792 w 9478107"/>
+              <a:gd name="connsiteY0" fmla="*/ 346954 h 1270146"/>
+              <a:gd name="connsiteX1" fmla="*/ 2358147 w 9478107"/>
+              <a:gd name="connsiteY1" fmla="*/ 302992 h 1270146"/>
+              <a:gd name="connsiteX2" fmla="*/ 5127546 w 9478107"/>
+              <a:gd name="connsiteY2" fmla="*/ 115678 h 1270146"/>
+              <a:gd name="connsiteX3" fmla="*/ 7084613 w 9478107"/>
+              <a:gd name="connsiteY3" fmla="*/ 647346 h 1270146"/>
+              <a:gd name="connsiteX4" fmla="*/ 9478107 w 9478107"/>
+              <a:gd name="connsiteY4" fmla="*/ 346954 h 1270146"/>
+              <a:gd name="connsiteX5" fmla="*/ 9469315 w 9478107"/>
+              <a:gd name="connsiteY5" fmla="*/ 1252562 h 1270146"/>
+              <a:gd name="connsiteX6" fmla="*/ 7253653 w 9478107"/>
+              <a:gd name="connsiteY6" fmla="*/ 1243769 h 1270146"/>
+              <a:gd name="connsiteX7" fmla="*/ 4826976 w 9478107"/>
+              <a:gd name="connsiteY7" fmla="*/ 1270146 h 1270146"/>
+              <a:gd name="connsiteX8" fmla="*/ 2751992 w 9478107"/>
+              <a:gd name="connsiteY8" fmla="*/ 1261354 h 1270146"/>
+              <a:gd name="connsiteX9" fmla="*/ 0 w 9478107"/>
+              <a:gd name="connsiteY9" fmla="*/ 1208600 h 1270146"/>
+              <a:gd name="connsiteX10" fmla="*/ 8792 w 9478107"/>
+              <a:gd name="connsiteY10" fmla="*/ 346954 h 1270146"/>
+              <a:gd name="connsiteX0" fmla="*/ 8792 w 9478107"/>
+              <a:gd name="connsiteY0" fmla="*/ 346954 h 1270146"/>
+              <a:gd name="connsiteX1" fmla="*/ 2358147 w 9478107"/>
+              <a:gd name="connsiteY1" fmla="*/ 302992 h 1270146"/>
+              <a:gd name="connsiteX2" fmla="*/ 5127546 w 9478107"/>
+              <a:gd name="connsiteY2" fmla="*/ 115678 h 1270146"/>
+              <a:gd name="connsiteX3" fmla="*/ 7084613 w 9478107"/>
+              <a:gd name="connsiteY3" fmla="*/ 647346 h 1270146"/>
+              <a:gd name="connsiteX4" fmla="*/ 8755857 w 9478107"/>
+              <a:gd name="connsiteY4" fmla="*/ 446231 h 1270146"/>
+              <a:gd name="connsiteX5" fmla="*/ 9478107 w 9478107"/>
+              <a:gd name="connsiteY5" fmla="*/ 346954 h 1270146"/>
+              <a:gd name="connsiteX6" fmla="*/ 9469315 w 9478107"/>
+              <a:gd name="connsiteY6" fmla="*/ 1252562 h 1270146"/>
+              <a:gd name="connsiteX7" fmla="*/ 7253653 w 9478107"/>
+              <a:gd name="connsiteY7" fmla="*/ 1243769 h 1270146"/>
+              <a:gd name="connsiteX8" fmla="*/ 4826976 w 9478107"/>
+              <a:gd name="connsiteY8" fmla="*/ 1270146 h 1270146"/>
+              <a:gd name="connsiteX9" fmla="*/ 2751992 w 9478107"/>
+              <a:gd name="connsiteY9" fmla="*/ 1261354 h 1270146"/>
+              <a:gd name="connsiteX10" fmla="*/ 0 w 9478107"/>
+              <a:gd name="connsiteY10" fmla="*/ 1208600 h 1270146"/>
+              <a:gd name="connsiteX11" fmla="*/ 8792 w 9478107"/>
+              <a:gd name="connsiteY11" fmla="*/ 346954 h 1270146"/>
+              <a:gd name="connsiteX0" fmla="*/ 8792 w 9478107"/>
+              <a:gd name="connsiteY0" fmla="*/ 346954 h 1270146"/>
+              <a:gd name="connsiteX1" fmla="*/ 2358147 w 9478107"/>
+              <a:gd name="connsiteY1" fmla="*/ 302992 h 1270146"/>
+              <a:gd name="connsiteX2" fmla="*/ 5127546 w 9478107"/>
+              <a:gd name="connsiteY2" fmla="*/ 115678 h 1270146"/>
+              <a:gd name="connsiteX3" fmla="*/ 7084613 w 9478107"/>
+              <a:gd name="connsiteY3" fmla="*/ 647346 h 1270146"/>
+              <a:gd name="connsiteX4" fmla="*/ 8557637 w 9478107"/>
+              <a:gd name="connsiteY4" fmla="*/ 716768 h 1270146"/>
+              <a:gd name="connsiteX5" fmla="*/ 9478107 w 9478107"/>
+              <a:gd name="connsiteY5" fmla="*/ 346954 h 1270146"/>
+              <a:gd name="connsiteX6" fmla="*/ 9469315 w 9478107"/>
+              <a:gd name="connsiteY6" fmla="*/ 1252562 h 1270146"/>
+              <a:gd name="connsiteX7" fmla="*/ 7253653 w 9478107"/>
+              <a:gd name="connsiteY7" fmla="*/ 1243769 h 1270146"/>
+              <a:gd name="connsiteX8" fmla="*/ 4826976 w 9478107"/>
+              <a:gd name="connsiteY8" fmla="*/ 1270146 h 1270146"/>
+              <a:gd name="connsiteX9" fmla="*/ 2751992 w 9478107"/>
+              <a:gd name="connsiteY9" fmla="*/ 1261354 h 1270146"/>
+              <a:gd name="connsiteX10" fmla="*/ 0 w 9478107"/>
+              <a:gd name="connsiteY10" fmla="*/ 1208600 h 1270146"/>
+              <a:gd name="connsiteX11" fmla="*/ 8792 w 9478107"/>
+              <a:gd name="connsiteY11" fmla="*/ 346954 h 1270146"/>
+              <a:gd name="connsiteX0" fmla="*/ 15627 w 9484942"/>
+              <a:gd name="connsiteY0" fmla="*/ 346954 h 1277035"/>
+              <a:gd name="connsiteX1" fmla="*/ 2364982 w 9484942"/>
+              <a:gd name="connsiteY1" fmla="*/ 302992 h 1277035"/>
+              <a:gd name="connsiteX2" fmla="*/ 5134381 w 9484942"/>
+              <a:gd name="connsiteY2" fmla="*/ 115678 h 1277035"/>
+              <a:gd name="connsiteX3" fmla="*/ 7091448 w 9484942"/>
+              <a:gd name="connsiteY3" fmla="*/ 647346 h 1277035"/>
+              <a:gd name="connsiteX4" fmla="*/ 8564472 w 9484942"/>
+              <a:gd name="connsiteY4" fmla="*/ 716768 h 1277035"/>
+              <a:gd name="connsiteX5" fmla="*/ 9484942 w 9484942"/>
+              <a:gd name="connsiteY5" fmla="*/ 346954 h 1277035"/>
+              <a:gd name="connsiteX6" fmla="*/ 9476150 w 9484942"/>
+              <a:gd name="connsiteY6" fmla="*/ 1252562 h 1277035"/>
+              <a:gd name="connsiteX7" fmla="*/ 7260488 w 9484942"/>
+              <a:gd name="connsiteY7" fmla="*/ 1243769 h 1277035"/>
+              <a:gd name="connsiteX8" fmla="*/ 4833811 w 9484942"/>
+              <a:gd name="connsiteY8" fmla="*/ 1270146 h 1277035"/>
+              <a:gd name="connsiteX9" fmla="*/ 2758827 w 9484942"/>
+              <a:gd name="connsiteY9" fmla="*/ 1261354 h 1277035"/>
+              <a:gd name="connsiteX10" fmla="*/ 0 w 9484942"/>
+              <a:gd name="connsiteY10" fmla="*/ 1273013 h 1277035"/>
+              <a:gd name="connsiteX11" fmla="*/ 15627 w 9484942"/>
+              <a:gd name="connsiteY11" fmla="*/ 346954 h 1277035"/>
+              <a:gd name="connsiteX0" fmla="*/ 15627 w 9484942"/>
+              <a:gd name="connsiteY0" fmla="*/ 346954 h 1300002"/>
+              <a:gd name="connsiteX1" fmla="*/ 2364982 w 9484942"/>
+              <a:gd name="connsiteY1" fmla="*/ 302992 h 1300002"/>
+              <a:gd name="connsiteX2" fmla="*/ 5134381 w 9484942"/>
+              <a:gd name="connsiteY2" fmla="*/ 115678 h 1300002"/>
+              <a:gd name="connsiteX3" fmla="*/ 7091448 w 9484942"/>
+              <a:gd name="connsiteY3" fmla="*/ 647346 h 1300002"/>
+              <a:gd name="connsiteX4" fmla="*/ 8564472 w 9484942"/>
+              <a:gd name="connsiteY4" fmla="*/ 716768 h 1300002"/>
+              <a:gd name="connsiteX5" fmla="*/ 9484942 w 9484942"/>
+              <a:gd name="connsiteY5" fmla="*/ 346954 h 1300002"/>
+              <a:gd name="connsiteX6" fmla="*/ 9476150 w 9484942"/>
+              <a:gd name="connsiteY6" fmla="*/ 1252562 h 1300002"/>
+              <a:gd name="connsiteX7" fmla="*/ 7260488 w 9484942"/>
+              <a:gd name="connsiteY7" fmla="*/ 1243769 h 1300002"/>
+              <a:gd name="connsiteX8" fmla="*/ 4833811 w 9484942"/>
+              <a:gd name="connsiteY8" fmla="*/ 1270146 h 1300002"/>
+              <a:gd name="connsiteX9" fmla="*/ 2779333 w 9484942"/>
+              <a:gd name="connsiteY9" fmla="*/ 1300002 h 1300002"/>
+              <a:gd name="connsiteX10" fmla="*/ 0 w 9484942"/>
+              <a:gd name="connsiteY10" fmla="*/ 1273013 h 1300002"/>
+              <a:gd name="connsiteX11" fmla="*/ 15627 w 9484942"/>
+              <a:gd name="connsiteY11" fmla="*/ 346954 h 1300002"/>
+              <a:gd name="connsiteX0" fmla="*/ 15627 w 9484942"/>
+              <a:gd name="connsiteY0" fmla="*/ 346954 h 1346830"/>
+              <a:gd name="connsiteX1" fmla="*/ 2364982 w 9484942"/>
+              <a:gd name="connsiteY1" fmla="*/ 302992 h 1346830"/>
+              <a:gd name="connsiteX2" fmla="*/ 5134381 w 9484942"/>
+              <a:gd name="connsiteY2" fmla="*/ 115678 h 1346830"/>
+              <a:gd name="connsiteX3" fmla="*/ 7091448 w 9484942"/>
+              <a:gd name="connsiteY3" fmla="*/ 647346 h 1346830"/>
+              <a:gd name="connsiteX4" fmla="*/ 8564472 w 9484942"/>
+              <a:gd name="connsiteY4" fmla="*/ 716768 h 1346830"/>
+              <a:gd name="connsiteX5" fmla="*/ 9484942 w 9484942"/>
+              <a:gd name="connsiteY5" fmla="*/ 346954 h 1346830"/>
+              <a:gd name="connsiteX6" fmla="*/ 9476150 w 9484942"/>
+              <a:gd name="connsiteY6" fmla="*/ 1252562 h 1346830"/>
+              <a:gd name="connsiteX7" fmla="*/ 7267323 w 9484942"/>
+              <a:gd name="connsiteY7" fmla="*/ 1346830 h 1346830"/>
+              <a:gd name="connsiteX8" fmla="*/ 4833811 w 9484942"/>
+              <a:gd name="connsiteY8" fmla="*/ 1270146 h 1346830"/>
+              <a:gd name="connsiteX9" fmla="*/ 2779333 w 9484942"/>
+              <a:gd name="connsiteY9" fmla="*/ 1300002 h 1346830"/>
+              <a:gd name="connsiteX10" fmla="*/ 0 w 9484942"/>
+              <a:gd name="connsiteY10" fmla="*/ 1273013 h 1346830"/>
+              <a:gd name="connsiteX11" fmla="*/ 15627 w 9484942"/>
+              <a:gd name="connsiteY11" fmla="*/ 346954 h 1346830"/>
+              <a:gd name="connsiteX0" fmla="*/ 15627 w 9484942"/>
+              <a:gd name="connsiteY0" fmla="*/ 346954 h 1308182"/>
+              <a:gd name="connsiteX1" fmla="*/ 2364982 w 9484942"/>
+              <a:gd name="connsiteY1" fmla="*/ 302992 h 1308182"/>
+              <a:gd name="connsiteX2" fmla="*/ 5134381 w 9484942"/>
+              <a:gd name="connsiteY2" fmla="*/ 115678 h 1308182"/>
+              <a:gd name="connsiteX3" fmla="*/ 7091448 w 9484942"/>
+              <a:gd name="connsiteY3" fmla="*/ 647346 h 1308182"/>
+              <a:gd name="connsiteX4" fmla="*/ 8564472 w 9484942"/>
+              <a:gd name="connsiteY4" fmla="*/ 716768 h 1308182"/>
+              <a:gd name="connsiteX5" fmla="*/ 9484942 w 9484942"/>
+              <a:gd name="connsiteY5" fmla="*/ 346954 h 1308182"/>
+              <a:gd name="connsiteX6" fmla="*/ 9476150 w 9484942"/>
+              <a:gd name="connsiteY6" fmla="*/ 1252562 h 1308182"/>
+              <a:gd name="connsiteX7" fmla="*/ 7246817 w 9484942"/>
+              <a:gd name="connsiteY7" fmla="*/ 1308182 h 1308182"/>
+              <a:gd name="connsiteX8" fmla="*/ 4833811 w 9484942"/>
+              <a:gd name="connsiteY8" fmla="*/ 1270146 h 1308182"/>
+              <a:gd name="connsiteX9" fmla="*/ 2779333 w 9484942"/>
+              <a:gd name="connsiteY9" fmla="*/ 1300002 h 1308182"/>
+              <a:gd name="connsiteX10" fmla="*/ 0 w 9484942"/>
+              <a:gd name="connsiteY10" fmla="*/ 1273013 h 1308182"/>
+              <a:gd name="connsiteX11" fmla="*/ 15627 w 9484942"/>
+              <a:gd name="connsiteY11" fmla="*/ 346954 h 1308182"/>
+              <a:gd name="connsiteX0" fmla="*/ 15627 w 9496987"/>
+              <a:gd name="connsiteY0" fmla="*/ 346954 h 1316976"/>
+              <a:gd name="connsiteX1" fmla="*/ 2364982 w 9496987"/>
+              <a:gd name="connsiteY1" fmla="*/ 302992 h 1316976"/>
+              <a:gd name="connsiteX2" fmla="*/ 5134381 w 9496987"/>
+              <a:gd name="connsiteY2" fmla="*/ 115678 h 1316976"/>
+              <a:gd name="connsiteX3" fmla="*/ 7091448 w 9496987"/>
+              <a:gd name="connsiteY3" fmla="*/ 647346 h 1316976"/>
+              <a:gd name="connsiteX4" fmla="*/ 8564472 w 9496987"/>
+              <a:gd name="connsiteY4" fmla="*/ 716768 h 1316976"/>
+              <a:gd name="connsiteX5" fmla="*/ 9484942 w 9496987"/>
+              <a:gd name="connsiteY5" fmla="*/ 346954 h 1316976"/>
+              <a:gd name="connsiteX6" fmla="*/ 9496656 w 9496987"/>
+              <a:gd name="connsiteY6" fmla="*/ 1316976 h 1316976"/>
+              <a:gd name="connsiteX7" fmla="*/ 7246817 w 9496987"/>
+              <a:gd name="connsiteY7" fmla="*/ 1308182 h 1316976"/>
+              <a:gd name="connsiteX8" fmla="*/ 4833811 w 9496987"/>
+              <a:gd name="connsiteY8" fmla="*/ 1270146 h 1316976"/>
+              <a:gd name="connsiteX9" fmla="*/ 2779333 w 9496987"/>
+              <a:gd name="connsiteY9" fmla="*/ 1300002 h 1316976"/>
+              <a:gd name="connsiteX10" fmla="*/ 0 w 9496987"/>
+              <a:gd name="connsiteY10" fmla="*/ 1273013 h 1316976"/>
+              <a:gd name="connsiteX11" fmla="*/ 15627 w 9496987"/>
+              <a:gd name="connsiteY11" fmla="*/ 346954 h 1316976"/>
+            </a:gdLst>
+            <a:ahLst/>
+            <a:cxnLst>
+              <a:cxn ang="0">
+                <a:pos x="connsiteX0" y="connsiteY0"/>
+              </a:cxn>
+              <a:cxn ang="0">
+                <a:pos x="connsiteX1" y="connsiteY1"/>
+              </a:cxn>
+              <a:cxn ang="0">
+                <a:pos x="connsiteX2" y="connsiteY2"/>
+              </a:cxn>
+              <a:cxn ang="0">
+                <a:pos x="connsiteX3" y="connsiteY3"/>
+              </a:cxn>
+              <a:cxn ang="0">
+                <a:pos x="connsiteX4" y="connsiteY4"/>
+              </a:cxn>
+              <a:cxn ang="0">
+                <a:pos x="connsiteX5" y="connsiteY5"/>
+              </a:cxn>
+              <a:cxn ang="0">
+                <a:pos x="connsiteX6" y="connsiteY6"/>
+              </a:cxn>
+              <a:cxn ang="0">
+                <a:pos x="connsiteX7" y="connsiteY7"/>
+              </a:cxn>
+              <a:cxn ang="0">
+                <a:pos x="connsiteX8" y="connsiteY8"/>
+              </a:cxn>
+              <a:cxn ang="0">
+                <a:pos x="connsiteX9" y="connsiteY9"/>
+              </a:cxn>
+              <a:cxn ang="0">
+                <a:pos x="connsiteX10" y="connsiteY10"/>
+              </a:cxn>
+              <a:cxn ang="0">
+                <a:pos x="connsiteX11" y="connsiteY11"/>
+              </a:cxn>
+            </a:cxnLst>
+            <a:rect l="l" t="t" r="r" b="b"/>
+            <a:pathLst>
+              <a:path w="9496987" h="1316976">
+                <a:moveTo>
+                  <a:pt x="15627" y="346954"/>
+                </a:moveTo>
+                <a:cubicBezTo>
+                  <a:pt x="677981" y="352815"/>
+                  <a:pt x="1280597" y="-406254"/>
+                  <a:pt x="2364982" y="302992"/>
+                </a:cubicBezTo>
+                <a:cubicBezTo>
+                  <a:pt x="3590042" y="1000515"/>
+                  <a:pt x="4346637" y="58286"/>
+                  <a:pt x="5134381" y="115678"/>
+                </a:cubicBezTo>
+                <a:cubicBezTo>
+                  <a:pt x="5922125" y="173070"/>
+                  <a:pt x="6479894" y="562194"/>
+                  <a:pt x="7091448" y="647346"/>
+                </a:cubicBezTo>
+                <a:cubicBezTo>
+                  <a:pt x="7703002" y="732498"/>
+                  <a:pt x="8165556" y="766833"/>
+                  <a:pt x="8564472" y="716768"/>
+                </a:cubicBezTo>
+                <a:cubicBezTo>
+                  <a:pt x="8963388" y="666703"/>
+                  <a:pt x="9372868" y="242625"/>
+                  <a:pt x="9484942" y="346954"/>
+                </a:cubicBezTo>
+                <a:cubicBezTo>
+                  <a:pt x="9482011" y="648823"/>
+                  <a:pt x="9499587" y="1015107"/>
+                  <a:pt x="9496656" y="1316976"/>
+                </a:cubicBezTo>
+                <a:lnTo>
+                  <a:pt x="7246817" y="1308182"/>
+                </a:lnTo>
+                <a:lnTo>
+                  <a:pt x="4833811" y="1270146"/>
+                </a:lnTo>
+                <a:lnTo>
+                  <a:pt x="2779333" y="1300002"/>
+                </a:lnTo>
+                <a:lnTo>
+                  <a:pt x="0" y="1273013"/>
+                </a:lnTo>
+                <a:cubicBezTo>
+                  <a:pt x="2931" y="988728"/>
+                  <a:pt x="3903" y="648823"/>
+                  <a:pt x="15627" y="346954"/>
+                </a:cubicBezTo>
+                <a:close/>
+              </a:path>
+            </a:pathLst>
+          </a:custGeom>
+          <a:gradFill flip="none" rotWithShape="1">
+            <a:gsLst>
+              <a:gs pos="0">
+                <a:schemeClr val="accent4">
+                  <a:lumMod val="20000"/>
+                  <a:lumOff val="80000"/>
+                </a:schemeClr>
+              </a:gs>
+              <a:gs pos="50000">
+                <a:schemeClr val="bg1"/>
+              </a:gs>
+              <a:gs pos="100000">
+                <a:schemeClr val="accent4">
+                  <a:lumMod val="20000"/>
+                  <a:lumOff val="80000"/>
+                </a:schemeClr>
+              </a:gs>
+            </a:gsLst>
+            <a:lin ang="0" scaled="1"/>
+            <a:tileRect/>
+          </a:gradFill>
+          <a:ln w="15875">
+            <a:solidFill>
+              <a:schemeClr val="accent1">
+                <a:alpha val="0"/>
+              </a:schemeClr>
+            </a:solidFill>
+          </a:ln>
+          <a:effectLst>
+            <a:glow>
+              <a:srgbClr val="FFFF00"/>
+            </a:glow>
+            <a:outerShdw algn="ctr" rotWithShape="0">
+              <a:schemeClr val="tx1"/>
+            </a:outerShdw>
+          </a:effectLst>
+          <a:scene3d>
+            <a:camera prst="orthographicFront"/>
+            <a:lightRig rig="threePt" dir="t"/>
+          </a:scene3d>
+          <a:sp3d>
+            <a:bevelT w="0"/>
+          </a:sp3d>
+        </p:spPr>
+        <p:style>
+          <a:lnRef idx="2">
+            <a:schemeClr val="accent1">
+              <a:shade val="15000"/>
+            </a:schemeClr>
+          </a:lnRef>
+          <a:fillRef idx="1">
+            <a:schemeClr val="accent1"/>
+          </a:fillRef>
+          <a:effectRef idx="0">
+            <a:schemeClr val="accent1"/>
+          </a:effectRef>
+          <a:fontRef idx="minor">
+            <a:schemeClr val="lt1"/>
+          </a:fontRef>
+        </p:style>
+        <p:txBody>
+          <a:bodyPr rtlCol="0" anchor="ctr"/>
+          <a:lstStyle/>
+          <a:p>
+            <a:pPr algn="ctr"/>
+            <a:endParaRPr lang="en-GB" dirty="0"/>
+          </a:p>
+        </p:txBody>
+      </p:sp>
+      <p:sp>
+        <p:nvSpPr>
+          <p:cNvPr id="10" name="Free-form: Shape 13">
+            <a:extLst>
+              <a:ext uri="{FF2B5EF4-FFF2-40B4-BE49-F238E27FC236}">
+                <a16:creationId xmlns:a16="http://schemas.microsoft.com/office/drawing/2014/main" id="{0DF2E086-1F77-7ADA-A072-C1020548044D}"/>
+              </a:ext>
+            </a:extLst>
+          </p:cNvPr>
+          <p:cNvSpPr/>
+          <p:nvPr/>
+        </p:nvSpPr>
+        <p:spPr>
+          <a:xfrm rot="10800000">
+            <a:off x="-2090" y="-10376"/>
+            <a:ext cx="12192000" cy="898826"/>
+          </a:xfrm>
+          <a:custGeom>
+            <a:avLst/>
+            <a:gdLst>
+              <a:gd name="connsiteX0" fmla="*/ 17585 w 9486900"/>
+              <a:gd name="connsiteY0" fmla="*/ 8792 h 931984"/>
+              <a:gd name="connsiteX1" fmla="*/ 2004646 w 9486900"/>
+              <a:gd name="connsiteY1" fmla="*/ 26376 h 931984"/>
+              <a:gd name="connsiteX2" fmla="*/ 4466492 w 9486900"/>
+              <a:gd name="connsiteY2" fmla="*/ 35169 h 931984"/>
+              <a:gd name="connsiteX3" fmla="*/ 7025054 w 9486900"/>
+              <a:gd name="connsiteY3" fmla="*/ 0 h 931984"/>
+              <a:gd name="connsiteX4" fmla="*/ 9486900 w 9486900"/>
+              <a:gd name="connsiteY4" fmla="*/ 8792 h 931984"/>
+              <a:gd name="connsiteX5" fmla="*/ 9478108 w 9486900"/>
+              <a:gd name="connsiteY5" fmla="*/ 914400 h 931984"/>
+              <a:gd name="connsiteX6" fmla="*/ 7262446 w 9486900"/>
+              <a:gd name="connsiteY6" fmla="*/ 905607 h 931984"/>
+              <a:gd name="connsiteX7" fmla="*/ 4835769 w 9486900"/>
+              <a:gd name="connsiteY7" fmla="*/ 931984 h 931984"/>
+              <a:gd name="connsiteX8" fmla="*/ 2760785 w 9486900"/>
+              <a:gd name="connsiteY8" fmla="*/ 923192 h 931984"/>
+              <a:gd name="connsiteX9" fmla="*/ 0 w 9486900"/>
+              <a:gd name="connsiteY9" fmla="*/ 879230 h 931984"/>
+              <a:gd name="connsiteX10" fmla="*/ 17585 w 9486900"/>
+              <a:gd name="connsiteY10" fmla="*/ 8792 h 931984"/>
+              <a:gd name="connsiteX0" fmla="*/ 17585 w 9486900"/>
+              <a:gd name="connsiteY0" fmla="*/ 168095 h 1091287"/>
+              <a:gd name="connsiteX1" fmla="*/ 2004646 w 9486900"/>
+              <a:gd name="connsiteY1" fmla="*/ 185679 h 1091287"/>
+              <a:gd name="connsiteX2" fmla="*/ 4466492 w 9486900"/>
+              <a:gd name="connsiteY2" fmla="*/ 194472 h 1091287"/>
+              <a:gd name="connsiteX3" fmla="*/ 7025054 w 9486900"/>
+              <a:gd name="connsiteY3" fmla="*/ 159303 h 1091287"/>
+              <a:gd name="connsiteX4" fmla="*/ 9486900 w 9486900"/>
+              <a:gd name="connsiteY4" fmla="*/ 168095 h 1091287"/>
+              <a:gd name="connsiteX5" fmla="*/ 9478108 w 9486900"/>
+              <a:gd name="connsiteY5" fmla="*/ 1073703 h 1091287"/>
+              <a:gd name="connsiteX6" fmla="*/ 7262446 w 9486900"/>
+              <a:gd name="connsiteY6" fmla="*/ 1064910 h 1091287"/>
+              <a:gd name="connsiteX7" fmla="*/ 4835769 w 9486900"/>
+              <a:gd name="connsiteY7" fmla="*/ 1091287 h 1091287"/>
+              <a:gd name="connsiteX8" fmla="*/ 2760785 w 9486900"/>
+              <a:gd name="connsiteY8" fmla="*/ 1082495 h 1091287"/>
+              <a:gd name="connsiteX9" fmla="*/ 0 w 9486900"/>
+              <a:gd name="connsiteY9" fmla="*/ 1038533 h 1091287"/>
+              <a:gd name="connsiteX10" fmla="*/ 17585 w 9486900"/>
+              <a:gd name="connsiteY10" fmla="*/ 168095 h 1091287"/>
+              <a:gd name="connsiteX0" fmla="*/ 17585 w 9486900"/>
+              <a:gd name="connsiteY0" fmla="*/ 234508 h 1157700"/>
+              <a:gd name="connsiteX1" fmla="*/ 2004646 w 9486900"/>
+              <a:gd name="connsiteY1" fmla="*/ 252092 h 1157700"/>
+              <a:gd name="connsiteX2" fmla="*/ 4466492 w 9486900"/>
+              <a:gd name="connsiteY2" fmla="*/ 260885 h 1157700"/>
+              <a:gd name="connsiteX3" fmla="*/ 7025054 w 9486900"/>
+              <a:gd name="connsiteY3" fmla="*/ 225716 h 1157700"/>
+              <a:gd name="connsiteX4" fmla="*/ 9486900 w 9486900"/>
+              <a:gd name="connsiteY4" fmla="*/ 234508 h 1157700"/>
+              <a:gd name="connsiteX5" fmla="*/ 9478108 w 9486900"/>
+              <a:gd name="connsiteY5" fmla="*/ 1140116 h 1157700"/>
+              <a:gd name="connsiteX6" fmla="*/ 7262446 w 9486900"/>
+              <a:gd name="connsiteY6" fmla="*/ 1131323 h 1157700"/>
+              <a:gd name="connsiteX7" fmla="*/ 4835769 w 9486900"/>
+              <a:gd name="connsiteY7" fmla="*/ 1157700 h 1157700"/>
+              <a:gd name="connsiteX8" fmla="*/ 2760785 w 9486900"/>
+              <a:gd name="connsiteY8" fmla="*/ 1148908 h 1157700"/>
+              <a:gd name="connsiteX9" fmla="*/ 0 w 9486900"/>
+              <a:gd name="connsiteY9" fmla="*/ 1104946 h 1157700"/>
+              <a:gd name="connsiteX10" fmla="*/ 17585 w 9486900"/>
+              <a:gd name="connsiteY10" fmla="*/ 234508 h 1157700"/>
+              <a:gd name="connsiteX0" fmla="*/ 17585 w 9486900"/>
+              <a:gd name="connsiteY0" fmla="*/ 375168 h 1298360"/>
+              <a:gd name="connsiteX1" fmla="*/ 2004646 w 9486900"/>
+              <a:gd name="connsiteY1" fmla="*/ 392752 h 1298360"/>
+              <a:gd name="connsiteX2" fmla="*/ 4466492 w 9486900"/>
+              <a:gd name="connsiteY2" fmla="*/ 401545 h 1298360"/>
+              <a:gd name="connsiteX3" fmla="*/ 7025054 w 9486900"/>
+              <a:gd name="connsiteY3" fmla="*/ 366376 h 1298360"/>
+              <a:gd name="connsiteX4" fmla="*/ 9486900 w 9486900"/>
+              <a:gd name="connsiteY4" fmla="*/ 375168 h 1298360"/>
+              <a:gd name="connsiteX5" fmla="*/ 9478108 w 9486900"/>
+              <a:gd name="connsiteY5" fmla="*/ 1280776 h 1298360"/>
+              <a:gd name="connsiteX6" fmla="*/ 7262446 w 9486900"/>
+              <a:gd name="connsiteY6" fmla="*/ 1271983 h 1298360"/>
+              <a:gd name="connsiteX7" fmla="*/ 4835769 w 9486900"/>
+              <a:gd name="connsiteY7" fmla="*/ 1298360 h 1298360"/>
+              <a:gd name="connsiteX8" fmla="*/ 2760785 w 9486900"/>
+              <a:gd name="connsiteY8" fmla="*/ 1289568 h 1298360"/>
+              <a:gd name="connsiteX9" fmla="*/ 0 w 9486900"/>
+              <a:gd name="connsiteY9" fmla="*/ 1245606 h 1298360"/>
+              <a:gd name="connsiteX10" fmla="*/ 17585 w 9486900"/>
+              <a:gd name="connsiteY10" fmla="*/ 375168 h 1298360"/>
+              <a:gd name="connsiteX0" fmla="*/ 17585 w 9486900"/>
+              <a:gd name="connsiteY0" fmla="*/ 375168 h 1298360"/>
+              <a:gd name="connsiteX1" fmla="*/ 2004646 w 9486900"/>
+              <a:gd name="connsiteY1" fmla="*/ 392752 h 1298360"/>
+              <a:gd name="connsiteX2" fmla="*/ 4466492 w 9486900"/>
+              <a:gd name="connsiteY2" fmla="*/ 401545 h 1298360"/>
+              <a:gd name="connsiteX3" fmla="*/ 7025054 w 9486900"/>
+              <a:gd name="connsiteY3" fmla="*/ 366376 h 1298360"/>
+              <a:gd name="connsiteX4" fmla="*/ 9486900 w 9486900"/>
+              <a:gd name="connsiteY4" fmla="*/ 375168 h 1298360"/>
+              <a:gd name="connsiteX5" fmla="*/ 9478108 w 9486900"/>
+              <a:gd name="connsiteY5" fmla="*/ 1280776 h 1298360"/>
+              <a:gd name="connsiteX6" fmla="*/ 7262446 w 9486900"/>
+              <a:gd name="connsiteY6" fmla="*/ 1271983 h 1298360"/>
+              <a:gd name="connsiteX7" fmla="*/ 4835769 w 9486900"/>
+              <a:gd name="connsiteY7" fmla="*/ 1298360 h 1298360"/>
+              <a:gd name="connsiteX8" fmla="*/ 2760785 w 9486900"/>
+              <a:gd name="connsiteY8" fmla="*/ 1289568 h 1298360"/>
+              <a:gd name="connsiteX9" fmla="*/ 0 w 9486900"/>
+              <a:gd name="connsiteY9" fmla="*/ 1245606 h 1298360"/>
+              <a:gd name="connsiteX10" fmla="*/ 17585 w 9486900"/>
+              <a:gd name="connsiteY10" fmla="*/ 375168 h 1298360"/>
+              <a:gd name="connsiteX0" fmla="*/ 17585 w 9486900"/>
+              <a:gd name="connsiteY0" fmla="*/ 375168 h 1298360"/>
+              <a:gd name="connsiteX1" fmla="*/ 2004646 w 9486900"/>
+              <a:gd name="connsiteY1" fmla="*/ 392752 h 1298360"/>
+              <a:gd name="connsiteX2" fmla="*/ 4466492 w 9486900"/>
+              <a:gd name="connsiteY2" fmla="*/ 401545 h 1298360"/>
+              <a:gd name="connsiteX3" fmla="*/ 7025054 w 9486900"/>
+              <a:gd name="connsiteY3" fmla="*/ 366376 h 1298360"/>
+              <a:gd name="connsiteX4" fmla="*/ 9486900 w 9486900"/>
+              <a:gd name="connsiteY4" fmla="*/ 375168 h 1298360"/>
+              <a:gd name="connsiteX5" fmla="*/ 9478108 w 9486900"/>
+              <a:gd name="connsiteY5" fmla="*/ 1280776 h 1298360"/>
+              <a:gd name="connsiteX6" fmla="*/ 7262446 w 9486900"/>
+              <a:gd name="connsiteY6" fmla="*/ 1271983 h 1298360"/>
+              <a:gd name="connsiteX7" fmla="*/ 4835769 w 9486900"/>
+              <a:gd name="connsiteY7" fmla="*/ 1298360 h 1298360"/>
+              <a:gd name="connsiteX8" fmla="*/ 2760785 w 9486900"/>
+              <a:gd name="connsiteY8" fmla="*/ 1289568 h 1298360"/>
+              <a:gd name="connsiteX9" fmla="*/ 0 w 9486900"/>
+              <a:gd name="connsiteY9" fmla="*/ 1245606 h 1298360"/>
+              <a:gd name="connsiteX10" fmla="*/ 17585 w 9486900"/>
+              <a:gd name="connsiteY10" fmla="*/ 375168 h 1298360"/>
+              <a:gd name="connsiteX0" fmla="*/ 17585 w 9486900"/>
+              <a:gd name="connsiteY0" fmla="*/ 375168 h 1298360"/>
+              <a:gd name="connsiteX1" fmla="*/ 2004646 w 9486900"/>
+              <a:gd name="connsiteY1" fmla="*/ 392752 h 1298360"/>
+              <a:gd name="connsiteX2" fmla="*/ 4466492 w 9486900"/>
+              <a:gd name="connsiteY2" fmla="*/ 401545 h 1298360"/>
+              <a:gd name="connsiteX3" fmla="*/ 7025054 w 9486900"/>
+              <a:gd name="connsiteY3" fmla="*/ 366376 h 1298360"/>
+              <a:gd name="connsiteX4" fmla="*/ 9486900 w 9486900"/>
+              <a:gd name="connsiteY4" fmla="*/ 375168 h 1298360"/>
+              <a:gd name="connsiteX5" fmla="*/ 9478108 w 9486900"/>
+              <a:gd name="connsiteY5" fmla="*/ 1280776 h 1298360"/>
+              <a:gd name="connsiteX6" fmla="*/ 7262446 w 9486900"/>
+              <a:gd name="connsiteY6" fmla="*/ 1271983 h 1298360"/>
+              <a:gd name="connsiteX7" fmla="*/ 4835769 w 9486900"/>
+              <a:gd name="connsiteY7" fmla="*/ 1298360 h 1298360"/>
+              <a:gd name="connsiteX8" fmla="*/ 2760785 w 9486900"/>
+              <a:gd name="connsiteY8" fmla="*/ 1289568 h 1298360"/>
+              <a:gd name="connsiteX9" fmla="*/ 0 w 9486900"/>
+              <a:gd name="connsiteY9" fmla="*/ 1245606 h 1298360"/>
+              <a:gd name="connsiteX10" fmla="*/ 17585 w 9486900"/>
+              <a:gd name="connsiteY10" fmla="*/ 375168 h 1298360"/>
+              <a:gd name="connsiteX0" fmla="*/ 17585 w 9486900"/>
+              <a:gd name="connsiteY0" fmla="*/ 375168 h 1298360"/>
+              <a:gd name="connsiteX1" fmla="*/ 2004646 w 9486900"/>
+              <a:gd name="connsiteY1" fmla="*/ 392752 h 1298360"/>
+              <a:gd name="connsiteX2" fmla="*/ 4466492 w 9486900"/>
+              <a:gd name="connsiteY2" fmla="*/ 401545 h 1298360"/>
+              <a:gd name="connsiteX3" fmla="*/ 7025054 w 9486900"/>
+              <a:gd name="connsiteY3" fmla="*/ 366376 h 1298360"/>
+              <a:gd name="connsiteX4" fmla="*/ 9486900 w 9486900"/>
+              <a:gd name="connsiteY4" fmla="*/ 375168 h 1298360"/>
+              <a:gd name="connsiteX5" fmla="*/ 9478108 w 9486900"/>
+              <a:gd name="connsiteY5" fmla="*/ 1280776 h 1298360"/>
+              <a:gd name="connsiteX6" fmla="*/ 7262446 w 9486900"/>
+              <a:gd name="connsiteY6" fmla="*/ 1271983 h 1298360"/>
+              <a:gd name="connsiteX7" fmla="*/ 4835769 w 9486900"/>
+              <a:gd name="connsiteY7" fmla="*/ 1298360 h 1298360"/>
+              <a:gd name="connsiteX8" fmla="*/ 2760785 w 9486900"/>
+              <a:gd name="connsiteY8" fmla="*/ 1289568 h 1298360"/>
+              <a:gd name="connsiteX9" fmla="*/ 0 w 9486900"/>
+              <a:gd name="connsiteY9" fmla="*/ 1245606 h 1298360"/>
+              <a:gd name="connsiteX10" fmla="*/ 17585 w 9486900"/>
+              <a:gd name="connsiteY10" fmla="*/ 375168 h 1298360"/>
+              <a:gd name="connsiteX0" fmla="*/ 17585 w 9486900"/>
+              <a:gd name="connsiteY0" fmla="*/ 375168 h 1298360"/>
+              <a:gd name="connsiteX1" fmla="*/ 2004646 w 9486900"/>
+              <a:gd name="connsiteY1" fmla="*/ 392752 h 1298360"/>
+              <a:gd name="connsiteX2" fmla="*/ 4466492 w 9486900"/>
+              <a:gd name="connsiteY2" fmla="*/ 401545 h 1298360"/>
+              <a:gd name="connsiteX3" fmla="*/ 7025054 w 9486900"/>
+              <a:gd name="connsiteY3" fmla="*/ 366376 h 1298360"/>
+              <a:gd name="connsiteX4" fmla="*/ 9486900 w 9486900"/>
+              <a:gd name="connsiteY4" fmla="*/ 375168 h 1298360"/>
+              <a:gd name="connsiteX5" fmla="*/ 9478108 w 9486900"/>
+              <a:gd name="connsiteY5" fmla="*/ 1280776 h 1298360"/>
+              <a:gd name="connsiteX6" fmla="*/ 7262446 w 9486900"/>
+              <a:gd name="connsiteY6" fmla="*/ 1271983 h 1298360"/>
+              <a:gd name="connsiteX7" fmla="*/ 4835769 w 9486900"/>
+              <a:gd name="connsiteY7" fmla="*/ 1298360 h 1298360"/>
+              <a:gd name="connsiteX8" fmla="*/ 2760785 w 9486900"/>
+              <a:gd name="connsiteY8" fmla="*/ 1289568 h 1298360"/>
+              <a:gd name="connsiteX9" fmla="*/ 0 w 9486900"/>
+              <a:gd name="connsiteY9" fmla="*/ 1245606 h 1298360"/>
+              <a:gd name="connsiteX10" fmla="*/ 17585 w 9486900"/>
+              <a:gd name="connsiteY10" fmla="*/ 375168 h 1298360"/>
+              <a:gd name="connsiteX0" fmla="*/ 8792 w 9478107"/>
+              <a:gd name="connsiteY0" fmla="*/ 375168 h 1298360"/>
+              <a:gd name="connsiteX1" fmla="*/ 1995853 w 9478107"/>
+              <a:gd name="connsiteY1" fmla="*/ 392752 h 1298360"/>
+              <a:gd name="connsiteX2" fmla="*/ 4457699 w 9478107"/>
+              <a:gd name="connsiteY2" fmla="*/ 401545 h 1298360"/>
+              <a:gd name="connsiteX3" fmla="*/ 7016261 w 9478107"/>
+              <a:gd name="connsiteY3" fmla="*/ 366376 h 1298360"/>
+              <a:gd name="connsiteX4" fmla="*/ 9478107 w 9478107"/>
+              <a:gd name="connsiteY4" fmla="*/ 375168 h 1298360"/>
+              <a:gd name="connsiteX5" fmla="*/ 9469315 w 9478107"/>
+              <a:gd name="connsiteY5" fmla="*/ 1280776 h 1298360"/>
+              <a:gd name="connsiteX6" fmla="*/ 7253653 w 9478107"/>
+              <a:gd name="connsiteY6" fmla="*/ 1271983 h 1298360"/>
+              <a:gd name="connsiteX7" fmla="*/ 4826976 w 9478107"/>
+              <a:gd name="connsiteY7" fmla="*/ 1298360 h 1298360"/>
+              <a:gd name="connsiteX8" fmla="*/ 2751992 w 9478107"/>
+              <a:gd name="connsiteY8" fmla="*/ 1289568 h 1298360"/>
+              <a:gd name="connsiteX9" fmla="*/ 0 w 9478107"/>
+              <a:gd name="connsiteY9" fmla="*/ 1236814 h 1298360"/>
+              <a:gd name="connsiteX10" fmla="*/ 8792 w 9478107"/>
+              <a:gd name="connsiteY10" fmla="*/ 375168 h 1298360"/>
+              <a:gd name="connsiteX0" fmla="*/ 8792 w 9478107"/>
+              <a:gd name="connsiteY0" fmla="*/ 421112 h 1344304"/>
+              <a:gd name="connsiteX1" fmla="*/ 2057399 w 9478107"/>
+              <a:gd name="connsiteY1" fmla="*/ 377150 h 1344304"/>
+              <a:gd name="connsiteX2" fmla="*/ 4457699 w 9478107"/>
+              <a:gd name="connsiteY2" fmla="*/ 447489 h 1344304"/>
+              <a:gd name="connsiteX3" fmla="*/ 7016261 w 9478107"/>
+              <a:gd name="connsiteY3" fmla="*/ 412320 h 1344304"/>
+              <a:gd name="connsiteX4" fmla="*/ 9478107 w 9478107"/>
+              <a:gd name="connsiteY4" fmla="*/ 421112 h 1344304"/>
+              <a:gd name="connsiteX5" fmla="*/ 9469315 w 9478107"/>
+              <a:gd name="connsiteY5" fmla="*/ 1326720 h 1344304"/>
+              <a:gd name="connsiteX6" fmla="*/ 7253653 w 9478107"/>
+              <a:gd name="connsiteY6" fmla="*/ 1317927 h 1344304"/>
+              <a:gd name="connsiteX7" fmla="*/ 4826976 w 9478107"/>
+              <a:gd name="connsiteY7" fmla="*/ 1344304 h 1344304"/>
+              <a:gd name="connsiteX8" fmla="*/ 2751992 w 9478107"/>
+              <a:gd name="connsiteY8" fmla="*/ 1335512 h 1344304"/>
+              <a:gd name="connsiteX9" fmla="*/ 0 w 9478107"/>
+              <a:gd name="connsiteY9" fmla="*/ 1282758 h 1344304"/>
+              <a:gd name="connsiteX10" fmla="*/ 8792 w 9478107"/>
+              <a:gd name="connsiteY10" fmla="*/ 421112 h 1344304"/>
+              <a:gd name="connsiteX0" fmla="*/ 8792 w 9478107"/>
+              <a:gd name="connsiteY0" fmla="*/ 350485 h 1273677"/>
+              <a:gd name="connsiteX1" fmla="*/ 2057399 w 9478107"/>
+              <a:gd name="connsiteY1" fmla="*/ 306523 h 1273677"/>
+              <a:gd name="connsiteX2" fmla="*/ 4457699 w 9478107"/>
+              <a:gd name="connsiteY2" fmla="*/ 376862 h 1273677"/>
+              <a:gd name="connsiteX3" fmla="*/ 7016261 w 9478107"/>
+              <a:gd name="connsiteY3" fmla="*/ 341693 h 1273677"/>
+              <a:gd name="connsiteX4" fmla="*/ 9478107 w 9478107"/>
+              <a:gd name="connsiteY4" fmla="*/ 350485 h 1273677"/>
+              <a:gd name="connsiteX5" fmla="*/ 9469315 w 9478107"/>
+              <a:gd name="connsiteY5" fmla="*/ 1256093 h 1273677"/>
+              <a:gd name="connsiteX6" fmla="*/ 7253653 w 9478107"/>
+              <a:gd name="connsiteY6" fmla="*/ 1247300 h 1273677"/>
+              <a:gd name="connsiteX7" fmla="*/ 4826976 w 9478107"/>
+              <a:gd name="connsiteY7" fmla="*/ 1273677 h 1273677"/>
+              <a:gd name="connsiteX8" fmla="*/ 2751992 w 9478107"/>
+              <a:gd name="connsiteY8" fmla="*/ 1264885 h 1273677"/>
+              <a:gd name="connsiteX9" fmla="*/ 0 w 9478107"/>
+              <a:gd name="connsiteY9" fmla="*/ 1212131 h 1273677"/>
+              <a:gd name="connsiteX10" fmla="*/ 8792 w 9478107"/>
+              <a:gd name="connsiteY10" fmla="*/ 350485 h 1273677"/>
+              <a:gd name="connsiteX0" fmla="*/ 8792 w 9478107"/>
+              <a:gd name="connsiteY0" fmla="*/ 350485 h 1273677"/>
+              <a:gd name="connsiteX1" fmla="*/ 2057399 w 9478107"/>
+              <a:gd name="connsiteY1" fmla="*/ 306523 h 1273677"/>
+              <a:gd name="connsiteX2" fmla="*/ 4457699 w 9478107"/>
+              <a:gd name="connsiteY2" fmla="*/ 376862 h 1273677"/>
+              <a:gd name="connsiteX3" fmla="*/ 7016261 w 9478107"/>
+              <a:gd name="connsiteY3" fmla="*/ 341693 h 1273677"/>
+              <a:gd name="connsiteX4" fmla="*/ 9478107 w 9478107"/>
+              <a:gd name="connsiteY4" fmla="*/ 350485 h 1273677"/>
+              <a:gd name="connsiteX5" fmla="*/ 9469315 w 9478107"/>
+              <a:gd name="connsiteY5" fmla="*/ 1256093 h 1273677"/>
+              <a:gd name="connsiteX6" fmla="*/ 7253653 w 9478107"/>
+              <a:gd name="connsiteY6" fmla="*/ 1247300 h 1273677"/>
+              <a:gd name="connsiteX7" fmla="*/ 4826976 w 9478107"/>
+              <a:gd name="connsiteY7" fmla="*/ 1273677 h 1273677"/>
+              <a:gd name="connsiteX8" fmla="*/ 2751992 w 9478107"/>
+              <a:gd name="connsiteY8" fmla="*/ 1264885 h 1273677"/>
+              <a:gd name="connsiteX9" fmla="*/ 0 w 9478107"/>
+              <a:gd name="connsiteY9" fmla="*/ 1212131 h 1273677"/>
+              <a:gd name="connsiteX10" fmla="*/ 8792 w 9478107"/>
+              <a:gd name="connsiteY10" fmla="*/ 350485 h 1273677"/>
+            </a:gdLst>
+            <a:ahLst/>
+            <a:cxnLst>
+              <a:cxn ang="0">
+                <a:pos x="connsiteX0" y="connsiteY0"/>
+              </a:cxn>
+              <a:cxn ang="0">
+                <a:pos x="connsiteX1" y="connsiteY1"/>
+              </a:cxn>
+              <a:cxn ang="0">
+                <a:pos x="connsiteX2" y="connsiteY2"/>
+              </a:cxn>
+              <a:cxn ang="0">
+                <a:pos x="connsiteX3" y="connsiteY3"/>
+              </a:cxn>
+              <a:cxn ang="0">
+                <a:pos x="connsiteX4" y="connsiteY4"/>
+              </a:cxn>
+              <a:cxn ang="0">
+                <a:pos x="connsiteX5" y="connsiteY5"/>
+              </a:cxn>
+              <a:cxn ang="0">
+                <a:pos x="connsiteX6" y="connsiteY6"/>
+              </a:cxn>
+              <a:cxn ang="0">
+                <a:pos x="connsiteX7" y="connsiteY7"/>
+              </a:cxn>
+              <a:cxn ang="0">
+                <a:pos x="connsiteX8" y="connsiteY8"/>
+              </a:cxn>
+              <a:cxn ang="0">
+                <a:pos x="connsiteX9" y="connsiteY9"/>
+              </a:cxn>
+              <a:cxn ang="0">
+                <a:pos x="connsiteX10" y="connsiteY10"/>
+              </a:cxn>
+            </a:cxnLst>
+            <a:rect l="l" t="t" r="r" b="b"/>
+            <a:pathLst>
+              <a:path w="9478107" h="1273677">
+                <a:moveTo>
+                  <a:pt x="8792" y="350485"/>
+                </a:moveTo>
+                <a:cubicBezTo>
+                  <a:pt x="671146" y="356346"/>
+                  <a:pt x="973014" y="-402723"/>
+                  <a:pt x="2057399" y="306523"/>
+                </a:cubicBezTo>
+                <a:cubicBezTo>
+                  <a:pt x="3282459" y="1004046"/>
+                  <a:pt x="3979984" y="611323"/>
+                  <a:pt x="4457699" y="376862"/>
+                </a:cubicBezTo>
+                <a:cubicBezTo>
+                  <a:pt x="5723792" y="-223945"/>
+                  <a:pt x="6216161" y="-7069"/>
+                  <a:pt x="7016261" y="341693"/>
+                </a:cubicBezTo>
+                <a:cubicBezTo>
+                  <a:pt x="8672145" y="977671"/>
+                  <a:pt x="8657492" y="347554"/>
+                  <a:pt x="9478107" y="350485"/>
+                </a:cubicBezTo>
+                <a:cubicBezTo>
+                  <a:pt x="9475176" y="652354"/>
+                  <a:pt x="9472246" y="954224"/>
+                  <a:pt x="9469315" y="1256093"/>
+                </a:cubicBezTo>
+                <a:lnTo>
+                  <a:pt x="7253653" y="1247300"/>
+                </a:lnTo>
+                <a:lnTo>
+                  <a:pt x="4826976" y="1273677"/>
+                </a:lnTo>
+                <a:lnTo>
+                  <a:pt x="2751992" y="1264885"/>
+                </a:lnTo>
+                <a:lnTo>
+                  <a:pt x="0" y="1212131"/>
+                </a:lnTo>
+                <a:cubicBezTo>
+                  <a:pt x="2931" y="927846"/>
+                  <a:pt x="-2932" y="652354"/>
+                  <a:pt x="8792" y="350485"/>
+                </a:cubicBezTo>
+                <a:close/>
+              </a:path>
+            </a:pathLst>
+          </a:custGeom>
+          <a:gradFill>
+            <a:gsLst>
+              <a:gs pos="0">
+                <a:schemeClr val="accent1">
+                  <a:lumMod val="5000"/>
+                  <a:lumOff val="95000"/>
+                </a:schemeClr>
+              </a:gs>
+              <a:gs pos="74000">
+                <a:schemeClr val="accent1">
+                  <a:lumMod val="45000"/>
+                  <a:lumOff val="55000"/>
+                </a:schemeClr>
+              </a:gs>
+              <a:gs pos="83000">
+                <a:schemeClr val="accent1">
+                  <a:lumMod val="45000"/>
+                  <a:lumOff val="55000"/>
+                </a:schemeClr>
+              </a:gs>
+              <a:gs pos="100000">
+                <a:schemeClr val="accent1">
+                  <a:lumMod val="30000"/>
+                  <a:lumOff val="70000"/>
+                </a:schemeClr>
+              </a:gs>
+            </a:gsLst>
+            <a:lin ang="5400000" scaled="1"/>
+          </a:gradFill>
+          <a:ln>
+            <a:noFill/>
+          </a:ln>
+          <a:effectLst>
+            <a:glow>
+              <a:srgbClr val="FFFF00"/>
+            </a:glow>
+            <a:outerShdw algn="ctr" rotWithShape="0">
+              <a:schemeClr val="tx1"/>
+            </a:outerShdw>
+          </a:effectLst>
+          <a:scene3d>
+            <a:camera prst="orthographicFront"/>
+            <a:lightRig rig="threePt" dir="t"/>
+          </a:scene3d>
+          <a:sp3d>
+            <a:bevelT w="0"/>
+          </a:sp3d>
+        </p:spPr>
+        <p:style>
+          <a:lnRef idx="2">
+            <a:schemeClr val="accent1">
+              <a:shade val="15000"/>
+            </a:schemeClr>
+          </a:lnRef>
+          <a:fillRef idx="1">
+            <a:schemeClr val="accent1"/>
+          </a:fillRef>
+          <a:effectRef idx="0">
+            <a:schemeClr val="accent1"/>
+          </a:effectRef>
+          <a:fontRef idx="minor">
+            <a:schemeClr val="lt1"/>
+          </a:fontRef>
+        </p:style>
+        <p:txBody>
+          <a:bodyPr rtlCol="0" anchor="ctr"/>
+          <a:lstStyle/>
+          <a:p>
+            <a:pPr algn="ctr"/>
+            <a:endParaRPr lang="en-GB"/>
+          </a:p>
+        </p:txBody>
+      </p:sp>
+      <p:sp>
+        <p:nvSpPr>
+          <p:cNvPr id="9" name="Free-form: Shape 13">
+            <a:extLst>
+              <a:ext uri="{FF2B5EF4-FFF2-40B4-BE49-F238E27FC236}">
+                <a16:creationId xmlns:a16="http://schemas.microsoft.com/office/drawing/2014/main" id="{16784C5A-545D-7FC3-0803-92836236CBEC}"/>
+              </a:ext>
+            </a:extLst>
+          </p:cNvPr>
+          <p:cNvSpPr/>
+          <p:nvPr/>
+        </p:nvSpPr>
+        <p:spPr>
+          <a:xfrm rot="10800000">
+            <a:off x="-26376" y="-237830"/>
+            <a:ext cx="12218376" cy="965187"/>
+          </a:xfrm>
+          <a:custGeom>
+            <a:avLst/>
+            <a:gdLst>
+              <a:gd name="connsiteX0" fmla="*/ 17585 w 9486900"/>
+              <a:gd name="connsiteY0" fmla="*/ 8792 h 931984"/>
+              <a:gd name="connsiteX1" fmla="*/ 2004646 w 9486900"/>
+              <a:gd name="connsiteY1" fmla="*/ 26376 h 931984"/>
+              <a:gd name="connsiteX2" fmla="*/ 4466492 w 9486900"/>
+              <a:gd name="connsiteY2" fmla="*/ 35169 h 931984"/>
+              <a:gd name="connsiteX3" fmla="*/ 7025054 w 9486900"/>
+              <a:gd name="connsiteY3" fmla="*/ 0 h 931984"/>
+              <a:gd name="connsiteX4" fmla="*/ 9486900 w 9486900"/>
+              <a:gd name="connsiteY4" fmla="*/ 8792 h 931984"/>
+              <a:gd name="connsiteX5" fmla="*/ 9478108 w 9486900"/>
+              <a:gd name="connsiteY5" fmla="*/ 914400 h 931984"/>
+              <a:gd name="connsiteX6" fmla="*/ 7262446 w 9486900"/>
+              <a:gd name="connsiteY6" fmla="*/ 905607 h 931984"/>
+              <a:gd name="connsiteX7" fmla="*/ 4835769 w 9486900"/>
+              <a:gd name="connsiteY7" fmla="*/ 931984 h 931984"/>
+              <a:gd name="connsiteX8" fmla="*/ 2760785 w 9486900"/>
+              <a:gd name="connsiteY8" fmla="*/ 923192 h 931984"/>
+              <a:gd name="connsiteX9" fmla="*/ 0 w 9486900"/>
+              <a:gd name="connsiteY9" fmla="*/ 879230 h 931984"/>
+              <a:gd name="connsiteX10" fmla="*/ 17585 w 9486900"/>
+              <a:gd name="connsiteY10" fmla="*/ 8792 h 931984"/>
+              <a:gd name="connsiteX0" fmla="*/ 17585 w 9486900"/>
+              <a:gd name="connsiteY0" fmla="*/ 168095 h 1091287"/>
+              <a:gd name="connsiteX1" fmla="*/ 2004646 w 9486900"/>
+              <a:gd name="connsiteY1" fmla="*/ 185679 h 1091287"/>
+              <a:gd name="connsiteX2" fmla="*/ 4466492 w 9486900"/>
+              <a:gd name="connsiteY2" fmla="*/ 194472 h 1091287"/>
+              <a:gd name="connsiteX3" fmla="*/ 7025054 w 9486900"/>
+              <a:gd name="connsiteY3" fmla="*/ 159303 h 1091287"/>
+              <a:gd name="connsiteX4" fmla="*/ 9486900 w 9486900"/>
+              <a:gd name="connsiteY4" fmla="*/ 168095 h 1091287"/>
+              <a:gd name="connsiteX5" fmla="*/ 9478108 w 9486900"/>
+              <a:gd name="connsiteY5" fmla="*/ 1073703 h 1091287"/>
+              <a:gd name="connsiteX6" fmla="*/ 7262446 w 9486900"/>
+              <a:gd name="connsiteY6" fmla="*/ 1064910 h 1091287"/>
+              <a:gd name="connsiteX7" fmla="*/ 4835769 w 9486900"/>
+              <a:gd name="connsiteY7" fmla="*/ 1091287 h 1091287"/>
+              <a:gd name="connsiteX8" fmla="*/ 2760785 w 9486900"/>
+              <a:gd name="connsiteY8" fmla="*/ 1082495 h 1091287"/>
+              <a:gd name="connsiteX9" fmla="*/ 0 w 9486900"/>
+              <a:gd name="connsiteY9" fmla="*/ 1038533 h 1091287"/>
+              <a:gd name="connsiteX10" fmla="*/ 17585 w 9486900"/>
+              <a:gd name="connsiteY10" fmla="*/ 168095 h 1091287"/>
+              <a:gd name="connsiteX0" fmla="*/ 17585 w 9486900"/>
+              <a:gd name="connsiteY0" fmla="*/ 234508 h 1157700"/>
+              <a:gd name="connsiteX1" fmla="*/ 2004646 w 9486900"/>
+              <a:gd name="connsiteY1" fmla="*/ 252092 h 1157700"/>
+              <a:gd name="connsiteX2" fmla="*/ 4466492 w 9486900"/>
+              <a:gd name="connsiteY2" fmla="*/ 260885 h 1157700"/>
+              <a:gd name="connsiteX3" fmla="*/ 7025054 w 9486900"/>
+              <a:gd name="connsiteY3" fmla="*/ 225716 h 1157700"/>
+              <a:gd name="connsiteX4" fmla="*/ 9486900 w 9486900"/>
+              <a:gd name="connsiteY4" fmla="*/ 234508 h 1157700"/>
+              <a:gd name="connsiteX5" fmla="*/ 9478108 w 9486900"/>
+              <a:gd name="connsiteY5" fmla="*/ 1140116 h 1157700"/>
+              <a:gd name="connsiteX6" fmla="*/ 7262446 w 9486900"/>
+              <a:gd name="connsiteY6" fmla="*/ 1131323 h 1157700"/>
+              <a:gd name="connsiteX7" fmla="*/ 4835769 w 9486900"/>
+              <a:gd name="connsiteY7" fmla="*/ 1157700 h 1157700"/>
+              <a:gd name="connsiteX8" fmla="*/ 2760785 w 9486900"/>
+              <a:gd name="connsiteY8" fmla="*/ 1148908 h 1157700"/>
+              <a:gd name="connsiteX9" fmla="*/ 0 w 9486900"/>
+              <a:gd name="connsiteY9" fmla="*/ 1104946 h 1157700"/>
+              <a:gd name="connsiteX10" fmla="*/ 17585 w 9486900"/>
+              <a:gd name="connsiteY10" fmla="*/ 234508 h 1157700"/>
+              <a:gd name="connsiteX0" fmla="*/ 17585 w 9486900"/>
+              <a:gd name="connsiteY0" fmla="*/ 375168 h 1298360"/>
+              <a:gd name="connsiteX1" fmla="*/ 2004646 w 9486900"/>
+              <a:gd name="connsiteY1" fmla="*/ 392752 h 1298360"/>
+              <a:gd name="connsiteX2" fmla="*/ 4466492 w 9486900"/>
+              <a:gd name="connsiteY2" fmla="*/ 401545 h 1298360"/>
+              <a:gd name="connsiteX3" fmla="*/ 7025054 w 9486900"/>
+              <a:gd name="connsiteY3" fmla="*/ 366376 h 1298360"/>
+              <a:gd name="connsiteX4" fmla="*/ 9486900 w 9486900"/>
+              <a:gd name="connsiteY4" fmla="*/ 375168 h 1298360"/>
+              <a:gd name="connsiteX5" fmla="*/ 9478108 w 9486900"/>
+              <a:gd name="connsiteY5" fmla="*/ 1280776 h 1298360"/>
+              <a:gd name="connsiteX6" fmla="*/ 7262446 w 9486900"/>
+              <a:gd name="connsiteY6" fmla="*/ 1271983 h 1298360"/>
+              <a:gd name="connsiteX7" fmla="*/ 4835769 w 9486900"/>
+              <a:gd name="connsiteY7" fmla="*/ 1298360 h 1298360"/>
+              <a:gd name="connsiteX8" fmla="*/ 2760785 w 9486900"/>
+              <a:gd name="connsiteY8" fmla="*/ 1289568 h 1298360"/>
+              <a:gd name="connsiteX9" fmla="*/ 0 w 9486900"/>
+              <a:gd name="connsiteY9" fmla="*/ 1245606 h 1298360"/>
+              <a:gd name="connsiteX10" fmla="*/ 17585 w 9486900"/>
+              <a:gd name="connsiteY10" fmla="*/ 375168 h 1298360"/>
+              <a:gd name="connsiteX0" fmla="*/ 17585 w 9486900"/>
+              <a:gd name="connsiteY0" fmla="*/ 375168 h 1298360"/>
+              <a:gd name="connsiteX1" fmla="*/ 2004646 w 9486900"/>
+              <a:gd name="connsiteY1" fmla="*/ 392752 h 1298360"/>
+              <a:gd name="connsiteX2" fmla="*/ 4466492 w 9486900"/>
+              <a:gd name="connsiteY2" fmla="*/ 401545 h 1298360"/>
+              <a:gd name="connsiteX3" fmla="*/ 7025054 w 9486900"/>
+              <a:gd name="connsiteY3" fmla="*/ 366376 h 1298360"/>
+              <a:gd name="connsiteX4" fmla="*/ 9486900 w 9486900"/>
+              <a:gd name="connsiteY4" fmla="*/ 375168 h 1298360"/>
+              <a:gd name="connsiteX5" fmla="*/ 9478108 w 9486900"/>
+              <a:gd name="connsiteY5" fmla="*/ 1280776 h 1298360"/>
+              <a:gd name="connsiteX6" fmla="*/ 7262446 w 9486900"/>
+              <a:gd name="connsiteY6" fmla="*/ 1271983 h 1298360"/>
+              <a:gd name="connsiteX7" fmla="*/ 4835769 w 9486900"/>
+              <a:gd name="connsiteY7" fmla="*/ 1298360 h 1298360"/>
+              <a:gd name="connsiteX8" fmla="*/ 2760785 w 9486900"/>
+              <a:gd name="connsiteY8" fmla="*/ 1289568 h 1298360"/>
+              <a:gd name="connsiteX9" fmla="*/ 0 w 9486900"/>
+              <a:gd name="connsiteY9" fmla="*/ 1245606 h 1298360"/>
+              <a:gd name="connsiteX10" fmla="*/ 17585 w 9486900"/>
+              <a:gd name="connsiteY10" fmla="*/ 375168 h 1298360"/>
+              <a:gd name="connsiteX0" fmla="*/ 17585 w 9486900"/>
+              <a:gd name="connsiteY0" fmla="*/ 375168 h 1298360"/>
+              <a:gd name="connsiteX1" fmla="*/ 2004646 w 9486900"/>
+              <a:gd name="connsiteY1" fmla="*/ 392752 h 1298360"/>
+              <a:gd name="connsiteX2" fmla="*/ 4466492 w 9486900"/>
+              <a:gd name="connsiteY2" fmla="*/ 401545 h 1298360"/>
+              <a:gd name="connsiteX3" fmla="*/ 7025054 w 9486900"/>
+              <a:gd name="connsiteY3" fmla="*/ 366376 h 1298360"/>
+              <a:gd name="connsiteX4" fmla="*/ 9486900 w 9486900"/>
+              <a:gd name="connsiteY4" fmla="*/ 375168 h 1298360"/>
+              <a:gd name="connsiteX5" fmla="*/ 9478108 w 9486900"/>
+              <a:gd name="connsiteY5" fmla="*/ 1280776 h 1298360"/>
+              <a:gd name="connsiteX6" fmla="*/ 7262446 w 9486900"/>
+              <a:gd name="connsiteY6" fmla="*/ 1271983 h 1298360"/>
+              <a:gd name="connsiteX7" fmla="*/ 4835769 w 9486900"/>
+              <a:gd name="connsiteY7" fmla="*/ 1298360 h 1298360"/>
+              <a:gd name="connsiteX8" fmla="*/ 2760785 w 9486900"/>
+              <a:gd name="connsiteY8" fmla="*/ 1289568 h 1298360"/>
+              <a:gd name="connsiteX9" fmla="*/ 0 w 9486900"/>
+              <a:gd name="connsiteY9" fmla="*/ 1245606 h 1298360"/>
+              <a:gd name="connsiteX10" fmla="*/ 17585 w 9486900"/>
+              <a:gd name="connsiteY10" fmla="*/ 375168 h 1298360"/>
+              <a:gd name="connsiteX0" fmla="*/ 17585 w 9486900"/>
+              <a:gd name="connsiteY0" fmla="*/ 375168 h 1298360"/>
+              <a:gd name="connsiteX1" fmla="*/ 2004646 w 9486900"/>
+              <a:gd name="connsiteY1" fmla="*/ 392752 h 1298360"/>
+              <a:gd name="connsiteX2" fmla="*/ 4466492 w 9486900"/>
+              <a:gd name="connsiteY2" fmla="*/ 401545 h 1298360"/>
+              <a:gd name="connsiteX3" fmla="*/ 7025054 w 9486900"/>
+              <a:gd name="connsiteY3" fmla="*/ 366376 h 1298360"/>
+              <a:gd name="connsiteX4" fmla="*/ 9486900 w 9486900"/>
+              <a:gd name="connsiteY4" fmla="*/ 375168 h 1298360"/>
+              <a:gd name="connsiteX5" fmla="*/ 9478108 w 9486900"/>
+              <a:gd name="connsiteY5" fmla="*/ 1280776 h 1298360"/>
+              <a:gd name="connsiteX6" fmla="*/ 7262446 w 9486900"/>
+              <a:gd name="connsiteY6" fmla="*/ 1271983 h 1298360"/>
+              <a:gd name="connsiteX7" fmla="*/ 4835769 w 9486900"/>
+              <a:gd name="connsiteY7" fmla="*/ 1298360 h 1298360"/>
+              <a:gd name="connsiteX8" fmla="*/ 2760785 w 9486900"/>
+              <a:gd name="connsiteY8" fmla="*/ 1289568 h 1298360"/>
+              <a:gd name="connsiteX9" fmla="*/ 0 w 9486900"/>
+              <a:gd name="connsiteY9" fmla="*/ 1245606 h 1298360"/>
+              <a:gd name="connsiteX10" fmla="*/ 17585 w 9486900"/>
+              <a:gd name="connsiteY10" fmla="*/ 375168 h 1298360"/>
+              <a:gd name="connsiteX0" fmla="*/ 17585 w 9486900"/>
+              <a:gd name="connsiteY0" fmla="*/ 375168 h 1298360"/>
+              <a:gd name="connsiteX1" fmla="*/ 2004646 w 9486900"/>
+              <a:gd name="connsiteY1" fmla="*/ 392752 h 1298360"/>
+              <a:gd name="connsiteX2" fmla="*/ 4466492 w 9486900"/>
+              <a:gd name="connsiteY2" fmla="*/ 401545 h 1298360"/>
+              <a:gd name="connsiteX3" fmla="*/ 7025054 w 9486900"/>
+              <a:gd name="connsiteY3" fmla="*/ 366376 h 1298360"/>
+              <a:gd name="connsiteX4" fmla="*/ 9486900 w 9486900"/>
+              <a:gd name="connsiteY4" fmla="*/ 375168 h 1298360"/>
+              <a:gd name="connsiteX5" fmla="*/ 9478108 w 9486900"/>
+              <a:gd name="connsiteY5" fmla="*/ 1280776 h 1298360"/>
+              <a:gd name="connsiteX6" fmla="*/ 7262446 w 9486900"/>
+              <a:gd name="connsiteY6" fmla="*/ 1271983 h 1298360"/>
+              <a:gd name="connsiteX7" fmla="*/ 4835769 w 9486900"/>
+              <a:gd name="connsiteY7" fmla="*/ 1298360 h 1298360"/>
+              <a:gd name="connsiteX8" fmla="*/ 2760785 w 9486900"/>
+              <a:gd name="connsiteY8" fmla="*/ 1289568 h 1298360"/>
+              <a:gd name="connsiteX9" fmla="*/ 0 w 9486900"/>
+              <a:gd name="connsiteY9" fmla="*/ 1245606 h 1298360"/>
+              <a:gd name="connsiteX10" fmla="*/ 17585 w 9486900"/>
+              <a:gd name="connsiteY10" fmla="*/ 375168 h 1298360"/>
+              <a:gd name="connsiteX0" fmla="*/ 17585 w 9486900"/>
+              <a:gd name="connsiteY0" fmla="*/ 375168 h 1298360"/>
+              <a:gd name="connsiteX1" fmla="*/ 2004646 w 9486900"/>
+              <a:gd name="connsiteY1" fmla="*/ 392752 h 1298360"/>
+              <a:gd name="connsiteX2" fmla="*/ 4466492 w 9486900"/>
+              <a:gd name="connsiteY2" fmla="*/ 401545 h 1298360"/>
+              <a:gd name="connsiteX3" fmla="*/ 7025054 w 9486900"/>
+              <a:gd name="connsiteY3" fmla="*/ 366376 h 1298360"/>
+              <a:gd name="connsiteX4" fmla="*/ 9486900 w 9486900"/>
+              <a:gd name="connsiteY4" fmla="*/ 375168 h 1298360"/>
+              <a:gd name="connsiteX5" fmla="*/ 9478108 w 9486900"/>
+              <a:gd name="connsiteY5" fmla="*/ 1280776 h 1298360"/>
+              <a:gd name="connsiteX6" fmla="*/ 7262446 w 9486900"/>
+              <a:gd name="connsiteY6" fmla="*/ 1271983 h 1298360"/>
+              <a:gd name="connsiteX7" fmla="*/ 4835769 w 9486900"/>
+              <a:gd name="connsiteY7" fmla="*/ 1298360 h 1298360"/>
+              <a:gd name="connsiteX8" fmla="*/ 2760785 w 9486900"/>
+              <a:gd name="connsiteY8" fmla="*/ 1289568 h 1298360"/>
+              <a:gd name="connsiteX9" fmla="*/ 0 w 9486900"/>
+              <a:gd name="connsiteY9" fmla="*/ 1245606 h 1298360"/>
+              <a:gd name="connsiteX10" fmla="*/ 17585 w 9486900"/>
+              <a:gd name="connsiteY10" fmla="*/ 375168 h 1298360"/>
+              <a:gd name="connsiteX0" fmla="*/ 8792 w 9478107"/>
+              <a:gd name="connsiteY0" fmla="*/ 375168 h 1298360"/>
+              <a:gd name="connsiteX1" fmla="*/ 1995853 w 9478107"/>
+              <a:gd name="connsiteY1" fmla="*/ 392752 h 1298360"/>
+              <a:gd name="connsiteX2" fmla="*/ 4457699 w 9478107"/>
+              <a:gd name="connsiteY2" fmla="*/ 401545 h 1298360"/>
+              <a:gd name="connsiteX3" fmla="*/ 7016261 w 9478107"/>
+              <a:gd name="connsiteY3" fmla="*/ 366376 h 1298360"/>
+              <a:gd name="connsiteX4" fmla="*/ 9478107 w 9478107"/>
+              <a:gd name="connsiteY4" fmla="*/ 375168 h 1298360"/>
+              <a:gd name="connsiteX5" fmla="*/ 9469315 w 9478107"/>
+              <a:gd name="connsiteY5" fmla="*/ 1280776 h 1298360"/>
+              <a:gd name="connsiteX6" fmla="*/ 7253653 w 9478107"/>
+              <a:gd name="connsiteY6" fmla="*/ 1271983 h 1298360"/>
+              <a:gd name="connsiteX7" fmla="*/ 4826976 w 9478107"/>
+              <a:gd name="connsiteY7" fmla="*/ 1298360 h 1298360"/>
+              <a:gd name="connsiteX8" fmla="*/ 2751992 w 9478107"/>
+              <a:gd name="connsiteY8" fmla="*/ 1289568 h 1298360"/>
+              <a:gd name="connsiteX9" fmla="*/ 0 w 9478107"/>
+              <a:gd name="connsiteY9" fmla="*/ 1236814 h 1298360"/>
+              <a:gd name="connsiteX10" fmla="*/ 8792 w 9478107"/>
+              <a:gd name="connsiteY10" fmla="*/ 375168 h 1298360"/>
+              <a:gd name="connsiteX0" fmla="*/ 8792 w 9478107"/>
+              <a:gd name="connsiteY0" fmla="*/ 421112 h 1344304"/>
+              <a:gd name="connsiteX1" fmla="*/ 2057399 w 9478107"/>
+              <a:gd name="connsiteY1" fmla="*/ 377150 h 1344304"/>
+              <a:gd name="connsiteX2" fmla="*/ 4457699 w 9478107"/>
+              <a:gd name="connsiteY2" fmla="*/ 447489 h 1344304"/>
+              <a:gd name="connsiteX3" fmla="*/ 7016261 w 9478107"/>
+              <a:gd name="connsiteY3" fmla="*/ 412320 h 1344304"/>
+              <a:gd name="connsiteX4" fmla="*/ 9478107 w 9478107"/>
+              <a:gd name="connsiteY4" fmla="*/ 421112 h 1344304"/>
+              <a:gd name="connsiteX5" fmla="*/ 9469315 w 9478107"/>
+              <a:gd name="connsiteY5" fmla="*/ 1326720 h 1344304"/>
+              <a:gd name="connsiteX6" fmla="*/ 7253653 w 9478107"/>
+              <a:gd name="connsiteY6" fmla="*/ 1317927 h 1344304"/>
+              <a:gd name="connsiteX7" fmla="*/ 4826976 w 9478107"/>
+              <a:gd name="connsiteY7" fmla="*/ 1344304 h 1344304"/>
+              <a:gd name="connsiteX8" fmla="*/ 2751992 w 9478107"/>
+              <a:gd name="connsiteY8" fmla="*/ 1335512 h 1344304"/>
+              <a:gd name="connsiteX9" fmla="*/ 0 w 9478107"/>
+              <a:gd name="connsiteY9" fmla="*/ 1282758 h 1344304"/>
+              <a:gd name="connsiteX10" fmla="*/ 8792 w 9478107"/>
+              <a:gd name="connsiteY10" fmla="*/ 421112 h 1344304"/>
+              <a:gd name="connsiteX0" fmla="*/ 8792 w 9478107"/>
+              <a:gd name="connsiteY0" fmla="*/ 350485 h 1273677"/>
+              <a:gd name="connsiteX1" fmla="*/ 2057399 w 9478107"/>
+              <a:gd name="connsiteY1" fmla="*/ 306523 h 1273677"/>
+              <a:gd name="connsiteX2" fmla="*/ 4457699 w 9478107"/>
+              <a:gd name="connsiteY2" fmla="*/ 376862 h 1273677"/>
+              <a:gd name="connsiteX3" fmla="*/ 7016261 w 9478107"/>
+              <a:gd name="connsiteY3" fmla="*/ 341693 h 1273677"/>
+              <a:gd name="connsiteX4" fmla="*/ 9478107 w 9478107"/>
+              <a:gd name="connsiteY4" fmla="*/ 350485 h 1273677"/>
+              <a:gd name="connsiteX5" fmla="*/ 9469315 w 9478107"/>
+              <a:gd name="connsiteY5" fmla="*/ 1256093 h 1273677"/>
+              <a:gd name="connsiteX6" fmla="*/ 7253653 w 9478107"/>
+              <a:gd name="connsiteY6" fmla="*/ 1247300 h 1273677"/>
+              <a:gd name="connsiteX7" fmla="*/ 4826976 w 9478107"/>
+              <a:gd name="connsiteY7" fmla="*/ 1273677 h 1273677"/>
+              <a:gd name="connsiteX8" fmla="*/ 2751992 w 9478107"/>
+              <a:gd name="connsiteY8" fmla="*/ 1264885 h 1273677"/>
+              <a:gd name="connsiteX9" fmla="*/ 0 w 9478107"/>
+              <a:gd name="connsiteY9" fmla="*/ 1212131 h 1273677"/>
+              <a:gd name="connsiteX10" fmla="*/ 8792 w 9478107"/>
+              <a:gd name="connsiteY10" fmla="*/ 350485 h 1273677"/>
+              <a:gd name="connsiteX0" fmla="*/ 8792 w 9478107"/>
+              <a:gd name="connsiteY0" fmla="*/ 350485 h 1273677"/>
+              <a:gd name="connsiteX1" fmla="*/ 2057399 w 9478107"/>
+              <a:gd name="connsiteY1" fmla="*/ 306523 h 1273677"/>
+              <a:gd name="connsiteX2" fmla="*/ 4457699 w 9478107"/>
+              <a:gd name="connsiteY2" fmla="*/ 376862 h 1273677"/>
+              <a:gd name="connsiteX3" fmla="*/ 7016261 w 9478107"/>
+              <a:gd name="connsiteY3" fmla="*/ 341693 h 1273677"/>
+              <a:gd name="connsiteX4" fmla="*/ 9478107 w 9478107"/>
+              <a:gd name="connsiteY4" fmla="*/ 350485 h 1273677"/>
+              <a:gd name="connsiteX5" fmla="*/ 9469315 w 9478107"/>
+              <a:gd name="connsiteY5" fmla="*/ 1256093 h 1273677"/>
+              <a:gd name="connsiteX6" fmla="*/ 7253653 w 9478107"/>
+              <a:gd name="connsiteY6" fmla="*/ 1247300 h 1273677"/>
+              <a:gd name="connsiteX7" fmla="*/ 4826976 w 9478107"/>
+              <a:gd name="connsiteY7" fmla="*/ 1273677 h 1273677"/>
+              <a:gd name="connsiteX8" fmla="*/ 2751992 w 9478107"/>
+              <a:gd name="connsiteY8" fmla="*/ 1264885 h 1273677"/>
+              <a:gd name="connsiteX9" fmla="*/ 0 w 9478107"/>
+              <a:gd name="connsiteY9" fmla="*/ 1212131 h 1273677"/>
+              <a:gd name="connsiteX10" fmla="*/ 8792 w 9478107"/>
+              <a:gd name="connsiteY10" fmla="*/ 350485 h 1273677"/>
+              <a:gd name="connsiteX0" fmla="*/ 8792 w 9478107"/>
+              <a:gd name="connsiteY0" fmla="*/ 350485 h 1273677"/>
+              <a:gd name="connsiteX1" fmla="*/ 2057399 w 9478107"/>
+              <a:gd name="connsiteY1" fmla="*/ 306523 h 1273677"/>
+              <a:gd name="connsiteX2" fmla="*/ 4457699 w 9478107"/>
+              <a:gd name="connsiteY2" fmla="*/ 376862 h 1273677"/>
+              <a:gd name="connsiteX3" fmla="*/ 7016261 w 9478107"/>
+              <a:gd name="connsiteY3" fmla="*/ 341693 h 1273677"/>
+              <a:gd name="connsiteX4" fmla="*/ 8414099 w 9478107"/>
+              <a:gd name="connsiteY4" fmla="*/ 797823 h 1273677"/>
+              <a:gd name="connsiteX5" fmla="*/ 9478107 w 9478107"/>
+              <a:gd name="connsiteY5" fmla="*/ 350485 h 1273677"/>
+              <a:gd name="connsiteX6" fmla="*/ 9469315 w 9478107"/>
+              <a:gd name="connsiteY6" fmla="*/ 1256093 h 1273677"/>
+              <a:gd name="connsiteX7" fmla="*/ 7253653 w 9478107"/>
+              <a:gd name="connsiteY7" fmla="*/ 1247300 h 1273677"/>
+              <a:gd name="connsiteX8" fmla="*/ 4826976 w 9478107"/>
+              <a:gd name="connsiteY8" fmla="*/ 1273677 h 1273677"/>
+              <a:gd name="connsiteX9" fmla="*/ 2751992 w 9478107"/>
+              <a:gd name="connsiteY9" fmla="*/ 1264885 h 1273677"/>
+              <a:gd name="connsiteX10" fmla="*/ 0 w 9478107"/>
+              <a:gd name="connsiteY10" fmla="*/ 1212131 h 1273677"/>
+              <a:gd name="connsiteX11" fmla="*/ 8792 w 9478107"/>
+              <a:gd name="connsiteY11" fmla="*/ 350485 h 1273677"/>
+              <a:gd name="connsiteX0" fmla="*/ 8792 w 9478107"/>
+              <a:gd name="connsiteY0" fmla="*/ 463370 h 1386562"/>
+              <a:gd name="connsiteX1" fmla="*/ 2057399 w 9478107"/>
+              <a:gd name="connsiteY1" fmla="*/ 419408 h 1386562"/>
+              <a:gd name="connsiteX2" fmla="*/ 4457699 w 9478107"/>
+              <a:gd name="connsiteY2" fmla="*/ 489747 h 1386562"/>
+              <a:gd name="connsiteX3" fmla="*/ 7009426 w 9478107"/>
+              <a:gd name="connsiteY3" fmla="*/ 98357 h 1386562"/>
+              <a:gd name="connsiteX4" fmla="*/ 8414099 w 9478107"/>
+              <a:gd name="connsiteY4" fmla="*/ 910708 h 1386562"/>
+              <a:gd name="connsiteX5" fmla="*/ 9478107 w 9478107"/>
+              <a:gd name="connsiteY5" fmla="*/ 463370 h 1386562"/>
+              <a:gd name="connsiteX6" fmla="*/ 9469315 w 9478107"/>
+              <a:gd name="connsiteY6" fmla="*/ 1368978 h 1386562"/>
+              <a:gd name="connsiteX7" fmla="*/ 7253653 w 9478107"/>
+              <a:gd name="connsiteY7" fmla="*/ 1360185 h 1386562"/>
+              <a:gd name="connsiteX8" fmla="*/ 4826976 w 9478107"/>
+              <a:gd name="connsiteY8" fmla="*/ 1386562 h 1386562"/>
+              <a:gd name="connsiteX9" fmla="*/ 2751992 w 9478107"/>
+              <a:gd name="connsiteY9" fmla="*/ 1377770 h 1386562"/>
+              <a:gd name="connsiteX10" fmla="*/ 0 w 9478107"/>
+              <a:gd name="connsiteY10" fmla="*/ 1325016 h 1386562"/>
+              <a:gd name="connsiteX11" fmla="*/ 8792 w 9478107"/>
+              <a:gd name="connsiteY11" fmla="*/ 463370 h 1386562"/>
+              <a:gd name="connsiteX0" fmla="*/ 8792 w 9478107"/>
+              <a:gd name="connsiteY0" fmla="*/ 463370 h 1386562"/>
+              <a:gd name="connsiteX1" fmla="*/ 2057399 w 9478107"/>
+              <a:gd name="connsiteY1" fmla="*/ 419408 h 1386562"/>
+              <a:gd name="connsiteX2" fmla="*/ 4457699 w 9478107"/>
+              <a:gd name="connsiteY2" fmla="*/ 489747 h 1386562"/>
+              <a:gd name="connsiteX3" fmla="*/ 7009426 w 9478107"/>
+              <a:gd name="connsiteY3" fmla="*/ 98357 h 1386562"/>
+              <a:gd name="connsiteX4" fmla="*/ 8414099 w 9478107"/>
+              <a:gd name="connsiteY4" fmla="*/ 910708 h 1386562"/>
+              <a:gd name="connsiteX5" fmla="*/ 9478107 w 9478107"/>
+              <a:gd name="connsiteY5" fmla="*/ 463370 h 1386562"/>
+              <a:gd name="connsiteX6" fmla="*/ 9469315 w 9478107"/>
+              <a:gd name="connsiteY6" fmla="*/ 1368978 h 1386562"/>
+              <a:gd name="connsiteX7" fmla="*/ 7253653 w 9478107"/>
+              <a:gd name="connsiteY7" fmla="*/ 1360185 h 1386562"/>
+              <a:gd name="connsiteX8" fmla="*/ 4826976 w 9478107"/>
+              <a:gd name="connsiteY8" fmla="*/ 1386562 h 1386562"/>
+              <a:gd name="connsiteX9" fmla="*/ 2751992 w 9478107"/>
+              <a:gd name="connsiteY9" fmla="*/ 1377770 h 1386562"/>
+              <a:gd name="connsiteX10" fmla="*/ 0 w 9478107"/>
+              <a:gd name="connsiteY10" fmla="*/ 1325016 h 1386562"/>
+              <a:gd name="connsiteX11" fmla="*/ 8792 w 9478107"/>
+              <a:gd name="connsiteY11" fmla="*/ 463370 h 1386562"/>
+              <a:gd name="connsiteX0" fmla="*/ 8792 w 9498612"/>
+              <a:gd name="connsiteY0" fmla="*/ 463370 h 1386562"/>
+              <a:gd name="connsiteX1" fmla="*/ 2057399 w 9498612"/>
+              <a:gd name="connsiteY1" fmla="*/ 419408 h 1386562"/>
+              <a:gd name="connsiteX2" fmla="*/ 4457699 w 9498612"/>
+              <a:gd name="connsiteY2" fmla="*/ 489747 h 1386562"/>
+              <a:gd name="connsiteX3" fmla="*/ 7009426 w 9498612"/>
+              <a:gd name="connsiteY3" fmla="*/ 98357 h 1386562"/>
+              <a:gd name="connsiteX4" fmla="*/ 8414099 w 9498612"/>
+              <a:gd name="connsiteY4" fmla="*/ 910708 h 1386562"/>
+              <a:gd name="connsiteX5" fmla="*/ 9498612 w 9498612"/>
+              <a:gd name="connsiteY5" fmla="*/ 200892 h 1386562"/>
+              <a:gd name="connsiteX6" fmla="*/ 9469315 w 9498612"/>
+              <a:gd name="connsiteY6" fmla="*/ 1368978 h 1386562"/>
+              <a:gd name="connsiteX7" fmla="*/ 7253653 w 9498612"/>
+              <a:gd name="connsiteY7" fmla="*/ 1360185 h 1386562"/>
+              <a:gd name="connsiteX8" fmla="*/ 4826976 w 9498612"/>
+              <a:gd name="connsiteY8" fmla="*/ 1386562 h 1386562"/>
+              <a:gd name="connsiteX9" fmla="*/ 2751992 w 9498612"/>
+              <a:gd name="connsiteY9" fmla="*/ 1377770 h 1386562"/>
+              <a:gd name="connsiteX10" fmla="*/ 0 w 9498612"/>
+              <a:gd name="connsiteY10" fmla="*/ 1325016 h 1386562"/>
+              <a:gd name="connsiteX11" fmla="*/ 8792 w 9498612"/>
+              <a:gd name="connsiteY11" fmla="*/ 463370 h 1386562"/>
+              <a:gd name="connsiteX0" fmla="*/ 8792 w 9498612"/>
+              <a:gd name="connsiteY0" fmla="*/ 444298 h 1367490"/>
+              <a:gd name="connsiteX1" fmla="*/ 2057399 w 9498612"/>
+              <a:gd name="connsiteY1" fmla="*/ 400336 h 1367490"/>
+              <a:gd name="connsiteX2" fmla="*/ 4320995 w 9498612"/>
+              <a:gd name="connsiteY2" fmla="*/ 695656 h 1367490"/>
+              <a:gd name="connsiteX3" fmla="*/ 7009426 w 9498612"/>
+              <a:gd name="connsiteY3" fmla="*/ 79285 h 1367490"/>
+              <a:gd name="connsiteX4" fmla="*/ 8414099 w 9498612"/>
+              <a:gd name="connsiteY4" fmla="*/ 891636 h 1367490"/>
+              <a:gd name="connsiteX5" fmla="*/ 9498612 w 9498612"/>
+              <a:gd name="connsiteY5" fmla="*/ 181820 h 1367490"/>
+              <a:gd name="connsiteX6" fmla="*/ 9469315 w 9498612"/>
+              <a:gd name="connsiteY6" fmla="*/ 1349906 h 1367490"/>
+              <a:gd name="connsiteX7" fmla="*/ 7253653 w 9498612"/>
+              <a:gd name="connsiteY7" fmla="*/ 1341113 h 1367490"/>
+              <a:gd name="connsiteX8" fmla="*/ 4826976 w 9498612"/>
+              <a:gd name="connsiteY8" fmla="*/ 1367490 h 1367490"/>
+              <a:gd name="connsiteX9" fmla="*/ 2751992 w 9498612"/>
+              <a:gd name="connsiteY9" fmla="*/ 1358698 h 1367490"/>
+              <a:gd name="connsiteX10" fmla="*/ 0 w 9498612"/>
+              <a:gd name="connsiteY10" fmla="*/ 1305944 h 1367490"/>
+              <a:gd name="connsiteX11" fmla="*/ 8792 w 9498612"/>
+              <a:gd name="connsiteY11" fmla="*/ 444298 h 1367490"/>
+              <a:gd name="connsiteX0" fmla="*/ 8792 w 9498612"/>
+              <a:gd name="connsiteY0" fmla="*/ 428789 h 1351981"/>
+              <a:gd name="connsiteX1" fmla="*/ 2057399 w 9498612"/>
+              <a:gd name="connsiteY1" fmla="*/ 384827 h 1351981"/>
+              <a:gd name="connsiteX2" fmla="*/ 3698995 w 9498612"/>
+              <a:gd name="connsiteY2" fmla="*/ 961374 h 1351981"/>
+              <a:gd name="connsiteX3" fmla="*/ 7009426 w 9498612"/>
+              <a:gd name="connsiteY3" fmla="*/ 63776 h 1351981"/>
+              <a:gd name="connsiteX4" fmla="*/ 8414099 w 9498612"/>
+              <a:gd name="connsiteY4" fmla="*/ 876127 h 1351981"/>
+              <a:gd name="connsiteX5" fmla="*/ 9498612 w 9498612"/>
+              <a:gd name="connsiteY5" fmla="*/ 166311 h 1351981"/>
+              <a:gd name="connsiteX6" fmla="*/ 9469315 w 9498612"/>
+              <a:gd name="connsiteY6" fmla="*/ 1334397 h 1351981"/>
+              <a:gd name="connsiteX7" fmla="*/ 7253653 w 9498612"/>
+              <a:gd name="connsiteY7" fmla="*/ 1325604 h 1351981"/>
+              <a:gd name="connsiteX8" fmla="*/ 4826976 w 9498612"/>
+              <a:gd name="connsiteY8" fmla="*/ 1351981 h 1351981"/>
+              <a:gd name="connsiteX9" fmla="*/ 2751992 w 9498612"/>
+              <a:gd name="connsiteY9" fmla="*/ 1343189 h 1351981"/>
+              <a:gd name="connsiteX10" fmla="*/ 0 w 9498612"/>
+              <a:gd name="connsiteY10" fmla="*/ 1290435 h 1351981"/>
+              <a:gd name="connsiteX11" fmla="*/ 8792 w 9498612"/>
+              <a:gd name="connsiteY11" fmla="*/ 428789 h 1351981"/>
+              <a:gd name="connsiteX0" fmla="*/ 8792 w 9498612"/>
+              <a:gd name="connsiteY0" fmla="*/ 595005 h 1518197"/>
+              <a:gd name="connsiteX1" fmla="*/ 2057399 w 9498612"/>
+              <a:gd name="connsiteY1" fmla="*/ 551043 h 1518197"/>
+              <a:gd name="connsiteX2" fmla="*/ 3698995 w 9498612"/>
+              <a:gd name="connsiteY2" fmla="*/ 1127590 h 1518197"/>
+              <a:gd name="connsiteX3" fmla="*/ 5386116 w 9498612"/>
+              <a:gd name="connsiteY3" fmla="*/ 48678 h 1518197"/>
+              <a:gd name="connsiteX4" fmla="*/ 7009426 w 9498612"/>
+              <a:gd name="connsiteY4" fmla="*/ 229992 h 1518197"/>
+              <a:gd name="connsiteX5" fmla="*/ 8414099 w 9498612"/>
+              <a:gd name="connsiteY5" fmla="*/ 1042343 h 1518197"/>
+              <a:gd name="connsiteX6" fmla="*/ 9498612 w 9498612"/>
+              <a:gd name="connsiteY6" fmla="*/ 332527 h 1518197"/>
+              <a:gd name="connsiteX7" fmla="*/ 9469315 w 9498612"/>
+              <a:gd name="connsiteY7" fmla="*/ 1500613 h 1518197"/>
+              <a:gd name="connsiteX8" fmla="*/ 7253653 w 9498612"/>
+              <a:gd name="connsiteY8" fmla="*/ 1491820 h 1518197"/>
+              <a:gd name="connsiteX9" fmla="*/ 4826976 w 9498612"/>
+              <a:gd name="connsiteY9" fmla="*/ 1518197 h 1518197"/>
+              <a:gd name="connsiteX10" fmla="*/ 2751992 w 9498612"/>
+              <a:gd name="connsiteY10" fmla="*/ 1509405 h 1518197"/>
+              <a:gd name="connsiteX11" fmla="*/ 0 w 9498612"/>
+              <a:gd name="connsiteY11" fmla="*/ 1456651 h 1518197"/>
+              <a:gd name="connsiteX12" fmla="*/ 8792 w 9498612"/>
+              <a:gd name="connsiteY12" fmla="*/ 595005 h 1518197"/>
+              <a:gd name="connsiteX0" fmla="*/ 8792 w 9498612"/>
+              <a:gd name="connsiteY0" fmla="*/ 629716 h 1552908"/>
+              <a:gd name="connsiteX1" fmla="*/ 2057399 w 9498612"/>
+              <a:gd name="connsiteY1" fmla="*/ 585754 h 1552908"/>
+              <a:gd name="connsiteX2" fmla="*/ 3698995 w 9498612"/>
+              <a:gd name="connsiteY2" fmla="*/ 1162301 h 1552908"/>
+              <a:gd name="connsiteX3" fmla="*/ 5386116 w 9498612"/>
+              <a:gd name="connsiteY3" fmla="*/ 83389 h 1552908"/>
+              <a:gd name="connsiteX4" fmla="*/ 7009426 w 9498612"/>
+              <a:gd name="connsiteY4" fmla="*/ 264703 h 1552908"/>
+              <a:gd name="connsiteX5" fmla="*/ 8414099 w 9498612"/>
+              <a:gd name="connsiteY5" fmla="*/ 1077054 h 1552908"/>
+              <a:gd name="connsiteX6" fmla="*/ 9498612 w 9498612"/>
+              <a:gd name="connsiteY6" fmla="*/ 367238 h 1552908"/>
+              <a:gd name="connsiteX7" fmla="*/ 9469315 w 9498612"/>
+              <a:gd name="connsiteY7" fmla="*/ 1535324 h 1552908"/>
+              <a:gd name="connsiteX8" fmla="*/ 7253653 w 9498612"/>
+              <a:gd name="connsiteY8" fmla="*/ 1526531 h 1552908"/>
+              <a:gd name="connsiteX9" fmla="*/ 4826976 w 9498612"/>
+              <a:gd name="connsiteY9" fmla="*/ 1552908 h 1552908"/>
+              <a:gd name="connsiteX10" fmla="*/ 2751992 w 9498612"/>
+              <a:gd name="connsiteY10" fmla="*/ 1544116 h 1552908"/>
+              <a:gd name="connsiteX11" fmla="*/ 0 w 9498612"/>
+              <a:gd name="connsiteY11" fmla="*/ 1491362 h 1552908"/>
+              <a:gd name="connsiteX12" fmla="*/ 8792 w 9498612"/>
+              <a:gd name="connsiteY12" fmla="*/ 629716 h 1552908"/>
+              <a:gd name="connsiteX0" fmla="*/ 8792 w 9498612"/>
+              <a:gd name="connsiteY0" fmla="*/ 629716 h 1552908"/>
+              <a:gd name="connsiteX1" fmla="*/ 2057399 w 9498612"/>
+              <a:gd name="connsiteY1" fmla="*/ 585754 h 1552908"/>
+              <a:gd name="connsiteX2" fmla="*/ 3698995 w 9498612"/>
+              <a:gd name="connsiteY2" fmla="*/ 1162301 h 1552908"/>
+              <a:gd name="connsiteX3" fmla="*/ 5386116 w 9498612"/>
+              <a:gd name="connsiteY3" fmla="*/ 83389 h 1552908"/>
+              <a:gd name="connsiteX4" fmla="*/ 7009426 w 9498612"/>
+              <a:gd name="connsiteY4" fmla="*/ 264703 h 1552908"/>
+              <a:gd name="connsiteX5" fmla="*/ 8414099 w 9498612"/>
+              <a:gd name="connsiteY5" fmla="*/ 1077054 h 1552908"/>
+              <a:gd name="connsiteX6" fmla="*/ 9498612 w 9498612"/>
+              <a:gd name="connsiteY6" fmla="*/ 367238 h 1552908"/>
+              <a:gd name="connsiteX7" fmla="*/ 9469315 w 9498612"/>
+              <a:gd name="connsiteY7" fmla="*/ 1535324 h 1552908"/>
+              <a:gd name="connsiteX8" fmla="*/ 7253653 w 9498612"/>
+              <a:gd name="connsiteY8" fmla="*/ 1526531 h 1552908"/>
+              <a:gd name="connsiteX9" fmla="*/ 4826976 w 9498612"/>
+              <a:gd name="connsiteY9" fmla="*/ 1552908 h 1552908"/>
+              <a:gd name="connsiteX10" fmla="*/ 2751992 w 9498612"/>
+              <a:gd name="connsiteY10" fmla="*/ 1544116 h 1552908"/>
+              <a:gd name="connsiteX11" fmla="*/ 0 w 9498612"/>
+              <a:gd name="connsiteY11" fmla="*/ 1491362 h 1552908"/>
+              <a:gd name="connsiteX12" fmla="*/ 8792 w 9498612"/>
+              <a:gd name="connsiteY12" fmla="*/ 629716 h 1552908"/>
+            </a:gdLst>
+            <a:ahLst/>
+            <a:cxnLst>
+              <a:cxn ang="0">
+                <a:pos x="connsiteX0" y="connsiteY0"/>
+              </a:cxn>
+              <a:cxn ang="0">
+                <a:pos x="connsiteX1" y="connsiteY1"/>
+              </a:cxn>
+              <a:cxn ang="0">
+                <a:pos x="connsiteX2" y="connsiteY2"/>
+              </a:cxn>
+              <a:cxn ang="0">
+                <a:pos x="connsiteX3" y="connsiteY3"/>
+              </a:cxn>
+              <a:cxn ang="0">
+                <a:pos x="connsiteX4" y="connsiteY4"/>
+              </a:cxn>
+              <a:cxn ang="0">
+                <a:pos x="connsiteX5" y="connsiteY5"/>
+              </a:cxn>
+              <a:cxn ang="0">
+                <a:pos x="connsiteX6" y="connsiteY6"/>
+              </a:cxn>
+              <a:cxn ang="0">
+                <a:pos x="connsiteX7" y="connsiteY7"/>
+              </a:cxn>
+              <a:cxn ang="0">
+                <a:pos x="connsiteX8" y="connsiteY8"/>
+              </a:cxn>
+              <a:cxn ang="0">
+                <a:pos x="connsiteX9" y="connsiteY9"/>
+              </a:cxn>
+              <a:cxn ang="0">
+                <a:pos x="connsiteX10" y="connsiteY10"/>
+              </a:cxn>
+              <a:cxn ang="0">
+                <a:pos x="connsiteX11" y="connsiteY11"/>
+              </a:cxn>
+              <a:cxn ang="0">
+                <a:pos x="connsiteX12" y="connsiteY12"/>
+              </a:cxn>
+            </a:cxnLst>
+            <a:rect l="l" t="t" r="r" b="b"/>
+            <a:pathLst>
+              <a:path w="9498612" h="1552908">
+                <a:moveTo>
+                  <a:pt x="8792" y="629716"/>
+                </a:moveTo>
+                <a:cubicBezTo>
+                  <a:pt x="671146" y="635577"/>
+                  <a:pt x="973014" y="-123492"/>
+                  <a:pt x="2057399" y="585754"/>
+                </a:cubicBezTo>
+                <a:cubicBezTo>
+                  <a:pt x="3282459" y="1283277"/>
+                  <a:pt x="3144209" y="1246028"/>
+                  <a:pt x="3698995" y="1162301"/>
+                </a:cubicBezTo>
+                <a:cubicBezTo>
+                  <a:pt x="4253781" y="1078574"/>
+                  <a:pt x="4834377" y="232989"/>
+                  <a:pt x="5386116" y="83389"/>
+                </a:cubicBezTo>
+                <a:cubicBezTo>
+                  <a:pt x="5937855" y="-66211"/>
+                  <a:pt x="6463751" y="-19649"/>
+                  <a:pt x="7009426" y="264703"/>
+                </a:cubicBezTo>
+                <a:cubicBezTo>
+                  <a:pt x="7646042" y="612966"/>
+                  <a:pt x="8003791" y="1075589"/>
+                  <a:pt x="8414099" y="1077054"/>
+                </a:cubicBezTo>
+                <a:cubicBezTo>
+                  <a:pt x="8824407" y="1078519"/>
+                  <a:pt x="9320464" y="250238"/>
+                  <a:pt x="9498612" y="367238"/>
+                </a:cubicBezTo>
+                <a:cubicBezTo>
+                  <a:pt x="9495681" y="669107"/>
+                  <a:pt x="9472246" y="1233455"/>
+                  <a:pt x="9469315" y="1535324"/>
+                </a:cubicBezTo>
+                <a:lnTo>
+                  <a:pt x="7253653" y="1526531"/>
+                </a:lnTo>
+                <a:lnTo>
+                  <a:pt x="4826976" y="1552908"/>
+                </a:lnTo>
+                <a:lnTo>
+                  <a:pt x="2751992" y="1544116"/>
+                </a:lnTo>
+                <a:lnTo>
+                  <a:pt x="0" y="1491362"/>
+                </a:lnTo>
+                <a:cubicBezTo>
+                  <a:pt x="2931" y="1207077"/>
+                  <a:pt x="-2932" y="931585"/>
+                  <a:pt x="8792" y="629716"/>
+                </a:cubicBezTo>
+                <a:close/>
+              </a:path>
+            </a:pathLst>
+          </a:custGeom>
+          <a:gradFill>
+            <a:gsLst>
+              <a:gs pos="0">
+                <a:srgbClr val="EFFCFF"/>
+              </a:gs>
+              <a:gs pos="50000">
+                <a:schemeClr val="accent4">
+                  <a:lumMod val="40000"/>
+                  <a:lumOff val="60000"/>
+                </a:schemeClr>
+              </a:gs>
+              <a:gs pos="100000">
+                <a:schemeClr val="bg1"/>
+              </a:gs>
+            </a:gsLst>
+            <a:lin ang="5400000" scaled="1"/>
+          </a:gradFill>
+          <a:ln>
+            <a:noFill/>
+          </a:ln>
+          <a:effectLst>
+            <a:glow>
+              <a:srgbClr val="FFFF00"/>
+            </a:glow>
+            <a:outerShdw algn="ctr" rotWithShape="0">
+              <a:schemeClr val="tx1"/>
+            </a:outerShdw>
+          </a:effectLst>
+          <a:scene3d>
+            <a:camera prst="orthographicFront"/>
+            <a:lightRig rig="threePt" dir="t"/>
+          </a:scene3d>
+          <a:sp3d>
+            <a:bevelT w="0"/>
+          </a:sp3d>
+        </p:spPr>
+        <p:style>
+          <a:lnRef idx="2">
+            <a:schemeClr val="accent1">
+              <a:shade val="15000"/>
+            </a:schemeClr>
+          </a:lnRef>
+          <a:fillRef idx="1">
+            <a:schemeClr val="accent1"/>
+          </a:fillRef>
+          <a:effectRef idx="0">
+            <a:schemeClr val="accent1"/>
+          </a:effectRef>
+          <a:fontRef idx="minor">
+            <a:schemeClr val="lt1"/>
+          </a:fontRef>
+        </p:style>
+        <p:txBody>
+          <a:bodyPr rtlCol="0" anchor="ctr"/>
+          <a:lstStyle/>
+          <a:p>
+            <a:pPr algn="ctr"/>
+            <a:endParaRPr lang="en-GB"/>
+          </a:p>
+        </p:txBody>
+      </p:sp>
+      <p:sp>
+        <p:nvSpPr>
+          <p:cNvPr id="18" name="Rechteck 17">
+            <a:extLst>
+              <a:ext uri="{FF2B5EF4-FFF2-40B4-BE49-F238E27FC236}">
+                <a16:creationId xmlns:a16="http://schemas.microsoft.com/office/drawing/2014/main" id="{3F48FE32-30A8-91E8-073B-1CE94513A3C5}"/>
+              </a:ext>
+            </a:extLst>
+          </p:cNvPr>
+          <p:cNvSpPr/>
+          <p:nvPr/>
+        </p:nvSpPr>
+        <p:spPr>
+          <a:xfrm>
+            <a:off x="-7747" y="6538183"/>
+            <a:ext cx="12207494" cy="319817"/>
+          </a:xfrm>
+          <a:prstGeom prst="rect">
+            <a:avLst/>
+          </a:prstGeom>
+          <a:solidFill>
+            <a:srgbClr val="8ECEFA"/>
+          </a:solidFill>
+          <a:ln>
+            <a:solidFill>
+              <a:schemeClr val="bg1"/>
+            </a:solidFill>
+          </a:ln>
+        </p:spPr>
+        <p:style>
+          <a:lnRef idx="2">
+            <a:schemeClr val="accent1">
+              <a:shade val="15000"/>
+            </a:schemeClr>
+          </a:lnRef>
+          <a:fillRef idx="1">
+            <a:schemeClr val="accent1"/>
+          </a:fillRef>
+          <a:effectRef idx="0">
+            <a:schemeClr val="accent1"/>
+          </a:effectRef>
+          <a:fontRef idx="minor">
+            <a:schemeClr val="lt1"/>
+          </a:fontRef>
+        </p:style>
+        <p:txBody>
+          <a:bodyPr rtlCol="0" anchor="ctr"/>
+          <a:lstStyle/>
+          <a:p>
+            <a:pPr algn="ctr"/>
+            <a:endParaRPr lang="de-DE" dirty="0"/>
+          </a:p>
+        </p:txBody>
+      </p:sp>
+      <p:sp>
+        <p:nvSpPr>
+          <p:cNvPr id="19" name="TextBox 18">
+            <a:extLst>
+              <a:ext uri="{FF2B5EF4-FFF2-40B4-BE49-F238E27FC236}">
+                <a16:creationId xmlns:a16="http://schemas.microsoft.com/office/drawing/2014/main" id="{E32C03B4-4368-B8A0-5078-A33BA60C0D0C}"/>
+              </a:ext>
+            </a:extLst>
+          </p:cNvPr>
+          <p:cNvSpPr txBox="1"/>
+          <p:nvPr/>
+        </p:nvSpPr>
+        <p:spPr>
+          <a:xfrm>
+            <a:off x="463483" y="1401679"/>
+            <a:ext cx="10547024" cy="1477328"/>
+          </a:xfrm>
+          <a:prstGeom prst="rect">
+            <a:avLst/>
+          </a:prstGeom>
+          <a:noFill/>
+        </p:spPr>
+        <p:txBody>
+          <a:bodyPr wrap="square" rtlCol="0">
+            <a:spAutoFit/>
+          </a:bodyPr>
+          <a:lstStyle/>
+          <a:p>
+            <a:endParaRPr lang="it-IT" dirty="0"/>
+          </a:p>
+          <a:p>
+            <a:pPr marL="285750" indent="-285750">
+              <a:buFont typeface="Arial" panose="020B0604020202020204" pitchFamily="34" charset="0"/>
+              <a:buChar char="•"/>
+            </a:pPr>
+            <a:r>
+              <a:rPr lang="en-GB" dirty="0">
+                <a:solidFill>
+                  <a:schemeClr val="tx1">
+                    <a:lumMod val="95000"/>
+                    <a:lumOff val="5000"/>
+                  </a:schemeClr>
+                </a:solidFill>
+                <a:cs typeface="Times New Roman" panose="02020603050405020304" pitchFamily="18" charset="0"/>
+              </a:rPr>
+              <a:t>Load Reports of the OPTIMUS </a:t>
+            </a:r>
+            <a:r>
+              <a:rPr lang="en-GB" dirty="0" err="1">
+                <a:solidFill>
+                  <a:schemeClr val="tx1">
+                    <a:lumMod val="95000"/>
+                    <a:lumOff val="5000"/>
+                  </a:schemeClr>
+                </a:solidFill>
+                <a:cs typeface="Times New Roman" panose="02020603050405020304" pitchFamily="18" charset="0"/>
+              </a:rPr>
+              <a:t>Ocenaus</a:t>
+            </a:r>
+            <a:r>
+              <a:rPr lang="en-GB" dirty="0">
+                <a:solidFill>
+                  <a:schemeClr val="tx1">
+                    <a:lumMod val="95000"/>
+                    <a:lumOff val="5000"/>
+                  </a:schemeClr>
+                </a:solidFill>
+                <a:cs typeface="Times New Roman" panose="02020603050405020304" pitchFamily="18" charset="0"/>
+              </a:rPr>
+              <a:t> </a:t>
+            </a:r>
+          </a:p>
+          <a:p>
+            <a:pPr marL="285750" indent="-285750">
+              <a:buFont typeface="Arial" panose="020B0604020202020204" pitchFamily="34" charset="0"/>
+              <a:buChar char="•"/>
+            </a:pPr>
+            <a:r>
+              <a:rPr lang="en-US" dirty="0"/>
+              <a:t>Standard, DNVGL-ST-0376 – Edition December 2016</a:t>
+            </a:r>
+            <a:endParaRPr lang="en-GB" dirty="0">
+              <a:cs typeface="Times New Roman" panose="02020603050405020304" pitchFamily="18" charset="0"/>
+            </a:endParaRPr>
+          </a:p>
+          <a:p>
+            <a:pPr marL="285750" indent="-285750">
+              <a:buFont typeface="Arial" panose="020B0604020202020204" pitchFamily="34" charset="0"/>
+              <a:buChar char="•"/>
+            </a:pPr>
+            <a:r>
+              <a:rPr lang="en-GB" dirty="0" err="1">
+                <a:cs typeface="Times New Roman" panose="02020603050405020304" pitchFamily="18" charset="0"/>
+              </a:rPr>
+              <a:t>TurbSim</a:t>
+            </a:r>
+            <a:r>
+              <a:rPr lang="en-GB" dirty="0">
+                <a:cs typeface="Times New Roman" panose="02020603050405020304" pitchFamily="18" charset="0"/>
+              </a:rPr>
+              <a:t>, OpenFAST_v3.0 &amp; NREL 5 MW</a:t>
+            </a:r>
+          </a:p>
+          <a:p>
+            <a:pPr marL="285750" indent="-285750">
+              <a:buFont typeface="Arial" panose="020B0604020202020204" pitchFamily="34" charset="0"/>
+              <a:buChar char="•"/>
+            </a:pPr>
+            <a:r>
+              <a:rPr lang="en-GB" dirty="0" err="1">
+                <a:cs typeface="Times New Roman" panose="02020603050405020304" pitchFamily="18" charset="0"/>
+              </a:rPr>
+              <a:t>MatLAB</a:t>
+            </a:r>
+            <a:r>
+              <a:rPr lang="en-GB" dirty="0">
+                <a:cs typeface="Times New Roman" panose="02020603050405020304" pitchFamily="18" charset="0"/>
+              </a:rPr>
+              <a:t> 2011b, </a:t>
+            </a:r>
+            <a:r>
+              <a:rPr lang="en-GB" dirty="0" err="1">
+                <a:cs typeface="Times New Roman" panose="02020603050405020304" pitchFamily="18" charset="0"/>
+              </a:rPr>
+              <a:t>MExtremes</a:t>
+            </a:r>
+            <a:endParaRPr lang="en-GB" dirty="0">
+              <a:cs typeface="Times New Roman" panose="02020603050405020304" pitchFamily="18" charset="0"/>
+            </a:endParaRPr>
+          </a:p>
+        </p:txBody>
+      </p:sp>
+      <p:sp>
+        <p:nvSpPr>
+          <p:cNvPr id="2" name="Titel 1">
+            <a:extLst>
+              <a:ext uri="{FF2B5EF4-FFF2-40B4-BE49-F238E27FC236}">
+                <a16:creationId xmlns:a16="http://schemas.microsoft.com/office/drawing/2014/main" id="{25E1DA7A-832B-59A9-3560-8C4D55C27346}"/>
+              </a:ext>
+            </a:extLst>
+          </p:cNvPr>
+          <p:cNvSpPr>
+            <a:spLocks noGrp="1"/>
+          </p:cNvSpPr>
+          <p:nvPr>
+            <p:ph type="title"/>
+          </p:nvPr>
+        </p:nvSpPr>
+        <p:spPr>
+          <a:xfrm>
+            <a:off x="484418" y="502853"/>
+            <a:ext cx="2724774" cy="712728"/>
+          </a:xfrm>
+        </p:spPr>
+        <p:txBody>
+          <a:bodyPr>
+            <a:normAutofit fontScale="90000"/>
+          </a:bodyPr>
+          <a:lstStyle/>
+          <a:p>
+            <a:r>
+              <a:rPr lang="en-US" dirty="0"/>
+              <a:t>References</a:t>
+            </a:r>
+            <a:endParaRPr lang="de-DE" dirty="0"/>
+          </a:p>
+        </p:txBody>
+      </p:sp>
+      <p:cxnSp>
+        <p:nvCxnSpPr>
+          <p:cNvPr id="6" name="Straight Connector 5">
+            <a:extLst>
+              <a:ext uri="{FF2B5EF4-FFF2-40B4-BE49-F238E27FC236}">
+                <a16:creationId xmlns:a16="http://schemas.microsoft.com/office/drawing/2014/main" id="{A80213FB-EC9C-6767-58CC-49D609115B85}"/>
+              </a:ext>
+            </a:extLst>
+          </p:cNvPr>
+          <p:cNvCxnSpPr/>
+          <p:nvPr/>
+        </p:nvCxnSpPr>
+        <p:spPr>
+          <a:xfrm>
+            <a:off x="484418" y="1171879"/>
+            <a:ext cx="11218984" cy="0"/>
+          </a:xfrm>
+          <a:prstGeom prst="line">
+            <a:avLst/>
+          </a:prstGeom>
+          <a:ln w="38100">
+            <a:solidFill>
+              <a:srgbClr val="8ECEFA"/>
+            </a:solidFill>
+          </a:ln>
+        </p:spPr>
+        <p:style>
+          <a:lnRef idx="2">
+            <a:schemeClr val="accent1"/>
+          </a:lnRef>
+          <a:fillRef idx="0">
+            <a:schemeClr val="accent1"/>
+          </a:fillRef>
+          <a:effectRef idx="1">
+            <a:schemeClr val="accent1"/>
+          </a:effectRef>
+          <a:fontRef idx="minor">
+            <a:schemeClr val="tx1"/>
+          </a:fontRef>
+        </p:style>
+      </p:cxnSp>
+      <p:sp>
+        <p:nvSpPr>
+          <p:cNvPr id="4" name="Slide Number Placeholder 5">
+            <a:extLst>
+              <a:ext uri="{FF2B5EF4-FFF2-40B4-BE49-F238E27FC236}">
+                <a16:creationId xmlns:a16="http://schemas.microsoft.com/office/drawing/2014/main" id="{21129FCA-49E1-C2AD-B541-FCEDEF0BB603}"/>
+              </a:ext>
+            </a:extLst>
+          </p:cNvPr>
+          <p:cNvSpPr txBox="1">
+            <a:spLocks/>
+          </p:cNvSpPr>
+          <p:nvPr/>
+        </p:nvSpPr>
+        <p:spPr>
+          <a:xfrm>
+            <a:off x="1833304" y="6538183"/>
+            <a:ext cx="376496" cy="319817"/>
+          </a:xfrm>
+          <a:prstGeom prst="rect">
+            <a:avLst/>
+          </a:prstGeom>
+        </p:spPr>
+        <p:txBody>
+          <a:bodyPr vert="horz" lIns="91440" tIns="45720" rIns="91440" bIns="45720" rtlCol="0" anchor="ctr"/>
+          <a:lstStyle>
+            <a:defPPr>
+              <a:defRPr lang="en-US"/>
+            </a:defPPr>
+            <a:lvl1pPr marL="0" algn="r" defTabSz="914400" rtl="0" eaLnBrk="1" latinLnBrk="0" hangingPunct="1">
+              <a:defRPr sz="1200" kern="1200">
+                <a:solidFill>
+                  <a:schemeClr val="tx1">
+                    <a:tint val="82000"/>
+                  </a:schemeClr>
+                </a:solidFill>
+                <a:latin typeface="+mn-lt"/>
+                <a:ea typeface="+mn-ea"/>
+                <a:cs typeface="+mn-cs"/>
+              </a:defRPr>
+            </a:lvl1pPr>
+            <a:lvl2pPr marL="457200" algn="l" defTabSz="914400" rtl="0" eaLnBrk="1" latinLnBrk="0" hangingPunct="1">
+              <a:defRPr sz="1800" kern="1200">
+                <a:solidFill>
+                  <a:schemeClr val="tx1"/>
+                </a:solidFill>
+                <a:latin typeface="+mn-lt"/>
+                <a:ea typeface="+mn-ea"/>
+                <a:cs typeface="+mn-cs"/>
+              </a:defRPr>
+            </a:lvl2pPr>
+            <a:lvl3pPr marL="914400" algn="l" defTabSz="914400" rtl="0" eaLnBrk="1" latinLnBrk="0" hangingPunct="1">
+              <a:defRPr sz="1800" kern="1200">
+                <a:solidFill>
+                  <a:schemeClr val="tx1"/>
+                </a:solidFill>
+                <a:latin typeface="+mn-lt"/>
+                <a:ea typeface="+mn-ea"/>
+                <a:cs typeface="+mn-cs"/>
+              </a:defRPr>
+            </a:lvl3pPr>
+            <a:lvl4pPr marL="1371600" algn="l" defTabSz="914400" rtl="0" eaLnBrk="1" latinLnBrk="0" hangingPunct="1">
+              <a:defRPr sz="1800" kern="1200">
+                <a:solidFill>
+                  <a:schemeClr val="tx1"/>
+                </a:solidFill>
+                <a:latin typeface="+mn-lt"/>
+                <a:ea typeface="+mn-ea"/>
+                <a:cs typeface="+mn-cs"/>
+              </a:defRPr>
+            </a:lvl4pPr>
+            <a:lvl5pPr marL="1828800" algn="l" defTabSz="914400" rtl="0" eaLnBrk="1" latinLnBrk="0" hangingPunct="1">
+              <a:defRPr sz="1800" kern="1200">
+                <a:solidFill>
+                  <a:schemeClr val="tx1"/>
+                </a:solidFill>
+                <a:latin typeface="+mn-lt"/>
+                <a:ea typeface="+mn-ea"/>
+                <a:cs typeface="+mn-cs"/>
+              </a:defRPr>
+            </a:lvl5pPr>
+            <a:lvl6pPr marL="2286000" algn="l" defTabSz="914400" rtl="0" eaLnBrk="1" latinLnBrk="0" hangingPunct="1">
+              <a:defRPr sz="1800" kern="1200">
+                <a:solidFill>
+                  <a:schemeClr val="tx1"/>
+                </a:solidFill>
+                <a:latin typeface="+mn-lt"/>
+                <a:ea typeface="+mn-ea"/>
+                <a:cs typeface="+mn-cs"/>
+              </a:defRPr>
+            </a:lvl6pPr>
+            <a:lvl7pPr marL="2743200" algn="l" defTabSz="914400" rtl="0" eaLnBrk="1" latinLnBrk="0" hangingPunct="1">
+              <a:defRPr sz="1800" kern="1200">
+                <a:solidFill>
+                  <a:schemeClr val="tx1"/>
+                </a:solidFill>
+                <a:latin typeface="+mn-lt"/>
+                <a:ea typeface="+mn-ea"/>
+                <a:cs typeface="+mn-cs"/>
+              </a:defRPr>
+            </a:lvl7pPr>
+            <a:lvl8pPr marL="3200400" algn="l" defTabSz="914400" rtl="0" eaLnBrk="1" latinLnBrk="0" hangingPunct="1">
+              <a:defRPr sz="1800" kern="1200">
+                <a:solidFill>
+                  <a:schemeClr val="tx1"/>
+                </a:solidFill>
+                <a:latin typeface="+mn-lt"/>
+                <a:ea typeface="+mn-ea"/>
+                <a:cs typeface="+mn-cs"/>
+              </a:defRPr>
+            </a:lvl8pPr>
+            <a:lvl9pPr marL="3657600" algn="l" defTabSz="914400" rtl="0" eaLnBrk="1" latinLnBrk="0" hangingPunct="1">
+              <a:defRPr sz="1800" kern="1200">
+                <a:solidFill>
+                  <a:schemeClr val="tx1"/>
+                </a:solidFill>
+                <a:latin typeface="+mn-lt"/>
+                <a:ea typeface="+mn-ea"/>
+                <a:cs typeface="+mn-cs"/>
+              </a:defRPr>
+            </a:lvl9pPr>
+          </a:lstStyle>
+          <a:p>
+            <a:fld id="{013F6232-4F06-48BA-8F69-BF531F607829}" type="slidenum">
+              <a:rPr lang="en-GB" sz="1400" smtClean="0">
+                <a:solidFill>
+                  <a:schemeClr val="bg1"/>
+                </a:solidFill>
+              </a:rPr>
+              <a:pPr/>
+              <a:t>10</a:t>
+            </a:fld>
+            <a:endParaRPr lang="en-GB" sz="1400" dirty="0">
+              <a:solidFill>
+                <a:schemeClr val="bg1"/>
+              </a:solidFill>
+            </a:endParaRPr>
+          </a:p>
+        </p:txBody>
+      </p:sp>
+      <p:sp>
+        <p:nvSpPr>
+          <p:cNvPr id="7" name="TextBox 6">
+            <a:extLst>
+              <a:ext uri="{FF2B5EF4-FFF2-40B4-BE49-F238E27FC236}">
+                <a16:creationId xmlns:a16="http://schemas.microsoft.com/office/drawing/2014/main" id="{D1563EE5-B3E5-55A6-0898-3C96C1BE7B95}"/>
+              </a:ext>
+            </a:extLst>
+          </p:cNvPr>
+          <p:cNvSpPr txBox="1"/>
+          <p:nvPr/>
+        </p:nvSpPr>
+        <p:spPr>
+          <a:xfrm>
+            <a:off x="9172575" y="6542216"/>
+            <a:ext cx="2787685" cy="276999"/>
+          </a:xfrm>
+          <a:prstGeom prst="rect">
+            <a:avLst/>
+          </a:prstGeom>
+          <a:noFill/>
+        </p:spPr>
+        <p:txBody>
+          <a:bodyPr wrap="square" rtlCol="0">
+            <a:spAutoFit/>
+          </a:bodyPr>
+          <a:lstStyle/>
+          <a:p>
+            <a:r>
+              <a:rPr lang="en-US" sz="1200" dirty="0">
+                <a:solidFill>
+                  <a:schemeClr val="bg1"/>
+                </a:solidFill>
+              </a:rPr>
+              <a:t>Load &amp; Dynamics Team/ Optimus Syria</a:t>
+            </a:r>
+          </a:p>
+        </p:txBody>
+      </p:sp>
+      <p:sp>
+        <p:nvSpPr>
+          <p:cNvPr id="3" name="TextBox 2">
+            <a:extLst>
+              <a:ext uri="{FF2B5EF4-FFF2-40B4-BE49-F238E27FC236}">
+                <a16:creationId xmlns:a16="http://schemas.microsoft.com/office/drawing/2014/main" id="{5154D7F5-6570-ACBE-ED5E-F8FE71E45631}"/>
+              </a:ext>
+            </a:extLst>
+          </p:cNvPr>
+          <p:cNvSpPr txBox="1"/>
+          <p:nvPr/>
+        </p:nvSpPr>
+        <p:spPr>
+          <a:xfrm>
+            <a:off x="412716" y="6565449"/>
+            <a:ext cx="1000125" cy="276999"/>
+          </a:xfrm>
+          <a:prstGeom prst="rect">
+            <a:avLst/>
+          </a:prstGeom>
+          <a:noFill/>
+        </p:spPr>
+        <p:txBody>
+          <a:bodyPr wrap="square" rtlCol="0">
+            <a:spAutoFit/>
+          </a:bodyPr>
+          <a:lstStyle/>
+          <a:p>
+            <a:r>
+              <a:rPr lang="en-US" sz="1200" dirty="0">
+                <a:solidFill>
+                  <a:schemeClr val="bg1"/>
+                </a:solidFill>
+              </a:rPr>
+              <a:t>16/12/2025</a:t>
+            </a:r>
+          </a:p>
+        </p:txBody>
+      </p:sp>
+      <p:sp>
+        <p:nvSpPr>
+          <p:cNvPr id="8" name="TextBox 7">
+            <a:extLst>
+              <a:ext uri="{FF2B5EF4-FFF2-40B4-BE49-F238E27FC236}">
+                <a16:creationId xmlns:a16="http://schemas.microsoft.com/office/drawing/2014/main" id="{9B054D57-B39A-6E7C-09BD-BB4527BE02A1}"/>
+              </a:ext>
+            </a:extLst>
+          </p:cNvPr>
+          <p:cNvSpPr txBox="1"/>
+          <p:nvPr/>
+        </p:nvSpPr>
+        <p:spPr>
+          <a:xfrm>
+            <a:off x="5372759" y="6597317"/>
+            <a:ext cx="1476495" cy="276999"/>
+          </a:xfrm>
+          <a:prstGeom prst="rect">
+            <a:avLst/>
+          </a:prstGeom>
+          <a:noFill/>
+        </p:spPr>
+        <p:txBody>
+          <a:bodyPr wrap="square" rtlCol="0">
+            <a:spAutoFit/>
+          </a:bodyPr>
+          <a:lstStyle/>
+          <a:p>
+            <a:r>
+              <a:rPr lang="en-US" sz="1200" dirty="0">
+                <a:solidFill>
+                  <a:schemeClr val="bg1"/>
+                </a:solidFill>
+              </a:rPr>
+              <a:t>Arham Memon</a:t>
+            </a:r>
+          </a:p>
+        </p:txBody>
+      </p:sp>
+    </p:spTree>
+    <p:extLst>
+      <p:ext uri="{BB962C8B-B14F-4D97-AF65-F5344CB8AC3E}">
+        <p14:creationId xmlns:p14="http://schemas.microsoft.com/office/powerpoint/2010/main" val="3877941250"/>
       </p:ext>
     </p:extLst>
   </p:cSld>
@@ -12593,7 +15191,7 @@
               <a:rPr lang="en-US" sz="2400" dirty="0">
                 <a:cs typeface="Times New Roman" panose="02020603050405020304" pitchFamily="18" charset="0"/>
               </a:rPr>
-              <a:t> Tables</a:t>
+              <a:t> Tables and Extracted Values</a:t>
             </a:r>
           </a:p>
           <a:p>
@@ -12827,10 +15425,10 @@
       </p:sp>
       <p:sp>
         <p:nvSpPr>
-          <p:cNvPr id="12" name="TextBox 11">
+          <p:cNvPr id="3" name="TextBox 2">
             <a:extLst>
               <a:ext uri="{FF2B5EF4-FFF2-40B4-BE49-F238E27FC236}">
-                <a16:creationId xmlns:a16="http://schemas.microsoft.com/office/drawing/2014/main" id="{9B68FCD7-DBCC-C4DB-3EB2-24DC1CB1FC1F}"/>
+                <a16:creationId xmlns:a16="http://schemas.microsoft.com/office/drawing/2014/main" id="{A5CAD75A-36E6-FD8F-351F-B11CB9C8C4BB}"/>
               </a:ext>
             </a:extLst>
           </p:cNvPr>
@@ -12859,21 +15457,8 @@
                   <a:schemeClr val="bg1"/>
                 </a:solidFill>
               </a:rPr>
-              <a:t>Paresh </a:t>
+              <a:t>Arham Memon</a:t>
             </a:r>
-            <a:r>
-              <a:rPr lang="en-US" sz="1200" dirty="0" err="1">
-                <a:solidFill>
-                  <a:schemeClr val="bg1"/>
-                </a:solidFill>
-              </a:rPr>
-              <a:t>Nakum</a:t>
-            </a:r>
-            <a:endParaRPr lang="en-US" sz="1200" dirty="0">
-              <a:solidFill>
-                <a:schemeClr val="bg1"/>
-              </a:solidFill>
-            </a:endParaRPr>
           </a:p>
         </p:txBody>
       </p:sp>
@@ -15167,8 +17752,8 @@
         </p:nvSpPr>
         <p:spPr>
           <a:xfrm>
-            <a:off x="759721" y="1993043"/>
-            <a:ext cx="7372211" cy="369332"/>
+            <a:off x="954816" y="2012363"/>
+            <a:ext cx="6888350" cy="369332"/>
           </a:xfrm>
           <a:prstGeom prst="rect">
             <a:avLst/>
@@ -15176,7 +17761,7 @@
           <a:noFill/>
         </p:spPr>
         <p:txBody>
-          <a:bodyPr wrap="none" rtlCol="0">
+          <a:bodyPr wrap="square" rtlCol="0">
             <a:spAutoFit/>
           </a:bodyPr>
           <a:lstStyle/>
@@ -15203,7 +17788,7 @@
                   <a:schemeClr val="accent6"/>
                 </a:solidFill>
               </a:rPr>
-              <a:t>                                       Almost Done</a:t>
+              <a:t>                                        Done</a:t>
             </a:r>
           </a:p>
         </p:txBody>
@@ -15331,58 +17916,6 @@
       </p:sp>
       <p:sp>
         <p:nvSpPr>
-          <p:cNvPr id="20" name="TextBox 19">
-            <a:extLst>
-              <a:ext uri="{FF2B5EF4-FFF2-40B4-BE49-F238E27FC236}">
-                <a16:creationId xmlns:a16="http://schemas.microsoft.com/office/drawing/2014/main" id="{A8750523-E86D-D69F-DD90-D25887BB89C9}"/>
-              </a:ext>
-            </a:extLst>
-          </p:cNvPr>
-          <p:cNvSpPr txBox="1"/>
-          <p:nvPr/>
-        </p:nvSpPr>
-        <p:spPr>
-          <a:xfrm>
-            <a:off x="5372759" y="6597317"/>
-            <a:ext cx="1476495" cy="276999"/>
-          </a:xfrm>
-          <a:prstGeom prst="rect">
-            <a:avLst/>
-          </a:prstGeom>
-          <a:noFill/>
-        </p:spPr>
-        <p:txBody>
-          <a:bodyPr wrap="square" rtlCol="0">
-            <a:spAutoFit/>
-          </a:bodyPr>
-          <a:lstStyle/>
-          <a:p>
-            <a:r>
-              <a:rPr lang="en-US" sz="1200" dirty="0">
-                <a:solidFill>
-                  <a:schemeClr val="bg1"/>
-                </a:solidFill>
-              </a:rPr>
-              <a:t>Paresh </a:t>
-            </a:r>
-            <a:r>
-              <a:rPr lang="en-US" sz="1200" dirty="0" err="1">
-                <a:solidFill>
-                  <a:schemeClr val="bg1"/>
-                </a:solidFill>
-              </a:rPr>
-              <a:t>Nakum</a:t>
-            </a:r>
-            <a:endParaRPr lang="en-US" sz="1200" dirty="0">
-              <a:solidFill>
-                <a:schemeClr val="bg1"/>
-              </a:solidFill>
-            </a:endParaRPr>
-          </a:p>
-        </p:txBody>
-      </p:sp>
-      <p:sp>
-        <p:nvSpPr>
           <p:cNvPr id="2" name="TextBox 1">
             <a:extLst>
               <a:ext uri="{FF2B5EF4-FFF2-40B4-BE49-F238E27FC236}">
@@ -15471,6 +18004,45 @@
               <a:buChar char="•"/>
             </a:pPr>
             <a:endParaRPr lang="en-US" dirty="0"/>
+          </a:p>
+        </p:txBody>
+      </p:sp>
+      <p:sp>
+        <p:nvSpPr>
+          <p:cNvPr id="7" name="TextBox 6">
+            <a:extLst>
+              <a:ext uri="{FF2B5EF4-FFF2-40B4-BE49-F238E27FC236}">
+                <a16:creationId xmlns:a16="http://schemas.microsoft.com/office/drawing/2014/main" id="{A28E10B7-87E5-7CE0-DD49-4ED6F6478DED}"/>
+              </a:ext>
+            </a:extLst>
+          </p:cNvPr>
+          <p:cNvSpPr txBox="1"/>
+          <p:nvPr/>
+        </p:nvSpPr>
+        <p:spPr>
+          <a:xfrm>
+            <a:off x="5372759" y="6597317"/>
+            <a:ext cx="1476495" cy="276999"/>
+          </a:xfrm>
+          <a:prstGeom prst="rect">
+            <a:avLst/>
+          </a:prstGeom>
+          <a:noFill/>
+        </p:spPr>
+        <p:txBody>
+          <a:bodyPr wrap="square" rtlCol="0">
+            <a:spAutoFit/>
+          </a:bodyPr>
+          <a:lstStyle/>
+          <a:p>
+            <a:r>
+              <a:rPr lang="en-US" sz="1200" dirty="0">
+                <a:solidFill>
+                  <a:schemeClr val="bg1"/>
+                </a:solidFill>
+              </a:rPr>
+              <a:t>Arham Memon</a:t>
+            </a:r>
           </a:p>
         </p:txBody>
       </p:sp>
@@ -17750,166 +20322,6 @@
       </p:sp>
       <p:sp>
         <p:nvSpPr>
-          <p:cNvPr id="30" name="TextBox 29">
-            <a:extLst>
-              <a:ext uri="{FF2B5EF4-FFF2-40B4-BE49-F238E27FC236}">
-                <a16:creationId xmlns:a16="http://schemas.microsoft.com/office/drawing/2014/main" id="{5FAF5EA0-EDED-CA51-2FDD-1B751F3D2134}"/>
-              </a:ext>
-            </a:extLst>
-          </p:cNvPr>
-          <p:cNvSpPr txBox="1"/>
-          <p:nvPr/>
-        </p:nvSpPr>
-        <p:spPr>
-          <a:xfrm>
-            <a:off x="5372759" y="6597317"/>
-            <a:ext cx="1476495" cy="276999"/>
-          </a:xfrm>
-          <a:prstGeom prst="rect">
-            <a:avLst/>
-          </a:prstGeom>
-          <a:noFill/>
-        </p:spPr>
-        <p:txBody>
-          <a:bodyPr wrap="square" rtlCol="0">
-            <a:spAutoFit/>
-          </a:bodyPr>
-          <a:lstStyle/>
-          <a:p>
-            <a:r>
-              <a:rPr lang="en-US" sz="1200" dirty="0">
-                <a:solidFill>
-                  <a:schemeClr val="bg1"/>
-                </a:solidFill>
-              </a:rPr>
-              <a:t>Paresh </a:t>
-            </a:r>
-            <a:r>
-              <a:rPr lang="en-US" sz="1200" dirty="0" err="1">
-                <a:solidFill>
-                  <a:schemeClr val="bg1"/>
-                </a:solidFill>
-              </a:rPr>
-              <a:t>Nakum</a:t>
-            </a:r>
-            <a:endParaRPr lang="en-US" sz="1200" dirty="0">
-              <a:solidFill>
-                <a:schemeClr val="bg1"/>
-              </a:solidFill>
-            </a:endParaRPr>
-          </a:p>
-        </p:txBody>
-      </p:sp>
-      <p:pic>
-        <p:nvPicPr>
-          <p:cNvPr id="3" name="Picture 2">
-            <a:extLst>
-              <a:ext uri="{FF2B5EF4-FFF2-40B4-BE49-F238E27FC236}">
-                <a16:creationId xmlns:a16="http://schemas.microsoft.com/office/drawing/2014/main" id="{E9652901-0AAF-EB20-9577-D1468E62E090}"/>
-              </a:ext>
-            </a:extLst>
-          </p:cNvPr>
-          <p:cNvPicPr>
-            <a:picLocks noChangeAspect="1"/>
-          </p:cNvPicPr>
-          <p:nvPr/>
-        </p:nvPicPr>
-        <p:blipFill>
-          <a:blip r:embed="rId3">
-            <a:extLst>
-              <a:ext uri="{28A0092B-C50C-407E-A947-70E740481C1C}">
-                <a14:useLocalDpi xmlns:a14="http://schemas.microsoft.com/office/drawing/2010/main" val="0"/>
-              </a:ext>
-            </a:extLst>
-          </a:blip>
-          <a:stretch>
-            <a:fillRect/>
-          </a:stretch>
-        </p:blipFill>
-        <p:spPr>
-          <a:xfrm>
-            <a:off x="412716" y="1231014"/>
-            <a:ext cx="7228629" cy="1272099"/>
-          </a:xfrm>
-          <a:prstGeom prst="rect">
-            <a:avLst/>
-          </a:prstGeom>
-        </p:spPr>
-      </p:pic>
-      <p:pic>
-        <p:nvPicPr>
-          <p:cNvPr id="5" name="Picture 4">
-            <a:extLst>
-              <a:ext uri="{FF2B5EF4-FFF2-40B4-BE49-F238E27FC236}">
-                <a16:creationId xmlns:a16="http://schemas.microsoft.com/office/drawing/2014/main" id="{ACAB39F1-330E-4A82-EE5E-99D1AB163AA5}"/>
-              </a:ext>
-            </a:extLst>
-          </p:cNvPr>
-          <p:cNvPicPr>
-            <a:picLocks noChangeAspect="1"/>
-          </p:cNvPicPr>
-          <p:nvPr/>
-        </p:nvPicPr>
-        <p:blipFill>
-          <a:blip r:embed="rId4">
-            <a:extLst>
-              <a:ext uri="{28A0092B-C50C-407E-A947-70E740481C1C}">
-                <a14:useLocalDpi xmlns:a14="http://schemas.microsoft.com/office/drawing/2010/main" val="0"/>
-              </a:ext>
-            </a:extLst>
-          </a:blip>
-          <a:stretch>
-            <a:fillRect/>
-          </a:stretch>
-        </p:blipFill>
-        <p:spPr>
-          <a:xfrm>
-            <a:off x="2526843" y="2439871"/>
-            <a:ext cx="9192830" cy="1959280"/>
-          </a:xfrm>
-          <a:prstGeom prst="rect">
-            <a:avLst/>
-          </a:prstGeom>
-        </p:spPr>
-      </p:pic>
-      <p:pic>
-        <p:nvPicPr>
-          <p:cNvPr id="8" name="Picture 7">
-            <a:extLst>
-              <a:ext uri="{FF2B5EF4-FFF2-40B4-BE49-F238E27FC236}">
-                <a16:creationId xmlns:a16="http://schemas.microsoft.com/office/drawing/2014/main" id="{111F3802-6EA3-0542-51B0-305BF79B2EB7}"/>
-              </a:ext>
-            </a:extLst>
-          </p:cNvPr>
-          <p:cNvPicPr>
-            <a:picLocks noChangeAspect="1"/>
-          </p:cNvPicPr>
-          <p:nvPr/>
-        </p:nvPicPr>
-        <p:blipFill>
-          <a:blip r:embed="rId5">
-            <a:extLst>
-              <a:ext uri="{28A0092B-C50C-407E-A947-70E740481C1C}">
-                <a14:useLocalDpi xmlns:a14="http://schemas.microsoft.com/office/drawing/2010/main" val="0"/>
-              </a:ext>
-            </a:extLst>
-          </a:blip>
-          <a:stretch>
-            <a:fillRect/>
-          </a:stretch>
-        </p:blipFill>
-        <p:spPr>
-          <a:xfrm>
-            <a:off x="412716" y="4399151"/>
-            <a:ext cx="9458265" cy="1977939"/>
-          </a:xfrm>
-          <a:prstGeom prst="rect">
-            <a:avLst/>
-          </a:prstGeom>
-        </p:spPr>
-      </p:pic>
-      <p:sp>
-        <p:nvSpPr>
           <p:cNvPr id="12" name="Oval 11">
             <a:extLst>
               <a:ext uri="{FF2B5EF4-FFF2-40B4-BE49-F238E27FC236}">
@@ -17957,6 +20369,336 @@
           <a:p>
             <a:pPr algn="ctr"/>
             <a:endParaRPr lang="en-US"/>
+          </a:p>
+        </p:txBody>
+      </p:sp>
+      <p:pic>
+        <p:nvPicPr>
+          <p:cNvPr id="4" name="Picture 3">
+            <a:extLst>
+              <a:ext uri="{FF2B5EF4-FFF2-40B4-BE49-F238E27FC236}">
+                <a16:creationId xmlns:a16="http://schemas.microsoft.com/office/drawing/2014/main" id="{BC5C6CCD-6F28-D29A-2579-9DABE9E07E35}"/>
+              </a:ext>
+            </a:extLst>
+          </p:cNvPr>
+          <p:cNvPicPr>
+            <a:picLocks noChangeAspect="1"/>
+          </p:cNvPicPr>
+          <p:nvPr/>
+        </p:nvPicPr>
+        <p:blipFill>
+          <a:blip r:embed="rId3"/>
+          <a:stretch>
+            <a:fillRect/>
+          </a:stretch>
+        </p:blipFill>
+        <p:spPr>
+          <a:xfrm>
+            <a:off x="484419" y="1300760"/>
+            <a:ext cx="5955710" cy="3858163"/>
+          </a:xfrm>
+          <a:prstGeom prst="rect">
+            <a:avLst/>
+          </a:prstGeom>
+        </p:spPr>
+      </p:pic>
+      <p:sp>
+        <p:nvSpPr>
+          <p:cNvPr id="7" name="Oval 6">
+            <a:extLst>
+              <a:ext uri="{FF2B5EF4-FFF2-40B4-BE49-F238E27FC236}">
+                <a16:creationId xmlns:a16="http://schemas.microsoft.com/office/drawing/2014/main" id="{4642273E-D295-2AA3-72DA-112E9BAAC885}"/>
+              </a:ext>
+            </a:extLst>
+          </p:cNvPr>
+          <p:cNvSpPr/>
+          <p:nvPr/>
+        </p:nvSpPr>
+        <p:spPr>
+          <a:xfrm>
+            <a:off x="599768" y="2595716"/>
+            <a:ext cx="1602658" cy="412955"/>
+          </a:xfrm>
+          <a:prstGeom prst="ellipse">
+            <a:avLst/>
+          </a:prstGeom>
+          <a:noFill/>
+          <a:ln>
+            <a:solidFill>
+              <a:schemeClr val="bg1"/>
+            </a:solidFill>
+          </a:ln>
+        </p:spPr>
+        <p:style>
+          <a:lnRef idx="2">
+            <a:schemeClr val="accent1">
+              <a:shade val="15000"/>
+            </a:schemeClr>
+          </a:lnRef>
+          <a:fillRef idx="1">
+            <a:schemeClr val="accent1"/>
+          </a:fillRef>
+          <a:effectRef idx="0">
+            <a:schemeClr val="accent1"/>
+          </a:effectRef>
+          <a:fontRef idx="minor">
+            <a:schemeClr val="lt1"/>
+          </a:fontRef>
+        </p:style>
+        <p:txBody>
+          <a:bodyPr rtlCol="0" anchor="ctr"/>
+          <a:lstStyle/>
+          <a:p>
+            <a:pPr algn="ctr"/>
+            <a:endParaRPr lang="en-US"/>
+          </a:p>
+        </p:txBody>
+      </p:sp>
+      <p:sp>
+        <p:nvSpPr>
+          <p:cNvPr id="13" name="Oval 12">
+            <a:extLst>
+              <a:ext uri="{FF2B5EF4-FFF2-40B4-BE49-F238E27FC236}">
+                <a16:creationId xmlns:a16="http://schemas.microsoft.com/office/drawing/2014/main" id="{F36B88F3-65DF-D15C-9522-0111F7FC5E3F}"/>
+              </a:ext>
+            </a:extLst>
+          </p:cNvPr>
+          <p:cNvSpPr/>
+          <p:nvPr/>
+        </p:nvSpPr>
+        <p:spPr>
+          <a:xfrm>
+            <a:off x="599768" y="4387931"/>
+            <a:ext cx="1602658" cy="412955"/>
+          </a:xfrm>
+          <a:prstGeom prst="ellipse">
+            <a:avLst/>
+          </a:prstGeom>
+          <a:noFill/>
+          <a:ln>
+            <a:solidFill>
+              <a:schemeClr val="bg1"/>
+            </a:solidFill>
+          </a:ln>
+        </p:spPr>
+        <p:style>
+          <a:lnRef idx="2">
+            <a:schemeClr val="accent1">
+              <a:shade val="15000"/>
+            </a:schemeClr>
+          </a:lnRef>
+          <a:fillRef idx="1">
+            <a:schemeClr val="accent1"/>
+          </a:fillRef>
+          <a:effectRef idx="0">
+            <a:schemeClr val="accent1"/>
+          </a:effectRef>
+          <a:fontRef idx="minor">
+            <a:schemeClr val="lt1"/>
+          </a:fontRef>
+        </p:style>
+        <p:txBody>
+          <a:bodyPr rtlCol="0" anchor="ctr"/>
+          <a:lstStyle/>
+          <a:p>
+            <a:pPr algn="ctr"/>
+            <a:endParaRPr lang="en-US"/>
+          </a:p>
+        </p:txBody>
+      </p:sp>
+      <p:pic>
+        <p:nvPicPr>
+          <p:cNvPr id="17" name="Picture 16">
+            <a:extLst>
+              <a:ext uri="{FF2B5EF4-FFF2-40B4-BE49-F238E27FC236}">
+                <a16:creationId xmlns:a16="http://schemas.microsoft.com/office/drawing/2014/main" id="{6E21FFD4-F8BD-7765-0403-25A246D9B6A1}"/>
+              </a:ext>
+            </a:extLst>
+          </p:cNvPr>
+          <p:cNvPicPr>
+            <a:picLocks noChangeAspect="1"/>
+          </p:cNvPicPr>
+          <p:nvPr/>
+        </p:nvPicPr>
+        <p:blipFill>
+          <a:blip r:embed="rId4"/>
+          <a:stretch>
+            <a:fillRect/>
+          </a:stretch>
+        </p:blipFill>
+        <p:spPr>
+          <a:xfrm>
+            <a:off x="6448922" y="3191912"/>
+            <a:ext cx="5625640" cy="3057952"/>
+          </a:xfrm>
+          <a:prstGeom prst="rect">
+            <a:avLst/>
+          </a:prstGeom>
+        </p:spPr>
+      </p:pic>
+      <p:cxnSp>
+        <p:nvCxnSpPr>
+          <p:cNvPr id="20" name="Connector: Curved 19">
+            <a:extLst>
+              <a:ext uri="{FF2B5EF4-FFF2-40B4-BE49-F238E27FC236}">
+                <a16:creationId xmlns:a16="http://schemas.microsoft.com/office/drawing/2014/main" id="{AF7F93E8-97D7-B618-4DF3-CF7256BE8887}"/>
+              </a:ext>
+            </a:extLst>
+          </p:cNvPr>
+          <p:cNvCxnSpPr>
+            <a:cxnSpLocks/>
+            <a:stCxn id="7" idx="7"/>
+          </p:cNvCxnSpPr>
+          <p:nvPr/>
+        </p:nvCxnSpPr>
+        <p:spPr>
+          <a:xfrm rot="16200000" flipH="1">
+            <a:off x="6632142" y="-2008228"/>
+            <a:ext cx="406840" cy="9735680"/>
+          </a:xfrm>
+          <a:prstGeom prst="curvedConnector4">
+            <a:avLst>
+              <a:gd name="adj1" fmla="val -271278"/>
+              <a:gd name="adj2" fmla="val 100287"/>
+            </a:avLst>
+          </a:prstGeom>
+          <a:ln>
+            <a:solidFill>
+              <a:schemeClr val="accent3"/>
+            </a:solidFill>
+            <a:tailEnd type="triangle"/>
+          </a:ln>
+        </p:spPr>
+        <p:style>
+          <a:lnRef idx="2">
+            <a:schemeClr val="accent1"/>
+          </a:lnRef>
+          <a:fillRef idx="0">
+            <a:schemeClr val="accent1"/>
+          </a:fillRef>
+          <a:effectRef idx="1">
+            <a:schemeClr val="accent1"/>
+          </a:effectRef>
+          <a:fontRef idx="minor">
+            <a:schemeClr val="tx1"/>
+          </a:fontRef>
+        </p:style>
+      </p:cxnSp>
+      <p:cxnSp>
+        <p:nvCxnSpPr>
+          <p:cNvPr id="39" name="Connector: Curved 38">
+            <a:extLst>
+              <a:ext uri="{FF2B5EF4-FFF2-40B4-BE49-F238E27FC236}">
+                <a16:creationId xmlns:a16="http://schemas.microsoft.com/office/drawing/2014/main" id="{CE7D2959-3B0B-191D-D9FA-808FA3454730}"/>
+              </a:ext>
+            </a:extLst>
+          </p:cNvPr>
+          <p:cNvCxnSpPr>
+            <a:cxnSpLocks/>
+          </p:cNvCxnSpPr>
+          <p:nvPr/>
+        </p:nvCxnSpPr>
+        <p:spPr>
+          <a:xfrm rot="5400000">
+            <a:off x="1480469" y="4964164"/>
+            <a:ext cx="1074792" cy="369122"/>
+          </a:xfrm>
+          <a:prstGeom prst="curvedConnector3">
+            <a:avLst/>
+          </a:prstGeom>
+          <a:ln>
+            <a:solidFill>
+              <a:schemeClr val="accent3"/>
+            </a:solidFill>
+            <a:tailEnd type="triangle"/>
+          </a:ln>
+        </p:spPr>
+        <p:style>
+          <a:lnRef idx="2">
+            <a:schemeClr val="accent1"/>
+          </a:lnRef>
+          <a:fillRef idx="0">
+            <a:schemeClr val="accent1"/>
+          </a:fillRef>
+          <a:effectRef idx="1">
+            <a:schemeClr val="accent1"/>
+          </a:effectRef>
+          <a:fontRef idx="minor">
+            <a:schemeClr val="tx1"/>
+          </a:fontRef>
+        </p:style>
+      </p:cxnSp>
+      <p:sp>
+        <p:nvSpPr>
+          <p:cNvPr id="41" name="TextBox 40">
+            <a:extLst>
+              <a:ext uri="{FF2B5EF4-FFF2-40B4-BE49-F238E27FC236}">
+                <a16:creationId xmlns:a16="http://schemas.microsoft.com/office/drawing/2014/main" id="{8A65EB1F-D4CD-B85B-C3B1-6FA9B0149AEA}"/>
+              </a:ext>
+            </a:extLst>
+          </p:cNvPr>
+          <p:cNvSpPr txBox="1"/>
+          <p:nvPr/>
+        </p:nvSpPr>
+        <p:spPr>
+          <a:xfrm>
+            <a:off x="1833304" y="5722374"/>
+            <a:ext cx="1349793" cy="369332"/>
+          </a:xfrm>
+          <a:prstGeom prst="rect">
+            <a:avLst/>
+          </a:prstGeom>
+          <a:noFill/>
+        </p:spPr>
+        <p:txBody>
+          <a:bodyPr wrap="none" rtlCol="0">
+            <a:spAutoFit/>
+          </a:bodyPr>
+          <a:lstStyle/>
+          <a:p>
+            <a:r>
+              <a:rPr lang="en-US" dirty="0"/>
+              <a:t>Final Result</a:t>
+            </a:r>
+          </a:p>
+        </p:txBody>
+      </p:sp>
+      <p:sp>
+        <p:nvSpPr>
+          <p:cNvPr id="42" name="TextBox 41">
+            <a:extLst>
+              <a:ext uri="{FF2B5EF4-FFF2-40B4-BE49-F238E27FC236}">
+                <a16:creationId xmlns:a16="http://schemas.microsoft.com/office/drawing/2014/main" id="{49B828DD-CFBF-9BD6-A5BE-78E72473B69A}"/>
+              </a:ext>
+            </a:extLst>
+          </p:cNvPr>
+          <p:cNvSpPr txBox="1"/>
+          <p:nvPr/>
+        </p:nvSpPr>
+        <p:spPr>
+          <a:xfrm>
+            <a:off x="5372759" y="6597317"/>
+            <a:ext cx="1476495" cy="276999"/>
+          </a:xfrm>
+          <a:prstGeom prst="rect">
+            <a:avLst/>
+          </a:prstGeom>
+          <a:noFill/>
+        </p:spPr>
+        <p:txBody>
+          <a:bodyPr wrap="square" rtlCol="0">
+            <a:spAutoFit/>
+          </a:bodyPr>
+          <a:lstStyle/>
+          <a:p>
+            <a:r>
+              <a:rPr lang="en-US" sz="1200" dirty="0">
+                <a:solidFill>
+                  <a:schemeClr val="bg1"/>
+                </a:solidFill>
+              </a:rPr>
+              <a:t>Arham Memon</a:t>
+            </a:r>
           </a:p>
         </p:txBody>
       </p:sp>
@@ -20086,7 +22828,7 @@
           <a:p>
             <a:r>
               <a:rPr lang="en-GB" dirty="0"/>
-              <a:t>Working Directory</a:t>
+              <a:t>Result Output</a:t>
             </a:r>
             <a:endParaRPr lang="de-DE" dirty="0"/>
           </a:p>
@@ -20188,7 +22930,15 @@
             </a:r>
             <a:r>
               <a:rPr lang="en-US" dirty="0"/>
-              <a:t> wind speed and for every wind speed has a total of 6 simulation for getting more accurate result.</a:t>
+              <a:t> wind speed according to DLC requirement and for every wind speed has a total of 6 (</a:t>
+            </a:r>
+            <a:r>
+              <a:rPr lang="en-US" dirty="0" err="1"/>
+              <a:t>randseed</a:t>
+            </a:r>
+            <a:r>
+              <a:rPr lang="en-US" dirty="0"/>
+              <a:t>) simulation for getting more accurate result.</a:t>
             </a:r>
           </a:p>
         </p:txBody>
@@ -20413,10 +23163,92 @@
       </p:sp>
       <p:sp>
         <p:nvSpPr>
-          <p:cNvPr id="8" name="TextBox 7">
+          <p:cNvPr id="15" name="TextBox 14">
             <a:extLst>
               <a:ext uri="{FF2B5EF4-FFF2-40B4-BE49-F238E27FC236}">
-                <a16:creationId xmlns:a16="http://schemas.microsoft.com/office/drawing/2014/main" id="{AC63D1F8-B839-DFDA-593A-1CD5D405F98A}"/>
+                <a16:creationId xmlns:a16="http://schemas.microsoft.com/office/drawing/2014/main" id="{B9A7A139-BE57-8C21-C89E-5ADCB8A5ED22}"/>
+              </a:ext>
+            </a:extLst>
+          </p:cNvPr>
+          <p:cNvSpPr txBox="1"/>
+          <p:nvPr/>
+        </p:nvSpPr>
+        <p:spPr>
+          <a:xfrm>
+            <a:off x="484417" y="2791269"/>
+            <a:ext cx="7492820" cy="646331"/>
+          </a:xfrm>
+          <a:prstGeom prst="rect">
+            <a:avLst/>
+          </a:prstGeom>
+          <a:noFill/>
+        </p:spPr>
+        <p:txBody>
+          <a:bodyPr wrap="none" rtlCol="0">
+            <a:spAutoFit/>
+          </a:bodyPr>
+          <a:lstStyle/>
+          <a:p>
+            <a:pPr marL="285750" indent="-285750">
+              <a:buFont typeface="Arial" panose="020B0604020202020204" pitchFamily="34" charset="0"/>
+              <a:buChar char="•"/>
+            </a:pPr>
+            <a:r>
+              <a:rPr lang="en-US" dirty="0"/>
+              <a:t>A total of 245 output files is generated for analysis with all working DLC.</a:t>
+            </a:r>
+          </a:p>
+          <a:p>
+            <a:pPr marL="285750" indent="-285750">
+              <a:buFont typeface="Arial" panose="020B0604020202020204" pitchFamily="34" charset="0"/>
+              <a:buChar char="•"/>
+            </a:pPr>
+            <a:endParaRPr lang="en-US" dirty="0"/>
+          </a:p>
+        </p:txBody>
+      </p:sp>
+      <p:pic>
+        <p:nvPicPr>
+          <p:cNvPr id="4" name="Picture 3">
+            <a:extLst>
+              <a:ext uri="{FF2B5EF4-FFF2-40B4-BE49-F238E27FC236}">
+                <a16:creationId xmlns:a16="http://schemas.microsoft.com/office/drawing/2014/main" id="{C3714DC7-0AAB-10FC-4273-86B27D5611C9}"/>
+              </a:ext>
+            </a:extLst>
+          </p:cNvPr>
+          <p:cNvPicPr>
+            <a:picLocks noChangeAspect="1"/>
+          </p:cNvPicPr>
+          <p:nvPr/>
+        </p:nvPicPr>
+        <p:blipFill>
+          <a:blip r:embed="rId3">
+            <a:extLst>
+              <a:ext uri="{28A0092B-C50C-407E-A947-70E740481C1C}">
+                <a14:useLocalDpi xmlns:a14="http://schemas.microsoft.com/office/drawing/2010/main" val="0"/>
+              </a:ext>
+            </a:extLst>
+          </a:blip>
+          <a:stretch>
+            <a:fillRect/>
+          </a:stretch>
+        </p:blipFill>
+        <p:spPr>
+          <a:xfrm>
+            <a:off x="484417" y="3242254"/>
+            <a:ext cx="10998423" cy="2257121"/>
+          </a:xfrm>
+          <a:prstGeom prst="rect">
+            <a:avLst/>
+          </a:prstGeom>
+        </p:spPr>
+      </p:pic>
+      <p:sp>
+        <p:nvSpPr>
+          <p:cNvPr id="16" name="TextBox 15">
+            <a:extLst>
+              <a:ext uri="{FF2B5EF4-FFF2-40B4-BE49-F238E27FC236}">
+                <a16:creationId xmlns:a16="http://schemas.microsoft.com/office/drawing/2014/main" id="{D7B7669A-9458-67AA-1039-D8A6DB1A37AD}"/>
               </a:ext>
             </a:extLst>
           </p:cNvPr>
@@ -20445,21 +23277,55 @@
                   <a:schemeClr val="bg1"/>
                 </a:solidFill>
               </a:rPr>
-              <a:t>Paresh </a:t>
+              <a:t>Arham Memon</a:t>
             </a:r>
-            <a:r>
-              <a:rPr lang="en-US" sz="1200" dirty="0" err="1">
-                <a:solidFill>
-                  <a:schemeClr val="bg1"/>
-                </a:solidFill>
-              </a:rPr>
-              <a:t>Nakum</a:t>
-            </a:r>
-            <a:endParaRPr lang="en-US" sz="1200" dirty="0">
-              <a:solidFill>
-                <a:schemeClr val="bg1"/>
-              </a:solidFill>
-            </a:endParaRPr>
+          </a:p>
+        </p:txBody>
+      </p:sp>
+      <p:sp>
+        <p:nvSpPr>
+          <p:cNvPr id="3" name="Oval 2">
+            <a:extLst>
+              <a:ext uri="{FF2B5EF4-FFF2-40B4-BE49-F238E27FC236}">
+                <a16:creationId xmlns:a16="http://schemas.microsoft.com/office/drawing/2014/main" id="{7121D2EF-562E-C249-C68C-8139A8FBE571}"/>
+              </a:ext>
+            </a:extLst>
+          </p:cNvPr>
+          <p:cNvSpPr/>
+          <p:nvPr/>
+        </p:nvSpPr>
+        <p:spPr>
+          <a:xfrm>
+            <a:off x="5101725" y="3186571"/>
+            <a:ext cx="1353022" cy="390341"/>
+          </a:xfrm>
+          <a:prstGeom prst="ellipse">
+            <a:avLst/>
+          </a:prstGeom>
+          <a:noFill/>
+        </p:spPr>
+        <p:style>
+          <a:lnRef idx="2">
+            <a:schemeClr val="accent1">
+              <a:shade val="15000"/>
+            </a:schemeClr>
+          </a:lnRef>
+          <a:fillRef idx="1">
+            <a:schemeClr val="accent1"/>
+          </a:fillRef>
+          <a:effectRef idx="0">
+            <a:schemeClr val="accent1"/>
+          </a:effectRef>
+          <a:fontRef idx="minor">
+            <a:schemeClr val="lt1"/>
+          </a:fontRef>
+        </p:style>
+        <p:txBody>
+          <a:bodyPr rtlCol="0" anchor="ctr"/>
+          <a:lstStyle/>
+          <a:p>
+            <a:pPr algn="ctr"/>
+            <a:endParaRPr lang="en-US"/>
           </a:p>
         </p:txBody>
       </p:sp>
@@ -20468,7 +23334,7 @@
           <p:cNvPr id="14" name="Picture 13">
             <a:extLst>
               <a:ext uri="{FF2B5EF4-FFF2-40B4-BE49-F238E27FC236}">
-                <a16:creationId xmlns:a16="http://schemas.microsoft.com/office/drawing/2014/main" id="{CBCCCE8F-D4D9-2E0B-79C9-B5257E9FD619}"/>
+                <a16:creationId xmlns:a16="http://schemas.microsoft.com/office/drawing/2014/main" id="{A64FD9AD-29BC-815A-7567-16964961FC2A}"/>
               </a:ext>
             </a:extLst>
           </p:cNvPr>
@@ -20478,15 +23344,21 @@
           <p:nvPr/>
         </p:nvPicPr>
         <p:blipFill>
-          <a:blip r:embed="rId3"/>
+          <a:blip r:embed="rId4">
+            <a:extLst>
+              <a:ext uri="{28A0092B-C50C-407E-A947-70E740481C1C}">
+                <a14:useLocalDpi xmlns:a14="http://schemas.microsoft.com/office/drawing/2010/main" val="0"/>
+              </a:ext>
+            </a:extLst>
+          </a:blip>
           <a:stretch>
             <a:fillRect/>
           </a:stretch>
         </p:blipFill>
         <p:spPr>
           <a:xfrm>
-            <a:off x="524645" y="3029184"/>
-            <a:ext cx="9696228" cy="2039866"/>
+            <a:off x="4592476" y="4332004"/>
+            <a:ext cx="6875149" cy="1981477"/>
           </a:xfrm>
           <a:prstGeom prst="rect">
             <a:avLst/>
@@ -20495,47 +23367,48 @@
       </p:pic>
       <p:sp>
         <p:nvSpPr>
-          <p:cNvPr id="15" name="TextBox 14">
+          <p:cNvPr id="17" name="Oval 16">
             <a:extLst>
               <a:ext uri="{FF2B5EF4-FFF2-40B4-BE49-F238E27FC236}">
-                <a16:creationId xmlns:a16="http://schemas.microsoft.com/office/drawing/2014/main" id="{B9A7A139-BE57-8C21-C89E-5ADCB8A5ED22}"/>
+                <a16:creationId xmlns:a16="http://schemas.microsoft.com/office/drawing/2014/main" id="{92DBAEF4-3B36-870E-A47A-C2D9AE680A68}"/>
               </a:ext>
             </a:extLst>
           </p:cNvPr>
-          <p:cNvSpPr txBox="1"/>
+          <p:cNvSpPr/>
           <p:nvPr/>
         </p:nvSpPr>
         <p:spPr>
           <a:xfrm>
-            <a:off x="484417" y="5598254"/>
-            <a:ext cx="7492820" cy="646331"/>
+            <a:off x="9871587" y="4332004"/>
+            <a:ext cx="707923" cy="197951"/>
           </a:xfrm>
-          <a:prstGeom prst="rect">
+          <a:prstGeom prst="ellipse">
             <a:avLst/>
           </a:prstGeom>
           <a:noFill/>
         </p:spPr>
+        <p:style>
+          <a:lnRef idx="2">
+            <a:schemeClr val="accent1">
+              <a:shade val="15000"/>
+            </a:schemeClr>
+          </a:lnRef>
+          <a:fillRef idx="1">
+            <a:schemeClr val="accent1"/>
+          </a:fillRef>
+          <a:effectRef idx="0">
+            <a:schemeClr val="accent1"/>
+          </a:effectRef>
+          <a:fontRef idx="minor">
+            <a:schemeClr val="lt1"/>
+          </a:fontRef>
+        </p:style>
         <p:txBody>
-          <a:bodyPr wrap="none" rtlCol="0">
-            <a:spAutoFit/>
-          </a:bodyPr>
+          <a:bodyPr rtlCol="0" anchor="ctr"/>
           <a:lstStyle/>
           <a:p>
-            <a:pPr marL="285750" indent="-285750">
-              <a:buFont typeface="Arial" panose="020B0604020202020204" pitchFamily="34" charset="0"/>
-              <a:buChar char="•"/>
-            </a:pPr>
-            <a:r>
-              <a:rPr lang="en-US" dirty="0"/>
-              <a:t>A total of 245 output files is generated for analysis with all working DLC.</a:t>
-            </a:r>
-          </a:p>
-          <a:p>
-            <a:pPr marL="285750" indent="-285750">
-              <a:buFont typeface="Arial" panose="020B0604020202020204" pitchFamily="34" charset="0"/>
-              <a:buChar char="•"/>
-            </a:pPr>
-            <a:endParaRPr lang="en-US" dirty="0"/>
+            <a:pPr algn="ctr"/>
+            <a:endParaRPr lang="en-US"/>
           </a:p>
         </p:txBody>
       </p:sp>
@@ -22932,10 +25805,127 @@
       </p:sp>
       <p:sp>
         <p:nvSpPr>
-          <p:cNvPr id="8" name="TextBox 7">
+          <p:cNvPr id="16" name="TextBox 15">
             <a:extLst>
               <a:ext uri="{FF2B5EF4-FFF2-40B4-BE49-F238E27FC236}">
-                <a16:creationId xmlns:a16="http://schemas.microsoft.com/office/drawing/2014/main" id="{81B8B382-E8C2-4DC0-3CF0-A6ABC7DFDD5A}"/>
+                <a16:creationId xmlns:a16="http://schemas.microsoft.com/office/drawing/2014/main" id="{B8FE481C-4439-15CB-C45C-6B9B5DF3ADE2}"/>
+              </a:ext>
+            </a:extLst>
+          </p:cNvPr>
+          <p:cNvSpPr txBox="1"/>
+          <p:nvPr/>
+        </p:nvSpPr>
+        <p:spPr>
+          <a:xfrm>
+            <a:off x="8780206" y="1136494"/>
+            <a:ext cx="2694039" cy="369332"/>
+          </a:xfrm>
+          <a:prstGeom prst="rect">
+            <a:avLst/>
+          </a:prstGeom>
+          <a:noFill/>
+        </p:spPr>
+        <p:txBody>
+          <a:bodyPr wrap="square" rtlCol="0">
+            <a:spAutoFit/>
+          </a:bodyPr>
+          <a:lstStyle/>
+          <a:p>
+            <a:r>
+              <a:rPr lang="en-US" dirty="0"/>
+              <a:t>*Safety factor included</a:t>
+            </a:r>
+          </a:p>
+        </p:txBody>
+      </p:sp>
+      <p:pic>
+        <p:nvPicPr>
+          <p:cNvPr id="17" name="Picture 16">
+            <a:extLst>
+              <a:ext uri="{FF2B5EF4-FFF2-40B4-BE49-F238E27FC236}">
+                <a16:creationId xmlns:a16="http://schemas.microsoft.com/office/drawing/2014/main" id="{5B16C180-265C-EB9D-90D8-428607165452}"/>
+              </a:ext>
+            </a:extLst>
+          </p:cNvPr>
+          <p:cNvPicPr>
+            <a:picLocks noChangeAspect="1"/>
+          </p:cNvPicPr>
+          <p:nvPr/>
+        </p:nvPicPr>
+        <p:blipFill>
+          <a:blip r:embed="rId3"/>
+          <a:stretch>
+            <a:fillRect/>
+          </a:stretch>
+        </p:blipFill>
+        <p:spPr>
+          <a:xfrm>
+            <a:off x="484416" y="1512117"/>
+            <a:ext cx="11218986" cy="4864973"/>
+          </a:xfrm>
+          <a:prstGeom prst="rect">
+            <a:avLst/>
+          </a:prstGeom>
+        </p:spPr>
+      </p:pic>
+      <p:sp>
+        <p:nvSpPr>
+          <p:cNvPr id="19" name="Oval 18">
+            <a:extLst>
+              <a:ext uri="{FF2B5EF4-FFF2-40B4-BE49-F238E27FC236}">
+                <a16:creationId xmlns:a16="http://schemas.microsoft.com/office/drawing/2014/main" id="{F195CE71-FE22-3AAC-579E-873B4E011DB3}"/>
+              </a:ext>
+            </a:extLst>
+          </p:cNvPr>
+          <p:cNvSpPr/>
+          <p:nvPr/>
+        </p:nvSpPr>
+        <p:spPr>
+          <a:xfrm>
+            <a:off x="1907458" y="2310581"/>
+            <a:ext cx="1986116" cy="2874209"/>
+          </a:xfrm>
+          <a:prstGeom prst="ellipse">
+            <a:avLst/>
+          </a:prstGeom>
+          <a:noFill/>
+          <a:ln>
+            <a:solidFill>
+              <a:schemeClr val="bg1"/>
+            </a:solidFill>
+          </a:ln>
+        </p:spPr>
+        <p:style>
+          <a:lnRef idx="2">
+            <a:schemeClr val="accent1">
+              <a:shade val="15000"/>
+            </a:schemeClr>
+          </a:lnRef>
+          <a:fillRef idx="1">
+            <a:schemeClr val="accent1"/>
+          </a:fillRef>
+          <a:effectRef idx="0">
+            <a:schemeClr val="accent1"/>
+          </a:effectRef>
+          <a:fontRef idx="minor">
+            <a:schemeClr val="lt1"/>
+          </a:fontRef>
+        </p:style>
+        <p:txBody>
+          <a:bodyPr rtlCol="0" anchor="ctr"/>
+          <a:lstStyle/>
+          <a:p>
+            <a:pPr algn="ctr"/>
+            <a:endParaRPr lang="en-US"/>
+          </a:p>
+        </p:txBody>
+      </p:sp>
+      <p:sp>
+        <p:nvSpPr>
+          <p:cNvPr id="20" name="TextBox 19">
+            <a:extLst>
+              <a:ext uri="{FF2B5EF4-FFF2-40B4-BE49-F238E27FC236}">
+                <a16:creationId xmlns:a16="http://schemas.microsoft.com/office/drawing/2014/main" id="{DD5F6D24-81CA-D689-3609-18C12888EE63}"/>
               </a:ext>
             </a:extLst>
           </p:cNvPr>
@@ -22964,115 +25954,7 @@
                   <a:schemeClr val="bg1"/>
                 </a:solidFill>
               </a:rPr>
-              <a:t>Paresh </a:t>
-            </a:r>
-            <a:r>
-              <a:rPr lang="en-US" sz="1200" dirty="0" err="1">
-                <a:solidFill>
-                  <a:schemeClr val="bg1"/>
-                </a:solidFill>
-              </a:rPr>
-              <a:t>Nakum</a:t>
-            </a:r>
-            <a:endParaRPr lang="en-US" sz="1200" dirty="0">
-              <a:solidFill>
-                <a:schemeClr val="bg1"/>
-              </a:solidFill>
-            </a:endParaRPr>
-          </a:p>
-        </p:txBody>
-      </p:sp>
-      <p:pic>
-        <p:nvPicPr>
-          <p:cNvPr id="4" name="Picture 3">
-            <a:extLst>
-              <a:ext uri="{FF2B5EF4-FFF2-40B4-BE49-F238E27FC236}">
-                <a16:creationId xmlns:a16="http://schemas.microsoft.com/office/drawing/2014/main" id="{9470CCFE-883A-3CD3-1986-093960B6B2EF}"/>
-              </a:ext>
-            </a:extLst>
-          </p:cNvPr>
-          <p:cNvPicPr>
-            <a:picLocks noChangeAspect="1"/>
-          </p:cNvPicPr>
-          <p:nvPr/>
-        </p:nvPicPr>
-        <p:blipFill>
-          <a:blip r:embed="rId3"/>
-          <a:stretch>
-            <a:fillRect/>
-          </a:stretch>
-        </p:blipFill>
-        <p:spPr>
-          <a:xfrm>
-            <a:off x="484417" y="1274715"/>
-            <a:ext cx="11218985" cy="2786148"/>
-          </a:xfrm>
-          <a:prstGeom prst="rect">
-            <a:avLst/>
-          </a:prstGeom>
-        </p:spPr>
-      </p:pic>
-      <p:pic>
-        <p:nvPicPr>
-          <p:cNvPr id="15" name="Picture 14">
-            <a:extLst>
-              <a:ext uri="{FF2B5EF4-FFF2-40B4-BE49-F238E27FC236}">
-                <a16:creationId xmlns:a16="http://schemas.microsoft.com/office/drawing/2014/main" id="{E26620C6-9F17-66F3-2249-727FFBE31FA4}"/>
-              </a:ext>
-            </a:extLst>
-          </p:cNvPr>
-          <p:cNvPicPr>
-            <a:picLocks noChangeAspect="1"/>
-          </p:cNvPicPr>
-          <p:nvPr/>
-        </p:nvPicPr>
-        <p:blipFill>
-          <a:blip r:embed="rId4"/>
-          <a:stretch>
-            <a:fillRect/>
-          </a:stretch>
-        </p:blipFill>
-        <p:spPr>
-          <a:xfrm>
-            <a:off x="484418" y="4158808"/>
-            <a:ext cx="11218984" cy="2335674"/>
-          </a:xfrm>
-          <a:prstGeom prst="rect">
-            <a:avLst/>
-          </a:prstGeom>
-        </p:spPr>
-      </p:pic>
-      <p:sp>
-        <p:nvSpPr>
-          <p:cNvPr id="16" name="TextBox 15">
-            <a:extLst>
-              <a:ext uri="{FF2B5EF4-FFF2-40B4-BE49-F238E27FC236}">
-                <a16:creationId xmlns:a16="http://schemas.microsoft.com/office/drawing/2014/main" id="{B8FE481C-4439-15CB-C45C-6B9B5DF3ADE2}"/>
-              </a:ext>
-            </a:extLst>
-          </p:cNvPr>
-          <p:cNvSpPr txBox="1"/>
-          <p:nvPr/>
-        </p:nvSpPr>
-        <p:spPr>
-          <a:xfrm>
-            <a:off x="8288593" y="1235904"/>
-            <a:ext cx="2694039" cy="369332"/>
-          </a:xfrm>
-          <a:prstGeom prst="rect">
-            <a:avLst/>
-          </a:prstGeom>
-          <a:noFill/>
-        </p:spPr>
-        <p:txBody>
-          <a:bodyPr wrap="square" rtlCol="0">
-            <a:spAutoFit/>
-          </a:bodyPr>
-          <a:lstStyle/>
-          <a:p>
-            <a:r>
-              <a:rPr lang="en-US" dirty="0"/>
-              <a:t>*Safety factor included</a:t>
+              <a:t>Arham Memon</a:t>
             </a:r>
           </a:p>
         </p:txBody>
@@ -25173,42 +28055,6 @@
           </a:p>
         </p:txBody>
       </p:sp>
-      <p:sp>
-        <p:nvSpPr>
-          <p:cNvPr id="2" name="Titel 1">
-            <a:extLst>
-              <a:ext uri="{FF2B5EF4-FFF2-40B4-BE49-F238E27FC236}">
-                <a16:creationId xmlns:a16="http://schemas.microsoft.com/office/drawing/2014/main" id="{2E00AE7B-6D68-24EC-B4A3-A777CA012B79}"/>
-              </a:ext>
-            </a:extLst>
-          </p:cNvPr>
-          <p:cNvSpPr>
-            <a:spLocks noGrp="1"/>
-          </p:cNvSpPr>
-          <p:nvPr>
-            <p:ph type="title"/>
-          </p:nvPr>
-        </p:nvSpPr>
-        <p:spPr>
-          <a:xfrm>
-            <a:off x="484417" y="502853"/>
-            <a:ext cx="9234617" cy="712728"/>
-          </a:xfrm>
-        </p:spPr>
-        <p:txBody>
-          <a:bodyPr>
-            <a:normAutofit/>
-          </a:bodyPr>
-          <a:lstStyle/>
-          <a:p>
-            <a:r>
-              <a:rPr lang="en-GB" dirty="0"/>
-              <a:t>Extreme Tables</a:t>
-            </a:r>
-            <a:endParaRPr lang="de-DE" dirty="0"/>
-          </a:p>
-        </p:txBody>
-      </p:sp>
       <p:cxnSp>
         <p:nvCxnSpPr>
           <p:cNvPr id="6" name="Straight Connector 5">
@@ -25470,10 +28316,46 @@
       </p:sp>
       <p:sp>
         <p:nvSpPr>
-          <p:cNvPr id="8" name="TextBox 7">
+          <p:cNvPr id="19" name="Titel 1">
             <a:extLst>
               <a:ext uri="{FF2B5EF4-FFF2-40B4-BE49-F238E27FC236}">
-                <a16:creationId xmlns:a16="http://schemas.microsoft.com/office/drawing/2014/main" id="{82B0331E-3EAE-D18C-E2FB-A898AA375C31}"/>
+                <a16:creationId xmlns:a16="http://schemas.microsoft.com/office/drawing/2014/main" id="{0324151C-6639-A80D-521A-9E6F222E0893}"/>
+              </a:ext>
+            </a:extLst>
+          </p:cNvPr>
+          <p:cNvSpPr>
+            <a:spLocks noGrp="1"/>
+          </p:cNvSpPr>
+          <p:nvPr>
+            <p:ph type="title"/>
+          </p:nvPr>
+        </p:nvSpPr>
+        <p:spPr>
+          <a:xfrm>
+            <a:off x="484417" y="502853"/>
+            <a:ext cx="9234617" cy="712728"/>
+          </a:xfrm>
+        </p:spPr>
+        <p:txBody>
+          <a:bodyPr>
+            <a:normAutofit/>
+          </a:bodyPr>
+          <a:lstStyle/>
+          <a:p>
+            <a:r>
+              <a:rPr lang="en-GB" dirty="0"/>
+              <a:t>Maximum Extracted Values </a:t>
+            </a:r>
+            <a:endParaRPr lang="de-DE" dirty="0"/>
+          </a:p>
+        </p:txBody>
+      </p:sp>
+      <p:sp>
+        <p:nvSpPr>
+          <p:cNvPr id="21" name="TextBox 20">
+            <a:extLst>
+              <a:ext uri="{FF2B5EF4-FFF2-40B4-BE49-F238E27FC236}">
+                <a16:creationId xmlns:a16="http://schemas.microsoft.com/office/drawing/2014/main" id="{2FAF0AA2-64BA-F235-3F1A-D8BAA97809A0}"/>
               </a:ext>
             </a:extLst>
           </p:cNvPr>
@@ -25502,30 +28384,17 @@
                   <a:schemeClr val="bg1"/>
                 </a:solidFill>
               </a:rPr>
-              <a:t>Paresh </a:t>
+              <a:t>Arham Memon</a:t>
             </a:r>
-            <a:r>
-              <a:rPr lang="en-US" sz="1200" dirty="0" err="1">
-                <a:solidFill>
-                  <a:schemeClr val="bg1"/>
-                </a:solidFill>
-              </a:rPr>
-              <a:t>Nakum</a:t>
-            </a:r>
-            <a:endParaRPr lang="en-US" sz="1200" dirty="0">
-              <a:solidFill>
-                <a:schemeClr val="bg1"/>
-              </a:solidFill>
-            </a:endParaRPr>
           </a:p>
         </p:txBody>
       </p:sp>
       <p:pic>
         <p:nvPicPr>
-          <p:cNvPr id="7" name="Picture 6">
+          <p:cNvPr id="3" name="Picture 2">
             <a:extLst>
               <a:ext uri="{FF2B5EF4-FFF2-40B4-BE49-F238E27FC236}">
-                <a16:creationId xmlns:a16="http://schemas.microsoft.com/office/drawing/2014/main" id="{AC0CFC2B-8848-5920-84CE-0C21D5BE43CD}"/>
+                <a16:creationId xmlns:a16="http://schemas.microsoft.com/office/drawing/2014/main" id="{15819679-3095-11E5-8D17-966D1FDF6FDF}"/>
               </a:ext>
             </a:extLst>
           </p:cNvPr>
@@ -25535,86 +28404,27 @@
           <p:nvPr/>
         </p:nvPicPr>
         <p:blipFill>
-          <a:blip r:embed="rId3"/>
+          <a:blip r:embed="rId3">
+            <a:extLst>
+              <a:ext uri="{28A0092B-C50C-407E-A947-70E740481C1C}">
+                <a14:useLocalDpi xmlns:a14="http://schemas.microsoft.com/office/drawing/2010/main" val="0"/>
+              </a:ext>
+            </a:extLst>
+          </a:blip>
           <a:stretch>
             <a:fillRect/>
           </a:stretch>
         </p:blipFill>
         <p:spPr>
           <a:xfrm>
-            <a:off x="484416" y="1242847"/>
-            <a:ext cx="11218985" cy="2605724"/>
+            <a:off x="1168417" y="1510537"/>
+            <a:ext cx="10032078" cy="4534533"/>
           </a:xfrm>
           <a:prstGeom prst="rect">
             <a:avLst/>
           </a:prstGeom>
         </p:spPr>
       </p:pic>
-      <p:pic>
-        <p:nvPicPr>
-          <p:cNvPr id="16" name="Picture 15">
-            <a:extLst>
-              <a:ext uri="{FF2B5EF4-FFF2-40B4-BE49-F238E27FC236}">
-                <a16:creationId xmlns:a16="http://schemas.microsoft.com/office/drawing/2014/main" id="{0EEBAC8D-FC2B-D5C9-CC98-98847ABBB243}"/>
-              </a:ext>
-            </a:extLst>
-          </p:cNvPr>
-          <p:cNvPicPr>
-            <a:picLocks noChangeAspect="1"/>
-          </p:cNvPicPr>
-          <p:nvPr/>
-        </p:nvPicPr>
-        <p:blipFill>
-          <a:blip r:embed="rId4"/>
-          <a:stretch>
-            <a:fillRect/>
-          </a:stretch>
-        </p:blipFill>
-        <p:spPr>
-          <a:xfrm>
-            <a:off x="484415" y="3944173"/>
-            <a:ext cx="11218985" cy="2605724"/>
-          </a:xfrm>
-          <a:prstGeom prst="rect">
-            <a:avLst/>
-          </a:prstGeom>
-        </p:spPr>
-      </p:pic>
-      <p:sp>
-        <p:nvSpPr>
-          <p:cNvPr id="17" name="TextBox 16">
-            <a:extLst>
-              <a:ext uri="{FF2B5EF4-FFF2-40B4-BE49-F238E27FC236}">
-                <a16:creationId xmlns:a16="http://schemas.microsoft.com/office/drawing/2014/main" id="{F0182307-56A6-7927-8815-47FFBFAE6BA1}"/>
-              </a:ext>
-            </a:extLst>
-          </p:cNvPr>
-          <p:cNvSpPr txBox="1"/>
-          <p:nvPr/>
-        </p:nvSpPr>
-        <p:spPr>
-          <a:xfrm>
-            <a:off x="8288593" y="1235904"/>
-            <a:ext cx="2694039" cy="369332"/>
-          </a:xfrm>
-          <a:prstGeom prst="rect">
-            <a:avLst/>
-          </a:prstGeom>
-          <a:noFill/>
-        </p:spPr>
-        <p:txBody>
-          <a:bodyPr wrap="square" rtlCol="0">
-            <a:spAutoFit/>
-          </a:bodyPr>
-          <a:lstStyle/>
-          <a:p>
-            <a:r>
-              <a:rPr lang="en-US" dirty="0"/>
-              <a:t>*Safety factor included</a:t>
-            </a:r>
-          </a:p>
-        </p:txBody>
-      </p:sp>
     </p:spTree>
     <p:extLst>
       <p:ext uri="{BB962C8B-B14F-4D97-AF65-F5344CB8AC3E}">
@@ -25629,6 +28439,2526 @@
 </file>
 
 <file path=ppt/slides/slide8.xml><?xml version="1.0" encoding="utf-8"?>
+<p:sld xmlns:a="http://schemas.openxmlformats.org/drawingml/2006/main" xmlns:r="http://schemas.openxmlformats.org/officeDocument/2006/relationships" xmlns:p="http://schemas.openxmlformats.org/presentationml/2006/main">
+  <p:cSld>
+    <p:spTree>
+      <p:nvGrpSpPr>
+        <p:cNvPr id="1" name="">
+          <a:extLst>
+            <a:ext uri="{FF2B5EF4-FFF2-40B4-BE49-F238E27FC236}">
+              <a16:creationId xmlns:a16="http://schemas.microsoft.com/office/drawing/2014/main" id="{B773F8EF-62B4-4CCB-F33D-BF7B2E4E3DD2}"/>
+            </a:ext>
+          </a:extLst>
+        </p:cNvPr>
+        <p:cNvGrpSpPr/>
+        <p:nvPr/>
+      </p:nvGrpSpPr>
+      <p:grpSpPr>
+        <a:xfrm>
+          <a:off x="0" y="0"/>
+          <a:ext cx="0" cy="0"/>
+          <a:chOff x="0" y="0"/>
+          <a:chExt cx="0" cy="0"/>
+        </a:xfrm>
+      </p:grpSpPr>
+      <p:sp>
+        <p:nvSpPr>
+          <p:cNvPr id="11" name="Free-form: Shape 13">
+            <a:extLst>
+              <a:ext uri="{FF2B5EF4-FFF2-40B4-BE49-F238E27FC236}">
+                <a16:creationId xmlns:a16="http://schemas.microsoft.com/office/drawing/2014/main" id="{6B9950FE-DB01-05E6-A119-C101F2CCD432}"/>
+              </a:ext>
+            </a:extLst>
+          </p:cNvPr>
+          <p:cNvSpPr/>
+          <p:nvPr/>
+        </p:nvSpPr>
+        <p:spPr>
+          <a:xfrm rot="10800000">
+            <a:off x="-35168" y="277945"/>
+            <a:ext cx="12216286" cy="898824"/>
+          </a:xfrm>
+          <a:custGeom>
+            <a:avLst/>
+            <a:gdLst>
+              <a:gd name="connsiteX0" fmla="*/ 17585 w 9486900"/>
+              <a:gd name="connsiteY0" fmla="*/ 8792 h 931984"/>
+              <a:gd name="connsiteX1" fmla="*/ 2004646 w 9486900"/>
+              <a:gd name="connsiteY1" fmla="*/ 26376 h 931984"/>
+              <a:gd name="connsiteX2" fmla="*/ 4466492 w 9486900"/>
+              <a:gd name="connsiteY2" fmla="*/ 35169 h 931984"/>
+              <a:gd name="connsiteX3" fmla="*/ 7025054 w 9486900"/>
+              <a:gd name="connsiteY3" fmla="*/ 0 h 931984"/>
+              <a:gd name="connsiteX4" fmla="*/ 9486900 w 9486900"/>
+              <a:gd name="connsiteY4" fmla="*/ 8792 h 931984"/>
+              <a:gd name="connsiteX5" fmla="*/ 9478108 w 9486900"/>
+              <a:gd name="connsiteY5" fmla="*/ 914400 h 931984"/>
+              <a:gd name="connsiteX6" fmla="*/ 7262446 w 9486900"/>
+              <a:gd name="connsiteY6" fmla="*/ 905607 h 931984"/>
+              <a:gd name="connsiteX7" fmla="*/ 4835769 w 9486900"/>
+              <a:gd name="connsiteY7" fmla="*/ 931984 h 931984"/>
+              <a:gd name="connsiteX8" fmla="*/ 2760785 w 9486900"/>
+              <a:gd name="connsiteY8" fmla="*/ 923192 h 931984"/>
+              <a:gd name="connsiteX9" fmla="*/ 0 w 9486900"/>
+              <a:gd name="connsiteY9" fmla="*/ 879230 h 931984"/>
+              <a:gd name="connsiteX10" fmla="*/ 17585 w 9486900"/>
+              <a:gd name="connsiteY10" fmla="*/ 8792 h 931984"/>
+              <a:gd name="connsiteX0" fmla="*/ 17585 w 9486900"/>
+              <a:gd name="connsiteY0" fmla="*/ 168095 h 1091287"/>
+              <a:gd name="connsiteX1" fmla="*/ 2004646 w 9486900"/>
+              <a:gd name="connsiteY1" fmla="*/ 185679 h 1091287"/>
+              <a:gd name="connsiteX2" fmla="*/ 4466492 w 9486900"/>
+              <a:gd name="connsiteY2" fmla="*/ 194472 h 1091287"/>
+              <a:gd name="connsiteX3" fmla="*/ 7025054 w 9486900"/>
+              <a:gd name="connsiteY3" fmla="*/ 159303 h 1091287"/>
+              <a:gd name="connsiteX4" fmla="*/ 9486900 w 9486900"/>
+              <a:gd name="connsiteY4" fmla="*/ 168095 h 1091287"/>
+              <a:gd name="connsiteX5" fmla="*/ 9478108 w 9486900"/>
+              <a:gd name="connsiteY5" fmla="*/ 1073703 h 1091287"/>
+              <a:gd name="connsiteX6" fmla="*/ 7262446 w 9486900"/>
+              <a:gd name="connsiteY6" fmla="*/ 1064910 h 1091287"/>
+              <a:gd name="connsiteX7" fmla="*/ 4835769 w 9486900"/>
+              <a:gd name="connsiteY7" fmla="*/ 1091287 h 1091287"/>
+              <a:gd name="connsiteX8" fmla="*/ 2760785 w 9486900"/>
+              <a:gd name="connsiteY8" fmla="*/ 1082495 h 1091287"/>
+              <a:gd name="connsiteX9" fmla="*/ 0 w 9486900"/>
+              <a:gd name="connsiteY9" fmla="*/ 1038533 h 1091287"/>
+              <a:gd name="connsiteX10" fmla="*/ 17585 w 9486900"/>
+              <a:gd name="connsiteY10" fmla="*/ 168095 h 1091287"/>
+              <a:gd name="connsiteX0" fmla="*/ 17585 w 9486900"/>
+              <a:gd name="connsiteY0" fmla="*/ 234508 h 1157700"/>
+              <a:gd name="connsiteX1" fmla="*/ 2004646 w 9486900"/>
+              <a:gd name="connsiteY1" fmla="*/ 252092 h 1157700"/>
+              <a:gd name="connsiteX2" fmla="*/ 4466492 w 9486900"/>
+              <a:gd name="connsiteY2" fmla="*/ 260885 h 1157700"/>
+              <a:gd name="connsiteX3" fmla="*/ 7025054 w 9486900"/>
+              <a:gd name="connsiteY3" fmla="*/ 225716 h 1157700"/>
+              <a:gd name="connsiteX4" fmla="*/ 9486900 w 9486900"/>
+              <a:gd name="connsiteY4" fmla="*/ 234508 h 1157700"/>
+              <a:gd name="connsiteX5" fmla="*/ 9478108 w 9486900"/>
+              <a:gd name="connsiteY5" fmla="*/ 1140116 h 1157700"/>
+              <a:gd name="connsiteX6" fmla="*/ 7262446 w 9486900"/>
+              <a:gd name="connsiteY6" fmla="*/ 1131323 h 1157700"/>
+              <a:gd name="connsiteX7" fmla="*/ 4835769 w 9486900"/>
+              <a:gd name="connsiteY7" fmla="*/ 1157700 h 1157700"/>
+              <a:gd name="connsiteX8" fmla="*/ 2760785 w 9486900"/>
+              <a:gd name="connsiteY8" fmla="*/ 1148908 h 1157700"/>
+              <a:gd name="connsiteX9" fmla="*/ 0 w 9486900"/>
+              <a:gd name="connsiteY9" fmla="*/ 1104946 h 1157700"/>
+              <a:gd name="connsiteX10" fmla="*/ 17585 w 9486900"/>
+              <a:gd name="connsiteY10" fmla="*/ 234508 h 1157700"/>
+              <a:gd name="connsiteX0" fmla="*/ 17585 w 9486900"/>
+              <a:gd name="connsiteY0" fmla="*/ 375168 h 1298360"/>
+              <a:gd name="connsiteX1" fmla="*/ 2004646 w 9486900"/>
+              <a:gd name="connsiteY1" fmla="*/ 392752 h 1298360"/>
+              <a:gd name="connsiteX2" fmla="*/ 4466492 w 9486900"/>
+              <a:gd name="connsiteY2" fmla="*/ 401545 h 1298360"/>
+              <a:gd name="connsiteX3" fmla="*/ 7025054 w 9486900"/>
+              <a:gd name="connsiteY3" fmla="*/ 366376 h 1298360"/>
+              <a:gd name="connsiteX4" fmla="*/ 9486900 w 9486900"/>
+              <a:gd name="connsiteY4" fmla="*/ 375168 h 1298360"/>
+              <a:gd name="connsiteX5" fmla="*/ 9478108 w 9486900"/>
+              <a:gd name="connsiteY5" fmla="*/ 1280776 h 1298360"/>
+              <a:gd name="connsiteX6" fmla="*/ 7262446 w 9486900"/>
+              <a:gd name="connsiteY6" fmla="*/ 1271983 h 1298360"/>
+              <a:gd name="connsiteX7" fmla="*/ 4835769 w 9486900"/>
+              <a:gd name="connsiteY7" fmla="*/ 1298360 h 1298360"/>
+              <a:gd name="connsiteX8" fmla="*/ 2760785 w 9486900"/>
+              <a:gd name="connsiteY8" fmla="*/ 1289568 h 1298360"/>
+              <a:gd name="connsiteX9" fmla="*/ 0 w 9486900"/>
+              <a:gd name="connsiteY9" fmla="*/ 1245606 h 1298360"/>
+              <a:gd name="connsiteX10" fmla="*/ 17585 w 9486900"/>
+              <a:gd name="connsiteY10" fmla="*/ 375168 h 1298360"/>
+              <a:gd name="connsiteX0" fmla="*/ 17585 w 9486900"/>
+              <a:gd name="connsiteY0" fmla="*/ 375168 h 1298360"/>
+              <a:gd name="connsiteX1" fmla="*/ 2004646 w 9486900"/>
+              <a:gd name="connsiteY1" fmla="*/ 392752 h 1298360"/>
+              <a:gd name="connsiteX2" fmla="*/ 4466492 w 9486900"/>
+              <a:gd name="connsiteY2" fmla="*/ 401545 h 1298360"/>
+              <a:gd name="connsiteX3" fmla="*/ 7025054 w 9486900"/>
+              <a:gd name="connsiteY3" fmla="*/ 366376 h 1298360"/>
+              <a:gd name="connsiteX4" fmla="*/ 9486900 w 9486900"/>
+              <a:gd name="connsiteY4" fmla="*/ 375168 h 1298360"/>
+              <a:gd name="connsiteX5" fmla="*/ 9478108 w 9486900"/>
+              <a:gd name="connsiteY5" fmla="*/ 1280776 h 1298360"/>
+              <a:gd name="connsiteX6" fmla="*/ 7262446 w 9486900"/>
+              <a:gd name="connsiteY6" fmla="*/ 1271983 h 1298360"/>
+              <a:gd name="connsiteX7" fmla="*/ 4835769 w 9486900"/>
+              <a:gd name="connsiteY7" fmla="*/ 1298360 h 1298360"/>
+              <a:gd name="connsiteX8" fmla="*/ 2760785 w 9486900"/>
+              <a:gd name="connsiteY8" fmla="*/ 1289568 h 1298360"/>
+              <a:gd name="connsiteX9" fmla="*/ 0 w 9486900"/>
+              <a:gd name="connsiteY9" fmla="*/ 1245606 h 1298360"/>
+              <a:gd name="connsiteX10" fmla="*/ 17585 w 9486900"/>
+              <a:gd name="connsiteY10" fmla="*/ 375168 h 1298360"/>
+              <a:gd name="connsiteX0" fmla="*/ 17585 w 9486900"/>
+              <a:gd name="connsiteY0" fmla="*/ 375168 h 1298360"/>
+              <a:gd name="connsiteX1" fmla="*/ 2004646 w 9486900"/>
+              <a:gd name="connsiteY1" fmla="*/ 392752 h 1298360"/>
+              <a:gd name="connsiteX2" fmla="*/ 4466492 w 9486900"/>
+              <a:gd name="connsiteY2" fmla="*/ 401545 h 1298360"/>
+              <a:gd name="connsiteX3" fmla="*/ 7025054 w 9486900"/>
+              <a:gd name="connsiteY3" fmla="*/ 366376 h 1298360"/>
+              <a:gd name="connsiteX4" fmla="*/ 9486900 w 9486900"/>
+              <a:gd name="connsiteY4" fmla="*/ 375168 h 1298360"/>
+              <a:gd name="connsiteX5" fmla="*/ 9478108 w 9486900"/>
+              <a:gd name="connsiteY5" fmla="*/ 1280776 h 1298360"/>
+              <a:gd name="connsiteX6" fmla="*/ 7262446 w 9486900"/>
+              <a:gd name="connsiteY6" fmla="*/ 1271983 h 1298360"/>
+              <a:gd name="connsiteX7" fmla="*/ 4835769 w 9486900"/>
+              <a:gd name="connsiteY7" fmla="*/ 1298360 h 1298360"/>
+              <a:gd name="connsiteX8" fmla="*/ 2760785 w 9486900"/>
+              <a:gd name="connsiteY8" fmla="*/ 1289568 h 1298360"/>
+              <a:gd name="connsiteX9" fmla="*/ 0 w 9486900"/>
+              <a:gd name="connsiteY9" fmla="*/ 1245606 h 1298360"/>
+              <a:gd name="connsiteX10" fmla="*/ 17585 w 9486900"/>
+              <a:gd name="connsiteY10" fmla="*/ 375168 h 1298360"/>
+              <a:gd name="connsiteX0" fmla="*/ 17585 w 9486900"/>
+              <a:gd name="connsiteY0" fmla="*/ 375168 h 1298360"/>
+              <a:gd name="connsiteX1" fmla="*/ 2004646 w 9486900"/>
+              <a:gd name="connsiteY1" fmla="*/ 392752 h 1298360"/>
+              <a:gd name="connsiteX2" fmla="*/ 4466492 w 9486900"/>
+              <a:gd name="connsiteY2" fmla="*/ 401545 h 1298360"/>
+              <a:gd name="connsiteX3" fmla="*/ 7025054 w 9486900"/>
+              <a:gd name="connsiteY3" fmla="*/ 366376 h 1298360"/>
+              <a:gd name="connsiteX4" fmla="*/ 9486900 w 9486900"/>
+              <a:gd name="connsiteY4" fmla="*/ 375168 h 1298360"/>
+              <a:gd name="connsiteX5" fmla="*/ 9478108 w 9486900"/>
+              <a:gd name="connsiteY5" fmla="*/ 1280776 h 1298360"/>
+              <a:gd name="connsiteX6" fmla="*/ 7262446 w 9486900"/>
+              <a:gd name="connsiteY6" fmla="*/ 1271983 h 1298360"/>
+              <a:gd name="connsiteX7" fmla="*/ 4835769 w 9486900"/>
+              <a:gd name="connsiteY7" fmla="*/ 1298360 h 1298360"/>
+              <a:gd name="connsiteX8" fmla="*/ 2760785 w 9486900"/>
+              <a:gd name="connsiteY8" fmla="*/ 1289568 h 1298360"/>
+              <a:gd name="connsiteX9" fmla="*/ 0 w 9486900"/>
+              <a:gd name="connsiteY9" fmla="*/ 1245606 h 1298360"/>
+              <a:gd name="connsiteX10" fmla="*/ 17585 w 9486900"/>
+              <a:gd name="connsiteY10" fmla="*/ 375168 h 1298360"/>
+              <a:gd name="connsiteX0" fmla="*/ 17585 w 9486900"/>
+              <a:gd name="connsiteY0" fmla="*/ 375168 h 1298360"/>
+              <a:gd name="connsiteX1" fmla="*/ 2004646 w 9486900"/>
+              <a:gd name="connsiteY1" fmla="*/ 392752 h 1298360"/>
+              <a:gd name="connsiteX2" fmla="*/ 4466492 w 9486900"/>
+              <a:gd name="connsiteY2" fmla="*/ 401545 h 1298360"/>
+              <a:gd name="connsiteX3" fmla="*/ 7025054 w 9486900"/>
+              <a:gd name="connsiteY3" fmla="*/ 366376 h 1298360"/>
+              <a:gd name="connsiteX4" fmla="*/ 9486900 w 9486900"/>
+              <a:gd name="connsiteY4" fmla="*/ 375168 h 1298360"/>
+              <a:gd name="connsiteX5" fmla="*/ 9478108 w 9486900"/>
+              <a:gd name="connsiteY5" fmla="*/ 1280776 h 1298360"/>
+              <a:gd name="connsiteX6" fmla="*/ 7262446 w 9486900"/>
+              <a:gd name="connsiteY6" fmla="*/ 1271983 h 1298360"/>
+              <a:gd name="connsiteX7" fmla="*/ 4835769 w 9486900"/>
+              <a:gd name="connsiteY7" fmla="*/ 1298360 h 1298360"/>
+              <a:gd name="connsiteX8" fmla="*/ 2760785 w 9486900"/>
+              <a:gd name="connsiteY8" fmla="*/ 1289568 h 1298360"/>
+              <a:gd name="connsiteX9" fmla="*/ 0 w 9486900"/>
+              <a:gd name="connsiteY9" fmla="*/ 1245606 h 1298360"/>
+              <a:gd name="connsiteX10" fmla="*/ 17585 w 9486900"/>
+              <a:gd name="connsiteY10" fmla="*/ 375168 h 1298360"/>
+              <a:gd name="connsiteX0" fmla="*/ 17585 w 9486900"/>
+              <a:gd name="connsiteY0" fmla="*/ 375168 h 1298360"/>
+              <a:gd name="connsiteX1" fmla="*/ 2004646 w 9486900"/>
+              <a:gd name="connsiteY1" fmla="*/ 392752 h 1298360"/>
+              <a:gd name="connsiteX2" fmla="*/ 4466492 w 9486900"/>
+              <a:gd name="connsiteY2" fmla="*/ 401545 h 1298360"/>
+              <a:gd name="connsiteX3" fmla="*/ 7025054 w 9486900"/>
+              <a:gd name="connsiteY3" fmla="*/ 366376 h 1298360"/>
+              <a:gd name="connsiteX4" fmla="*/ 9486900 w 9486900"/>
+              <a:gd name="connsiteY4" fmla="*/ 375168 h 1298360"/>
+              <a:gd name="connsiteX5" fmla="*/ 9478108 w 9486900"/>
+              <a:gd name="connsiteY5" fmla="*/ 1280776 h 1298360"/>
+              <a:gd name="connsiteX6" fmla="*/ 7262446 w 9486900"/>
+              <a:gd name="connsiteY6" fmla="*/ 1271983 h 1298360"/>
+              <a:gd name="connsiteX7" fmla="*/ 4835769 w 9486900"/>
+              <a:gd name="connsiteY7" fmla="*/ 1298360 h 1298360"/>
+              <a:gd name="connsiteX8" fmla="*/ 2760785 w 9486900"/>
+              <a:gd name="connsiteY8" fmla="*/ 1289568 h 1298360"/>
+              <a:gd name="connsiteX9" fmla="*/ 0 w 9486900"/>
+              <a:gd name="connsiteY9" fmla="*/ 1245606 h 1298360"/>
+              <a:gd name="connsiteX10" fmla="*/ 17585 w 9486900"/>
+              <a:gd name="connsiteY10" fmla="*/ 375168 h 1298360"/>
+              <a:gd name="connsiteX0" fmla="*/ 8792 w 9478107"/>
+              <a:gd name="connsiteY0" fmla="*/ 375168 h 1298360"/>
+              <a:gd name="connsiteX1" fmla="*/ 1995853 w 9478107"/>
+              <a:gd name="connsiteY1" fmla="*/ 392752 h 1298360"/>
+              <a:gd name="connsiteX2" fmla="*/ 4457699 w 9478107"/>
+              <a:gd name="connsiteY2" fmla="*/ 401545 h 1298360"/>
+              <a:gd name="connsiteX3" fmla="*/ 7016261 w 9478107"/>
+              <a:gd name="connsiteY3" fmla="*/ 366376 h 1298360"/>
+              <a:gd name="connsiteX4" fmla="*/ 9478107 w 9478107"/>
+              <a:gd name="connsiteY4" fmla="*/ 375168 h 1298360"/>
+              <a:gd name="connsiteX5" fmla="*/ 9469315 w 9478107"/>
+              <a:gd name="connsiteY5" fmla="*/ 1280776 h 1298360"/>
+              <a:gd name="connsiteX6" fmla="*/ 7253653 w 9478107"/>
+              <a:gd name="connsiteY6" fmla="*/ 1271983 h 1298360"/>
+              <a:gd name="connsiteX7" fmla="*/ 4826976 w 9478107"/>
+              <a:gd name="connsiteY7" fmla="*/ 1298360 h 1298360"/>
+              <a:gd name="connsiteX8" fmla="*/ 2751992 w 9478107"/>
+              <a:gd name="connsiteY8" fmla="*/ 1289568 h 1298360"/>
+              <a:gd name="connsiteX9" fmla="*/ 0 w 9478107"/>
+              <a:gd name="connsiteY9" fmla="*/ 1236814 h 1298360"/>
+              <a:gd name="connsiteX10" fmla="*/ 8792 w 9478107"/>
+              <a:gd name="connsiteY10" fmla="*/ 375168 h 1298360"/>
+              <a:gd name="connsiteX0" fmla="*/ 8792 w 9478107"/>
+              <a:gd name="connsiteY0" fmla="*/ 421112 h 1344304"/>
+              <a:gd name="connsiteX1" fmla="*/ 2057399 w 9478107"/>
+              <a:gd name="connsiteY1" fmla="*/ 377150 h 1344304"/>
+              <a:gd name="connsiteX2" fmla="*/ 4457699 w 9478107"/>
+              <a:gd name="connsiteY2" fmla="*/ 447489 h 1344304"/>
+              <a:gd name="connsiteX3" fmla="*/ 7016261 w 9478107"/>
+              <a:gd name="connsiteY3" fmla="*/ 412320 h 1344304"/>
+              <a:gd name="connsiteX4" fmla="*/ 9478107 w 9478107"/>
+              <a:gd name="connsiteY4" fmla="*/ 421112 h 1344304"/>
+              <a:gd name="connsiteX5" fmla="*/ 9469315 w 9478107"/>
+              <a:gd name="connsiteY5" fmla="*/ 1326720 h 1344304"/>
+              <a:gd name="connsiteX6" fmla="*/ 7253653 w 9478107"/>
+              <a:gd name="connsiteY6" fmla="*/ 1317927 h 1344304"/>
+              <a:gd name="connsiteX7" fmla="*/ 4826976 w 9478107"/>
+              <a:gd name="connsiteY7" fmla="*/ 1344304 h 1344304"/>
+              <a:gd name="connsiteX8" fmla="*/ 2751992 w 9478107"/>
+              <a:gd name="connsiteY8" fmla="*/ 1335512 h 1344304"/>
+              <a:gd name="connsiteX9" fmla="*/ 0 w 9478107"/>
+              <a:gd name="connsiteY9" fmla="*/ 1282758 h 1344304"/>
+              <a:gd name="connsiteX10" fmla="*/ 8792 w 9478107"/>
+              <a:gd name="connsiteY10" fmla="*/ 421112 h 1344304"/>
+              <a:gd name="connsiteX0" fmla="*/ 8792 w 9478107"/>
+              <a:gd name="connsiteY0" fmla="*/ 350485 h 1273677"/>
+              <a:gd name="connsiteX1" fmla="*/ 2057399 w 9478107"/>
+              <a:gd name="connsiteY1" fmla="*/ 306523 h 1273677"/>
+              <a:gd name="connsiteX2" fmla="*/ 4457699 w 9478107"/>
+              <a:gd name="connsiteY2" fmla="*/ 376862 h 1273677"/>
+              <a:gd name="connsiteX3" fmla="*/ 7016261 w 9478107"/>
+              <a:gd name="connsiteY3" fmla="*/ 341693 h 1273677"/>
+              <a:gd name="connsiteX4" fmla="*/ 9478107 w 9478107"/>
+              <a:gd name="connsiteY4" fmla="*/ 350485 h 1273677"/>
+              <a:gd name="connsiteX5" fmla="*/ 9469315 w 9478107"/>
+              <a:gd name="connsiteY5" fmla="*/ 1256093 h 1273677"/>
+              <a:gd name="connsiteX6" fmla="*/ 7253653 w 9478107"/>
+              <a:gd name="connsiteY6" fmla="*/ 1247300 h 1273677"/>
+              <a:gd name="connsiteX7" fmla="*/ 4826976 w 9478107"/>
+              <a:gd name="connsiteY7" fmla="*/ 1273677 h 1273677"/>
+              <a:gd name="connsiteX8" fmla="*/ 2751992 w 9478107"/>
+              <a:gd name="connsiteY8" fmla="*/ 1264885 h 1273677"/>
+              <a:gd name="connsiteX9" fmla="*/ 0 w 9478107"/>
+              <a:gd name="connsiteY9" fmla="*/ 1212131 h 1273677"/>
+              <a:gd name="connsiteX10" fmla="*/ 8792 w 9478107"/>
+              <a:gd name="connsiteY10" fmla="*/ 350485 h 1273677"/>
+              <a:gd name="connsiteX0" fmla="*/ 8792 w 9478107"/>
+              <a:gd name="connsiteY0" fmla="*/ 350485 h 1273677"/>
+              <a:gd name="connsiteX1" fmla="*/ 2057399 w 9478107"/>
+              <a:gd name="connsiteY1" fmla="*/ 306523 h 1273677"/>
+              <a:gd name="connsiteX2" fmla="*/ 4457699 w 9478107"/>
+              <a:gd name="connsiteY2" fmla="*/ 376862 h 1273677"/>
+              <a:gd name="connsiteX3" fmla="*/ 7016261 w 9478107"/>
+              <a:gd name="connsiteY3" fmla="*/ 341693 h 1273677"/>
+              <a:gd name="connsiteX4" fmla="*/ 9478107 w 9478107"/>
+              <a:gd name="connsiteY4" fmla="*/ 350485 h 1273677"/>
+              <a:gd name="connsiteX5" fmla="*/ 9469315 w 9478107"/>
+              <a:gd name="connsiteY5" fmla="*/ 1256093 h 1273677"/>
+              <a:gd name="connsiteX6" fmla="*/ 7253653 w 9478107"/>
+              <a:gd name="connsiteY6" fmla="*/ 1247300 h 1273677"/>
+              <a:gd name="connsiteX7" fmla="*/ 4826976 w 9478107"/>
+              <a:gd name="connsiteY7" fmla="*/ 1273677 h 1273677"/>
+              <a:gd name="connsiteX8" fmla="*/ 2751992 w 9478107"/>
+              <a:gd name="connsiteY8" fmla="*/ 1264885 h 1273677"/>
+              <a:gd name="connsiteX9" fmla="*/ 0 w 9478107"/>
+              <a:gd name="connsiteY9" fmla="*/ 1212131 h 1273677"/>
+              <a:gd name="connsiteX10" fmla="*/ 8792 w 9478107"/>
+              <a:gd name="connsiteY10" fmla="*/ 350485 h 1273677"/>
+              <a:gd name="connsiteX0" fmla="*/ 8792 w 9478107"/>
+              <a:gd name="connsiteY0" fmla="*/ 346954 h 1270146"/>
+              <a:gd name="connsiteX1" fmla="*/ 2358147 w 9478107"/>
+              <a:gd name="connsiteY1" fmla="*/ 302992 h 1270146"/>
+              <a:gd name="connsiteX2" fmla="*/ 4457699 w 9478107"/>
+              <a:gd name="connsiteY2" fmla="*/ 373331 h 1270146"/>
+              <a:gd name="connsiteX3" fmla="*/ 7016261 w 9478107"/>
+              <a:gd name="connsiteY3" fmla="*/ 338162 h 1270146"/>
+              <a:gd name="connsiteX4" fmla="*/ 9478107 w 9478107"/>
+              <a:gd name="connsiteY4" fmla="*/ 346954 h 1270146"/>
+              <a:gd name="connsiteX5" fmla="*/ 9469315 w 9478107"/>
+              <a:gd name="connsiteY5" fmla="*/ 1252562 h 1270146"/>
+              <a:gd name="connsiteX6" fmla="*/ 7253653 w 9478107"/>
+              <a:gd name="connsiteY6" fmla="*/ 1243769 h 1270146"/>
+              <a:gd name="connsiteX7" fmla="*/ 4826976 w 9478107"/>
+              <a:gd name="connsiteY7" fmla="*/ 1270146 h 1270146"/>
+              <a:gd name="connsiteX8" fmla="*/ 2751992 w 9478107"/>
+              <a:gd name="connsiteY8" fmla="*/ 1261354 h 1270146"/>
+              <a:gd name="connsiteX9" fmla="*/ 0 w 9478107"/>
+              <a:gd name="connsiteY9" fmla="*/ 1208600 h 1270146"/>
+              <a:gd name="connsiteX10" fmla="*/ 8792 w 9478107"/>
+              <a:gd name="connsiteY10" fmla="*/ 346954 h 1270146"/>
+              <a:gd name="connsiteX0" fmla="*/ 8792 w 9478107"/>
+              <a:gd name="connsiteY0" fmla="*/ 346954 h 1270146"/>
+              <a:gd name="connsiteX1" fmla="*/ 2358147 w 9478107"/>
+              <a:gd name="connsiteY1" fmla="*/ 302992 h 1270146"/>
+              <a:gd name="connsiteX2" fmla="*/ 5127546 w 9478107"/>
+              <a:gd name="connsiteY2" fmla="*/ 115678 h 1270146"/>
+              <a:gd name="connsiteX3" fmla="*/ 7016261 w 9478107"/>
+              <a:gd name="connsiteY3" fmla="*/ 338162 h 1270146"/>
+              <a:gd name="connsiteX4" fmla="*/ 9478107 w 9478107"/>
+              <a:gd name="connsiteY4" fmla="*/ 346954 h 1270146"/>
+              <a:gd name="connsiteX5" fmla="*/ 9469315 w 9478107"/>
+              <a:gd name="connsiteY5" fmla="*/ 1252562 h 1270146"/>
+              <a:gd name="connsiteX6" fmla="*/ 7253653 w 9478107"/>
+              <a:gd name="connsiteY6" fmla="*/ 1243769 h 1270146"/>
+              <a:gd name="connsiteX7" fmla="*/ 4826976 w 9478107"/>
+              <a:gd name="connsiteY7" fmla="*/ 1270146 h 1270146"/>
+              <a:gd name="connsiteX8" fmla="*/ 2751992 w 9478107"/>
+              <a:gd name="connsiteY8" fmla="*/ 1261354 h 1270146"/>
+              <a:gd name="connsiteX9" fmla="*/ 0 w 9478107"/>
+              <a:gd name="connsiteY9" fmla="*/ 1208600 h 1270146"/>
+              <a:gd name="connsiteX10" fmla="*/ 8792 w 9478107"/>
+              <a:gd name="connsiteY10" fmla="*/ 346954 h 1270146"/>
+              <a:gd name="connsiteX0" fmla="*/ 8792 w 9478107"/>
+              <a:gd name="connsiteY0" fmla="*/ 346954 h 1270146"/>
+              <a:gd name="connsiteX1" fmla="*/ 2358147 w 9478107"/>
+              <a:gd name="connsiteY1" fmla="*/ 302992 h 1270146"/>
+              <a:gd name="connsiteX2" fmla="*/ 5127546 w 9478107"/>
+              <a:gd name="connsiteY2" fmla="*/ 115678 h 1270146"/>
+              <a:gd name="connsiteX3" fmla="*/ 7084613 w 9478107"/>
+              <a:gd name="connsiteY3" fmla="*/ 724642 h 1270146"/>
+              <a:gd name="connsiteX4" fmla="*/ 9478107 w 9478107"/>
+              <a:gd name="connsiteY4" fmla="*/ 346954 h 1270146"/>
+              <a:gd name="connsiteX5" fmla="*/ 9469315 w 9478107"/>
+              <a:gd name="connsiteY5" fmla="*/ 1252562 h 1270146"/>
+              <a:gd name="connsiteX6" fmla="*/ 7253653 w 9478107"/>
+              <a:gd name="connsiteY6" fmla="*/ 1243769 h 1270146"/>
+              <a:gd name="connsiteX7" fmla="*/ 4826976 w 9478107"/>
+              <a:gd name="connsiteY7" fmla="*/ 1270146 h 1270146"/>
+              <a:gd name="connsiteX8" fmla="*/ 2751992 w 9478107"/>
+              <a:gd name="connsiteY8" fmla="*/ 1261354 h 1270146"/>
+              <a:gd name="connsiteX9" fmla="*/ 0 w 9478107"/>
+              <a:gd name="connsiteY9" fmla="*/ 1208600 h 1270146"/>
+              <a:gd name="connsiteX10" fmla="*/ 8792 w 9478107"/>
+              <a:gd name="connsiteY10" fmla="*/ 346954 h 1270146"/>
+              <a:gd name="connsiteX0" fmla="*/ 8792 w 9478107"/>
+              <a:gd name="connsiteY0" fmla="*/ 346954 h 1270146"/>
+              <a:gd name="connsiteX1" fmla="*/ 2358147 w 9478107"/>
+              <a:gd name="connsiteY1" fmla="*/ 302992 h 1270146"/>
+              <a:gd name="connsiteX2" fmla="*/ 5127546 w 9478107"/>
+              <a:gd name="connsiteY2" fmla="*/ 115678 h 1270146"/>
+              <a:gd name="connsiteX3" fmla="*/ 7084613 w 9478107"/>
+              <a:gd name="connsiteY3" fmla="*/ 647346 h 1270146"/>
+              <a:gd name="connsiteX4" fmla="*/ 9478107 w 9478107"/>
+              <a:gd name="connsiteY4" fmla="*/ 346954 h 1270146"/>
+              <a:gd name="connsiteX5" fmla="*/ 9469315 w 9478107"/>
+              <a:gd name="connsiteY5" fmla="*/ 1252562 h 1270146"/>
+              <a:gd name="connsiteX6" fmla="*/ 7253653 w 9478107"/>
+              <a:gd name="connsiteY6" fmla="*/ 1243769 h 1270146"/>
+              <a:gd name="connsiteX7" fmla="*/ 4826976 w 9478107"/>
+              <a:gd name="connsiteY7" fmla="*/ 1270146 h 1270146"/>
+              <a:gd name="connsiteX8" fmla="*/ 2751992 w 9478107"/>
+              <a:gd name="connsiteY8" fmla="*/ 1261354 h 1270146"/>
+              <a:gd name="connsiteX9" fmla="*/ 0 w 9478107"/>
+              <a:gd name="connsiteY9" fmla="*/ 1208600 h 1270146"/>
+              <a:gd name="connsiteX10" fmla="*/ 8792 w 9478107"/>
+              <a:gd name="connsiteY10" fmla="*/ 346954 h 1270146"/>
+              <a:gd name="connsiteX0" fmla="*/ 8792 w 9478107"/>
+              <a:gd name="connsiteY0" fmla="*/ 346954 h 1270146"/>
+              <a:gd name="connsiteX1" fmla="*/ 2358147 w 9478107"/>
+              <a:gd name="connsiteY1" fmla="*/ 302992 h 1270146"/>
+              <a:gd name="connsiteX2" fmla="*/ 5127546 w 9478107"/>
+              <a:gd name="connsiteY2" fmla="*/ 115678 h 1270146"/>
+              <a:gd name="connsiteX3" fmla="*/ 7084613 w 9478107"/>
+              <a:gd name="connsiteY3" fmla="*/ 647346 h 1270146"/>
+              <a:gd name="connsiteX4" fmla="*/ 8755857 w 9478107"/>
+              <a:gd name="connsiteY4" fmla="*/ 446231 h 1270146"/>
+              <a:gd name="connsiteX5" fmla="*/ 9478107 w 9478107"/>
+              <a:gd name="connsiteY5" fmla="*/ 346954 h 1270146"/>
+              <a:gd name="connsiteX6" fmla="*/ 9469315 w 9478107"/>
+              <a:gd name="connsiteY6" fmla="*/ 1252562 h 1270146"/>
+              <a:gd name="connsiteX7" fmla="*/ 7253653 w 9478107"/>
+              <a:gd name="connsiteY7" fmla="*/ 1243769 h 1270146"/>
+              <a:gd name="connsiteX8" fmla="*/ 4826976 w 9478107"/>
+              <a:gd name="connsiteY8" fmla="*/ 1270146 h 1270146"/>
+              <a:gd name="connsiteX9" fmla="*/ 2751992 w 9478107"/>
+              <a:gd name="connsiteY9" fmla="*/ 1261354 h 1270146"/>
+              <a:gd name="connsiteX10" fmla="*/ 0 w 9478107"/>
+              <a:gd name="connsiteY10" fmla="*/ 1208600 h 1270146"/>
+              <a:gd name="connsiteX11" fmla="*/ 8792 w 9478107"/>
+              <a:gd name="connsiteY11" fmla="*/ 346954 h 1270146"/>
+              <a:gd name="connsiteX0" fmla="*/ 8792 w 9478107"/>
+              <a:gd name="connsiteY0" fmla="*/ 346954 h 1270146"/>
+              <a:gd name="connsiteX1" fmla="*/ 2358147 w 9478107"/>
+              <a:gd name="connsiteY1" fmla="*/ 302992 h 1270146"/>
+              <a:gd name="connsiteX2" fmla="*/ 5127546 w 9478107"/>
+              <a:gd name="connsiteY2" fmla="*/ 115678 h 1270146"/>
+              <a:gd name="connsiteX3" fmla="*/ 7084613 w 9478107"/>
+              <a:gd name="connsiteY3" fmla="*/ 647346 h 1270146"/>
+              <a:gd name="connsiteX4" fmla="*/ 8557637 w 9478107"/>
+              <a:gd name="connsiteY4" fmla="*/ 716768 h 1270146"/>
+              <a:gd name="connsiteX5" fmla="*/ 9478107 w 9478107"/>
+              <a:gd name="connsiteY5" fmla="*/ 346954 h 1270146"/>
+              <a:gd name="connsiteX6" fmla="*/ 9469315 w 9478107"/>
+              <a:gd name="connsiteY6" fmla="*/ 1252562 h 1270146"/>
+              <a:gd name="connsiteX7" fmla="*/ 7253653 w 9478107"/>
+              <a:gd name="connsiteY7" fmla="*/ 1243769 h 1270146"/>
+              <a:gd name="connsiteX8" fmla="*/ 4826976 w 9478107"/>
+              <a:gd name="connsiteY8" fmla="*/ 1270146 h 1270146"/>
+              <a:gd name="connsiteX9" fmla="*/ 2751992 w 9478107"/>
+              <a:gd name="connsiteY9" fmla="*/ 1261354 h 1270146"/>
+              <a:gd name="connsiteX10" fmla="*/ 0 w 9478107"/>
+              <a:gd name="connsiteY10" fmla="*/ 1208600 h 1270146"/>
+              <a:gd name="connsiteX11" fmla="*/ 8792 w 9478107"/>
+              <a:gd name="connsiteY11" fmla="*/ 346954 h 1270146"/>
+              <a:gd name="connsiteX0" fmla="*/ 15627 w 9484942"/>
+              <a:gd name="connsiteY0" fmla="*/ 346954 h 1277035"/>
+              <a:gd name="connsiteX1" fmla="*/ 2364982 w 9484942"/>
+              <a:gd name="connsiteY1" fmla="*/ 302992 h 1277035"/>
+              <a:gd name="connsiteX2" fmla="*/ 5134381 w 9484942"/>
+              <a:gd name="connsiteY2" fmla="*/ 115678 h 1277035"/>
+              <a:gd name="connsiteX3" fmla="*/ 7091448 w 9484942"/>
+              <a:gd name="connsiteY3" fmla="*/ 647346 h 1277035"/>
+              <a:gd name="connsiteX4" fmla="*/ 8564472 w 9484942"/>
+              <a:gd name="connsiteY4" fmla="*/ 716768 h 1277035"/>
+              <a:gd name="connsiteX5" fmla="*/ 9484942 w 9484942"/>
+              <a:gd name="connsiteY5" fmla="*/ 346954 h 1277035"/>
+              <a:gd name="connsiteX6" fmla="*/ 9476150 w 9484942"/>
+              <a:gd name="connsiteY6" fmla="*/ 1252562 h 1277035"/>
+              <a:gd name="connsiteX7" fmla="*/ 7260488 w 9484942"/>
+              <a:gd name="connsiteY7" fmla="*/ 1243769 h 1277035"/>
+              <a:gd name="connsiteX8" fmla="*/ 4833811 w 9484942"/>
+              <a:gd name="connsiteY8" fmla="*/ 1270146 h 1277035"/>
+              <a:gd name="connsiteX9" fmla="*/ 2758827 w 9484942"/>
+              <a:gd name="connsiteY9" fmla="*/ 1261354 h 1277035"/>
+              <a:gd name="connsiteX10" fmla="*/ 0 w 9484942"/>
+              <a:gd name="connsiteY10" fmla="*/ 1273013 h 1277035"/>
+              <a:gd name="connsiteX11" fmla="*/ 15627 w 9484942"/>
+              <a:gd name="connsiteY11" fmla="*/ 346954 h 1277035"/>
+              <a:gd name="connsiteX0" fmla="*/ 15627 w 9484942"/>
+              <a:gd name="connsiteY0" fmla="*/ 346954 h 1300002"/>
+              <a:gd name="connsiteX1" fmla="*/ 2364982 w 9484942"/>
+              <a:gd name="connsiteY1" fmla="*/ 302992 h 1300002"/>
+              <a:gd name="connsiteX2" fmla="*/ 5134381 w 9484942"/>
+              <a:gd name="connsiteY2" fmla="*/ 115678 h 1300002"/>
+              <a:gd name="connsiteX3" fmla="*/ 7091448 w 9484942"/>
+              <a:gd name="connsiteY3" fmla="*/ 647346 h 1300002"/>
+              <a:gd name="connsiteX4" fmla="*/ 8564472 w 9484942"/>
+              <a:gd name="connsiteY4" fmla="*/ 716768 h 1300002"/>
+              <a:gd name="connsiteX5" fmla="*/ 9484942 w 9484942"/>
+              <a:gd name="connsiteY5" fmla="*/ 346954 h 1300002"/>
+              <a:gd name="connsiteX6" fmla="*/ 9476150 w 9484942"/>
+              <a:gd name="connsiteY6" fmla="*/ 1252562 h 1300002"/>
+              <a:gd name="connsiteX7" fmla="*/ 7260488 w 9484942"/>
+              <a:gd name="connsiteY7" fmla="*/ 1243769 h 1300002"/>
+              <a:gd name="connsiteX8" fmla="*/ 4833811 w 9484942"/>
+              <a:gd name="connsiteY8" fmla="*/ 1270146 h 1300002"/>
+              <a:gd name="connsiteX9" fmla="*/ 2779333 w 9484942"/>
+              <a:gd name="connsiteY9" fmla="*/ 1300002 h 1300002"/>
+              <a:gd name="connsiteX10" fmla="*/ 0 w 9484942"/>
+              <a:gd name="connsiteY10" fmla="*/ 1273013 h 1300002"/>
+              <a:gd name="connsiteX11" fmla="*/ 15627 w 9484942"/>
+              <a:gd name="connsiteY11" fmla="*/ 346954 h 1300002"/>
+              <a:gd name="connsiteX0" fmla="*/ 15627 w 9484942"/>
+              <a:gd name="connsiteY0" fmla="*/ 346954 h 1346830"/>
+              <a:gd name="connsiteX1" fmla="*/ 2364982 w 9484942"/>
+              <a:gd name="connsiteY1" fmla="*/ 302992 h 1346830"/>
+              <a:gd name="connsiteX2" fmla="*/ 5134381 w 9484942"/>
+              <a:gd name="connsiteY2" fmla="*/ 115678 h 1346830"/>
+              <a:gd name="connsiteX3" fmla="*/ 7091448 w 9484942"/>
+              <a:gd name="connsiteY3" fmla="*/ 647346 h 1346830"/>
+              <a:gd name="connsiteX4" fmla="*/ 8564472 w 9484942"/>
+              <a:gd name="connsiteY4" fmla="*/ 716768 h 1346830"/>
+              <a:gd name="connsiteX5" fmla="*/ 9484942 w 9484942"/>
+              <a:gd name="connsiteY5" fmla="*/ 346954 h 1346830"/>
+              <a:gd name="connsiteX6" fmla="*/ 9476150 w 9484942"/>
+              <a:gd name="connsiteY6" fmla="*/ 1252562 h 1346830"/>
+              <a:gd name="connsiteX7" fmla="*/ 7267323 w 9484942"/>
+              <a:gd name="connsiteY7" fmla="*/ 1346830 h 1346830"/>
+              <a:gd name="connsiteX8" fmla="*/ 4833811 w 9484942"/>
+              <a:gd name="connsiteY8" fmla="*/ 1270146 h 1346830"/>
+              <a:gd name="connsiteX9" fmla="*/ 2779333 w 9484942"/>
+              <a:gd name="connsiteY9" fmla="*/ 1300002 h 1346830"/>
+              <a:gd name="connsiteX10" fmla="*/ 0 w 9484942"/>
+              <a:gd name="connsiteY10" fmla="*/ 1273013 h 1346830"/>
+              <a:gd name="connsiteX11" fmla="*/ 15627 w 9484942"/>
+              <a:gd name="connsiteY11" fmla="*/ 346954 h 1346830"/>
+              <a:gd name="connsiteX0" fmla="*/ 15627 w 9484942"/>
+              <a:gd name="connsiteY0" fmla="*/ 346954 h 1308182"/>
+              <a:gd name="connsiteX1" fmla="*/ 2364982 w 9484942"/>
+              <a:gd name="connsiteY1" fmla="*/ 302992 h 1308182"/>
+              <a:gd name="connsiteX2" fmla="*/ 5134381 w 9484942"/>
+              <a:gd name="connsiteY2" fmla="*/ 115678 h 1308182"/>
+              <a:gd name="connsiteX3" fmla="*/ 7091448 w 9484942"/>
+              <a:gd name="connsiteY3" fmla="*/ 647346 h 1308182"/>
+              <a:gd name="connsiteX4" fmla="*/ 8564472 w 9484942"/>
+              <a:gd name="connsiteY4" fmla="*/ 716768 h 1308182"/>
+              <a:gd name="connsiteX5" fmla="*/ 9484942 w 9484942"/>
+              <a:gd name="connsiteY5" fmla="*/ 346954 h 1308182"/>
+              <a:gd name="connsiteX6" fmla="*/ 9476150 w 9484942"/>
+              <a:gd name="connsiteY6" fmla="*/ 1252562 h 1308182"/>
+              <a:gd name="connsiteX7" fmla="*/ 7246817 w 9484942"/>
+              <a:gd name="connsiteY7" fmla="*/ 1308182 h 1308182"/>
+              <a:gd name="connsiteX8" fmla="*/ 4833811 w 9484942"/>
+              <a:gd name="connsiteY8" fmla="*/ 1270146 h 1308182"/>
+              <a:gd name="connsiteX9" fmla="*/ 2779333 w 9484942"/>
+              <a:gd name="connsiteY9" fmla="*/ 1300002 h 1308182"/>
+              <a:gd name="connsiteX10" fmla="*/ 0 w 9484942"/>
+              <a:gd name="connsiteY10" fmla="*/ 1273013 h 1308182"/>
+              <a:gd name="connsiteX11" fmla="*/ 15627 w 9484942"/>
+              <a:gd name="connsiteY11" fmla="*/ 346954 h 1308182"/>
+              <a:gd name="connsiteX0" fmla="*/ 15627 w 9496987"/>
+              <a:gd name="connsiteY0" fmla="*/ 346954 h 1316976"/>
+              <a:gd name="connsiteX1" fmla="*/ 2364982 w 9496987"/>
+              <a:gd name="connsiteY1" fmla="*/ 302992 h 1316976"/>
+              <a:gd name="connsiteX2" fmla="*/ 5134381 w 9496987"/>
+              <a:gd name="connsiteY2" fmla="*/ 115678 h 1316976"/>
+              <a:gd name="connsiteX3" fmla="*/ 7091448 w 9496987"/>
+              <a:gd name="connsiteY3" fmla="*/ 647346 h 1316976"/>
+              <a:gd name="connsiteX4" fmla="*/ 8564472 w 9496987"/>
+              <a:gd name="connsiteY4" fmla="*/ 716768 h 1316976"/>
+              <a:gd name="connsiteX5" fmla="*/ 9484942 w 9496987"/>
+              <a:gd name="connsiteY5" fmla="*/ 346954 h 1316976"/>
+              <a:gd name="connsiteX6" fmla="*/ 9496656 w 9496987"/>
+              <a:gd name="connsiteY6" fmla="*/ 1316976 h 1316976"/>
+              <a:gd name="connsiteX7" fmla="*/ 7246817 w 9496987"/>
+              <a:gd name="connsiteY7" fmla="*/ 1308182 h 1316976"/>
+              <a:gd name="connsiteX8" fmla="*/ 4833811 w 9496987"/>
+              <a:gd name="connsiteY8" fmla="*/ 1270146 h 1316976"/>
+              <a:gd name="connsiteX9" fmla="*/ 2779333 w 9496987"/>
+              <a:gd name="connsiteY9" fmla="*/ 1300002 h 1316976"/>
+              <a:gd name="connsiteX10" fmla="*/ 0 w 9496987"/>
+              <a:gd name="connsiteY10" fmla="*/ 1273013 h 1316976"/>
+              <a:gd name="connsiteX11" fmla="*/ 15627 w 9496987"/>
+              <a:gd name="connsiteY11" fmla="*/ 346954 h 1316976"/>
+            </a:gdLst>
+            <a:ahLst/>
+            <a:cxnLst>
+              <a:cxn ang="0">
+                <a:pos x="connsiteX0" y="connsiteY0"/>
+              </a:cxn>
+              <a:cxn ang="0">
+                <a:pos x="connsiteX1" y="connsiteY1"/>
+              </a:cxn>
+              <a:cxn ang="0">
+                <a:pos x="connsiteX2" y="connsiteY2"/>
+              </a:cxn>
+              <a:cxn ang="0">
+                <a:pos x="connsiteX3" y="connsiteY3"/>
+              </a:cxn>
+              <a:cxn ang="0">
+                <a:pos x="connsiteX4" y="connsiteY4"/>
+              </a:cxn>
+              <a:cxn ang="0">
+                <a:pos x="connsiteX5" y="connsiteY5"/>
+              </a:cxn>
+              <a:cxn ang="0">
+                <a:pos x="connsiteX6" y="connsiteY6"/>
+              </a:cxn>
+              <a:cxn ang="0">
+                <a:pos x="connsiteX7" y="connsiteY7"/>
+              </a:cxn>
+              <a:cxn ang="0">
+                <a:pos x="connsiteX8" y="connsiteY8"/>
+              </a:cxn>
+              <a:cxn ang="0">
+                <a:pos x="connsiteX9" y="connsiteY9"/>
+              </a:cxn>
+              <a:cxn ang="0">
+                <a:pos x="connsiteX10" y="connsiteY10"/>
+              </a:cxn>
+              <a:cxn ang="0">
+                <a:pos x="connsiteX11" y="connsiteY11"/>
+              </a:cxn>
+            </a:cxnLst>
+            <a:rect l="l" t="t" r="r" b="b"/>
+            <a:pathLst>
+              <a:path w="9496987" h="1316976">
+                <a:moveTo>
+                  <a:pt x="15627" y="346954"/>
+                </a:moveTo>
+                <a:cubicBezTo>
+                  <a:pt x="677981" y="352815"/>
+                  <a:pt x="1280597" y="-406254"/>
+                  <a:pt x="2364982" y="302992"/>
+                </a:cubicBezTo>
+                <a:cubicBezTo>
+                  <a:pt x="3590042" y="1000515"/>
+                  <a:pt x="4346637" y="58286"/>
+                  <a:pt x="5134381" y="115678"/>
+                </a:cubicBezTo>
+                <a:cubicBezTo>
+                  <a:pt x="5922125" y="173070"/>
+                  <a:pt x="6479894" y="562194"/>
+                  <a:pt x="7091448" y="647346"/>
+                </a:cubicBezTo>
+                <a:cubicBezTo>
+                  <a:pt x="7703002" y="732498"/>
+                  <a:pt x="8165556" y="766833"/>
+                  <a:pt x="8564472" y="716768"/>
+                </a:cubicBezTo>
+                <a:cubicBezTo>
+                  <a:pt x="8963388" y="666703"/>
+                  <a:pt x="9372868" y="242625"/>
+                  <a:pt x="9484942" y="346954"/>
+                </a:cubicBezTo>
+                <a:cubicBezTo>
+                  <a:pt x="9482011" y="648823"/>
+                  <a:pt x="9499587" y="1015107"/>
+                  <a:pt x="9496656" y="1316976"/>
+                </a:cubicBezTo>
+                <a:lnTo>
+                  <a:pt x="7246817" y="1308182"/>
+                </a:lnTo>
+                <a:lnTo>
+                  <a:pt x="4833811" y="1270146"/>
+                </a:lnTo>
+                <a:lnTo>
+                  <a:pt x="2779333" y="1300002"/>
+                </a:lnTo>
+                <a:lnTo>
+                  <a:pt x="0" y="1273013"/>
+                </a:lnTo>
+                <a:cubicBezTo>
+                  <a:pt x="2931" y="988728"/>
+                  <a:pt x="3903" y="648823"/>
+                  <a:pt x="15627" y="346954"/>
+                </a:cubicBezTo>
+                <a:close/>
+              </a:path>
+            </a:pathLst>
+          </a:custGeom>
+          <a:gradFill flip="none" rotWithShape="1">
+            <a:gsLst>
+              <a:gs pos="0">
+                <a:schemeClr val="accent4">
+                  <a:lumMod val="20000"/>
+                  <a:lumOff val="80000"/>
+                </a:schemeClr>
+              </a:gs>
+              <a:gs pos="50000">
+                <a:schemeClr val="bg1"/>
+              </a:gs>
+              <a:gs pos="100000">
+                <a:schemeClr val="accent4">
+                  <a:lumMod val="20000"/>
+                  <a:lumOff val="80000"/>
+                </a:schemeClr>
+              </a:gs>
+            </a:gsLst>
+            <a:lin ang="0" scaled="1"/>
+            <a:tileRect/>
+          </a:gradFill>
+          <a:ln w="15875">
+            <a:solidFill>
+              <a:schemeClr val="accent1">
+                <a:alpha val="0"/>
+              </a:schemeClr>
+            </a:solidFill>
+          </a:ln>
+          <a:effectLst>
+            <a:glow>
+              <a:srgbClr val="FFFF00"/>
+            </a:glow>
+            <a:outerShdw algn="ctr" rotWithShape="0">
+              <a:schemeClr val="tx1"/>
+            </a:outerShdw>
+          </a:effectLst>
+          <a:scene3d>
+            <a:camera prst="orthographicFront"/>
+            <a:lightRig rig="threePt" dir="t"/>
+          </a:scene3d>
+          <a:sp3d>
+            <a:bevelT w="0"/>
+          </a:sp3d>
+        </p:spPr>
+        <p:style>
+          <a:lnRef idx="2">
+            <a:schemeClr val="accent1">
+              <a:shade val="15000"/>
+            </a:schemeClr>
+          </a:lnRef>
+          <a:fillRef idx="1">
+            <a:schemeClr val="accent1"/>
+          </a:fillRef>
+          <a:effectRef idx="0">
+            <a:schemeClr val="accent1"/>
+          </a:effectRef>
+          <a:fontRef idx="minor">
+            <a:schemeClr val="lt1"/>
+          </a:fontRef>
+        </p:style>
+        <p:txBody>
+          <a:bodyPr rtlCol="0" anchor="ctr"/>
+          <a:lstStyle/>
+          <a:p>
+            <a:pPr marL="0" marR="0" lvl="0" indent="0" algn="ctr" defTabSz="914400" rtl="0" eaLnBrk="1" fontAlgn="auto" latinLnBrk="0" hangingPunct="1">
+              <a:lnSpc>
+                <a:spcPct val="100000"/>
+              </a:lnSpc>
+              <a:spcBef>
+                <a:spcPts val="0"/>
+              </a:spcBef>
+              <a:spcAft>
+                <a:spcPts val="0"/>
+              </a:spcAft>
+              <a:buClrTx/>
+              <a:buSzTx/>
+              <a:buFontTx/>
+              <a:buNone/>
+              <a:tabLst/>
+              <a:defRPr/>
+            </a:pPr>
+            <a:endParaRPr kumimoji="0" lang="en-GB" sz="1800" b="0" i="0" u="none" strike="noStrike" kern="1200" cap="none" spc="0" normalizeH="0" baseline="0" noProof="0" dirty="0">
+              <a:ln>
+                <a:noFill/>
+              </a:ln>
+              <a:solidFill>
+                <a:prstClr val="white"/>
+              </a:solidFill>
+              <a:effectLst/>
+              <a:uLnTx/>
+              <a:uFillTx/>
+              <a:latin typeface="Aptos" panose="02110004020202020204"/>
+              <a:ea typeface="+mn-ea"/>
+              <a:cs typeface="+mn-cs"/>
+            </a:endParaRPr>
+          </a:p>
+        </p:txBody>
+      </p:sp>
+      <p:sp>
+        <p:nvSpPr>
+          <p:cNvPr id="10" name="Free-form: Shape 13">
+            <a:extLst>
+              <a:ext uri="{FF2B5EF4-FFF2-40B4-BE49-F238E27FC236}">
+                <a16:creationId xmlns:a16="http://schemas.microsoft.com/office/drawing/2014/main" id="{FC8B341A-914A-7A84-BA05-C1E6CF1F3B7F}"/>
+              </a:ext>
+            </a:extLst>
+          </p:cNvPr>
+          <p:cNvSpPr/>
+          <p:nvPr/>
+        </p:nvSpPr>
+        <p:spPr>
+          <a:xfrm rot="10800000">
+            <a:off x="-2090" y="-10376"/>
+            <a:ext cx="12192000" cy="898826"/>
+          </a:xfrm>
+          <a:custGeom>
+            <a:avLst/>
+            <a:gdLst>
+              <a:gd name="connsiteX0" fmla="*/ 17585 w 9486900"/>
+              <a:gd name="connsiteY0" fmla="*/ 8792 h 931984"/>
+              <a:gd name="connsiteX1" fmla="*/ 2004646 w 9486900"/>
+              <a:gd name="connsiteY1" fmla="*/ 26376 h 931984"/>
+              <a:gd name="connsiteX2" fmla="*/ 4466492 w 9486900"/>
+              <a:gd name="connsiteY2" fmla="*/ 35169 h 931984"/>
+              <a:gd name="connsiteX3" fmla="*/ 7025054 w 9486900"/>
+              <a:gd name="connsiteY3" fmla="*/ 0 h 931984"/>
+              <a:gd name="connsiteX4" fmla="*/ 9486900 w 9486900"/>
+              <a:gd name="connsiteY4" fmla="*/ 8792 h 931984"/>
+              <a:gd name="connsiteX5" fmla="*/ 9478108 w 9486900"/>
+              <a:gd name="connsiteY5" fmla="*/ 914400 h 931984"/>
+              <a:gd name="connsiteX6" fmla="*/ 7262446 w 9486900"/>
+              <a:gd name="connsiteY6" fmla="*/ 905607 h 931984"/>
+              <a:gd name="connsiteX7" fmla="*/ 4835769 w 9486900"/>
+              <a:gd name="connsiteY7" fmla="*/ 931984 h 931984"/>
+              <a:gd name="connsiteX8" fmla="*/ 2760785 w 9486900"/>
+              <a:gd name="connsiteY8" fmla="*/ 923192 h 931984"/>
+              <a:gd name="connsiteX9" fmla="*/ 0 w 9486900"/>
+              <a:gd name="connsiteY9" fmla="*/ 879230 h 931984"/>
+              <a:gd name="connsiteX10" fmla="*/ 17585 w 9486900"/>
+              <a:gd name="connsiteY10" fmla="*/ 8792 h 931984"/>
+              <a:gd name="connsiteX0" fmla="*/ 17585 w 9486900"/>
+              <a:gd name="connsiteY0" fmla="*/ 168095 h 1091287"/>
+              <a:gd name="connsiteX1" fmla="*/ 2004646 w 9486900"/>
+              <a:gd name="connsiteY1" fmla="*/ 185679 h 1091287"/>
+              <a:gd name="connsiteX2" fmla="*/ 4466492 w 9486900"/>
+              <a:gd name="connsiteY2" fmla="*/ 194472 h 1091287"/>
+              <a:gd name="connsiteX3" fmla="*/ 7025054 w 9486900"/>
+              <a:gd name="connsiteY3" fmla="*/ 159303 h 1091287"/>
+              <a:gd name="connsiteX4" fmla="*/ 9486900 w 9486900"/>
+              <a:gd name="connsiteY4" fmla="*/ 168095 h 1091287"/>
+              <a:gd name="connsiteX5" fmla="*/ 9478108 w 9486900"/>
+              <a:gd name="connsiteY5" fmla="*/ 1073703 h 1091287"/>
+              <a:gd name="connsiteX6" fmla="*/ 7262446 w 9486900"/>
+              <a:gd name="connsiteY6" fmla="*/ 1064910 h 1091287"/>
+              <a:gd name="connsiteX7" fmla="*/ 4835769 w 9486900"/>
+              <a:gd name="connsiteY7" fmla="*/ 1091287 h 1091287"/>
+              <a:gd name="connsiteX8" fmla="*/ 2760785 w 9486900"/>
+              <a:gd name="connsiteY8" fmla="*/ 1082495 h 1091287"/>
+              <a:gd name="connsiteX9" fmla="*/ 0 w 9486900"/>
+              <a:gd name="connsiteY9" fmla="*/ 1038533 h 1091287"/>
+              <a:gd name="connsiteX10" fmla="*/ 17585 w 9486900"/>
+              <a:gd name="connsiteY10" fmla="*/ 168095 h 1091287"/>
+              <a:gd name="connsiteX0" fmla="*/ 17585 w 9486900"/>
+              <a:gd name="connsiteY0" fmla="*/ 234508 h 1157700"/>
+              <a:gd name="connsiteX1" fmla="*/ 2004646 w 9486900"/>
+              <a:gd name="connsiteY1" fmla="*/ 252092 h 1157700"/>
+              <a:gd name="connsiteX2" fmla="*/ 4466492 w 9486900"/>
+              <a:gd name="connsiteY2" fmla="*/ 260885 h 1157700"/>
+              <a:gd name="connsiteX3" fmla="*/ 7025054 w 9486900"/>
+              <a:gd name="connsiteY3" fmla="*/ 225716 h 1157700"/>
+              <a:gd name="connsiteX4" fmla="*/ 9486900 w 9486900"/>
+              <a:gd name="connsiteY4" fmla="*/ 234508 h 1157700"/>
+              <a:gd name="connsiteX5" fmla="*/ 9478108 w 9486900"/>
+              <a:gd name="connsiteY5" fmla="*/ 1140116 h 1157700"/>
+              <a:gd name="connsiteX6" fmla="*/ 7262446 w 9486900"/>
+              <a:gd name="connsiteY6" fmla="*/ 1131323 h 1157700"/>
+              <a:gd name="connsiteX7" fmla="*/ 4835769 w 9486900"/>
+              <a:gd name="connsiteY7" fmla="*/ 1157700 h 1157700"/>
+              <a:gd name="connsiteX8" fmla="*/ 2760785 w 9486900"/>
+              <a:gd name="connsiteY8" fmla="*/ 1148908 h 1157700"/>
+              <a:gd name="connsiteX9" fmla="*/ 0 w 9486900"/>
+              <a:gd name="connsiteY9" fmla="*/ 1104946 h 1157700"/>
+              <a:gd name="connsiteX10" fmla="*/ 17585 w 9486900"/>
+              <a:gd name="connsiteY10" fmla="*/ 234508 h 1157700"/>
+              <a:gd name="connsiteX0" fmla="*/ 17585 w 9486900"/>
+              <a:gd name="connsiteY0" fmla="*/ 375168 h 1298360"/>
+              <a:gd name="connsiteX1" fmla="*/ 2004646 w 9486900"/>
+              <a:gd name="connsiteY1" fmla="*/ 392752 h 1298360"/>
+              <a:gd name="connsiteX2" fmla="*/ 4466492 w 9486900"/>
+              <a:gd name="connsiteY2" fmla="*/ 401545 h 1298360"/>
+              <a:gd name="connsiteX3" fmla="*/ 7025054 w 9486900"/>
+              <a:gd name="connsiteY3" fmla="*/ 366376 h 1298360"/>
+              <a:gd name="connsiteX4" fmla="*/ 9486900 w 9486900"/>
+              <a:gd name="connsiteY4" fmla="*/ 375168 h 1298360"/>
+              <a:gd name="connsiteX5" fmla="*/ 9478108 w 9486900"/>
+              <a:gd name="connsiteY5" fmla="*/ 1280776 h 1298360"/>
+              <a:gd name="connsiteX6" fmla="*/ 7262446 w 9486900"/>
+              <a:gd name="connsiteY6" fmla="*/ 1271983 h 1298360"/>
+              <a:gd name="connsiteX7" fmla="*/ 4835769 w 9486900"/>
+              <a:gd name="connsiteY7" fmla="*/ 1298360 h 1298360"/>
+              <a:gd name="connsiteX8" fmla="*/ 2760785 w 9486900"/>
+              <a:gd name="connsiteY8" fmla="*/ 1289568 h 1298360"/>
+              <a:gd name="connsiteX9" fmla="*/ 0 w 9486900"/>
+              <a:gd name="connsiteY9" fmla="*/ 1245606 h 1298360"/>
+              <a:gd name="connsiteX10" fmla="*/ 17585 w 9486900"/>
+              <a:gd name="connsiteY10" fmla="*/ 375168 h 1298360"/>
+              <a:gd name="connsiteX0" fmla="*/ 17585 w 9486900"/>
+              <a:gd name="connsiteY0" fmla="*/ 375168 h 1298360"/>
+              <a:gd name="connsiteX1" fmla="*/ 2004646 w 9486900"/>
+              <a:gd name="connsiteY1" fmla="*/ 392752 h 1298360"/>
+              <a:gd name="connsiteX2" fmla="*/ 4466492 w 9486900"/>
+              <a:gd name="connsiteY2" fmla="*/ 401545 h 1298360"/>
+              <a:gd name="connsiteX3" fmla="*/ 7025054 w 9486900"/>
+              <a:gd name="connsiteY3" fmla="*/ 366376 h 1298360"/>
+              <a:gd name="connsiteX4" fmla="*/ 9486900 w 9486900"/>
+              <a:gd name="connsiteY4" fmla="*/ 375168 h 1298360"/>
+              <a:gd name="connsiteX5" fmla="*/ 9478108 w 9486900"/>
+              <a:gd name="connsiteY5" fmla="*/ 1280776 h 1298360"/>
+              <a:gd name="connsiteX6" fmla="*/ 7262446 w 9486900"/>
+              <a:gd name="connsiteY6" fmla="*/ 1271983 h 1298360"/>
+              <a:gd name="connsiteX7" fmla="*/ 4835769 w 9486900"/>
+              <a:gd name="connsiteY7" fmla="*/ 1298360 h 1298360"/>
+              <a:gd name="connsiteX8" fmla="*/ 2760785 w 9486900"/>
+              <a:gd name="connsiteY8" fmla="*/ 1289568 h 1298360"/>
+              <a:gd name="connsiteX9" fmla="*/ 0 w 9486900"/>
+              <a:gd name="connsiteY9" fmla="*/ 1245606 h 1298360"/>
+              <a:gd name="connsiteX10" fmla="*/ 17585 w 9486900"/>
+              <a:gd name="connsiteY10" fmla="*/ 375168 h 1298360"/>
+              <a:gd name="connsiteX0" fmla="*/ 17585 w 9486900"/>
+              <a:gd name="connsiteY0" fmla="*/ 375168 h 1298360"/>
+              <a:gd name="connsiteX1" fmla="*/ 2004646 w 9486900"/>
+              <a:gd name="connsiteY1" fmla="*/ 392752 h 1298360"/>
+              <a:gd name="connsiteX2" fmla="*/ 4466492 w 9486900"/>
+              <a:gd name="connsiteY2" fmla="*/ 401545 h 1298360"/>
+              <a:gd name="connsiteX3" fmla="*/ 7025054 w 9486900"/>
+              <a:gd name="connsiteY3" fmla="*/ 366376 h 1298360"/>
+              <a:gd name="connsiteX4" fmla="*/ 9486900 w 9486900"/>
+              <a:gd name="connsiteY4" fmla="*/ 375168 h 1298360"/>
+              <a:gd name="connsiteX5" fmla="*/ 9478108 w 9486900"/>
+              <a:gd name="connsiteY5" fmla="*/ 1280776 h 1298360"/>
+              <a:gd name="connsiteX6" fmla="*/ 7262446 w 9486900"/>
+              <a:gd name="connsiteY6" fmla="*/ 1271983 h 1298360"/>
+              <a:gd name="connsiteX7" fmla="*/ 4835769 w 9486900"/>
+              <a:gd name="connsiteY7" fmla="*/ 1298360 h 1298360"/>
+              <a:gd name="connsiteX8" fmla="*/ 2760785 w 9486900"/>
+              <a:gd name="connsiteY8" fmla="*/ 1289568 h 1298360"/>
+              <a:gd name="connsiteX9" fmla="*/ 0 w 9486900"/>
+              <a:gd name="connsiteY9" fmla="*/ 1245606 h 1298360"/>
+              <a:gd name="connsiteX10" fmla="*/ 17585 w 9486900"/>
+              <a:gd name="connsiteY10" fmla="*/ 375168 h 1298360"/>
+              <a:gd name="connsiteX0" fmla="*/ 17585 w 9486900"/>
+              <a:gd name="connsiteY0" fmla="*/ 375168 h 1298360"/>
+              <a:gd name="connsiteX1" fmla="*/ 2004646 w 9486900"/>
+              <a:gd name="connsiteY1" fmla="*/ 392752 h 1298360"/>
+              <a:gd name="connsiteX2" fmla="*/ 4466492 w 9486900"/>
+              <a:gd name="connsiteY2" fmla="*/ 401545 h 1298360"/>
+              <a:gd name="connsiteX3" fmla="*/ 7025054 w 9486900"/>
+              <a:gd name="connsiteY3" fmla="*/ 366376 h 1298360"/>
+              <a:gd name="connsiteX4" fmla="*/ 9486900 w 9486900"/>
+              <a:gd name="connsiteY4" fmla="*/ 375168 h 1298360"/>
+              <a:gd name="connsiteX5" fmla="*/ 9478108 w 9486900"/>
+              <a:gd name="connsiteY5" fmla="*/ 1280776 h 1298360"/>
+              <a:gd name="connsiteX6" fmla="*/ 7262446 w 9486900"/>
+              <a:gd name="connsiteY6" fmla="*/ 1271983 h 1298360"/>
+              <a:gd name="connsiteX7" fmla="*/ 4835769 w 9486900"/>
+              <a:gd name="connsiteY7" fmla="*/ 1298360 h 1298360"/>
+              <a:gd name="connsiteX8" fmla="*/ 2760785 w 9486900"/>
+              <a:gd name="connsiteY8" fmla="*/ 1289568 h 1298360"/>
+              <a:gd name="connsiteX9" fmla="*/ 0 w 9486900"/>
+              <a:gd name="connsiteY9" fmla="*/ 1245606 h 1298360"/>
+              <a:gd name="connsiteX10" fmla="*/ 17585 w 9486900"/>
+              <a:gd name="connsiteY10" fmla="*/ 375168 h 1298360"/>
+              <a:gd name="connsiteX0" fmla="*/ 17585 w 9486900"/>
+              <a:gd name="connsiteY0" fmla="*/ 375168 h 1298360"/>
+              <a:gd name="connsiteX1" fmla="*/ 2004646 w 9486900"/>
+              <a:gd name="connsiteY1" fmla="*/ 392752 h 1298360"/>
+              <a:gd name="connsiteX2" fmla="*/ 4466492 w 9486900"/>
+              <a:gd name="connsiteY2" fmla="*/ 401545 h 1298360"/>
+              <a:gd name="connsiteX3" fmla="*/ 7025054 w 9486900"/>
+              <a:gd name="connsiteY3" fmla="*/ 366376 h 1298360"/>
+              <a:gd name="connsiteX4" fmla="*/ 9486900 w 9486900"/>
+              <a:gd name="connsiteY4" fmla="*/ 375168 h 1298360"/>
+              <a:gd name="connsiteX5" fmla="*/ 9478108 w 9486900"/>
+              <a:gd name="connsiteY5" fmla="*/ 1280776 h 1298360"/>
+              <a:gd name="connsiteX6" fmla="*/ 7262446 w 9486900"/>
+              <a:gd name="connsiteY6" fmla="*/ 1271983 h 1298360"/>
+              <a:gd name="connsiteX7" fmla="*/ 4835769 w 9486900"/>
+              <a:gd name="connsiteY7" fmla="*/ 1298360 h 1298360"/>
+              <a:gd name="connsiteX8" fmla="*/ 2760785 w 9486900"/>
+              <a:gd name="connsiteY8" fmla="*/ 1289568 h 1298360"/>
+              <a:gd name="connsiteX9" fmla="*/ 0 w 9486900"/>
+              <a:gd name="connsiteY9" fmla="*/ 1245606 h 1298360"/>
+              <a:gd name="connsiteX10" fmla="*/ 17585 w 9486900"/>
+              <a:gd name="connsiteY10" fmla="*/ 375168 h 1298360"/>
+              <a:gd name="connsiteX0" fmla="*/ 17585 w 9486900"/>
+              <a:gd name="connsiteY0" fmla="*/ 375168 h 1298360"/>
+              <a:gd name="connsiteX1" fmla="*/ 2004646 w 9486900"/>
+              <a:gd name="connsiteY1" fmla="*/ 392752 h 1298360"/>
+              <a:gd name="connsiteX2" fmla="*/ 4466492 w 9486900"/>
+              <a:gd name="connsiteY2" fmla="*/ 401545 h 1298360"/>
+              <a:gd name="connsiteX3" fmla="*/ 7025054 w 9486900"/>
+              <a:gd name="connsiteY3" fmla="*/ 366376 h 1298360"/>
+              <a:gd name="connsiteX4" fmla="*/ 9486900 w 9486900"/>
+              <a:gd name="connsiteY4" fmla="*/ 375168 h 1298360"/>
+              <a:gd name="connsiteX5" fmla="*/ 9478108 w 9486900"/>
+              <a:gd name="connsiteY5" fmla="*/ 1280776 h 1298360"/>
+              <a:gd name="connsiteX6" fmla="*/ 7262446 w 9486900"/>
+              <a:gd name="connsiteY6" fmla="*/ 1271983 h 1298360"/>
+              <a:gd name="connsiteX7" fmla="*/ 4835769 w 9486900"/>
+              <a:gd name="connsiteY7" fmla="*/ 1298360 h 1298360"/>
+              <a:gd name="connsiteX8" fmla="*/ 2760785 w 9486900"/>
+              <a:gd name="connsiteY8" fmla="*/ 1289568 h 1298360"/>
+              <a:gd name="connsiteX9" fmla="*/ 0 w 9486900"/>
+              <a:gd name="connsiteY9" fmla="*/ 1245606 h 1298360"/>
+              <a:gd name="connsiteX10" fmla="*/ 17585 w 9486900"/>
+              <a:gd name="connsiteY10" fmla="*/ 375168 h 1298360"/>
+              <a:gd name="connsiteX0" fmla="*/ 8792 w 9478107"/>
+              <a:gd name="connsiteY0" fmla="*/ 375168 h 1298360"/>
+              <a:gd name="connsiteX1" fmla="*/ 1995853 w 9478107"/>
+              <a:gd name="connsiteY1" fmla="*/ 392752 h 1298360"/>
+              <a:gd name="connsiteX2" fmla="*/ 4457699 w 9478107"/>
+              <a:gd name="connsiteY2" fmla="*/ 401545 h 1298360"/>
+              <a:gd name="connsiteX3" fmla="*/ 7016261 w 9478107"/>
+              <a:gd name="connsiteY3" fmla="*/ 366376 h 1298360"/>
+              <a:gd name="connsiteX4" fmla="*/ 9478107 w 9478107"/>
+              <a:gd name="connsiteY4" fmla="*/ 375168 h 1298360"/>
+              <a:gd name="connsiteX5" fmla="*/ 9469315 w 9478107"/>
+              <a:gd name="connsiteY5" fmla="*/ 1280776 h 1298360"/>
+              <a:gd name="connsiteX6" fmla="*/ 7253653 w 9478107"/>
+              <a:gd name="connsiteY6" fmla="*/ 1271983 h 1298360"/>
+              <a:gd name="connsiteX7" fmla="*/ 4826976 w 9478107"/>
+              <a:gd name="connsiteY7" fmla="*/ 1298360 h 1298360"/>
+              <a:gd name="connsiteX8" fmla="*/ 2751992 w 9478107"/>
+              <a:gd name="connsiteY8" fmla="*/ 1289568 h 1298360"/>
+              <a:gd name="connsiteX9" fmla="*/ 0 w 9478107"/>
+              <a:gd name="connsiteY9" fmla="*/ 1236814 h 1298360"/>
+              <a:gd name="connsiteX10" fmla="*/ 8792 w 9478107"/>
+              <a:gd name="connsiteY10" fmla="*/ 375168 h 1298360"/>
+              <a:gd name="connsiteX0" fmla="*/ 8792 w 9478107"/>
+              <a:gd name="connsiteY0" fmla="*/ 421112 h 1344304"/>
+              <a:gd name="connsiteX1" fmla="*/ 2057399 w 9478107"/>
+              <a:gd name="connsiteY1" fmla="*/ 377150 h 1344304"/>
+              <a:gd name="connsiteX2" fmla="*/ 4457699 w 9478107"/>
+              <a:gd name="connsiteY2" fmla="*/ 447489 h 1344304"/>
+              <a:gd name="connsiteX3" fmla="*/ 7016261 w 9478107"/>
+              <a:gd name="connsiteY3" fmla="*/ 412320 h 1344304"/>
+              <a:gd name="connsiteX4" fmla="*/ 9478107 w 9478107"/>
+              <a:gd name="connsiteY4" fmla="*/ 421112 h 1344304"/>
+              <a:gd name="connsiteX5" fmla="*/ 9469315 w 9478107"/>
+              <a:gd name="connsiteY5" fmla="*/ 1326720 h 1344304"/>
+              <a:gd name="connsiteX6" fmla="*/ 7253653 w 9478107"/>
+              <a:gd name="connsiteY6" fmla="*/ 1317927 h 1344304"/>
+              <a:gd name="connsiteX7" fmla="*/ 4826976 w 9478107"/>
+              <a:gd name="connsiteY7" fmla="*/ 1344304 h 1344304"/>
+              <a:gd name="connsiteX8" fmla="*/ 2751992 w 9478107"/>
+              <a:gd name="connsiteY8" fmla="*/ 1335512 h 1344304"/>
+              <a:gd name="connsiteX9" fmla="*/ 0 w 9478107"/>
+              <a:gd name="connsiteY9" fmla="*/ 1282758 h 1344304"/>
+              <a:gd name="connsiteX10" fmla="*/ 8792 w 9478107"/>
+              <a:gd name="connsiteY10" fmla="*/ 421112 h 1344304"/>
+              <a:gd name="connsiteX0" fmla="*/ 8792 w 9478107"/>
+              <a:gd name="connsiteY0" fmla="*/ 350485 h 1273677"/>
+              <a:gd name="connsiteX1" fmla="*/ 2057399 w 9478107"/>
+              <a:gd name="connsiteY1" fmla="*/ 306523 h 1273677"/>
+              <a:gd name="connsiteX2" fmla="*/ 4457699 w 9478107"/>
+              <a:gd name="connsiteY2" fmla="*/ 376862 h 1273677"/>
+              <a:gd name="connsiteX3" fmla="*/ 7016261 w 9478107"/>
+              <a:gd name="connsiteY3" fmla="*/ 341693 h 1273677"/>
+              <a:gd name="connsiteX4" fmla="*/ 9478107 w 9478107"/>
+              <a:gd name="connsiteY4" fmla="*/ 350485 h 1273677"/>
+              <a:gd name="connsiteX5" fmla="*/ 9469315 w 9478107"/>
+              <a:gd name="connsiteY5" fmla="*/ 1256093 h 1273677"/>
+              <a:gd name="connsiteX6" fmla="*/ 7253653 w 9478107"/>
+              <a:gd name="connsiteY6" fmla="*/ 1247300 h 1273677"/>
+              <a:gd name="connsiteX7" fmla="*/ 4826976 w 9478107"/>
+              <a:gd name="connsiteY7" fmla="*/ 1273677 h 1273677"/>
+              <a:gd name="connsiteX8" fmla="*/ 2751992 w 9478107"/>
+              <a:gd name="connsiteY8" fmla="*/ 1264885 h 1273677"/>
+              <a:gd name="connsiteX9" fmla="*/ 0 w 9478107"/>
+              <a:gd name="connsiteY9" fmla="*/ 1212131 h 1273677"/>
+              <a:gd name="connsiteX10" fmla="*/ 8792 w 9478107"/>
+              <a:gd name="connsiteY10" fmla="*/ 350485 h 1273677"/>
+              <a:gd name="connsiteX0" fmla="*/ 8792 w 9478107"/>
+              <a:gd name="connsiteY0" fmla="*/ 350485 h 1273677"/>
+              <a:gd name="connsiteX1" fmla="*/ 2057399 w 9478107"/>
+              <a:gd name="connsiteY1" fmla="*/ 306523 h 1273677"/>
+              <a:gd name="connsiteX2" fmla="*/ 4457699 w 9478107"/>
+              <a:gd name="connsiteY2" fmla="*/ 376862 h 1273677"/>
+              <a:gd name="connsiteX3" fmla="*/ 7016261 w 9478107"/>
+              <a:gd name="connsiteY3" fmla="*/ 341693 h 1273677"/>
+              <a:gd name="connsiteX4" fmla="*/ 9478107 w 9478107"/>
+              <a:gd name="connsiteY4" fmla="*/ 350485 h 1273677"/>
+              <a:gd name="connsiteX5" fmla="*/ 9469315 w 9478107"/>
+              <a:gd name="connsiteY5" fmla="*/ 1256093 h 1273677"/>
+              <a:gd name="connsiteX6" fmla="*/ 7253653 w 9478107"/>
+              <a:gd name="connsiteY6" fmla="*/ 1247300 h 1273677"/>
+              <a:gd name="connsiteX7" fmla="*/ 4826976 w 9478107"/>
+              <a:gd name="connsiteY7" fmla="*/ 1273677 h 1273677"/>
+              <a:gd name="connsiteX8" fmla="*/ 2751992 w 9478107"/>
+              <a:gd name="connsiteY8" fmla="*/ 1264885 h 1273677"/>
+              <a:gd name="connsiteX9" fmla="*/ 0 w 9478107"/>
+              <a:gd name="connsiteY9" fmla="*/ 1212131 h 1273677"/>
+              <a:gd name="connsiteX10" fmla="*/ 8792 w 9478107"/>
+              <a:gd name="connsiteY10" fmla="*/ 350485 h 1273677"/>
+            </a:gdLst>
+            <a:ahLst/>
+            <a:cxnLst>
+              <a:cxn ang="0">
+                <a:pos x="connsiteX0" y="connsiteY0"/>
+              </a:cxn>
+              <a:cxn ang="0">
+                <a:pos x="connsiteX1" y="connsiteY1"/>
+              </a:cxn>
+              <a:cxn ang="0">
+                <a:pos x="connsiteX2" y="connsiteY2"/>
+              </a:cxn>
+              <a:cxn ang="0">
+                <a:pos x="connsiteX3" y="connsiteY3"/>
+              </a:cxn>
+              <a:cxn ang="0">
+                <a:pos x="connsiteX4" y="connsiteY4"/>
+              </a:cxn>
+              <a:cxn ang="0">
+                <a:pos x="connsiteX5" y="connsiteY5"/>
+              </a:cxn>
+              <a:cxn ang="0">
+                <a:pos x="connsiteX6" y="connsiteY6"/>
+              </a:cxn>
+              <a:cxn ang="0">
+                <a:pos x="connsiteX7" y="connsiteY7"/>
+              </a:cxn>
+              <a:cxn ang="0">
+                <a:pos x="connsiteX8" y="connsiteY8"/>
+              </a:cxn>
+              <a:cxn ang="0">
+                <a:pos x="connsiteX9" y="connsiteY9"/>
+              </a:cxn>
+              <a:cxn ang="0">
+                <a:pos x="connsiteX10" y="connsiteY10"/>
+              </a:cxn>
+            </a:cxnLst>
+            <a:rect l="l" t="t" r="r" b="b"/>
+            <a:pathLst>
+              <a:path w="9478107" h="1273677">
+                <a:moveTo>
+                  <a:pt x="8792" y="350485"/>
+                </a:moveTo>
+                <a:cubicBezTo>
+                  <a:pt x="671146" y="356346"/>
+                  <a:pt x="973014" y="-402723"/>
+                  <a:pt x="2057399" y="306523"/>
+                </a:cubicBezTo>
+                <a:cubicBezTo>
+                  <a:pt x="3282459" y="1004046"/>
+                  <a:pt x="3979984" y="611323"/>
+                  <a:pt x="4457699" y="376862"/>
+                </a:cubicBezTo>
+                <a:cubicBezTo>
+                  <a:pt x="5723792" y="-223945"/>
+                  <a:pt x="6216161" y="-7069"/>
+                  <a:pt x="7016261" y="341693"/>
+                </a:cubicBezTo>
+                <a:cubicBezTo>
+                  <a:pt x="8672145" y="977671"/>
+                  <a:pt x="8657492" y="347554"/>
+                  <a:pt x="9478107" y="350485"/>
+                </a:cubicBezTo>
+                <a:cubicBezTo>
+                  <a:pt x="9475176" y="652354"/>
+                  <a:pt x="9472246" y="954224"/>
+                  <a:pt x="9469315" y="1256093"/>
+                </a:cubicBezTo>
+                <a:lnTo>
+                  <a:pt x="7253653" y="1247300"/>
+                </a:lnTo>
+                <a:lnTo>
+                  <a:pt x="4826976" y="1273677"/>
+                </a:lnTo>
+                <a:lnTo>
+                  <a:pt x="2751992" y="1264885"/>
+                </a:lnTo>
+                <a:lnTo>
+                  <a:pt x="0" y="1212131"/>
+                </a:lnTo>
+                <a:cubicBezTo>
+                  <a:pt x="2931" y="927846"/>
+                  <a:pt x="-2932" y="652354"/>
+                  <a:pt x="8792" y="350485"/>
+                </a:cubicBezTo>
+                <a:close/>
+              </a:path>
+            </a:pathLst>
+          </a:custGeom>
+          <a:gradFill>
+            <a:gsLst>
+              <a:gs pos="0">
+                <a:schemeClr val="accent1">
+                  <a:lumMod val="5000"/>
+                  <a:lumOff val="95000"/>
+                </a:schemeClr>
+              </a:gs>
+              <a:gs pos="74000">
+                <a:schemeClr val="accent1">
+                  <a:lumMod val="45000"/>
+                  <a:lumOff val="55000"/>
+                </a:schemeClr>
+              </a:gs>
+              <a:gs pos="83000">
+                <a:schemeClr val="accent1">
+                  <a:lumMod val="45000"/>
+                  <a:lumOff val="55000"/>
+                </a:schemeClr>
+              </a:gs>
+              <a:gs pos="100000">
+                <a:schemeClr val="accent1">
+                  <a:lumMod val="30000"/>
+                  <a:lumOff val="70000"/>
+                </a:schemeClr>
+              </a:gs>
+            </a:gsLst>
+            <a:lin ang="5400000" scaled="1"/>
+          </a:gradFill>
+          <a:ln>
+            <a:noFill/>
+          </a:ln>
+          <a:effectLst>
+            <a:glow>
+              <a:srgbClr val="FFFF00"/>
+            </a:glow>
+            <a:outerShdw algn="ctr" rotWithShape="0">
+              <a:schemeClr val="tx1"/>
+            </a:outerShdw>
+          </a:effectLst>
+          <a:scene3d>
+            <a:camera prst="orthographicFront"/>
+            <a:lightRig rig="threePt" dir="t"/>
+          </a:scene3d>
+          <a:sp3d>
+            <a:bevelT w="0"/>
+          </a:sp3d>
+        </p:spPr>
+        <p:style>
+          <a:lnRef idx="2">
+            <a:schemeClr val="accent1">
+              <a:shade val="15000"/>
+            </a:schemeClr>
+          </a:lnRef>
+          <a:fillRef idx="1">
+            <a:schemeClr val="accent1"/>
+          </a:fillRef>
+          <a:effectRef idx="0">
+            <a:schemeClr val="accent1"/>
+          </a:effectRef>
+          <a:fontRef idx="minor">
+            <a:schemeClr val="lt1"/>
+          </a:fontRef>
+        </p:style>
+        <p:txBody>
+          <a:bodyPr rtlCol="0" anchor="ctr"/>
+          <a:lstStyle/>
+          <a:p>
+            <a:pPr marL="0" marR="0" lvl="0" indent="0" algn="ctr" defTabSz="914400" rtl="0" eaLnBrk="1" fontAlgn="auto" latinLnBrk="0" hangingPunct="1">
+              <a:lnSpc>
+                <a:spcPct val="100000"/>
+              </a:lnSpc>
+              <a:spcBef>
+                <a:spcPts val="0"/>
+              </a:spcBef>
+              <a:spcAft>
+                <a:spcPts val="0"/>
+              </a:spcAft>
+              <a:buClrTx/>
+              <a:buSzTx/>
+              <a:buFontTx/>
+              <a:buNone/>
+              <a:tabLst/>
+              <a:defRPr/>
+            </a:pPr>
+            <a:endParaRPr kumimoji="0" lang="en-GB" sz="1800" b="0" i="0" u="none" strike="noStrike" kern="1200" cap="none" spc="0" normalizeH="0" baseline="0" noProof="0">
+              <a:ln>
+                <a:noFill/>
+              </a:ln>
+              <a:solidFill>
+                <a:prstClr val="white"/>
+              </a:solidFill>
+              <a:effectLst/>
+              <a:uLnTx/>
+              <a:uFillTx/>
+              <a:latin typeface="Aptos" panose="02110004020202020204"/>
+              <a:ea typeface="+mn-ea"/>
+              <a:cs typeface="+mn-cs"/>
+            </a:endParaRPr>
+          </a:p>
+        </p:txBody>
+      </p:sp>
+      <p:sp>
+        <p:nvSpPr>
+          <p:cNvPr id="9" name="Free-form: Shape 13">
+            <a:extLst>
+              <a:ext uri="{FF2B5EF4-FFF2-40B4-BE49-F238E27FC236}">
+                <a16:creationId xmlns:a16="http://schemas.microsoft.com/office/drawing/2014/main" id="{9715A5B8-749B-DB9D-4E4C-F5566EDBA3C8}"/>
+              </a:ext>
+            </a:extLst>
+          </p:cNvPr>
+          <p:cNvSpPr/>
+          <p:nvPr/>
+        </p:nvSpPr>
+        <p:spPr>
+          <a:xfrm rot="10800000">
+            <a:off x="-26376" y="-237830"/>
+            <a:ext cx="12218376" cy="965187"/>
+          </a:xfrm>
+          <a:custGeom>
+            <a:avLst/>
+            <a:gdLst>
+              <a:gd name="connsiteX0" fmla="*/ 17585 w 9486900"/>
+              <a:gd name="connsiteY0" fmla="*/ 8792 h 931984"/>
+              <a:gd name="connsiteX1" fmla="*/ 2004646 w 9486900"/>
+              <a:gd name="connsiteY1" fmla="*/ 26376 h 931984"/>
+              <a:gd name="connsiteX2" fmla="*/ 4466492 w 9486900"/>
+              <a:gd name="connsiteY2" fmla="*/ 35169 h 931984"/>
+              <a:gd name="connsiteX3" fmla="*/ 7025054 w 9486900"/>
+              <a:gd name="connsiteY3" fmla="*/ 0 h 931984"/>
+              <a:gd name="connsiteX4" fmla="*/ 9486900 w 9486900"/>
+              <a:gd name="connsiteY4" fmla="*/ 8792 h 931984"/>
+              <a:gd name="connsiteX5" fmla="*/ 9478108 w 9486900"/>
+              <a:gd name="connsiteY5" fmla="*/ 914400 h 931984"/>
+              <a:gd name="connsiteX6" fmla="*/ 7262446 w 9486900"/>
+              <a:gd name="connsiteY6" fmla="*/ 905607 h 931984"/>
+              <a:gd name="connsiteX7" fmla="*/ 4835769 w 9486900"/>
+              <a:gd name="connsiteY7" fmla="*/ 931984 h 931984"/>
+              <a:gd name="connsiteX8" fmla="*/ 2760785 w 9486900"/>
+              <a:gd name="connsiteY8" fmla="*/ 923192 h 931984"/>
+              <a:gd name="connsiteX9" fmla="*/ 0 w 9486900"/>
+              <a:gd name="connsiteY9" fmla="*/ 879230 h 931984"/>
+              <a:gd name="connsiteX10" fmla="*/ 17585 w 9486900"/>
+              <a:gd name="connsiteY10" fmla="*/ 8792 h 931984"/>
+              <a:gd name="connsiteX0" fmla="*/ 17585 w 9486900"/>
+              <a:gd name="connsiteY0" fmla="*/ 168095 h 1091287"/>
+              <a:gd name="connsiteX1" fmla="*/ 2004646 w 9486900"/>
+              <a:gd name="connsiteY1" fmla="*/ 185679 h 1091287"/>
+              <a:gd name="connsiteX2" fmla="*/ 4466492 w 9486900"/>
+              <a:gd name="connsiteY2" fmla="*/ 194472 h 1091287"/>
+              <a:gd name="connsiteX3" fmla="*/ 7025054 w 9486900"/>
+              <a:gd name="connsiteY3" fmla="*/ 159303 h 1091287"/>
+              <a:gd name="connsiteX4" fmla="*/ 9486900 w 9486900"/>
+              <a:gd name="connsiteY4" fmla="*/ 168095 h 1091287"/>
+              <a:gd name="connsiteX5" fmla="*/ 9478108 w 9486900"/>
+              <a:gd name="connsiteY5" fmla="*/ 1073703 h 1091287"/>
+              <a:gd name="connsiteX6" fmla="*/ 7262446 w 9486900"/>
+              <a:gd name="connsiteY6" fmla="*/ 1064910 h 1091287"/>
+              <a:gd name="connsiteX7" fmla="*/ 4835769 w 9486900"/>
+              <a:gd name="connsiteY7" fmla="*/ 1091287 h 1091287"/>
+              <a:gd name="connsiteX8" fmla="*/ 2760785 w 9486900"/>
+              <a:gd name="connsiteY8" fmla="*/ 1082495 h 1091287"/>
+              <a:gd name="connsiteX9" fmla="*/ 0 w 9486900"/>
+              <a:gd name="connsiteY9" fmla="*/ 1038533 h 1091287"/>
+              <a:gd name="connsiteX10" fmla="*/ 17585 w 9486900"/>
+              <a:gd name="connsiteY10" fmla="*/ 168095 h 1091287"/>
+              <a:gd name="connsiteX0" fmla="*/ 17585 w 9486900"/>
+              <a:gd name="connsiteY0" fmla="*/ 234508 h 1157700"/>
+              <a:gd name="connsiteX1" fmla="*/ 2004646 w 9486900"/>
+              <a:gd name="connsiteY1" fmla="*/ 252092 h 1157700"/>
+              <a:gd name="connsiteX2" fmla="*/ 4466492 w 9486900"/>
+              <a:gd name="connsiteY2" fmla="*/ 260885 h 1157700"/>
+              <a:gd name="connsiteX3" fmla="*/ 7025054 w 9486900"/>
+              <a:gd name="connsiteY3" fmla="*/ 225716 h 1157700"/>
+              <a:gd name="connsiteX4" fmla="*/ 9486900 w 9486900"/>
+              <a:gd name="connsiteY4" fmla="*/ 234508 h 1157700"/>
+              <a:gd name="connsiteX5" fmla="*/ 9478108 w 9486900"/>
+              <a:gd name="connsiteY5" fmla="*/ 1140116 h 1157700"/>
+              <a:gd name="connsiteX6" fmla="*/ 7262446 w 9486900"/>
+              <a:gd name="connsiteY6" fmla="*/ 1131323 h 1157700"/>
+              <a:gd name="connsiteX7" fmla="*/ 4835769 w 9486900"/>
+              <a:gd name="connsiteY7" fmla="*/ 1157700 h 1157700"/>
+              <a:gd name="connsiteX8" fmla="*/ 2760785 w 9486900"/>
+              <a:gd name="connsiteY8" fmla="*/ 1148908 h 1157700"/>
+              <a:gd name="connsiteX9" fmla="*/ 0 w 9486900"/>
+              <a:gd name="connsiteY9" fmla="*/ 1104946 h 1157700"/>
+              <a:gd name="connsiteX10" fmla="*/ 17585 w 9486900"/>
+              <a:gd name="connsiteY10" fmla="*/ 234508 h 1157700"/>
+              <a:gd name="connsiteX0" fmla="*/ 17585 w 9486900"/>
+              <a:gd name="connsiteY0" fmla="*/ 375168 h 1298360"/>
+              <a:gd name="connsiteX1" fmla="*/ 2004646 w 9486900"/>
+              <a:gd name="connsiteY1" fmla="*/ 392752 h 1298360"/>
+              <a:gd name="connsiteX2" fmla="*/ 4466492 w 9486900"/>
+              <a:gd name="connsiteY2" fmla="*/ 401545 h 1298360"/>
+              <a:gd name="connsiteX3" fmla="*/ 7025054 w 9486900"/>
+              <a:gd name="connsiteY3" fmla="*/ 366376 h 1298360"/>
+              <a:gd name="connsiteX4" fmla="*/ 9486900 w 9486900"/>
+              <a:gd name="connsiteY4" fmla="*/ 375168 h 1298360"/>
+              <a:gd name="connsiteX5" fmla="*/ 9478108 w 9486900"/>
+              <a:gd name="connsiteY5" fmla="*/ 1280776 h 1298360"/>
+              <a:gd name="connsiteX6" fmla="*/ 7262446 w 9486900"/>
+              <a:gd name="connsiteY6" fmla="*/ 1271983 h 1298360"/>
+              <a:gd name="connsiteX7" fmla="*/ 4835769 w 9486900"/>
+              <a:gd name="connsiteY7" fmla="*/ 1298360 h 1298360"/>
+              <a:gd name="connsiteX8" fmla="*/ 2760785 w 9486900"/>
+              <a:gd name="connsiteY8" fmla="*/ 1289568 h 1298360"/>
+              <a:gd name="connsiteX9" fmla="*/ 0 w 9486900"/>
+              <a:gd name="connsiteY9" fmla="*/ 1245606 h 1298360"/>
+              <a:gd name="connsiteX10" fmla="*/ 17585 w 9486900"/>
+              <a:gd name="connsiteY10" fmla="*/ 375168 h 1298360"/>
+              <a:gd name="connsiteX0" fmla="*/ 17585 w 9486900"/>
+              <a:gd name="connsiteY0" fmla="*/ 375168 h 1298360"/>
+              <a:gd name="connsiteX1" fmla="*/ 2004646 w 9486900"/>
+              <a:gd name="connsiteY1" fmla="*/ 392752 h 1298360"/>
+              <a:gd name="connsiteX2" fmla="*/ 4466492 w 9486900"/>
+              <a:gd name="connsiteY2" fmla="*/ 401545 h 1298360"/>
+              <a:gd name="connsiteX3" fmla="*/ 7025054 w 9486900"/>
+              <a:gd name="connsiteY3" fmla="*/ 366376 h 1298360"/>
+              <a:gd name="connsiteX4" fmla="*/ 9486900 w 9486900"/>
+              <a:gd name="connsiteY4" fmla="*/ 375168 h 1298360"/>
+              <a:gd name="connsiteX5" fmla="*/ 9478108 w 9486900"/>
+              <a:gd name="connsiteY5" fmla="*/ 1280776 h 1298360"/>
+              <a:gd name="connsiteX6" fmla="*/ 7262446 w 9486900"/>
+              <a:gd name="connsiteY6" fmla="*/ 1271983 h 1298360"/>
+              <a:gd name="connsiteX7" fmla="*/ 4835769 w 9486900"/>
+              <a:gd name="connsiteY7" fmla="*/ 1298360 h 1298360"/>
+              <a:gd name="connsiteX8" fmla="*/ 2760785 w 9486900"/>
+              <a:gd name="connsiteY8" fmla="*/ 1289568 h 1298360"/>
+              <a:gd name="connsiteX9" fmla="*/ 0 w 9486900"/>
+              <a:gd name="connsiteY9" fmla="*/ 1245606 h 1298360"/>
+              <a:gd name="connsiteX10" fmla="*/ 17585 w 9486900"/>
+              <a:gd name="connsiteY10" fmla="*/ 375168 h 1298360"/>
+              <a:gd name="connsiteX0" fmla="*/ 17585 w 9486900"/>
+              <a:gd name="connsiteY0" fmla="*/ 375168 h 1298360"/>
+              <a:gd name="connsiteX1" fmla="*/ 2004646 w 9486900"/>
+              <a:gd name="connsiteY1" fmla="*/ 392752 h 1298360"/>
+              <a:gd name="connsiteX2" fmla="*/ 4466492 w 9486900"/>
+              <a:gd name="connsiteY2" fmla="*/ 401545 h 1298360"/>
+              <a:gd name="connsiteX3" fmla="*/ 7025054 w 9486900"/>
+              <a:gd name="connsiteY3" fmla="*/ 366376 h 1298360"/>
+              <a:gd name="connsiteX4" fmla="*/ 9486900 w 9486900"/>
+              <a:gd name="connsiteY4" fmla="*/ 375168 h 1298360"/>
+              <a:gd name="connsiteX5" fmla="*/ 9478108 w 9486900"/>
+              <a:gd name="connsiteY5" fmla="*/ 1280776 h 1298360"/>
+              <a:gd name="connsiteX6" fmla="*/ 7262446 w 9486900"/>
+              <a:gd name="connsiteY6" fmla="*/ 1271983 h 1298360"/>
+              <a:gd name="connsiteX7" fmla="*/ 4835769 w 9486900"/>
+              <a:gd name="connsiteY7" fmla="*/ 1298360 h 1298360"/>
+              <a:gd name="connsiteX8" fmla="*/ 2760785 w 9486900"/>
+              <a:gd name="connsiteY8" fmla="*/ 1289568 h 1298360"/>
+              <a:gd name="connsiteX9" fmla="*/ 0 w 9486900"/>
+              <a:gd name="connsiteY9" fmla="*/ 1245606 h 1298360"/>
+              <a:gd name="connsiteX10" fmla="*/ 17585 w 9486900"/>
+              <a:gd name="connsiteY10" fmla="*/ 375168 h 1298360"/>
+              <a:gd name="connsiteX0" fmla="*/ 17585 w 9486900"/>
+              <a:gd name="connsiteY0" fmla="*/ 375168 h 1298360"/>
+              <a:gd name="connsiteX1" fmla="*/ 2004646 w 9486900"/>
+              <a:gd name="connsiteY1" fmla="*/ 392752 h 1298360"/>
+              <a:gd name="connsiteX2" fmla="*/ 4466492 w 9486900"/>
+              <a:gd name="connsiteY2" fmla="*/ 401545 h 1298360"/>
+              <a:gd name="connsiteX3" fmla="*/ 7025054 w 9486900"/>
+              <a:gd name="connsiteY3" fmla="*/ 366376 h 1298360"/>
+              <a:gd name="connsiteX4" fmla="*/ 9486900 w 9486900"/>
+              <a:gd name="connsiteY4" fmla="*/ 375168 h 1298360"/>
+              <a:gd name="connsiteX5" fmla="*/ 9478108 w 9486900"/>
+              <a:gd name="connsiteY5" fmla="*/ 1280776 h 1298360"/>
+              <a:gd name="connsiteX6" fmla="*/ 7262446 w 9486900"/>
+              <a:gd name="connsiteY6" fmla="*/ 1271983 h 1298360"/>
+              <a:gd name="connsiteX7" fmla="*/ 4835769 w 9486900"/>
+              <a:gd name="connsiteY7" fmla="*/ 1298360 h 1298360"/>
+              <a:gd name="connsiteX8" fmla="*/ 2760785 w 9486900"/>
+              <a:gd name="connsiteY8" fmla="*/ 1289568 h 1298360"/>
+              <a:gd name="connsiteX9" fmla="*/ 0 w 9486900"/>
+              <a:gd name="connsiteY9" fmla="*/ 1245606 h 1298360"/>
+              <a:gd name="connsiteX10" fmla="*/ 17585 w 9486900"/>
+              <a:gd name="connsiteY10" fmla="*/ 375168 h 1298360"/>
+              <a:gd name="connsiteX0" fmla="*/ 17585 w 9486900"/>
+              <a:gd name="connsiteY0" fmla="*/ 375168 h 1298360"/>
+              <a:gd name="connsiteX1" fmla="*/ 2004646 w 9486900"/>
+              <a:gd name="connsiteY1" fmla="*/ 392752 h 1298360"/>
+              <a:gd name="connsiteX2" fmla="*/ 4466492 w 9486900"/>
+              <a:gd name="connsiteY2" fmla="*/ 401545 h 1298360"/>
+              <a:gd name="connsiteX3" fmla="*/ 7025054 w 9486900"/>
+              <a:gd name="connsiteY3" fmla="*/ 366376 h 1298360"/>
+              <a:gd name="connsiteX4" fmla="*/ 9486900 w 9486900"/>
+              <a:gd name="connsiteY4" fmla="*/ 375168 h 1298360"/>
+              <a:gd name="connsiteX5" fmla="*/ 9478108 w 9486900"/>
+              <a:gd name="connsiteY5" fmla="*/ 1280776 h 1298360"/>
+              <a:gd name="connsiteX6" fmla="*/ 7262446 w 9486900"/>
+              <a:gd name="connsiteY6" fmla="*/ 1271983 h 1298360"/>
+              <a:gd name="connsiteX7" fmla="*/ 4835769 w 9486900"/>
+              <a:gd name="connsiteY7" fmla="*/ 1298360 h 1298360"/>
+              <a:gd name="connsiteX8" fmla="*/ 2760785 w 9486900"/>
+              <a:gd name="connsiteY8" fmla="*/ 1289568 h 1298360"/>
+              <a:gd name="connsiteX9" fmla="*/ 0 w 9486900"/>
+              <a:gd name="connsiteY9" fmla="*/ 1245606 h 1298360"/>
+              <a:gd name="connsiteX10" fmla="*/ 17585 w 9486900"/>
+              <a:gd name="connsiteY10" fmla="*/ 375168 h 1298360"/>
+              <a:gd name="connsiteX0" fmla="*/ 17585 w 9486900"/>
+              <a:gd name="connsiteY0" fmla="*/ 375168 h 1298360"/>
+              <a:gd name="connsiteX1" fmla="*/ 2004646 w 9486900"/>
+              <a:gd name="connsiteY1" fmla="*/ 392752 h 1298360"/>
+              <a:gd name="connsiteX2" fmla="*/ 4466492 w 9486900"/>
+              <a:gd name="connsiteY2" fmla="*/ 401545 h 1298360"/>
+              <a:gd name="connsiteX3" fmla="*/ 7025054 w 9486900"/>
+              <a:gd name="connsiteY3" fmla="*/ 366376 h 1298360"/>
+              <a:gd name="connsiteX4" fmla="*/ 9486900 w 9486900"/>
+              <a:gd name="connsiteY4" fmla="*/ 375168 h 1298360"/>
+              <a:gd name="connsiteX5" fmla="*/ 9478108 w 9486900"/>
+              <a:gd name="connsiteY5" fmla="*/ 1280776 h 1298360"/>
+              <a:gd name="connsiteX6" fmla="*/ 7262446 w 9486900"/>
+              <a:gd name="connsiteY6" fmla="*/ 1271983 h 1298360"/>
+              <a:gd name="connsiteX7" fmla="*/ 4835769 w 9486900"/>
+              <a:gd name="connsiteY7" fmla="*/ 1298360 h 1298360"/>
+              <a:gd name="connsiteX8" fmla="*/ 2760785 w 9486900"/>
+              <a:gd name="connsiteY8" fmla="*/ 1289568 h 1298360"/>
+              <a:gd name="connsiteX9" fmla="*/ 0 w 9486900"/>
+              <a:gd name="connsiteY9" fmla="*/ 1245606 h 1298360"/>
+              <a:gd name="connsiteX10" fmla="*/ 17585 w 9486900"/>
+              <a:gd name="connsiteY10" fmla="*/ 375168 h 1298360"/>
+              <a:gd name="connsiteX0" fmla="*/ 8792 w 9478107"/>
+              <a:gd name="connsiteY0" fmla="*/ 375168 h 1298360"/>
+              <a:gd name="connsiteX1" fmla="*/ 1995853 w 9478107"/>
+              <a:gd name="connsiteY1" fmla="*/ 392752 h 1298360"/>
+              <a:gd name="connsiteX2" fmla="*/ 4457699 w 9478107"/>
+              <a:gd name="connsiteY2" fmla="*/ 401545 h 1298360"/>
+              <a:gd name="connsiteX3" fmla="*/ 7016261 w 9478107"/>
+              <a:gd name="connsiteY3" fmla="*/ 366376 h 1298360"/>
+              <a:gd name="connsiteX4" fmla="*/ 9478107 w 9478107"/>
+              <a:gd name="connsiteY4" fmla="*/ 375168 h 1298360"/>
+              <a:gd name="connsiteX5" fmla="*/ 9469315 w 9478107"/>
+              <a:gd name="connsiteY5" fmla="*/ 1280776 h 1298360"/>
+              <a:gd name="connsiteX6" fmla="*/ 7253653 w 9478107"/>
+              <a:gd name="connsiteY6" fmla="*/ 1271983 h 1298360"/>
+              <a:gd name="connsiteX7" fmla="*/ 4826976 w 9478107"/>
+              <a:gd name="connsiteY7" fmla="*/ 1298360 h 1298360"/>
+              <a:gd name="connsiteX8" fmla="*/ 2751992 w 9478107"/>
+              <a:gd name="connsiteY8" fmla="*/ 1289568 h 1298360"/>
+              <a:gd name="connsiteX9" fmla="*/ 0 w 9478107"/>
+              <a:gd name="connsiteY9" fmla="*/ 1236814 h 1298360"/>
+              <a:gd name="connsiteX10" fmla="*/ 8792 w 9478107"/>
+              <a:gd name="connsiteY10" fmla="*/ 375168 h 1298360"/>
+              <a:gd name="connsiteX0" fmla="*/ 8792 w 9478107"/>
+              <a:gd name="connsiteY0" fmla="*/ 421112 h 1344304"/>
+              <a:gd name="connsiteX1" fmla="*/ 2057399 w 9478107"/>
+              <a:gd name="connsiteY1" fmla="*/ 377150 h 1344304"/>
+              <a:gd name="connsiteX2" fmla="*/ 4457699 w 9478107"/>
+              <a:gd name="connsiteY2" fmla="*/ 447489 h 1344304"/>
+              <a:gd name="connsiteX3" fmla="*/ 7016261 w 9478107"/>
+              <a:gd name="connsiteY3" fmla="*/ 412320 h 1344304"/>
+              <a:gd name="connsiteX4" fmla="*/ 9478107 w 9478107"/>
+              <a:gd name="connsiteY4" fmla="*/ 421112 h 1344304"/>
+              <a:gd name="connsiteX5" fmla="*/ 9469315 w 9478107"/>
+              <a:gd name="connsiteY5" fmla="*/ 1326720 h 1344304"/>
+              <a:gd name="connsiteX6" fmla="*/ 7253653 w 9478107"/>
+              <a:gd name="connsiteY6" fmla="*/ 1317927 h 1344304"/>
+              <a:gd name="connsiteX7" fmla="*/ 4826976 w 9478107"/>
+              <a:gd name="connsiteY7" fmla="*/ 1344304 h 1344304"/>
+              <a:gd name="connsiteX8" fmla="*/ 2751992 w 9478107"/>
+              <a:gd name="connsiteY8" fmla="*/ 1335512 h 1344304"/>
+              <a:gd name="connsiteX9" fmla="*/ 0 w 9478107"/>
+              <a:gd name="connsiteY9" fmla="*/ 1282758 h 1344304"/>
+              <a:gd name="connsiteX10" fmla="*/ 8792 w 9478107"/>
+              <a:gd name="connsiteY10" fmla="*/ 421112 h 1344304"/>
+              <a:gd name="connsiteX0" fmla="*/ 8792 w 9478107"/>
+              <a:gd name="connsiteY0" fmla="*/ 350485 h 1273677"/>
+              <a:gd name="connsiteX1" fmla="*/ 2057399 w 9478107"/>
+              <a:gd name="connsiteY1" fmla="*/ 306523 h 1273677"/>
+              <a:gd name="connsiteX2" fmla="*/ 4457699 w 9478107"/>
+              <a:gd name="connsiteY2" fmla="*/ 376862 h 1273677"/>
+              <a:gd name="connsiteX3" fmla="*/ 7016261 w 9478107"/>
+              <a:gd name="connsiteY3" fmla="*/ 341693 h 1273677"/>
+              <a:gd name="connsiteX4" fmla="*/ 9478107 w 9478107"/>
+              <a:gd name="connsiteY4" fmla="*/ 350485 h 1273677"/>
+              <a:gd name="connsiteX5" fmla="*/ 9469315 w 9478107"/>
+              <a:gd name="connsiteY5" fmla="*/ 1256093 h 1273677"/>
+              <a:gd name="connsiteX6" fmla="*/ 7253653 w 9478107"/>
+              <a:gd name="connsiteY6" fmla="*/ 1247300 h 1273677"/>
+              <a:gd name="connsiteX7" fmla="*/ 4826976 w 9478107"/>
+              <a:gd name="connsiteY7" fmla="*/ 1273677 h 1273677"/>
+              <a:gd name="connsiteX8" fmla="*/ 2751992 w 9478107"/>
+              <a:gd name="connsiteY8" fmla="*/ 1264885 h 1273677"/>
+              <a:gd name="connsiteX9" fmla="*/ 0 w 9478107"/>
+              <a:gd name="connsiteY9" fmla="*/ 1212131 h 1273677"/>
+              <a:gd name="connsiteX10" fmla="*/ 8792 w 9478107"/>
+              <a:gd name="connsiteY10" fmla="*/ 350485 h 1273677"/>
+              <a:gd name="connsiteX0" fmla="*/ 8792 w 9478107"/>
+              <a:gd name="connsiteY0" fmla="*/ 350485 h 1273677"/>
+              <a:gd name="connsiteX1" fmla="*/ 2057399 w 9478107"/>
+              <a:gd name="connsiteY1" fmla="*/ 306523 h 1273677"/>
+              <a:gd name="connsiteX2" fmla="*/ 4457699 w 9478107"/>
+              <a:gd name="connsiteY2" fmla="*/ 376862 h 1273677"/>
+              <a:gd name="connsiteX3" fmla="*/ 7016261 w 9478107"/>
+              <a:gd name="connsiteY3" fmla="*/ 341693 h 1273677"/>
+              <a:gd name="connsiteX4" fmla="*/ 9478107 w 9478107"/>
+              <a:gd name="connsiteY4" fmla="*/ 350485 h 1273677"/>
+              <a:gd name="connsiteX5" fmla="*/ 9469315 w 9478107"/>
+              <a:gd name="connsiteY5" fmla="*/ 1256093 h 1273677"/>
+              <a:gd name="connsiteX6" fmla="*/ 7253653 w 9478107"/>
+              <a:gd name="connsiteY6" fmla="*/ 1247300 h 1273677"/>
+              <a:gd name="connsiteX7" fmla="*/ 4826976 w 9478107"/>
+              <a:gd name="connsiteY7" fmla="*/ 1273677 h 1273677"/>
+              <a:gd name="connsiteX8" fmla="*/ 2751992 w 9478107"/>
+              <a:gd name="connsiteY8" fmla="*/ 1264885 h 1273677"/>
+              <a:gd name="connsiteX9" fmla="*/ 0 w 9478107"/>
+              <a:gd name="connsiteY9" fmla="*/ 1212131 h 1273677"/>
+              <a:gd name="connsiteX10" fmla="*/ 8792 w 9478107"/>
+              <a:gd name="connsiteY10" fmla="*/ 350485 h 1273677"/>
+              <a:gd name="connsiteX0" fmla="*/ 8792 w 9478107"/>
+              <a:gd name="connsiteY0" fmla="*/ 350485 h 1273677"/>
+              <a:gd name="connsiteX1" fmla="*/ 2057399 w 9478107"/>
+              <a:gd name="connsiteY1" fmla="*/ 306523 h 1273677"/>
+              <a:gd name="connsiteX2" fmla="*/ 4457699 w 9478107"/>
+              <a:gd name="connsiteY2" fmla="*/ 376862 h 1273677"/>
+              <a:gd name="connsiteX3" fmla="*/ 7016261 w 9478107"/>
+              <a:gd name="connsiteY3" fmla="*/ 341693 h 1273677"/>
+              <a:gd name="connsiteX4" fmla="*/ 8414099 w 9478107"/>
+              <a:gd name="connsiteY4" fmla="*/ 797823 h 1273677"/>
+              <a:gd name="connsiteX5" fmla="*/ 9478107 w 9478107"/>
+              <a:gd name="connsiteY5" fmla="*/ 350485 h 1273677"/>
+              <a:gd name="connsiteX6" fmla="*/ 9469315 w 9478107"/>
+              <a:gd name="connsiteY6" fmla="*/ 1256093 h 1273677"/>
+              <a:gd name="connsiteX7" fmla="*/ 7253653 w 9478107"/>
+              <a:gd name="connsiteY7" fmla="*/ 1247300 h 1273677"/>
+              <a:gd name="connsiteX8" fmla="*/ 4826976 w 9478107"/>
+              <a:gd name="connsiteY8" fmla="*/ 1273677 h 1273677"/>
+              <a:gd name="connsiteX9" fmla="*/ 2751992 w 9478107"/>
+              <a:gd name="connsiteY9" fmla="*/ 1264885 h 1273677"/>
+              <a:gd name="connsiteX10" fmla="*/ 0 w 9478107"/>
+              <a:gd name="connsiteY10" fmla="*/ 1212131 h 1273677"/>
+              <a:gd name="connsiteX11" fmla="*/ 8792 w 9478107"/>
+              <a:gd name="connsiteY11" fmla="*/ 350485 h 1273677"/>
+              <a:gd name="connsiteX0" fmla="*/ 8792 w 9478107"/>
+              <a:gd name="connsiteY0" fmla="*/ 463370 h 1386562"/>
+              <a:gd name="connsiteX1" fmla="*/ 2057399 w 9478107"/>
+              <a:gd name="connsiteY1" fmla="*/ 419408 h 1386562"/>
+              <a:gd name="connsiteX2" fmla="*/ 4457699 w 9478107"/>
+              <a:gd name="connsiteY2" fmla="*/ 489747 h 1386562"/>
+              <a:gd name="connsiteX3" fmla="*/ 7009426 w 9478107"/>
+              <a:gd name="connsiteY3" fmla="*/ 98357 h 1386562"/>
+              <a:gd name="connsiteX4" fmla="*/ 8414099 w 9478107"/>
+              <a:gd name="connsiteY4" fmla="*/ 910708 h 1386562"/>
+              <a:gd name="connsiteX5" fmla="*/ 9478107 w 9478107"/>
+              <a:gd name="connsiteY5" fmla="*/ 463370 h 1386562"/>
+              <a:gd name="connsiteX6" fmla="*/ 9469315 w 9478107"/>
+              <a:gd name="connsiteY6" fmla="*/ 1368978 h 1386562"/>
+              <a:gd name="connsiteX7" fmla="*/ 7253653 w 9478107"/>
+              <a:gd name="connsiteY7" fmla="*/ 1360185 h 1386562"/>
+              <a:gd name="connsiteX8" fmla="*/ 4826976 w 9478107"/>
+              <a:gd name="connsiteY8" fmla="*/ 1386562 h 1386562"/>
+              <a:gd name="connsiteX9" fmla="*/ 2751992 w 9478107"/>
+              <a:gd name="connsiteY9" fmla="*/ 1377770 h 1386562"/>
+              <a:gd name="connsiteX10" fmla="*/ 0 w 9478107"/>
+              <a:gd name="connsiteY10" fmla="*/ 1325016 h 1386562"/>
+              <a:gd name="connsiteX11" fmla="*/ 8792 w 9478107"/>
+              <a:gd name="connsiteY11" fmla="*/ 463370 h 1386562"/>
+              <a:gd name="connsiteX0" fmla="*/ 8792 w 9478107"/>
+              <a:gd name="connsiteY0" fmla="*/ 463370 h 1386562"/>
+              <a:gd name="connsiteX1" fmla="*/ 2057399 w 9478107"/>
+              <a:gd name="connsiteY1" fmla="*/ 419408 h 1386562"/>
+              <a:gd name="connsiteX2" fmla="*/ 4457699 w 9478107"/>
+              <a:gd name="connsiteY2" fmla="*/ 489747 h 1386562"/>
+              <a:gd name="connsiteX3" fmla="*/ 7009426 w 9478107"/>
+              <a:gd name="connsiteY3" fmla="*/ 98357 h 1386562"/>
+              <a:gd name="connsiteX4" fmla="*/ 8414099 w 9478107"/>
+              <a:gd name="connsiteY4" fmla="*/ 910708 h 1386562"/>
+              <a:gd name="connsiteX5" fmla="*/ 9478107 w 9478107"/>
+              <a:gd name="connsiteY5" fmla="*/ 463370 h 1386562"/>
+              <a:gd name="connsiteX6" fmla="*/ 9469315 w 9478107"/>
+              <a:gd name="connsiteY6" fmla="*/ 1368978 h 1386562"/>
+              <a:gd name="connsiteX7" fmla="*/ 7253653 w 9478107"/>
+              <a:gd name="connsiteY7" fmla="*/ 1360185 h 1386562"/>
+              <a:gd name="connsiteX8" fmla="*/ 4826976 w 9478107"/>
+              <a:gd name="connsiteY8" fmla="*/ 1386562 h 1386562"/>
+              <a:gd name="connsiteX9" fmla="*/ 2751992 w 9478107"/>
+              <a:gd name="connsiteY9" fmla="*/ 1377770 h 1386562"/>
+              <a:gd name="connsiteX10" fmla="*/ 0 w 9478107"/>
+              <a:gd name="connsiteY10" fmla="*/ 1325016 h 1386562"/>
+              <a:gd name="connsiteX11" fmla="*/ 8792 w 9478107"/>
+              <a:gd name="connsiteY11" fmla="*/ 463370 h 1386562"/>
+              <a:gd name="connsiteX0" fmla="*/ 8792 w 9498612"/>
+              <a:gd name="connsiteY0" fmla="*/ 463370 h 1386562"/>
+              <a:gd name="connsiteX1" fmla="*/ 2057399 w 9498612"/>
+              <a:gd name="connsiteY1" fmla="*/ 419408 h 1386562"/>
+              <a:gd name="connsiteX2" fmla="*/ 4457699 w 9498612"/>
+              <a:gd name="connsiteY2" fmla="*/ 489747 h 1386562"/>
+              <a:gd name="connsiteX3" fmla="*/ 7009426 w 9498612"/>
+              <a:gd name="connsiteY3" fmla="*/ 98357 h 1386562"/>
+              <a:gd name="connsiteX4" fmla="*/ 8414099 w 9498612"/>
+              <a:gd name="connsiteY4" fmla="*/ 910708 h 1386562"/>
+              <a:gd name="connsiteX5" fmla="*/ 9498612 w 9498612"/>
+              <a:gd name="connsiteY5" fmla="*/ 200892 h 1386562"/>
+              <a:gd name="connsiteX6" fmla="*/ 9469315 w 9498612"/>
+              <a:gd name="connsiteY6" fmla="*/ 1368978 h 1386562"/>
+              <a:gd name="connsiteX7" fmla="*/ 7253653 w 9498612"/>
+              <a:gd name="connsiteY7" fmla="*/ 1360185 h 1386562"/>
+              <a:gd name="connsiteX8" fmla="*/ 4826976 w 9498612"/>
+              <a:gd name="connsiteY8" fmla="*/ 1386562 h 1386562"/>
+              <a:gd name="connsiteX9" fmla="*/ 2751992 w 9498612"/>
+              <a:gd name="connsiteY9" fmla="*/ 1377770 h 1386562"/>
+              <a:gd name="connsiteX10" fmla="*/ 0 w 9498612"/>
+              <a:gd name="connsiteY10" fmla="*/ 1325016 h 1386562"/>
+              <a:gd name="connsiteX11" fmla="*/ 8792 w 9498612"/>
+              <a:gd name="connsiteY11" fmla="*/ 463370 h 1386562"/>
+              <a:gd name="connsiteX0" fmla="*/ 8792 w 9498612"/>
+              <a:gd name="connsiteY0" fmla="*/ 444298 h 1367490"/>
+              <a:gd name="connsiteX1" fmla="*/ 2057399 w 9498612"/>
+              <a:gd name="connsiteY1" fmla="*/ 400336 h 1367490"/>
+              <a:gd name="connsiteX2" fmla="*/ 4320995 w 9498612"/>
+              <a:gd name="connsiteY2" fmla="*/ 695656 h 1367490"/>
+              <a:gd name="connsiteX3" fmla="*/ 7009426 w 9498612"/>
+              <a:gd name="connsiteY3" fmla="*/ 79285 h 1367490"/>
+              <a:gd name="connsiteX4" fmla="*/ 8414099 w 9498612"/>
+              <a:gd name="connsiteY4" fmla="*/ 891636 h 1367490"/>
+              <a:gd name="connsiteX5" fmla="*/ 9498612 w 9498612"/>
+              <a:gd name="connsiteY5" fmla="*/ 181820 h 1367490"/>
+              <a:gd name="connsiteX6" fmla="*/ 9469315 w 9498612"/>
+              <a:gd name="connsiteY6" fmla="*/ 1349906 h 1367490"/>
+              <a:gd name="connsiteX7" fmla="*/ 7253653 w 9498612"/>
+              <a:gd name="connsiteY7" fmla="*/ 1341113 h 1367490"/>
+              <a:gd name="connsiteX8" fmla="*/ 4826976 w 9498612"/>
+              <a:gd name="connsiteY8" fmla="*/ 1367490 h 1367490"/>
+              <a:gd name="connsiteX9" fmla="*/ 2751992 w 9498612"/>
+              <a:gd name="connsiteY9" fmla="*/ 1358698 h 1367490"/>
+              <a:gd name="connsiteX10" fmla="*/ 0 w 9498612"/>
+              <a:gd name="connsiteY10" fmla="*/ 1305944 h 1367490"/>
+              <a:gd name="connsiteX11" fmla="*/ 8792 w 9498612"/>
+              <a:gd name="connsiteY11" fmla="*/ 444298 h 1367490"/>
+              <a:gd name="connsiteX0" fmla="*/ 8792 w 9498612"/>
+              <a:gd name="connsiteY0" fmla="*/ 428789 h 1351981"/>
+              <a:gd name="connsiteX1" fmla="*/ 2057399 w 9498612"/>
+              <a:gd name="connsiteY1" fmla="*/ 384827 h 1351981"/>
+              <a:gd name="connsiteX2" fmla="*/ 3698995 w 9498612"/>
+              <a:gd name="connsiteY2" fmla="*/ 961374 h 1351981"/>
+              <a:gd name="connsiteX3" fmla="*/ 7009426 w 9498612"/>
+              <a:gd name="connsiteY3" fmla="*/ 63776 h 1351981"/>
+              <a:gd name="connsiteX4" fmla="*/ 8414099 w 9498612"/>
+              <a:gd name="connsiteY4" fmla="*/ 876127 h 1351981"/>
+              <a:gd name="connsiteX5" fmla="*/ 9498612 w 9498612"/>
+              <a:gd name="connsiteY5" fmla="*/ 166311 h 1351981"/>
+              <a:gd name="connsiteX6" fmla="*/ 9469315 w 9498612"/>
+              <a:gd name="connsiteY6" fmla="*/ 1334397 h 1351981"/>
+              <a:gd name="connsiteX7" fmla="*/ 7253653 w 9498612"/>
+              <a:gd name="connsiteY7" fmla="*/ 1325604 h 1351981"/>
+              <a:gd name="connsiteX8" fmla="*/ 4826976 w 9498612"/>
+              <a:gd name="connsiteY8" fmla="*/ 1351981 h 1351981"/>
+              <a:gd name="connsiteX9" fmla="*/ 2751992 w 9498612"/>
+              <a:gd name="connsiteY9" fmla="*/ 1343189 h 1351981"/>
+              <a:gd name="connsiteX10" fmla="*/ 0 w 9498612"/>
+              <a:gd name="connsiteY10" fmla="*/ 1290435 h 1351981"/>
+              <a:gd name="connsiteX11" fmla="*/ 8792 w 9498612"/>
+              <a:gd name="connsiteY11" fmla="*/ 428789 h 1351981"/>
+              <a:gd name="connsiteX0" fmla="*/ 8792 w 9498612"/>
+              <a:gd name="connsiteY0" fmla="*/ 595005 h 1518197"/>
+              <a:gd name="connsiteX1" fmla="*/ 2057399 w 9498612"/>
+              <a:gd name="connsiteY1" fmla="*/ 551043 h 1518197"/>
+              <a:gd name="connsiteX2" fmla="*/ 3698995 w 9498612"/>
+              <a:gd name="connsiteY2" fmla="*/ 1127590 h 1518197"/>
+              <a:gd name="connsiteX3" fmla="*/ 5386116 w 9498612"/>
+              <a:gd name="connsiteY3" fmla="*/ 48678 h 1518197"/>
+              <a:gd name="connsiteX4" fmla="*/ 7009426 w 9498612"/>
+              <a:gd name="connsiteY4" fmla="*/ 229992 h 1518197"/>
+              <a:gd name="connsiteX5" fmla="*/ 8414099 w 9498612"/>
+              <a:gd name="connsiteY5" fmla="*/ 1042343 h 1518197"/>
+              <a:gd name="connsiteX6" fmla="*/ 9498612 w 9498612"/>
+              <a:gd name="connsiteY6" fmla="*/ 332527 h 1518197"/>
+              <a:gd name="connsiteX7" fmla="*/ 9469315 w 9498612"/>
+              <a:gd name="connsiteY7" fmla="*/ 1500613 h 1518197"/>
+              <a:gd name="connsiteX8" fmla="*/ 7253653 w 9498612"/>
+              <a:gd name="connsiteY8" fmla="*/ 1491820 h 1518197"/>
+              <a:gd name="connsiteX9" fmla="*/ 4826976 w 9498612"/>
+              <a:gd name="connsiteY9" fmla="*/ 1518197 h 1518197"/>
+              <a:gd name="connsiteX10" fmla="*/ 2751992 w 9498612"/>
+              <a:gd name="connsiteY10" fmla="*/ 1509405 h 1518197"/>
+              <a:gd name="connsiteX11" fmla="*/ 0 w 9498612"/>
+              <a:gd name="connsiteY11" fmla="*/ 1456651 h 1518197"/>
+              <a:gd name="connsiteX12" fmla="*/ 8792 w 9498612"/>
+              <a:gd name="connsiteY12" fmla="*/ 595005 h 1518197"/>
+              <a:gd name="connsiteX0" fmla="*/ 8792 w 9498612"/>
+              <a:gd name="connsiteY0" fmla="*/ 629716 h 1552908"/>
+              <a:gd name="connsiteX1" fmla="*/ 2057399 w 9498612"/>
+              <a:gd name="connsiteY1" fmla="*/ 585754 h 1552908"/>
+              <a:gd name="connsiteX2" fmla="*/ 3698995 w 9498612"/>
+              <a:gd name="connsiteY2" fmla="*/ 1162301 h 1552908"/>
+              <a:gd name="connsiteX3" fmla="*/ 5386116 w 9498612"/>
+              <a:gd name="connsiteY3" fmla="*/ 83389 h 1552908"/>
+              <a:gd name="connsiteX4" fmla="*/ 7009426 w 9498612"/>
+              <a:gd name="connsiteY4" fmla="*/ 264703 h 1552908"/>
+              <a:gd name="connsiteX5" fmla="*/ 8414099 w 9498612"/>
+              <a:gd name="connsiteY5" fmla="*/ 1077054 h 1552908"/>
+              <a:gd name="connsiteX6" fmla="*/ 9498612 w 9498612"/>
+              <a:gd name="connsiteY6" fmla="*/ 367238 h 1552908"/>
+              <a:gd name="connsiteX7" fmla="*/ 9469315 w 9498612"/>
+              <a:gd name="connsiteY7" fmla="*/ 1535324 h 1552908"/>
+              <a:gd name="connsiteX8" fmla="*/ 7253653 w 9498612"/>
+              <a:gd name="connsiteY8" fmla="*/ 1526531 h 1552908"/>
+              <a:gd name="connsiteX9" fmla="*/ 4826976 w 9498612"/>
+              <a:gd name="connsiteY9" fmla="*/ 1552908 h 1552908"/>
+              <a:gd name="connsiteX10" fmla="*/ 2751992 w 9498612"/>
+              <a:gd name="connsiteY10" fmla="*/ 1544116 h 1552908"/>
+              <a:gd name="connsiteX11" fmla="*/ 0 w 9498612"/>
+              <a:gd name="connsiteY11" fmla="*/ 1491362 h 1552908"/>
+              <a:gd name="connsiteX12" fmla="*/ 8792 w 9498612"/>
+              <a:gd name="connsiteY12" fmla="*/ 629716 h 1552908"/>
+              <a:gd name="connsiteX0" fmla="*/ 8792 w 9498612"/>
+              <a:gd name="connsiteY0" fmla="*/ 629716 h 1552908"/>
+              <a:gd name="connsiteX1" fmla="*/ 2057399 w 9498612"/>
+              <a:gd name="connsiteY1" fmla="*/ 585754 h 1552908"/>
+              <a:gd name="connsiteX2" fmla="*/ 3698995 w 9498612"/>
+              <a:gd name="connsiteY2" fmla="*/ 1162301 h 1552908"/>
+              <a:gd name="connsiteX3" fmla="*/ 5386116 w 9498612"/>
+              <a:gd name="connsiteY3" fmla="*/ 83389 h 1552908"/>
+              <a:gd name="connsiteX4" fmla="*/ 7009426 w 9498612"/>
+              <a:gd name="connsiteY4" fmla="*/ 264703 h 1552908"/>
+              <a:gd name="connsiteX5" fmla="*/ 8414099 w 9498612"/>
+              <a:gd name="connsiteY5" fmla="*/ 1077054 h 1552908"/>
+              <a:gd name="connsiteX6" fmla="*/ 9498612 w 9498612"/>
+              <a:gd name="connsiteY6" fmla="*/ 367238 h 1552908"/>
+              <a:gd name="connsiteX7" fmla="*/ 9469315 w 9498612"/>
+              <a:gd name="connsiteY7" fmla="*/ 1535324 h 1552908"/>
+              <a:gd name="connsiteX8" fmla="*/ 7253653 w 9498612"/>
+              <a:gd name="connsiteY8" fmla="*/ 1526531 h 1552908"/>
+              <a:gd name="connsiteX9" fmla="*/ 4826976 w 9498612"/>
+              <a:gd name="connsiteY9" fmla="*/ 1552908 h 1552908"/>
+              <a:gd name="connsiteX10" fmla="*/ 2751992 w 9498612"/>
+              <a:gd name="connsiteY10" fmla="*/ 1544116 h 1552908"/>
+              <a:gd name="connsiteX11" fmla="*/ 0 w 9498612"/>
+              <a:gd name="connsiteY11" fmla="*/ 1491362 h 1552908"/>
+              <a:gd name="connsiteX12" fmla="*/ 8792 w 9498612"/>
+              <a:gd name="connsiteY12" fmla="*/ 629716 h 1552908"/>
+            </a:gdLst>
+            <a:ahLst/>
+            <a:cxnLst>
+              <a:cxn ang="0">
+                <a:pos x="connsiteX0" y="connsiteY0"/>
+              </a:cxn>
+              <a:cxn ang="0">
+                <a:pos x="connsiteX1" y="connsiteY1"/>
+              </a:cxn>
+              <a:cxn ang="0">
+                <a:pos x="connsiteX2" y="connsiteY2"/>
+              </a:cxn>
+              <a:cxn ang="0">
+                <a:pos x="connsiteX3" y="connsiteY3"/>
+              </a:cxn>
+              <a:cxn ang="0">
+                <a:pos x="connsiteX4" y="connsiteY4"/>
+              </a:cxn>
+              <a:cxn ang="0">
+                <a:pos x="connsiteX5" y="connsiteY5"/>
+              </a:cxn>
+              <a:cxn ang="0">
+                <a:pos x="connsiteX6" y="connsiteY6"/>
+              </a:cxn>
+              <a:cxn ang="0">
+                <a:pos x="connsiteX7" y="connsiteY7"/>
+              </a:cxn>
+              <a:cxn ang="0">
+                <a:pos x="connsiteX8" y="connsiteY8"/>
+              </a:cxn>
+              <a:cxn ang="0">
+                <a:pos x="connsiteX9" y="connsiteY9"/>
+              </a:cxn>
+              <a:cxn ang="0">
+                <a:pos x="connsiteX10" y="connsiteY10"/>
+              </a:cxn>
+              <a:cxn ang="0">
+                <a:pos x="connsiteX11" y="connsiteY11"/>
+              </a:cxn>
+              <a:cxn ang="0">
+                <a:pos x="connsiteX12" y="connsiteY12"/>
+              </a:cxn>
+            </a:cxnLst>
+            <a:rect l="l" t="t" r="r" b="b"/>
+            <a:pathLst>
+              <a:path w="9498612" h="1552908">
+                <a:moveTo>
+                  <a:pt x="8792" y="629716"/>
+                </a:moveTo>
+                <a:cubicBezTo>
+                  <a:pt x="671146" y="635577"/>
+                  <a:pt x="973014" y="-123492"/>
+                  <a:pt x="2057399" y="585754"/>
+                </a:cubicBezTo>
+                <a:cubicBezTo>
+                  <a:pt x="3282459" y="1283277"/>
+                  <a:pt x="3144209" y="1246028"/>
+                  <a:pt x="3698995" y="1162301"/>
+                </a:cubicBezTo>
+                <a:cubicBezTo>
+                  <a:pt x="4253781" y="1078574"/>
+                  <a:pt x="4834377" y="232989"/>
+                  <a:pt x="5386116" y="83389"/>
+                </a:cubicBezTo>
+                <a:cubicBezTo>
+                  <a:pt x="5937855" y="-66211"/>
+                  <a:pt x="6463751" y="-19649"/>
+                  <a:pt x="7009426" y="264703"/>
+                </a:cubicBezTo>
+                <a:cubicBezTo>
+                  <a:pt x="7646042" y="612966"/>
+                  <a:pt x="8003791" y="1075589"/>
+                  <a:pt x="8414099" y="1077054"/>
+                </a:cubicBezTo>
+                <a:cubicBezTo>
+                  <a:pt x="8824407" y="1078519"/>
+                  <a:pt x="9320464" y="250238"/>
+                  <a:pt x="9498612" y="367238"/>
+                </a:cubicBezTo>
+                <a:cubicBezTo>
+                  <a:pt x="9495681" y="669107"/>
+                  <a:pt x="9472246" y="1233455"/>
+                  <a:pt x="9469315" y="1535324"/>
+                </a:cubicBezTo>
+                <a:lnTo>
+                  <a:pt x="7253653" y="1526531"/>
+                </a:lnTo>
+                <a:lnTo>
+                  <a:pt x="4826976" y="1552908"/>
+                </a:lnTo>
+                <a:lnTo>
+                  <a:pt x="2751992" y="1544116"/>
+                </a:lnTo>
+                <a:lnTo>
+                  <a:pt x="0" y="1491362"/>
+                </a:lnTo>
+                <a:cubicBezTo>
+                  <a:pt x="2931" y="1207077"/>
+                  <a:pt x="-2932" y="931585"/>
+                  <a:pt x="8792" y="629716"/>
+                </a:cubicBezTo>
+                <a:close/>
+              </a:path>
+            </a:pathLst>
+          </a:custGeom>
+          <a:gradFill>
+            <a:gsLst>
+              <a:gs pos="0">
+                <a:srgbClr val="EFFCFF"/>
+              </a:gs>
+              <a:gs pos="50000">
+                <a:schemeClr val="accent4">
+                  <a:lumMod val="40000"/>
+                  <a:lumOff val="60000"/>
+                </a:schemeClr>
+              </a:gs>
+              <a:gs pos="100000">
+                <a:schemeClr val="bg1"/>
+              </a:gs>
+            </a:gsLst>
+            <a:lin ang="5400000" scaled="1"/>
+          </a:gradFill>
+          <a:ln>
+            <a:noFill/>
+          </a:ln>
+          <a:effectLst>
+            <a:glow>
+              <a:srgbClr val="FFFF00"/>
+            </a:glow>
+            <a:outerShdw algn="ctr" rotWithShape="0">
+              <a:schemeClr val="tx1"/>
+            </a:outerShdw>
+          </a:effectLst>
+          <a:scene3d>
+            <a:camera prst="orthographicFront"/>
+            <a:lightRig rig="threePt" dir="t"/>
+          </a:scene3d>
+          <a:sp3d>
+            <a:bevelT w="0"/>
+          </a:sp3d>
+        </p:spPr>
+        <p:style>
+          <a:lnRef idx="2">
+            <a:schemeClr val="accent1">
+              <a:shade val="15000"/>
+            </a:schemeClr>
+          </a:lnRef>
+          <a:fillRef idx="1">
+            <a:schemeClr val="accent1"/>
+          </a:fillRef>
+          <a:effectRef idx="0">
+            <a:schemeClr val="accent1"/>
+          </a:effectRef>
+          <a:fontRef idx="minor">
+            <a:schemeClr val="lt1"/>
+          </a:fontRef>
+        </p:style>
+        <p:txBody>
+          <a:bodyPr rtlCol="0" anchor="ctr"/>
+          <a:lstStyle/>
+          <a:p>
+            <a:pPr marL="0" marR="0" lvl="0" indent="0" algn="ctr" defTabSz="914400" rtl="0" eaLnBrk="1" fontAlgn="auto" latinLnBrk="0" hangingPunct="1">
+              <a:lnSpc>
+                <a:spcPct val="100000"/>
+              </a:lnSpc>
+              <a:spcBef>
+                <a:spcPts val="0"/>
+              </a:spcBef>
+              <a:spcAft>
+                <a:spcPts val="0"/>
+              </a:spcAft>
+              <a:buClrTx/>
+              <a:buSzTx/>
+              <a:buFontTx/>
+              <a:buNone/>
+              <a:tabLst/>
+              <a:defRPr/>
+            </a:pPr>
+            <a:endParaRPr kumimoji="0" lang="en-GB" sz="1800" b="0" i="0" u="none" strike="noStrike" kern="1200" cap="none" spc="0" normalizeH="0" baseline="0" noProof="0">
+              <a:ln>
+                <a:noFill/>
+              </a:ln>
+              <a:solidFill>
+                <a:prstClr val="white"/>
+              </a:solidFill>
+              <a:effectLst/>
+              <a:uLnTx/>
+              <a:uFillTx/>
+              <a:latin typeface="Aptos" panose="02110004020202020204"/>
+              <a:ea typeface="+mn-ea"/>
+              <a:cs typeface="+mn-cs"/>
+            </a:endParaRPr>
+          </a:p>
+        </p:txBody>
+      </p:sp>
+      <p:sp>
+        <p:nvSpPr>
+          <p:cNvPr id="18" name="Rechteck 17">
+            <a:extLst>
+              <a:ext uri="{FF2B5EF4-FFF2-40B4-BE49-F238E27FC236}">
+                <a16:creationId xmlns:a16="http://schemas.microsoft.com/office/drawing/2014/main" id="{C861396F-6051-4DF5-A5C0-4D29846FBC0D}"/>
+              </a:ext>
+            </a:extLst>
+          </p:cNvPr>
+          <p:cNvSpPr/>
+          <p:nvPr/>
+        </p:nvSpPr>
+        <p:spPr>
+          <a:xfrm>
+            <a:off x="-7747" y="6538183"/>
+            <a:ext cx="12207494" cy="319817"/>
+          </a:xfrm>
+          <a:prstGeom prst="rect">
+            <a:avLst/>
+          </a:prstGeom>
+          <a:solidFill>
+            <a:srgbClr val="8ECEFA"/>
+          </a:solidFill>
+          <a:ln>
+            <a:solidFill>
+              <a:schemeClr val="bg1"/>
+            </a:solidFill>
+          </a:ln>
+        </p:spPr>
+        <p:style>
+          <a:lnRef idx="2">
+            <a:schemeClr val="accent1">
+              <a:shade val="15000"/>
+            </a:schemeClr>
+          </a:lnRef>
+          <a:fillRef idx="1">
+            <a:schemeClr val="accent1"/>
+          </a:fillRef>
+          <a:effectRef idx="0">
+            <a:schemeClr val="accent1"/>
+          </a:effectRef>
+          <a:fontRef idx="minor">
+            <a:schemeClr val="lt1"/>
+          </a:fontRef>
+        </p:style>
+        <p:txBody>
+          <a:bodyPr rtlCol="0" anchor="ctr"/>
+          <a:lstStyle/>
+          <a:p>
+            <a:pPr marL="0" marR="0" lvl="0" indent="0" algn="ctr" defTabSz="914400" rtl="0" eaLnBrk="1" fontAlgn="auto" latinLnBrk="0" hangingPunct="1">
+              <a:lnSpc>
+                <a:spcPct val="100000"/>
+              </a:lnSpc>
+              <a:spcBef>
+                <a:spcPts val="0"/>
+              </a:spcBef>
+              <a:spcAft>
+                <a:spcPts val="0"/>
+              </a:spcAft>
+              <a:buClrTx/>
+              <a:buSzTx/>
+              <a:buFontTx/>
+              <a:buNone/>
+              <a:tabLst/>
+              <a:defRPr/>
+            </a:pPr>
+            <a:endParaRPr kumimoji="0" lang="de-DE" sz="1800" b="0" i="0" u="none" strike="noStrike" kern="1200" cap="none" spc="0" normalizeH="0" baseline="0" noProof="0" dirty="0">
+              <a:ln>
+                <a:noFill/>
+              </a:ln>
+              <a:solidFill>
+                <a:prstClr val="white"/>
+              </a:solidFill>
+              <a:effectLst/>
+              <a:uLnTx/>
+              <a:uFillTx/>
+              <a:latin typeface="Aptos" panose="02110004020202020204"/>
+              <a:ea typeface="+mn-ea"/>
+              <a:cs typeface="+mn-cs"/>
+            </a:endParaRPr>
+          </a:p>
+        </p:txBody>
+      </p:sp>
+      <p:cxnSp>
+        <p:nvCxnSpPr>
+          <p:cNvPr id="6" name="Straight Connector 5">
+            <a:extLst>
+              <a:ext uri="{FF2B5EF4-FFF2-40B4-BE49-F238E27FC236}">
+                <a16:creationId xmlns:a16="http://schemas.microsoft.com/office/drawing/2014/main" id="{D2CEECE8-1161-39FE-2539-763A7B6DA9AB}"/>
+              </a:ext>
+            </a:extLst>
+          </p:cNvPr>
+          <p:cNvCxnSpPr/>
+          <p:nvPr/>
+        </p:nvCxnSpPr>
+        <p:spPr>
+          <a:xfrm>
+            <a:off x="484418" y="1171879"/>
+            <a:ext cx="11218984" cy="0"/>
+          </a:xfrm>
+          <a:prstGeom prst="line">
+            <a:avLst/>
+          </a:prstGeom>
+          <a:ln w="38100">
+            <a:solidFill>
+              <a:srgbClr val="8ECEFA"/>
+            </a:solidFill>
+          </a:ln>
+        </p:spPr>
+        <p:style>
+          <a:lnRef idx="2">
+            <a:schemeClr val="accent1"/>
+          </a:lnRef>
+          <a:fillRef idx="0">
+            <a:schemeClr val="accent1"/>
+          </a:fillRef>
+          <a:effectRef idx="1">
+            <a:schemeClr val="accent1"/>
+          </a:effectRef>
+          <a:fontRef idx="minor">
+            <a:schemeClr val="tx1"/>
+          </a:fontRef>
+        </p:style>
+      </p:cxnSp>
+      <p:sp>
+        <p:nvSpPr>
+          <p:cNvPr id="12" name="Slide Number Placeholder 5">
+            <a:extLst>
+              <a:ext uri="{FF2B5EF4-FFF2-40B4-BE49-F238E27FC236}">
+                <a16:creationId xmlns:a16="http://schemas.microsoft.com/office/drawing/2014/main" id="{AAC1FCF1-C31F-649D-4404-5C4FB419C3F1}"/>
+              </a:ext>
+            </a:extLst>
+          </p:cNvPr>
+          <p:cNvSpPr txBox="1">
+            <a:spLocks/>
+          </p:cNvSpPr>
+          <p:nvPr/>
+        </p:nvSpPr>
+        <p:spPr>
+          <a:xfrm>
+            <a:off x="1661819" y="6533293"/>
+            <a:ext cx="386021" cy="319817"/>
+          </a:xfrm>
+          <a:prstGeom prst="rect">
+            <a:avLst/>
+          </a:prstGeom>
+        </p:spPr>
+        <p:txBody>
+          <a:bodyPr vert="horz" lIns="91440" tIns="45720" rIns="91440" bIns="45720" rtlCol="0" anchor="ctr"/>
+          <a:lstStyle>
+            <a:defPPr>
+              <a:defRPr lang="en-US"/>
+            </a:defPPr>
+            <a:lvl1pPr marL="0" algn="r" defTabSz="914400" rtl="0" eaLnBrk="1" latinLnBrk="0" hangingPunct="1">
+              <a:defRPr sz="1200" kern="1200">
+                <a:solidFill>
+                  <a:schemeClr val="tx1">
+                    <a:tint val="82000"/>
+                  </a:schemeClr>
+                </a:solidFill>
+                <a:latin typeface="+mn-lt"/>
+                <a:ea typeface="+mn-ea"/>
+                <a:cs typeface="+mn-cs"/>
+              </a:defRPr>
+            </a:lvl1pPr>
+            <a:lvl2pPr marL="457200" algn="l" defTabSz="914400" rtl="0" eaLnBrk="1" latinLnBrk="0" hangingPunct="1">
+              <a:defRPr sz="1800" kern="1200">
+                <a:solidFill>
+                  <a:schemeClr val="tx1"/>
+                </a:solidFill>
+                <a:latin typeface="+mn-lt"/>
+                <a:ea typeface="+mn-ea"/>
+                <a:cs typeface="+mn-cs"/>
+              </a:defRPr>
+            </a:lvl2pPr>
+            <a:lvl3pPr marL="914400" algn="l" defTabSz="914400" rtl="0" eaLnBrk="1" latinLnBrk="0" hangingPunct="1">
+              <a:defRPr sz="1800" kern="1200">
+                <a:solidFill>
+                  <a:schemeClr val="tx1"/>
+                </a:solidFill>
+                <a:latin typeface="+mn-lt"/>
+                <a:ea typeface="+mn-ea"/>
+                <a:cs typeface="+mn-cs"/>
+              </a:defRPr>
+            </a:lvl3pPr>
+            <a:lvl4pPr marL="1371600" algn="l" defTabSz="914400" rtl="0" eaLnBrk="1" latinLnBrk="0" hangingPunct="1">
+              <a:defRPr sz="1800" kern="1200">
+                <a:solidFill>
+                  <a:schemeClr val="tx1"/>
+                </a:solidFill>
+                <a:latin typeface="+mn-lt"/>
+                <a:ea typeface="+mn-ea"/>
+                <a:cs typeface="+mn-cs"/>
+              </a:defRPr>
+            </a:lvl4pPr>
+            <a:lvl5pPr marL="1828800" algn="l" defTabSz="914400" rtl="0" eaLnBrk="1" latinLnBrk="0" hangingPunct="1">
+              <a:defRPr sz="1800" kern="1200">
+                <a:solidFill>
+                  <a:schemeClr val="tx1"/>
+                </a:solidFill>
+                <a:latin typeface="+mn-lt"/>
+                <a:ea typeface="+mn-ea"/>
+                <a:cs typeface="+mn-cs"/>
+              </a:defRPr>
+            </a:lvl5pPr>
+            <a:lvl6pPr marL="2286000" algn="l" defTabSz="914400" rtl="0" eaLnBrk="1" latinLnBrk="0" hangingPunct="1">
+              <a:defRPr sz="1800" kern="1200">
+                <a:solidFill>
+                  <a:schemeClr val="tx1"/>
+                </a:solidFill>
+                <a:latin typeface="+mn-lt"/>
+                <a:ea typeface="+mn-ea"/>
+                <a:cs typeface="+mn-cs"/>
+              </a:defRPr>
+            </a:lvl6pPr>
+            <a:lvl7pPr marL="2743200" algn="l" defTabSz="914400" rtl="0" eaLnBrk="1" latinLnBrk="0" hangingPunct="1">
+              <a:defRPr sz="1800" kern="1200">
+                <a:solidFill>
+                  <a:schemeClr val="tx1"/>
+                </a:solidFill>
+                <a:latin typeface="+mn-lt"/>
+                <a:ea typeface="+mn-ea"/>
+                <a:cs typeface="+mn-cs"/>
+              </a:defRPr>
+            </a:lvl7pPr>
+            <a:lvl8pPr marL="3200400" algn="l" defTabSz="914400" rtl="0" eaLnBrk="1" latinLnBrk="0" hangingPunct="1">
+              <a:defRPr sz="1800" kern="1200">
+                <a:solidFill>
+                  <a:schemeClr val="tx1"/>
+                </a:solidFill>
+                <a:latin typeface="+mn-lt"/>
+                <a:ea typeface="+mn-ea"/>
+                <a:cs typeface="+mn-cs"/>
+              </a:defRPr>
+            </a:lvl8pPr>
+            <a:lvl9pPr marL="3657600" algn="l" defTabSz="914400" rtl="0" eaLnBrk="1" latinLnBrk="0" hangingPunct="1">
+              <a:defRPr sz="1800" kern="1200">
+                <a:solidFill>
+                  <a:schemeClr val="tx1"/>
+                </a:solidFill>
+                <a:latin typeface="+mn-lt"/>
+                <a:ea typeface="+mn-ea"/>
+                <a:cs typeface="+mn-cs"/>
+              </a:defRPr>
+            </a:lvl9pPr>
+          </a:lstStyle>
+          <a:p>
+            <a:fld id="{013F6232-4F06-48BA-8F69-BF531F607829}" type="slidenum">
+              <a:rPr lang="en-GB" sz="1400" smtClean="0">
+                <a:solidFill>
+                  <a:schemeClr val="bg1"/>
+                </a:solidFill>
+              </a:rPr>
+              <a:pPr/>
+              <a:t>8</a:t>
+            </a:fld>
+            <a:endParaRPr lang="en-GB" sz="1400" dirty="0">
+              <a:solidFill>
+                <a:schemeClr val="bg1"/>
+              </a:solidFill>
+            </a:endParaRPr>
+          </a:p>
+        </p:txBody>
+      </p:sp>
+      <p:sp>
+        <p:nvSpPr>
+          <p:cNvPr id="13" name="TextBox 12">
+            <a:extLst>
+              <a:ext uri="{FF2B5EF4-FFF2-40B4-BE49-F238E27FC236}">
+                <a16:creationId xmlns:a16="http://schemas.microsoft.com/office/drawing/2014/main" id="{4D1526A0-AE3B-7866-2A1D-1AC8C2AE3F08}"/>
+              </a:ext>
+            </a:extLst>
+          </p:cNvPr>
+          <p:cNvSpPr txBox="1"/>
+          <p:nvPr/>
+        </p:nvSpPr>
+        <p:spPr>
+          <a:xfrm>
+            <a:off x="9172575" y="6542216"/>
+            <a:ext cx="2787685" cy="276999"/>
+          </a:xfrm>
+          <a:prstGeom prst="rect">
+            <a:avLst/>
+          </a:prstGeom>
+          <a:noFill/>
+        </p:spPr>
+        <p:txBody>
+          <a:bodyPr wrap="square" rtlCol="0">
+            <a:spAutoFit/>
+          </a:bodyPr>
+          <a:lstStyle/>
+          <a:p>
+            <a:r>
+              <a:rPr lang="en-US" sz="1200" dirty="0">
+                <a:solidFill>
+                  <a:schemeClr val="bg1"/>
+                </a:solidFill>
+              </a:rPr>
+              <a:t>Load &amp; Dynamics Team/ Optimus Syria</a:t>
+            </a:r>
+          </a:p>
+        </p:txBody>
+      </p:sp>
+      <p:sp>
+        <p:nvSpPr>
+          <p:cNvPr id="5" name="TextBox 4">
+            <a:extLst>
+              <a:ext uri="{FF2B5EF4-FFF2-40B4-BE49-F238E27FC236}">
+                <a16:creationId xmlns:a16="http://schemas.microsoft.com/office/drawing/2014/main" id="{EDEB58F6-B17B-50A7-7175-DF0E72E53C5B}"/>
+              </a:ext>
+            </a:extLst>
+          </p:cNvPr>
+          <p:cNvSpPr txBox="1"/>
+          <p:nvPr/>
+        </p:nvSpPr>
+        <p:spPr>
+          <a:xfrm>
+            <a:off x="412716" y="6565449"/>
+            <a:ext cx="1000125" cy="276999"/>
+          </a:xfrm>
+          <a:prstGeom prst="rect">
+            <a:avLst/>
+          </a:prstGeom>
+          <a:noFill/>
+        </p:spPr>
+        <p:txBody>
+          <a:bodyPr wrap="square" rtlCol="0">
+            <a:spAutoFit/>
+          </a:bodyPr>
+          <a:lstStyle/>
+          <a:p>
+            <a:r>
+              <a:rPr lang="en-US" sz="1200" dirty="0">
+                <a:solidFill>
+                  <a:schemeClr val="bg1"/>
+                </a:solidFill>
+              </a:rPr>
+              <a:t>16/12/2025</a:t>
+            </a:r>
+          </a:p>
+        </p:txBody>
+      </p:sp>
+      <p:pic>
+        <p:nvPicPr>
+          <p:cNvPr id="4" name="Picture 3">
+            <a:extLst>
+              <a:ext uri="{FF2B5EF4-FFF2-40B4-BE49-F238E27FC236}">
+                <a16:creationId xmlns:a16="http://schemas.microsoft.com/office/drawing/2014/main" id="{31D0E0AF-EEC4-5971-07F8-06BE42C55374}"/>
+              </a:ext>
+            </a:extLst>
+          </p:cNvPr>
+          <p:cNvPicPr>
+            <a:picLocks noChangeAspect="1"/>
+          </p:cNvPicPr>
+          <p:nvPr/>
+        </p:nvPicPr>
+        <p:blipFill>
+          <a:blip r:embed="rId3">
+            <a:extLst>
+              <a:ext uri="{28A0092B-C50C-407E-A947-70E740481C1C}">
+                <a14:useLocalDpi xmlns:a14="http://schemas.microsoft.com/office/drawing/2010/main" val="0"/>
+              </a:ext>
+            </a:extLst>
+          </a:blip>
+          <a:stretch>
+            <a:fillRect/>
+          </a:stretch>
+        </p:blipFill>
+        <p:spPr>
+          <a:xfrm>
+            <a:off x="912778" y="1817211"/>
+            <a:ext cx="10063097" cy="4672381"/>
+          </a:xfrm>
+          <a:prstGeom prst="rect">
+            <a:avLst/>
+          </a:prstGeom>
+        </p:spPr>
+      </p:pic>
+      <p:sp>
+        <p:nvSpPr>
+          <p:cNvPr id="19" name="Titel 1">
+            <a:extLst>
+              <a:ext uri="{FF2B5EF4-FFF2-40B4-BE49-F238E27FC236}">
+                <a16:creationId xmlns:a16="http://schemas.microsoft.com/office/drawing/2014/main" id="{A86FAFFA-F085-C1E1-0839-D3A4D4B2B705}"/>
+              </a:ext>
+            </a:extLst>
+          </p:cNvPr>
+          <p:cNvSpPr>
+            <a:spLocks noGrp="1"/>
+          </p:cNvSpPr>
+          <p:nvPr>
+            <p:ph type="title"/>
+          </p:nvPr>
+        </p:nvSpPr>
+        <p:spPr>
+          <a:xfrm>
+            <a:off x="484417" y="502853"/>
+            <a:ext cx="9234617" cy="712728"/>
+          </a:xfrm>
+        </p:spPr>
+        <p:txBody>
+          <a:bodyPr>
+            <a:normAutofit/>
+          </a:bodyPr>
+          <a:lstStyle/>
+          <a:p>
+            <a:r>
+              <a:rPr lang="en-GB" dirty="0"/>
+              <a:t>Maximum Extracted Values </a:t>
+            </a:r>
+            <a:endParaRPr lang="de-DE" dirty="0"/>
+          </a:p>
+        </p:txBody>
+      </p:sp>
+      <p:sp>
+        <p:nvSpPr>
+          <p:cNvPr id="20" name="TextBox 19">
+            <a:extLst>
+              <a:ext uri="{FF2B5EF4-FFF2-40B4-BE49-F238E27FC236}">
+                <a16:creationId xmlns:a16="http://schemas.microsoft.com/office/drawing/2014/main" id="{890C1982-635D-A00B-7798-624F8AE1F3DD}"/>
+              </a:ext>
+            </a:extLst>
+          </p:cNvPr>
+          <p:cNvSpPr txBox="1"/>
+          <p:nvPr/>
+        </p:nvSpPr>
+        <p:spPr>
+          <a:xfrm>
+            <a:off x="8458532" y="1200185"/>
+            <a:ext cx="2720681" cy="646331"/>
+          </a:xfrm>
+          <a:prstGeom prst="rect">
+            <a:avLst/>
+          </a:prstGeom>
+          <a:noFill/>
+        </p:spPr>
+        <p:txBody>
+          <a:bodyPr wrap="none" rtlCol="0">
+            <a:spAutoFit/>
+          </a:bodyPr>
+          <a:lstStyle/>
+          <a:p>
+            <a:r>
+              <a:rPr lang="en-US" dirty="0"/>
+              <a:t>* for </a:t>
+            </a:r>
+            <a:r>
+              <a:rPr lang="en-US" dirty="0" err="1"/>
+              <a:t>OpenFAST</a:t>
+            </a:r>
+            <a:r>
+              <a:rPr lang="en-US" dirty="0"/>
+              <a:t> v3.0</a:t>
+            </a:r>
+          </a:p>
+          <a:p>
+            <a:r>
+              <a:rPr lang="en-US" dirty="0"/>
+              <a:t>* All Unit are in KN &amp; </a:t>
+            </a:r>
+            <a:r>
+              <a:rPr lang="en-US" dirty="0" err="1"/>
+              <a:t>KNm</a:t>
+            </a:r>
+            <a:endParaRPr lang="en-US" dirty="0"/>
+          </a:p>
+        </p:txBody>
+      </p:sp>
+      <p:sp>
+        <p:nvSpPr>
+          <p:cNvPr id="21" name="TextBox 20">
+            <a:extLst>
+              <a:ext uri="{FF2B5EF4-FFF2-40B4-BE49-F238E27FC236}">
+                <a16:creationId xmlns:a16="http://schemas.microsoft.com/office/drawing/2014/main" id="{EBE785F6-673D-D79A-5734-FC146FEF6CED}"/>
+              </a:ext>
+            </a:extLst>
+          </p:cNvPr>
+          <p:cNvSpPr txBox="1"/>
+          <p:nvPr/>
+        </p:nvSpPr>
+        <p:spPr>
+          <a:xfrm>
+            <a:off x="5372759" y="6597317"/>
+            <a:ext cx="1476495" cy="276999"/>
+          </a:xfrm>
+          <a:prstGeom prst="rect">
+            <a:avLst/>
+          </a:prstGeom>
+          <a:noFill/>
+        </p:spPr>
+        <p:txBody>
+          <a:bodyPr wrap="square" rtlCol="0">
+            <a:spAutoFit/>
+          </a:bodyPr>
+          <a:lstStyle/>
+          <a:p>
+            <a:r>
+              <a:rPr lang="en-US" sz="1200" dirty="0">
+                <a:solidFill>
+                  <a:schemeClr val="bg1"/>
+                </a:solidFill>
+              </a:rPr>
+              <a:t>Arham Memon</a:t>
+            </a:r>
+          </a:p>
+        </p:txBody>
+      </p:sp>
+    </p:spTree>
+    <p:extLst>
+      <p:ext uri="{BB962C8B-B14F-4D97-AF65-F5344CB8AC3E}">
+        <p14:creationId xmlns:p14="http://schemas.microsoft.com/office/powerpoint/2010/main" val="2071963833"/>
+      </p:ext>
+    </p:extLst>
+  </p:cSld>
+  <p:clrMapOvr>
+    <a:masterClrMapping/>
+  </p:clrMapOvr>
+</p:sld>
+</file>
+
+<file path=ppt/slides/slide9.xml><?xml version="1.0" encoding="utf-8"?>
 <p:sld xmlns:a="http://schemas.openxmlformats.org/drawingml/2006/main" xmlns:r="http://schemas.openxmlformats.org/officeDocument/2006/relationships" xmlns:p="http://schemas.openxmlformats.org/presentationml/2006/main">
   <p:cSld>
     <p:spTree>
@@ -27803,7 +33133,7 @@
         <p:spPr>
           <a:xfrm>
             <a:off x="484417" y="1840667"/>
-            <a:ext cx="10045931" cy="2585323"/>
+            <a:ext cx="10045931" cy="3139321"/>
           </a:xfrm>
           <a:prstGeom prst="rect">
             <a:avLst/>
@@ -27869,7 +33199,24 @@
             </a:pPr>
             <a:r>
               <a:rPr lang="en-US" dirty="0"/>
-              <a:t>Working with Batch Extreme calculations.</a:t>
+              <a:t>Completed with Batch Extreme calculations.</a:t>
+            </a:r>
+          </a:p>
+          <a:p>
+            <a:pPr marL="285750" indent="-285750">
+              <a:buFont typeface="Arial" panose="020B0604020202020204" pitchFamily="34" charset="0"/>
+              <a:buChar char="•"/>
+            </a:pPr>
+            <a:endParaRPr lang="en-US" dirty="0"/>
+          </a:p>
+          <a:p>
+            <a:pPr marL="285750" indent="-285750">
+              <a:buFont typeface="Arial" panose="020B0604020202020204" pitchFamily="34" charset="0"/>
+              <a:buChar char="•"/>
+            </a:pPr>
+            <a:r>
+              <a:rPr lang="en-US" dirty="0"/>
+              <a:t>Starts comparison with scaled down values from different team to optimized loads.</a:t>
             </a:r>
           </a:p>
           <a:p>
@@ -28010,7 +33357,7 @@
                 </a:solidFill>
               </a:rPr>
               <a:pPr/>
-              <a:t>8</a:t>
+              <a:t>9</a:t>
             </a:fld>
             <a:endParaRPr lang="en-GB" sz="1400" dirty="0">
               <a:solidFill>
@@ -28100,10 +33447,10 @@
       </p:sp>
       <p:sp>
         <p:nvSpPr>
-          <p:cNvPr id="8" name="TextBox 7">
+          <p:cNvPr id="3" name="TextBox 2">
             <a:extLst>
               <a:ext uri="{FF2B5EF4-FFF2-40B4-BE49-F238E27FC236}">
-                <a16:creationId xmlns:a16="http://schemas.microsoft.com/office/drawing/2014/main" id="{0CC814FD-C7F2-2A70-EF01-82D0EF784D2B}"/>
+                <a16:creationId xmlns:a16="http://schemas.microsoft.com/office/drawing/2014/main" id="{FF49F58A-0CA4-0F11-5485-277976911D7C}"/>
               </a:ext>
             </a:extLst>
           </p:cNvPr>
@@ -28132,21 +33479,8 @@
                   <a:schemeClr val="bg1"/>
                 </a:solidFill>
               </a:rPr>
-              <a:t>Paresh </a:t>
+              <a:t>Arham Memon</a:t>
             </a:r>
-            <a:r>
-              <a:rPr lang="en-US" sz="1200" dirty="0" err="1">
-                <a:solidFill>
-                  <a:schemeClr val="bg1"/>
-                </a:solidFill>
-              </a:rPr>
-              <a:t>Nakum</a:t>
-            </a:r>
-            <a:endParaRPr lang="en-US" sz="1200" dirty="0">
-              <a:solidFill>
-                <a:schemeClr val="bg1"/>
-              </a:solidFill>
-            </a:endParaRPr>
           </a:p>
         </p:txBody>
       </p:sp>
@@ -28154,2465 +33488,6 @@
     <p:extLst>
       <p:ext uri="{BB962C8B-B14F-4D97-AF65-F5344CB8AC3E}">
         <p14:creationId xmlns:p14="http://schemas.microsoft.com/office/powerpoint/2010/main" val="3158060172"/>
-      </p:ext>
-    </p:extLst>
-  </p:cSld>
-  <p:clrMapOvr>
-    <a:masterClrMapping/>
-  </p:clrMapOvr>
-</p:sld>
-</file>
-
-<file path=ppt/slides/slide9.xml><?xml version="1.0" encoding="utf-8"?>
-<p:sld xmlns:a="http://schemas.openxmlformats.org/drawingml/2006/main" xmlns:r="http://schemas.openxmlformats.org/officeDocument/2006/relationships" xmlns:p="http://schemas.openxmlformats.org/presentationml/2006/main">
-  <p:cSld>
-    <p:spTree>
-      <p:nvGrpSpPr>
-        <p:cNvPr id="1" name="">
-          <a:extLst>
-            <a:ext uri="{FF2B5EF4-FFF2-40B4-BE49-F238E27FC236}">
-              <a16:creationId xmlns:a16="http://schemas.microsoft.com/office/drawing/2014/main" id="{5D5F9DB2-1C60-2A59-656D-A5B74C9C4890}"/>
-            </a:ext>
-          </a:extLst>
-        </p:cNvPr>
-        <p:cNvGrpSpPr/>
-        <p:nvPr/>
-      </p:nvGrpSpPr>
-      <p:grpSpPr>
-        <a:xfrm>
-          <a:off x="0" y="0"/>
-          <a:ext cx="0" cy="0"/>
-          <a:chOff x="0" y="0"/>
-          <a:chExt cx="0" cy="0"/>
-        </a:xfrm>
-      </p:grpSpPr>
-      <p:sp>
-        <p:nvSpPr>
-          <p:cNvPr id="11" name="Free-form: Shape 13">
-            <a:extLst>
-              <a:ext uri="{FF2B5EF4-FFF2-40B4-BE49-F238E27FC236}">
-                <a16:creationId xmlns:a16="http://schemas.microsoft.com/office/drawing/2014/main" id="{28A9E759-5D36-7577-1B72-EEFA19D202C6}"/>
-              </a:ext>
-            </a:extLst>
-          </p:cNvPr>
-          <p:cNvSpPr/>
-          <p:nvPr/>
-        </p:nvSpPr>
-        <p:spPr>
-          <a:xfrm rot="10800000">
-            <a:off x="-35168" y="277945"/>
-            <a:ext cx="12216286" cy="898824"/>
-          </a:xfrm>
-          <a:custGeom>
-            <a:avLst/>
-            <a:gdLst>
-              <a:gd name="connsiteX0" fmla="*/ 17585 w 9486900"/>
-              <a:gd name="connsiteY0" fmla="*/ 8792 h 931984"/>
-              <a:gd name="connsiteX1" fmla="*/ 2004646 w 9486900"/>
-              <a:gd name="connsiteY1" fmla="*/ 26376 h 931984"/>
-              <a:gd name="connsiteX2" fmla="*/ 4466492 w 9486900"/>
-              <a:gd name="connsiteY2" fmla="*/ 35169 h 931984"/>
-              <a:gd name="connsiteX3" fmla="*/ 7025054 w 9486900"/>
-              <a:gd name="connsiteY3" fmla="*/ 0 h 931984"/>
-              <a:gd name="connsiteX4" fmla="*/ 9486900 w 9486900"/>
-              <a:gd name="connsiteY4" fmla="*/ 8792 h 931984"/>
-              <a:gd name="connsiteX5" fmla="*/ 9478108 w 9486900"/>
-              <a:gd name="connsiteY5" fmla="*/ 914400 h 931984"/>
-              <a:gd name="connsiteX6" fmla="*/ 7262446 w 9486900"/>
-              <a:gd name="connsiteY6" fmla="*/ 905607 h 931984"/>
-              <a:gd name="connsiteX7" fmla="*/ 4835769 w 9486900"/>
-              <a:gd name="connsiteY7" fmla="*/ 931984 h 931984"/>
-              <a:gd name="connsiteX8" fmla="*/ 2760785 w 9486900"/>
-              <a:gd name="connsiteY8" fmla="*/ 923192 h 931984"/>
-              <a:gd name="connsiteX9" fmla="*/ 0 w 9486900"/>
-              <a:gd name="connsiteY9" fmla="*/ 879230 h 931984"/>
-              <a:gd name="connsiteX10" fmla="*/ 17585 w 9486900"/>
-              <a:gd name="connsiteY10" fmla="*/ 8792 h 931984"/>
-              <a:gd name="connsiteX0" fmla="*/ 17585 w 9486900"/>
-              <a:gd name="connsiteY0" fmla="*/ 168095 h 1091287"/>
-              <a:gd name="connsiteX1" fmla="*/ 2004646 w 9486900"/>
-              <a:gd name="connsiteY1" fmla="*/ 185679 h 1091287"/>
-              <a:gd name="connsiteX2" fmla="*/ 4466492 w 9486900"/>
-              <a:gd name="connsiteY2" fmla="*/ 194472 h 1091287"/>
-              <a:gd name="connsiteX3" fmla="*/ 7025054 w 9486900"/>
-              <a:gd name="connsiteY3" fmla="*/ 159303 h 1091287"/>
-              <a:gd name="connsiteX4" fmla="*/ 9486900 w 9486900"/>
-              <a:gd name="connsiteY4" fmla="*/ 168095 h 1091287"/>
-              <a:gd name="connsiteX5" fmla="*/ 9478108 w 9486900"/>
-              <a:gd name="connsiteY5" fmla="*/ 1073703 h 1091287"/>
-              <a:gd name="connsiteX6" fmla="*/ 7262446 w 9486900"/>
-              <a:gd name="connsiteY6" fmla="*/ 1064910 h 1091287"/>
-              <a:gd name="connsiteX7" fmla="*/ 4835769 w 9486900"/>
-              <a:gd name="connsiteY7" fmla="*/ 1091287 h 1091287"/>
-              <a:gd name="connsiteX8" fmla="*/ 2760785 w 9486900"/>
-              <a:gd name="connsiteY8" fmla="*/ 1082495 h 1091287"/>
-              <a:gd name="connsiteX9" fmla="*/ 0 w 9486900"/>
-              <a:gd name="connsiteY9" fmla="*/ 1038533 h 1091287"/>
-              <a:gd name="connsiteX10" fmla="*/ 17585 w 9486900"/>
-              <a:gd name="connsiteY10" fmla="*/ 168095 h 1091287"/>
-              <a:gd name="connsiteX0" fmla="*/ 17585 w 9486900"/>
-              <a:gd name="connsiteY0" fmla="*/ 234508 h 1157700"/>
-              <a:gd name="connsiteX1" fmla="*/ 2004646 w 9486900"/>
-              <a:gd name="connsiteY1" fmla="*/ 252092 h 1157700"/>
-              <a:gd name="connsiteX2" fmla="*/ 4466492 w 9486900"/>
-              <a:gd name="connsiteY2" fmla="*/ 260885 h 1157700"/>
-              <a:gd name="connsiteX3" fmla="*/ 7025054 w 9486900"/>
-              <a:gd name="connsiteY3" fmla="*/ 225716 h 1157700"/>
-              <a:gd name="connsiteX4" fmla="*/ 9486900 w 9486900"/>
-              <a:gd name="connsiteY4" fmla="*/ 234508 h 1157700"/>
-              <a:gd name="connsiteX5" fmla="*/ 9478108 w 9486900"/>
-              <a:gd name="connsiteY5" fmla="*/ 1140116 h 1157700"/>
-              <a:gd name="connsiteX6" fmla="*/ 7262446 w 9486900"/>
-              <a:gd name="connsiteY6" fmla="*/ 1131323 h 1157700"/>
-              <a:gd name="connsiteX7" fmla="*/ 4835769 w 9486900"/>
-              <a:gd name="connsiteY7" fmla="*/ 1157700 h 1157700"/>
-              <a:gd name="connsiteX8" fmla="*/ 2760785 w 9486900"/>
-              <a:gd name="connsiteY8" fmla="*/ 1148908 h 1157700"/>
-              <a:gd name="connsiteX9" fmla="*/ 0 w 9486900"/>
-              <a:gd name="connsiteY9" fmla="*/ 1104946 h 1157700"/>
-              <a:gd name="connsiteX10" fmla="*/ 17585 w 9486900"/>
-              <a:gd name="connsiteY10" fmla="*/ 234508 h 1157700"/>
-              <a:gd name="connsiteX0" fmla="*/ 17585 w 9486900"/>
-              <a:gd name="connsiteY0" fmla="*/ 375168 h 1298360"/>
-              <a:gd name="connsiteX1" fmla="*/ 2004646 w 9486900"/>
-              <a:gd name="connsiteY1" fmla="*/ 392752 h 1298360"/>
-              <a:gd name="connsiteX2" fmla="*/ 4466492 w 9486900"/>
-              <a:gd name="connsiteY2" fmla="*/ 401545 h 1298360"/>
-              <a:gd name="connsiteX3" fmla="*/ 7025054 w 9486900"/>
-              <a:gd name="connsiteY3" fmla="*/ 366376 h 1298360"/>
-              <a:gd name="connsiteX4" fmla="*/ 9486900 w 9486900"/>
-              <a:gd name="connsiteY4" fmla="*/ 375168 h 1298360"/>
-              <a:gd name="connsiteX5" fmla="*/ 9478108 w 9486900"/>
-              <a:gd name="connsiteY5" fmla="*/ 1280776 h 1298360"/>
-              <a:gd name="connsiteX6" fmla="*/ 7262446 w 9486900"/>
-              <a:gd name="connsiteY6" fmla="*/ 1271983 h 1298360"/>
-              <a:gd name="connsiteX7" fmla="*/ 4835769 w 9486900"/>
-              <a:gd name="connsiteY7" fmla="*/ 1298360 h 1298360"/>
-              <a:gd name="connsiteX8" fmla="*/ 2760785 w 9486900"/>
-              <a:gd name="connsiteY8" fmla="*/ 1289568 h 1298360"/>
-              <a:gd name="connsiteX9" fmla="*/ 0 w 9486900"/>
-              <a:gd name="connsiteY9" fmla="*/ 1245606 h 1298360"/>
-              <a:gd name="connsiteX10" fmla="*/ 17585 w 9486900"/>
-              <a:gd name="connsiteY10" fmla="*/ 375168 h 1298360"/>
-              <a:gd name="connsiteX0" fmla="*/ 17585 w 9486900"/>
-              <a:gd name="connsiteY0" fmla="*/ 375168 h 1298360"/>
-              <a:gd name="connsiteX1" fmla="*/ 2004646 w 9486900"/>
-              <a:gd name="connsiteY1" fmla="*/ 392752 h 1298360"/>
-              <a:gd name="connsiteX2" fmla="*/ 4466492 w 9486900"/>
-              <a:gd name="connsiteY2" fmla="*/ 401545 h 1298360"/>
-              <a:gd name="connsiteX3" fmla="*/ 7025054 w 9486900"/>
-              <a:gd name="connsiteY3" fmla="*/ 366376 h 1298360"/>
-              <a:gd name="connsiteX4" fmla="*/ 9486900 w 9486900"/>
-              <a:gd name="connsiteY4" fmla="*/ 375168 h 1298360"/>
-              <a:gd name="connsiteX5" fmla="*/ 9478108 w 9486900"/>
-              <a:gd name="connsiteY5" fmla="*/ 1280776 h 1298360"/>
-              <a:gd name="connsiteX6" fmla="*/ 7262446 w 9486900"/>
-              <a:gd name="connsiteY6" fmla="*/ 1271983 h 1298360"/>
-              <a:gd name="connsiteX7" fmla="*/ 4835769 w 9486900"/>
-              <a:gd name="connsiteY7" fmla="*/ 1298360 h 1298360"/>
-              <a:gd name="connsiteX8" fmla="*/ 2760785 w 9486900"/>
-              <a:gd name="connsiteY8" fmla="*/ 1289568 h 1298360"/>
-              <a:gd name="connsiteX9" fmla="*/ 0 w 9486900"/>
-              <a:gd name="connsiteY9" fmla="*/ 1245606 h 1298360"/>
-              <a:gd name="connsiteX10" fmla="*/ 17585 w 9486900"/>
-              <a:gd name="connsiteY10" fmla="*/ 375168 h 1298360"/>
-              <a:gd name="connsiteX0" fmla="*/ 17585 w 9486900"/>
-              <a:gd name="connsiteY0" fmla="*/ 375168 h 1298360"/>
-              <a:gd name="connsiteX1" fmla="*/ 2004646 w 9486900"/>
-              <a:gd name="connsiteY1" fmla="*/ 392752 h 1298360"/>
-              <a:gd name="connsiteX2" fmla="*/ 4466492 w 9486900"/>
-              <a:gd name="connsiteY2" fmla="*/ 401545 h 1298360"/>
-              <a:gd name="connsiteX3" fmla="*/ 7025054 w 9486900"/>
-              <a:gd name="connsiteY3" fmla="*/ 366376 h 1298360"/>
-              <a:gd name="connsiteX4" fmla="*/ 9486900 w 9486900"/>
-              <a:gd name="connsiteY4" fmla="*/ 375168 h 1298360"/>
-              <a:gd name="connsiteX5" fmla="*/ 9478108 w 9486900"/>
-              <a:gd name="connsiteY5" fmla="*/ 1280776 h 1298360"/>
-              <a:gd name="connsiteX6" fmla="*/ 7262446 w 9486900"/>
-              <a:gd name="connsiteY6" fmla="*/ 1271983 h 1298360"/>
-              <a:gd name="connsiteX7" fmla="*/ 4835769 w 9486900"/>
-              <a:gd name="connsiteY7" fmla="*/ 1298360 h 1298360"/>
-              <a:gd name="connsiteX8" fmla="*/ 2760785 w 9486900"/>
-              <a:gd name="connsiteY8" fmla="*/ 1289568 h 1298360"/>
-              <a:gd name="connsiteX9" fmla="*/ 0 w 9486900"/>
-              <a:gd name="connsiteY9" fmla="*/ 1245606 h 1298360"/>
-              <a:gd name="connsiteX10" fmla="*/ 17585 w 9486900"/>
-              <a:gd name="connsiteY10" fmla="*/ 375168 h 1298360"/>
-              <a:gd name="connsiteX0" fmla="*/ 17585 w 9486900"/>
-              <a:gd name="connsiteY0" fmla="*/ 375168 h 1298360"/>
-              <a:gd name="connsiteX1" fmla="*/ 2004646 w 9486900"/>
-              <a:gd name="connsiteY1" fmla="*/ 392752 h 1298360"/>
-              <a:gd name="connsiteX2" fmla="*/ 4466492 w 9486900"/>
-              <a:gd name="connsiteY2" fmla="*/ 401545 h 1298360"/>
-              <a:gd name="connsiteX3" fmla="*/ 7025054 w 9486900"/>
-              <a:gd name="connsiteY3" fmla="*/ 366376 h 1298360"/>
-              <a:gd name="connsiteX4" fmla="*/ 9486900 w 9486900"/>
-              <a:gd name="connsiteY4" fmla="*/ 375168 h 1298360"/>
-              <a:gd name="connsiteX5" fmla="*/ 9478108 w 9486900"/>
-              <a:gd name="connsiteY5" fmla="*/ 1280776 h 1298360"/>
-              <a:gd name="connsiteX6" fmla="*/ 7262446 w 9486900"/>
-              <a:gd name="connsiteY6" fmla="*/ 1271983 h 1298360"/>
-              <a:gd name="connsiteX7" fmla="*/ 4835769 w 9486900"/>
-              <a:gd name="connsiteY7" fmla="*/ 1298360 h 1298360"/>
-              <a:gd name="connsiteX8" fmla="*/ 2760785 w 9486900"/>
-              <a:gd name="connsiteY8" fmla="*/ 1289568 h 1298360"/>
-              <a:gd name="connsiteX9" fmla="*/ 0 w 9486900"/>
-              <a:gd name="connsiteY9" fmla="*/ 1245606 h 1298360"/>
-              <a:gd name="connsiteX10" fmla="*/ 17585 w 9486900"/>
-              <a:gd name="connsiteY10" fmla="*/ 375168 h 1298360"/>
-              <a:gd name="connsiteX0" fmla="*/ 17585 w 9486900"/>
-              <a:gd name="connsiteY0" fmla="*/ 375168 h 1298360"/>
-              <a:gd name="connsiteX1" fmla="*/ 2004646 w 9486900"/>
-              <a:gd name="connsiteY1" fmla="*/ 392752 h 1298360"/>
-              <a:gd name="connsiteX2" fmla="*/ 4466492 w 9486900"/>
-              <a:gd name="connsiteY2" fmla="*/ 401545 h 1298360"/>
-              <a:gd name="connsiteX3" fmla="*/ 7025054 w 9486900"/>
-              <a:gd name="connsiteY3" fmla="*/ 366376 h 1298360"/>
-              <a:gd name="connsiteX4" fmla="*/ 9486900 w 9486900"/>
-              <a:gd name="connsiteY4" fmla="*/ 375168 h 1298360"/>
-              <a:gd name="connsiteX5" fmla="*/ 9478108 w 9486900"/>
-              <a:gd name="connsiteY5" fmla="*/ 1280776 h 1298360"/>
-              <a:gd name="connsiteX6" fmla="*/ 7262446 w 9486900"/>
-              <a:gd name="connsiteY6" fmla="*/ 1271983 h 1298360"/>
-              <a:gd name="connsiteX7" fmla="*/ 4835769 w 9486900"/>
-              <a:gd name="connsiteY7" fmla="*/ 1298360 h 1298360"/>
-              <a:gd name="connsiteX8" fmla="*/ 2760785 w 9486900"/>
-              <a:gd name="connsiteY8" fmla="*/ 1289568 h 1298360"/>
-              <a:gd name="connsiteX9" fmla="*/ 0 w 9486900"/>
-              <a:gd name="connsiteY9" fmla="*/ 1245606 h 1298360"/>
-              <a:gd name="connsiteX10" fmla="*/ 17585 w 9486900"/>
-              <a:gd name="connsiteY10" fmla="*/ 375168 h 1298360"/>
-              <a:gd name="connsiteX0" fmla="*/ 17585 w 9486900"/>
-              <a:gd name="connsiteY0" fmla="*/ 375168 h 1298360"/>
-              <a:gd name="connsiteX1" fmla="*/ 2004646 w 9486900"/>
-              <a:gd name="connsiteY1" fmla="*/ 392752 h 1298360"/>
-              <a:gd name="connsiteX2" fmla="*/ 4466492 w 9486900"/>
-              <a:gd name="connsiteY2" fmla="*/ 401545 h 1298360"/>
-              <a:gd name="connsiteX3" fmla="*/ 7025054 w 9486900"/>
-              <a:gd name="connsiteY3" fmla="*/ 366376 h 1298360"/>
-              <a:gd name="connsiteX4" fmla="*/ 9486900 w 9486900"/>
-              <a:gd name="connsiteY4" fmla="*/ 375168 h 1298360"/>
-              <a:gd name="connsiteX5" fmla="*/ 9478108 w 9486900"/>
-              <a:gd name="connsiteY5" fmla="*/ 1280776 h 1298360"/>
-              <a:gd name="connsiteX6" fmla="*/ 7262446 w 9486900"/>
-              <a:gd name="connsiteY6" fmla="*/ 1271983 h 1298360"/>
-              <a:gd name="connsiteX7" fmla="*/ 4835769 w 9486900"/>
-              <a:gd name="connsiteY7" fmla="*/ 1298360 h 1298360"/>
-              <a:gd name="connsiteX8" fmla="*/ 2760785 w 9486900"/>
-              <a:gd name="connsiteY8" fmla="*/ 1289568 h 1298360"/>
-              <a:gd name="connsiteX9" fmla="*/ 0 w 9486900"/>
-              <a:gd name="connsiteY9" fmla="*/ 1245606 h 1298360"/>
-              <a:gd name="connsiteX10" fmla="*/ 17585 w 9486900"/>
-              <a:gd name="connsiteY10" fmla="*/ 375168 h 1298360"/>
-              <a:gd name="connsiteX0" fmla="*/ 8792 w 9478107"/>
-              <a:gd name="connsiteY0" fmla="*/ 375168 h 1298360"/>
-              <a:gd name="connsiteX1" fmla="*/ 1995853 w 9478107"/>
-              <a:gd name="connsiteY1" fmla="*/ 392752 h 1298360"/>
-              <a:gd name="connsiteX2" fmla="*/ 4457699 w 9478107"/>
-              <a:gd name="connsiteY2" fmla="*/ 401545 h 1298360"/>
-              <a:gd name="connsiteX3" fmla="*/ 7016261 w 9478107"/>
-              <a:gd name="connsiteY3" fmla="*/ 366376 h 1298360"/>
-              <a:gd name="connsiteX4" fmla="*/ 9478107 w 9478107"/>
-              <a:gd name="connsiteY4" fmla="*/ 375168 h 1298360"/>
-              <a:gd name="connsiteX5" fmla="*/ 9469315 w 9478107"/>
-              <a:gd name="connsiteY5" fmla="*/ 1280776 h 1298360"/>
-              <a:gd name="connsiteX6" fmla="*/ 7253653 w 9478107"/>
-              <a:gd name="connsiteY6" fmla="*/ 1271983 h 1298360"/>
-              <a:gd name="connsiteX7" fmla="*/ 4826976 w 9478107"/>
-              <a:gd name="connsiteY7" fmla="*/ 1298360 h 1298360"/>
-              <a:gd name="connsiteX8" fmla="*/ 2751992 w 9478107"/>
-              <a:gd name="connsiteY8" fmla="*/ 1289568 h 1298360"/>
-              <a:gd name="connsiteX9" fmla="*/ 0 w 9478107"/>
-              <a:gd name="connsiteY9" fmla="*/ 1236814 h 1298360"/>
-              <a:gd name="connsiteX10" fmla="*/ 8792 w 9478107"/>
-              <a:gd name="connsiteY10" fmla="*/ 375168 h 1298360"/>
-              <a:gd name="connsiteX0" fmla="*/ 8792 w 9478107"/>
-              <a:gd name="connsiteY0" fmla="*/ 421112 h 1344304"/>
-              <a:gd name="connsiteX1" fmla="*/ 2057399 w 9478107"/>
-              <a:gd name="connsiteY1" fmla="*/ 377150 h 1344304"/>
-              <a:gd name="connsiteX2" fmla="*/ 4457699 w 9478107"/>
-              <a:gd name="connsiteY2" fmla="*/ 447489 h 1344304"/>
-              <a:gd name="connsiteX3" fmla="*/ 7016261 w 9478107"/>
-              <a:gd name="connsiteY3" fmla="*/ 412320 h 1344304"/>
-              <a:gd name="connsiteX4" fmla="*/ 9478107 w 9478107"/>
-              <a:gd name="connsiteY4" fmla="*/ 421112 h 1344304"/>
-              <a:gd name="connsiteX5" fmla="*/ 9469315 w 9478107"/>
-              <a:gd name="connsiteY5" fmla="*/ 1326720 h 1344304"/>
-              <a:gd name="connsiteX6" fmla="*/ 7253653 w 9478107"/>
-              <a:gd name="connsiteY6" fmla="*/ 1317927 h 1344304"/>
-              <a:gd name="connsiteX7" fmla="*/ 4826976 w 9478107"/>
-              <a:gd name="connsiteY7" fmla="*/ 1344304 h 1344304"/>
-              <a:gd name="connsiteX8" fmla="*/ 2751992 w 9478107"/>
-              <a:gd name="connsiteY8" fmla="*/ 1335512 h 1344304"/>
-              <a:gd name="connsiteX9" fmla="*/ 0 w 9478107"/>
-              <a:gd name="connsiteY9" fmla="*/ 1282758 h 1344304"/>
-              <a:gd name="connsiteX10" fmla="*/ 8792 w 9478107"/>
-              <a:gd name="connsiteY10" fmla="*/ 421112 h 1344304"/>
-              <a:gd name="connsiteX0" fmla="*/ 8792 w 9478107"/>
-              <a:gd name="connsiteY0" fmla="*/ 350485 h 1273677"/>
-              <a:gd name="connsiteX1" fmla="*/ 2057399 w 9478107"/>
-              <a:gd name="connsiteY1" fmla="*/ 306523 h 1273677"/>
-              <a:gd name="connsiteX2" fmla="*/ 4457699 w 9478107"/>
-              <a:gd name="connsiteY2" fmla="*/ 376862 h 1273677"/>
-              <a:gd name="connsiteX3" fmla="*/ 7016261 w 9478107"/>
-              <a:gd name="connsiteY3" fmla="*/ 341693 h 1273677"/>
-              <a:gd name="connsiteX4" fmla="*/ 9478107 w 9478107"/>
-              <a:gd name="connsiteY4" fmla="*/ 350485 h 1273677"/>
-              <a:gd name="connsiteX5" fmla="*/ 9469315 w 9478107"/>
-              <a:gd name="connsiteY5" fmla="*/ 1256093 h 1273677"/>
-              <a:gd name="connsiteX6" fmla="*/ 7253653 w 9478107"/>
-              <a:gd name="connsiteY6" fmla="*/ 1247300 h 1273677"/>
-              <a:gd name="connsiteX7" fmla="*/ 4826976 w 9478107"/>
-              <a:gd name="connsiteY7" fmla="*/ 1273677 h 1273677"/>
-              <a:gd name="connsiteX8" fmla="*/ 2751992 w 9478107"/>
-              <a:gd name="connsiteY8" fmla="*/ 1264885 h 1273677"/>
-              <a:gd name="connsiteX9" fmla="*/ 0 w 9478107"/>
-              <a:gd name="connsiteY9" fmla="*/ 1212131 h 1273677"/>
-              <a:gd name="connsiteX10" fmla="*/ 8792 w 9478107"/>
-              <a:gd name="connsiteY10" fmla="*/ 350485 h 1273677"/>
-              <a:gd name="connsiteX0" fmla="*/ 8792 w 9478107"/>
-              <a:gd name="connsiteY0" fmla="*/ 350485 h 1273677"/>
-              <a:gd name="connsiteX1" fmla="*/ 2057399 w 9478107"/>
-              <a:gd name="connsiteY1" fmla="*/ 306523 h 1273677"/>
-              <a:gd name="connsiteX2" fmla="*/ 4457699 w 9478107"/>
-              <a:gd name="connsiteY2" fmla="*/ 376862 h 1273677"/>
-              <a:gd name="connsiteX3" fmla="*/ 7016261 w 9478107"/>
-              <a:gd name="connsiteY3" fmla="*/ 341693 h 1273677"/>
-              <a:gd name="connsiteX4" fmla="*/ 9478107 w 9478107"/>
-              <a:gd name="connsiteY4" fmla="*/ 350485 h 1273677"/>
-              <a:gd name="connsiteX5" fmla="*/ 9469315 w 9478107"/>
-              <a:gd name="connsiteY5" fmla="*/ 1256093 h 1273677"/>
-              <a:gd name="connsiteX6" fmla="*/ 7253653 w 9478107"/>
-              <a:gd name="connsiteY6" fmla="*/ 1247300 h 1273677"/>
-              <a:gd name="connsiteX7" fmla="*/ 4826976 w 9478107"/>
-              <a:gd name="connsiteY7" fmla="*/ 1273677 h 1273677"/>
-              <a:gd name="connsiteX8" fmla="*/ 2751992 w 9478107"/>
-              <a:gd name="connsiteY8" fmla="*/ 1264885 h 1273677"/>
-              <a:gd name="connsiteX9" fmla="*/ 0 w 9478107"/>
-              <a:gd name="connsiteY9" fmla="*/ 1212131 h 1273677"/>
-              <a:gd name="connsiteX10" fmla="*/ 8792 w 9478107"/>
-              <a:gd name="connsiteY10" fmla="*/ 350485 h 1273677"/>
-              <a:gd name="connsiteX0" fmla="*/ 8792 w 9478107"/>
-              <a:gd name="connsiteY0" fmla="*/ 346954 h 1270146"/>
-              <a:gd name="connsiteX1" fmla="*/ 2358147 w 9478107"/>
-              <a:gd name="connsiteY1" fmla="*/ 302992 h 1270146"/>
-              <a:gd name="connsiteX2" fmla="*/ 4457699 w 9478107"/>
-              <a:gd name="connsiteY2" fmla="*/ 373331 h 1270146"/>
-              <a:gd name="connsiteX3" fmla="*/ 7016261 w 9478107"/>
-              <a:gd name="connsiteY3" fmla="*/ 338162 h 1270146"/>
-              <a:gd name="connsiteX4" fmla="*/ 9478107 w 9478107"/>
-              <a:gd name="connsiteY4" fmla="*/ 346954 h 1270146"/>
-              <a:gd name="connsiteX5" fmla="*/ 9469315 w 9478107"/>
-              <a:gd name="connsiteY5" fmla="*/ 1252562 h 1270146"/>
-              <a:gd name="connsiteX6" fmla="*/ 7253653 w 9478107"/>
-              <a:gd name="connsiteY6" fmla="*/ 1243769 h 1270146"/>
-              <a:gd name="connsiteX7" fmla="*/ 4826976 w 9478107"/>
-              <a:gd name="connsiteY7" fmla="*/ 1270146 h 1270146"/>
-              <a:gd name="connsiteX8" fmla="*/ 2751992 w 9478107"/>
-              <a:gd name="connsiteY8" fmla="*/ 1261354 h 1270146"/>
-              <a:gd name="connsiteX9" fmla="*/ 0 w 9478107"/>
-              <a:gd name="connsiteY9" fmla="*/ 1208600 h 1270146"/>
-              <a:gd name="connsiteX10" fmla="*/ 8792 w 9478107"/>
-              <a:gd name="connsiteY10" fmla="*/ 346954 h 1270146"/>
-              <a:gd name="connsiteX0" fmla="*/ 8792 w 9478107"/>
-              <a:gd name="connsiteY0" fmla="*/ 346954 h 1270146"/>
-              <a:gd name="connsiteX1" fmla="*/ 2358147 w 9478107"/>
-              <a:gd name="connsiteY1" fmla="*/ 302992 h 1270146"/>
-              <a:gd name="connsiteX2" fmla="*/ 5127546 w 9478107"/>
-              <a:gd name="connsiteY2" fmla="*/ 115678 h 1270146"/>
-              <a:gd name="connsiteX3" fmla="*/ 7016261 w 9478107"/>
-              <a:gd name="connsiteY3" fmla="*/ 338162 h 1270146"/>
-              <a:gd name="connsiteX4" fmla="*/ 9478107 w 9478107"/>
-              <a:gd name="connsiteY4" fmla="*/ 346954 h 1270146"/>
-              <a:gd name="connsiteX5" fmla="*/ 9469315 w 9478107"/>
-              <a:gd name="connsiteY5" fmla="*/ 1252562 h 1270146"/>
-              <a:gd name="connsiteX6" fmla="*/ 7253653 w 9478107"/>
-              <a:gd name="connsiteY6" fmla="*/ 1243769 h 1270146"/>
-              <a:gd name="connsiteX7" fmla="*/ 4826976 w 9478107"/>
-              <a:gd name="connsiteY7" fmla="*/ 1270146 h 1270146"/>
-              <a:gd name="connsiteX8" fmla="*/ 2751992 w 9478107"/>
-              <a:gd name="connsiteY8" fmla="*/ 1261354 h 1270146"/>
-              <a:gd name="connsiteX9" fmla="*/ 0 w 9478107"/>
-              <a:gd name="connsiteY9" fmla="*/ 1208600 h 1270146"/>
-              <a:gd name="connsiteX10" fmla="*/ 8792 w 9478107"/>
-              <a:gd name="connsiteY10" fmla="*/ 346954 h 1270146"/>
-              <a:gd name="connsiteX0" fmla="*/ 8792 w 9478107"/>
-              <a:gd name="connsiteY0" fmla="*/ 346954 h 1270146"/>
-              <a:gd name="connsiteX1" fmla="*/ 2358147 w 9478107"/>
-              <a:gd name="connsiteY1" fmla="*/ 302992 h 1270146"/>
-              <a:gd name="connsiteX2" fmla="*/ 5127546 w 9478107"/>
-              <a:gd name="connsiteY2" fmla="*/ 115678 h 1270146"/>
-              <a:gd name="connsiteX3" fmla="*/ 7084613 w 9478107"/>
-              <a:gd name="connsiteY3" fmla="*/ 724642 h 1270146"/>
-              <a:gd name="connsiteX4" fmla="*/ 9478107 w 9478107"/>
-              <a:gd name="connsiteY4" fmla="*/ 346954 h 1270146"/>
-              <a:gd name="connsiteX5" fmla="*/ 9469315 w 9478107"/>
-              <a:gd name="connsiteY5" fmla="*/ 1252562 h 1270146"/>
-              <a:gd name="connsiteX6" fmla="*/ 7253653 w 9478107"/>
-              <a:gd name="connsiteY6" fmla="*/ 1243769 h 1270146"/>
-              <a:gd name="connsiteX7" fmla="*/ 4826976 w 9478107"/>
-              <a:gd name="connsiteY7" fmla="*/ 1270146 h 1270146"/>
-              <a:gd name="connsiteX8" fmla="*/ 2751992 w 9478107"/>
-              <a:gd name="connsiteY8" fmla="*/ 1261354 h 1270146"/>
-              <a:gd name="connsiteX9" fmla="*/ 0 w 9478107"/>
-              <a:gd name="connsiteY9" fmla="*/ 1208600 h 1270146"/>
-              <a:gd name="connsiteX10" fmla="*/ 8792 w 9478107"/>
-              <a:gd name="connsiteY10" fmla="*/ 346954 h 1270146"/>
-              <a:gd name="connsiteX0" fmla="*/ 8792 w 9478107"/>
-              <a:gd name="connsiteY0" fmla="*/ 346954 h 1270146"/>
-              <a:gd name="connsiteX1" fmla="*/ 2358147 w 9478107"/>
-              <a:gd name="connsiteY1" fmla="*/ 302992 h 1270146"/>
-              <a:gd name="connsiteX2" fmla="*/ 5127546 w 9478107"/>
-              <a:gd name="connsiteY2" fmla="*/ 115678 h 1270146"/>
-              <a:gd name="connsiteX3" fmla="*/ 7084613 w 9478107"/>
-              <a:gd name="connsiteY3" fmla="*/ 647346 h 1270146"/>
-              <a:gd name="connsiteX4" fmla="*/ 9478107 w 9478107"/>
-              <a:gd name="connsiteY4" fmla="*/ 346954 h 1270146"/>
-              <a:gd name="connsiteX5" fmla="*/ 9469315 w 9478107"/>
-              <a:gd name="connsiteY5" fmla="*/ 1252562 h 1270146"/>
-              <a:gd name="connsiteX6" fmla="*/ 7253653 w 9478107"/>
-              <a:gd name="connsiteY6" fmla="*/ 1243769 h 1270146"/>
-              <a:gd name="connsiteX7" fmla="*/ 4826976 w 9478107"/>
-              <a:gd name="connsiteY7" fmla="*/ 1270146 h 1270146"/>
-              <a:gd name="connsiteX8" fmla="*/ 2751992 w 9478107"/>
-              <a:gd name="connsiteY8" fmla="*/ 1261354 h 1270146"/>
-              <a:gd name="connsiteX9" fmla="*/ 0 w 9478107"/>
-              <a:gd name="connsiteY9" fmla="*/ 1208600 h 1270146"/>
-              <a:gd name="connsiteX10" fmla="*/ 8792 w 9478107"/>
-              <a:gd name="connsiteY10" fmla="*/ 346954 h 1270146"/>
-              <a:gd name="connsiteX0" fmla="*/ 8792 w 9478107"/>
-              <a:gd name="connsiteY0" fmla="*/ 346954 h 1270146"/>
-              <a:gd name="connsiteX1" fmla="*/ 2358147 w 9478107"/>
-              <a:gd name="connsiteY1" fmla="*/ 302992 h 1270146"/>
-              <a:gd name="connsiteX2" fmla="*/ 5127546 w 9478107"/>
-              <a:gd name="connsiteY2" fmla="*/ 115678 h 1270146"/>
-              <a:gd name="connsiteX3" fmla="*/ 7084613 w 9478107"/>
-              <a:gd name="connsiteY3" fmla="*/ 647346 h 1270146"/>
-              <a:gd name="connsiteX4" fmla="*/ 8755857 w 9478107"/>
-              <a:gd name="connsiteY4" fmla="*/ 446231 h 1270146"/>
-              <a:gd name="connsiteX5" fmla="*/ 9478107 w 9478107"/>
-              <a:gd name="connsiteY5" fmla="*/ 346954 h 1270146"/>
-              <a:gd name="connsiteX6" fmla="*/ 9469315 w 9478107"/>
-              <a:gd name="connsiteY6" fmla="*/ 1252562 h 1270146"/>
-              <a:gd name="connsiteX7" fmla="*/ 7253653 w 9478107"/>
-              <a:gd name="connsiteY7" fmla="*/ 1243769 h 1270146"/>
-              <a:gd name="connsiteX8" fmla="*/ 4826976 w 9478107"/>
-              <a:gd name="connsiteY8" fmla="*/ 1270146 h 1270146"/>
-              <a:gd name="connsiteX9" fmla="*/ 2751992 w 9478107"/>
-              <a:gd name="connsiteY9" fmla="*/ 1261354 h 1270146"/>
-              <a:gd name="connsiteX10" fmla="*/ 0 w 9478107"/>
-              <a:gd name="connsiteY10" fmla="*/ 1208600 h 1270146"/>
-              <a:gd name="connsiteX11" fmla="*/ 8792 w 9478107"/>
-              <a:gd name="connsiteY11" fmla="*/ 346954 h 1270146"/>
-              <a:gd name="connsiteX0" fmla="*/ 8792 w 9478107"/>
-              <a:gd name="connsiteY0" fmla="*/ 346954 h 1270146"/>
-              <a:gd name="connsiteX1" fmla="*/ 2358147 w 9478107"/>
-              <a:gd name="connsiteY1" fmla="*/ 302992 h 1270146"/>
-              <a:gd name="connsiteX2" fmla="*/ 5127546 w 9478107"/>
-              <a:gd name="connsiteY2" fmla="*/ 115678 h 1270146"/>
-              <a:gd name="connsiteX3" fmla="*/ 7084613 w 9478107"/>
-              <a:gd name="connsiteY3" fmla="*/ 647346 h 1270146"/>
-              <a:gd name="connsiteX4" fmla="*/ 8557637 w 9478107"/>
-              <a:gd name="connsiteY4" fmla="*/ 716768 h 1270146"/>
-              <a:gd name="connsiteX5" fmla="*/ 9478107 w 9478107"/>
-              <a:gd name="connsiteY5" fmla="*/ 346954 h 1270146"/>
-              <a:gd name="connsiteX6" fmla="*/ 9469315 w 9478107"/>
-              <a:gd name="connsiteY6" fmla="*/ 1252562 h 1270146"/>
-              <a:gd name="connsiteX7" fmla="*/ 7253653 w 9478107"/>
-              <a:gd name="connsiteY7" fmla="*/ 1243769 h 1270146"/>
-              <a:gd name="connsiteX8" fmla="*/ 4826976 w 9478107"/>
-              <a:gd name="connsiteY8" fmla="*/ 1270146 h 1270146"/>
-              <a:gd name="connsiteX9" fmla="*/ 2751992 w 9478107"/>
-              <a:gd name="connsiteY9" fmla="*/ 1261354 h 1270146"/>
-              <a:gd name="connsiteX10" fmla="*/ 0 w 9478107"/>
-              <a:gd name="connsiteY10" fmla="*/ 1208600 h 1270146"/>
-              <a:gd name="connsiteX11" fmla="*/ 8792 w 9478107"/>
-              <a:gd name="connsiteY11" fmla="*/ 346954 h 1270146"/>
-              <a:gd name="connsiteX0" fmla="*/ 15627 w 9484942"/>
-              <a:gd name="connsiteY0" fmla="*/ 346954 h 1277035"/>
-              <a:gd name="connsiteX1" fmla="*/ 2364982 w 9484942"/>
-              <a:gd name="connsiteY1" fmla="*/ 302992 h 1277035"/>
-              <a:gd name="connsiteX2" fmla="*/ 5134381 w 9484942"/>
-              <a:gd name="connsiteY2" fmla="*/ 115678 h 1277035"/>
-              <a:gd name="connsiteX3" fmla="*/ 7091448 w 9484942"/>
-              <a:gd name="connsiteY3" fmla="*/ 647346 h 1277035"/>
-              <a:gd name="connsiteX4" fmla="*/ 8564472 w 9484942"/>
-              <a:gd name="connsiteY4" fmla="*/ 716768 h 1277035"/>
-              <a:gd name="connsiteX5" fmla="*/ 9484942 w 9484942"/>
-              <a:gd name="connsiteY5" fmla="*/ 346954 h 1277035"/>
-              <a:gd name="connsiteX6" fmla="*/ 9476150 w 9484942"/>
-              <a:gd name="connsiteY6" fmla="*/ 1252562 h 1277035"/>
-              <a:gd name="connsiteX7" fmla="*/ 7260488 w 9484942"/>
-              <a:gd name="connsiteY7" fmla="*/ 1243769 h 1277035"/>
-              <a:gd name="connsiteX8" fmla="*/ 4833811 w 9484942"/>
-              <a:gd name="connsiteY8" fmla="*/ 1270146 h 1277035"/>
-              <a:gd name="connsiteX9" fmla="*/ 2758827 w 9484942"/>
-              <a:gd name="connsiteY9" fmla="*/ 1261354 h 1277035"/>
-              <a:gd name="connsiteX10" fmla="*/ 0 w 9484942"/>
-              <a:gd name="connsiteY10" fmla="*/ 1273013 h 1277035"/>
-              <a:gd name="connsiteX11" fmla="*/ 15627 w 9484942"/>
-              <a:gd name="connsiteY11" fmla="*/ 346954 h 1277035"/>
-              <a:gd name="connsiteX0" fmla="*/ 15627 w 9484942"/>
-              <a:gd name="connsiteY0" fmla="*/ 346954 h 1300002"/>
-              <a:gd name="connsiteX1" fmla="*/ 2364982 w 9484942"/>
-              <a:gd name="connsiteY1" fmla="*/ 302992 h 1300002"/>
-              <a:gd name="connsiteX2" fmla="*/ 5134381 w 9484942"/>
-              <a:gd name="connsiteY2" fmla="*/ 115678 h 1300002"/>
-              <a:gd name="connsiteX3" fmla="*/ 7091448 w 9484942"/>
-              <a:gd name="connsiteY3" fmla="*/ 647346 h 1300002"/>
-              <a:gd name="connsiteX4" fmla="*/ 8564472 w 9484942"/>
-              <a:gd name="connsiteY4" fmla="*/ 716768 h 1300002"/>
-              <a:gd name="connsiteX5" fmla="*/ 9484942 w 9484942"/>
-              <a:gd name="connsiteY5" fmla="*/ 346954 h 1300002"/>
-              <a:gd name="connsiteX6" fmla="*/ 9476150 w 9484942"/>
-              <a:gd name="connsiteY6" fmla="*/ 1252562 h 1300002"/>
-              <a:gd name="connsiteX7" fmla="*/ 7260488 w 9484942"/>
-              <a:gd name="connsiteY7" fmla="*/ 1243769 h 1300002"/>
-              <a:gd name="connsiteX8" fmla="*/ 4833811 w 9484942"/>
-              <a:gd name="connsiteY8" fmla="*/ 1270146 h 1300002"/>
-              <a:gd name="connsiteX9" fmla="*/ 2779333 w 9484942"/>
-              <a:gd name="connsiteY9" fmla="*/ 1300002 h 1300002"/>
-              <a:gd name="connsiteX10" fmla="*/ 0 w 9484942"/>
-              <a:gd name="connsiteY10" fmla="*/ 1273013 h 1300002"/>
-              <a:gd name="connsiteX11" fmla="*/ 15627 w 9484942"/>
-              <a:gd name="connsiteY11" fmla="*/ 346954 h 1300002"/>
-              <a:gd name="connsiteX0" fmla="*/ 15627 w 9484942"/>
-              <a:gd name="connsiteY0" fmla="*/ 346954 h 1346830"/>
-              <a:gd name="connsiteX1" fmla="*/ 2364982 w 9484942"/>
-              <a:gd name="connsiteY1" fmla="*/ 302992 h 1346830"/>
-              <a:gd name="connsiteX2" fmla="*/ 5134381 w 9484942"/>
-              <a:gd name="connsiteY2" fmla="*/ 115678 h 1346830"/>
-              <a:gd name="connsiteX3" fmla="*/ 7091448 w 9484942"/>
-              <a:gd name="connsiteY3" fmla="*/ 647346 h 1346830"/>
-              <a:gd name="connsiteX4" fmla="*/ 8564472 w 9484942"/>
-              <a:gd name="connsiteY4" fmla="*/ 716768 h 1346830"/>
-              <a:gd name="connsiteX5" fmla="*/ 9484942 w 9484942"/>
-              <a:gd name="connsiteY5" fmla="*/ 346954 h 1346830"/>
-              <a:gd name="connsiteX6" fmla="*/ 9476150 w 9484942"/>
-              <a:gd name="connsiteY6" fmla="*/ 1252562 h 1346830"/>
-              <a:gd name="connsiteX7" fmla="*/ 7267323 w 9484942"/>
-              <a:gd name="connsiteY7" fmla="*/ 1346830 h 1346830"/>
-              <a:gd name="connsiteX8" fmla="*/ 4833811 w 9484942"/>
-              <a:gd name="connsiteY8" fmla="*/ 1270146 h 1346830"/>
-              <a:gd name="connsiteX9" fmla="*/ 2779333 w 9484942"/>
-              <a:gd name="connsiteY9" fmla="*/ 1300002 h 1346830"/>
-              <a:gd name="connsiteX10" fmla="*/ 0 w 9484942"/>
-              <a:gd name="connsiteY10" fmla="*/ 1273013 h 1346830"/>
-              <a:gd name="connsiteX11" fmla="*/ 15627 w 9484942"/>
-              <a:gd name="connsiteY11" fmla="*/ 346954 h 1346830"/>
-              <a:gd name="connsiteX0" fmla="*/ 15627 w 9484942"/>
-              <a:gd name="connsiteY0" fmla="*/ 346954 h 1308182"/>
-              <a:gd name="connsiteX1" fmla="*/ 2364982 w 9484942"/>
-              <a:gd name="connsiteY1" fmla="*/ 302992 h 1308182"/>
-              <a:gd name="connsiteX2" fmla="*/ 5134381 w 9484942"/>
-              <a:gd name="connsiteY2" fmla="*/ 115678 h 1308182"/>
-              <a:gd name="connsiteX3" fmla="*/ 7091448 w 9484942"/>
-              <a:gd name="connsiteY3" fmla="*/ 647346 h 1308182"/>
-              <a:gd name="connsiteX4" fmla="*/ 8564472 w 9484942"/>
-              <a:gd name="connsiteY4" fmla="*/ 716768 h 1308182"/>
-              <a:gd name="connsiteX5" fmla="*/ 9484942 w 9484942"/>
-              <a:gd name="connsiteY5" fmla="*/ 346954 h 1308182"/>
-              <a:gd name="connsiteX6" fmla="*/ 9476150 w 9484942"/>
-              <a:gd name="connsiteY6" fmla="*/ 1252562 h 1308182"/>
-              <a:gd name="connsiteX7" fmla="*/ 7246817 w 9484942"/>
-              <a:gd name="connsiteY7" fmla="*/ 1308182 h 1308182"/>
-              <a:gd name="connsiteX8" fmla="*/ 4833811 w 9484942"/>
-              <a:gd name="connsiteY8" fmla="*/ 1270146 h 1308182"/>
-              <a:gd name="connsiteX9" fmla="*/ 2779333 w 9484942"/>
-              <a:gd name="connsiteY9" fmla="*/ 1300002 h 1308182"/>
-              <a:gd name="connsiteX10" fmla="*/ 0 w 9484942"/>
-              <a:gd name="connsiteY10" fmla="*/ 1273013 h 1308182"/>
-              <a:gd name="connsiteX11" fmla="*/ 15627 w 9484942"/>
-              <a:gd name="connsiteY11" fmla="*/ 346954 h 1308182"/>
-              <a:gd name="connsiteX0" fmla="*/ 15627 w 9496987"/>
-              <a:gd name="connsiteY0" fmla="*/ 346954 h 1316976"/>
-              <a:gd name="connsiteX1" fmla="*/ 2364982 w 9496987"/>
-              <a:gd name="connsiteY1" fmla="*/ 302992 h 1316976"/>
-              <a:gd name="connsiteX2" fmla="*/ 5134381 w 9496987"/>
-              <a:gd name="connsiteY2" fmla="*/ 115678 h 1316976"/>
-              <a:gd name="connsiteX3" fmla="*/ 7091448 w 9496987"/>
-              <a:gd name="connsiteY3" fmla="*/ 647346 h 1316976"/>
-              <a:gd name="connsiteX4" fmla="*/ 8564472 w 9496987"/>
-              <a:gd name="connsiteY4" fmla="*/ 716768 h 1316976"/>
-              <a:gd name="connsiteX5" fmla="*/ 9484942 w 9496987"/>
-              <a:gd name="connsiteY5" fmla="*/ 346954 h 1316976"/>
-              <a:gd name="connsiteX6" fmla="*/ 9496656 w 9496987"/>
-              <a:gd name="connsiteY6" fmla="*/ 1316976 h 1316976"/>
-              <a:gd name="connsiteX7" fmla="*/ 7246817 w 9496987"/>
-              <a:gd name="connsiteY7" fmla="*/ 1308182 h 1316976"/>
-              <a:gd name="connsiteX8" fmla="*/ 4833811 w 9496987"/>
-              <a:gd name="connsiteY8" fmla="*/ 1270146 h 1316976"/>
-              <a:gd name="connsiteX9" fmla="*/ 2779333 w 9496987"/>
-              <a:gd name="connsiteY9" fmla="*/ 1300002 h 1316976"/>
-              <a:gd name="connsiteX10" fmla="*/ 0 w 9496987"/>
-              <a:gd name="connsiteY10" fmla="*/ 1273013 h 1316976"/>
-              <a:gd name="connsiteX11" fmla="*/ 15627 w 9496987"/>
-              <a:gd name="connsiteY11" fmla="*/ 346954 h 1316976"/>
-            </a:gdLst>
-            <a:ahLst/>
-            <a:cxnLst>
-              <a:cxn ang="0">
-                <a:pos x="connsiteX0" y="connsiteY0"/>
-              </a:cxn>
-              <a:cxn ang="0">
-                <a:pos x="connsiteX1" y="connsiteY1"/>
-              </a:cxn>
-              <a:cxn ang="0">
-                <a:pos x="connsiteX2" y="connsiteY2"/>
-              </a:cxn>
-              <a:cxn ang="0">
-                <a:pos x="connsiteX3" y="connsiteY3"/>
-              </a:cxn>
-              <a:cxn ang="0">
-                <a:pos x="connsiteX4" y="connsiteY4"/>
-              </a:cxn>
-              <a:cxn ang="0">
-                <a:pos x="connsiteX5" y="connsiteY5"/>
-              </a:cxn>
-              <a:cxn ang="0">
-                <a:pos x="connsiteX6" y="connsiteY6"/>
-              </a:cxn>
-              <a:cxn ang="0">
-                <a:pos x="connsiteX7" y="connsiteY7"/>
-              </a:cxn>
-              <a:cxn ang="0">
-                <a:pos x="connsiteX8" y="connsiteY8"/>
-              </a:cxn>
-              <a:cxn ang="0">
-                <a:pos x="connsiteX9" y="connsiteY9"/>
-              </a:cxn>
-              <a:cxn ang="0">
-                <a:pos x="connsiteX10" y="connsiteY10"/>
-              </a:cxn>
-              <a:cxn ang="0">
-                <a:pos x="connsiteX11" y="connsiteY11"/>
-              </a:cxn>
-            </a:cxnLst>
-            <a:rect l="l" t="t" r="r" b="b"/>
-            <a:pathLst>
-              <a:path w="9496987" h="1316976">
-                <a:moveTo>
-                  <a:pt x="15627" y="346954"/>
-                </a:moveTo>
-                <a:cubicBezTo>
-                  <a:pt x="677981" y="352815"/>
-                  <a:pt x="1280597" y="-406254"/>
-                  <a:pt x="2364982" y="302992"/>
-                </a:cubicBezTo>
-                <a:cubicBezTo>
-                  <a:pt x="3590042" y="1000515"/>
-                  <a:pt x="4346637" y="58286"/>
-                  <a:pt x="5134381" y="115678"/>
-                </a:cubicBezTo>
-                <a:cubicBezTo>
-                  <a:pt x="5922125" y="173070"/>
-                  <a:pt x="6479894" y="562194"/>
-                  <a:pt x="7091448" y="647346"/>
-                </a:cubicBezTo>
-                <a:cubicBezTo>
-                  <a:pt x="7703002" y="732498"/>
-                  <a:pt x="8165556" y="766833"/>
-                  <a:pt x="8564472" y="716768"/>
-                </a:cubicBezTo>
-                <a:cubicBezTo>
-                  <a:pt x="8963388" y="666703"/>
-                  <a:pt x="9372868" y="242625"/>
-                  <a:pt x="9484942" y="346954"/>
-                </a:cubicBezTo>
-                <a:cubicBezTo>
-                  <a:pt x="9482011" y="648823"/>
-                  <a:pt x="9499587" y="1015107"/>
-                  <a:pt x="9496656" y="1316976"/>
-                </a:cubicBezTo>
-                <a:lnTo>
-                  <a:pt x="7246817" y="1308182"/>
-                </a:lnTo>
-                <a:lnTo>
-                  <a:pt x="4833811" y="1270146"/>
-                </a:lnTo>
-                <a:lnTo>
-                  <a:pt x="2779333" y="1300002"/>
-                </a:lnTo>
-                <a:lnTo>
-                  <a:pt x="0" y="1273013"/>
-                </a:lnTo>
-                <a:cubicBezTo>
-                  <a:pt x="2931" y="988728"/>
-                  <a:pt x="3903" y="648823"/>
-                  <a:pt x="15627" y="346954"/>
-                </a:cubicBezTo>
-                <a:close/>
-              </a:path>
-            </a:pathLst>
-          </a:custGeom>
-          <a:gradFill flip="none" rotWithShape="1">
-            <a:gsLst>
-              <a:gs pos="0">
-                <a:schemeClr val="accent4">
-                  <a:lumMod val="20000"/>
-                  <a:lumOff val="80000"/>
-                </a:schemeClr>
-              </a:gs>
-              <a:gs pos="50000">
-                <a:schemeClr val="bg1"/>
-              </a:gs>
-              <a:gs pos="100000">
-                <a:schemeClr val="accent4">
-                  <a:lumMod val="20000"/>
-                  <a:lumOff val="80000"/>
-                </a:schemeClr>
-              </a:gs>
-            </a:gsLst>
-            <a:lin ang="0" scaled="1"/>
-            <a:tileRect/>
-          </a:gradFill>
-          <a:ln w="15875">
-            <a:solidFill>
-              <a:schemeClr val="accent1">
-                <a:alpha val="0"/>
-              </a:schemeClr>
-            </a:solidFill>
-          </a:ln>
-          <a:effectLst>
-            <a:glow>
-              <a:srgbClr val="FFFF00"/>
-            </a:glow>
-            <a:outerShdw algn="ctr" rotWithShape="0">
-              <a:schemeClr val="tx1"/>
-            </a:outerShdw>
-          </a:effectLst>
-          <a:scene3d>
-            <a:camera prst="orthographicFront"/>
-            <a:lightRig rig="threePt" dir="t"/>
-          </a:scene3d>
-          <a:sp3d>
-            <a:bevelT w="0"/>
-          </a:sp3d>
-        </p:spPr>
-        <p:style>
-          <a:lnRef idx="2">
-            <a:schemeClr val="accent1">
-              <a:shade val="15000"/>
-            </a:schemeClr>
-          </a:lnRef>
-          <a:fillRef idx="1">
-            <a:schemeClr val="accent1"/>
-          </a:fillRef>
-          <a:effectRef idx="0">
-            <a:schemeClr val="accent1"/>
-          </a:effectRef>
-          <a:fontRef idx="minor">
-            <a:schemeClr val="lt1"/>
-          </a:fontRef>
-        </p:style>
-        <p:txBody>
-          <a:bodyPr rtlCol="0" anchor="ctr"/>
-          <a:lstStyle/>
-          <a:p>
-            <a:pPr algn="ctr"/>
-            <a:endParaRPr lang="en-GB" dirty="0"/>
-          </a:p>
-        </p:txBody>
-      </p:sp>
-      <p:sp>
-        <p:nvSpPr>
-          <p:cNvPr id="10" name="Free-form: Shape 13">
-            <a:extLst>
-              <a:ext uri="{FF2B5EF4-FFF2-40B4-BE49-F238E27FC236}">
-                <a16:creationId xmlns:a16="http://schemas.microsoft.com/office/drawing/2014/main" id="{0DF2E086-1F77-7ADA-A072-C1020548044D}"/>
-              </a:ext>
-            </a:extLst>
-          </p:cNvPr>
-          <p:cNvSpPr/>
-          <p:nvPr/>
-        </p:nvSpPr>
-        <p:spPr>
-          <a:xfrm rot="10800000">
-            <a:off x="-2090" y="-10376"/>
-            <a:ext cx="12192000" cy="898826"/>
-          </a:xfrm>
-          <a:custGeom>
-            <a:avLst/>
-            <a:gdLst>
-              <a:gd name="connsiteX0" fmla="*/ 17585 w 9486900"/>
-              <a:gd name="connsiteY0" fmla="*/ 8792 h 931984"/>
-              <a:gd name="connsiteX1" fmla="*/ 2004646 w 9486900"/>
-              <a:gd name="connsiteY1" fmla="*/ 26376 h 931984"/>
-              <a:gd name="connsiteX2" fmla="*/ 4466492 w 9486900"/>
-              <a:gd name="connsiteY2" fmla="*/ 35169 h 931984"/>
-              <a:gd name="connsiteX3" fmla="*/ 7025054 w 9486900"/>
-              <a:gd name="connsiteY3" fmla="*/ 0 h 931984"/>
-              <a:gd name="connsiteX4" fmla="*/ 9486900 w 9486900"/>
-              <a:gd name="connsiteY4" fmla="*/ 8792 h 931984"/>
-              <a:gd name="connsiteX5" fmla="*/ 9478108 w 9486900"/>
-              <a:gd name="connsiteY5" fmla="*/ 914400 h 931984"/>
-              <a:gd name="connsiteX6" fmla="*/ 7262446 w 9486900"/>
-              <a:gd name="connsiteY6" fmla="*/ 905607 h 931984"/>
-              <a:gd name="connsiteX7" fmla="*/ 4835769 w 9486900"/>
-              <a:gd name="connsiteY7" fmla="*/ 931984 h 931984"/>
-              <a:gd name="connsiteX8" fmla="*/ 2760785 w 9486900"/>
-              <a:gd name="connsiteY8" fmla="*/ 923192 h 931984"/>
-              <a:gd name="connsiteX9" fmla="*/ 0 w 9486900"/>
-              <a:gd name="connsiteY9" fmla="*/ 879230 h 931984"/>
-              <a:gd name="connsiteX10" fmla="*/ 17585 w 9486900"/>
-              <a:gd name="connsiteY10" fmla="*/ 8792 h 931984"/>
-              <a:gd name="connsiteX0" fmla="*/ 17585 w 9486900"/>
-              <a:gd name="connsiteY0" fmla="*/ 168095 h 1091287"/>
-              <a:gd name="connsiteX1" fmla="*/ 2004646 w 9486900"/>
-              <a:gd name="connsiteY1" fmla="*/ 185679 h 1091287"/>
-              <a:gd name="connsiteX2" fmla="*/ 4466492 w 9486900"/>
-              <a:gd name="connsiteY2" fmla="*/ 194472 h 1091287"/>
-              <a:gd name="connsiteX3" fmla="*/ 7025054 w 9486900"/>
-              <a:gd name="connsiteY3" fmla="*/ 159303 h 1091287"/>
-              <a:gd name="connsiteX4" fmla="*/ 9486900 w 9486900"/>
-              <a:gd name="connsiteY4" fmla="*/ 168095 h 1091287"/>
-              <a:gd name="connsiteX5" fmla="*/ 9478108 w 9486900"/>
-              <a:gd name="connsiteY5" fmla="*/ 1073703 h 1091287"/>
-              <a:gd name="connsiteX6" fmla="*/ 7262446 w 9486900"/>
-              <a:gd name="connsiteY6" fmla="*/ 1064910 h 1091287"/>
-              <a:gd name="connsiteX7" fmla="*/ 4835769 w 9486900"/>
-              <a:gd name="connsiteY7" fmla="*/ 1091287 h 1091287"/>
-              <a:gd name="connsiteX8" fmla="*/ 2760785 w 9486900"/>
-              <a:gd name="connsiteY8" fmla="*/ 1082495 h 1091287"/>
-              <a:gd name="connsiteX9" fmla="*/ 0 w 9486900"/>
-              <a:gd name="connsiteY9" fmla="*/ 1038533 h 1091287"/>
-              <a:gd name="connsiteX10" fmla="*/ 17585 w 9486900"/>
-              <a:gd name="connsiteY10" fmla="*/ 168095 h 1091287"/>
-              <a:gd name="connsiteX0" fmla="*/ 17585 w 9486900"/>
-              <a:gd name="connsiteY0" fmla="*/ 234508 h 1157700"/>
-              <a:gd name="connsiteX1" fmla="*/ 2004646 w 9486900"/>
-              <a:gd name="connsiteY1" fmla="*/ 252092 h 1157700"/>
-              <a:gd name="connsiteX2" fmla="*/ 4466492 w 9486900"/>
-              <a:gd name="connsiteY2" fmla="*/ 260885 h 1157700"/>
-              <a:gd name="connsiteX3" fmla="*/ 7025054 w 9486900"/>
-              <a:gd name="connsiteY3" fmla="*/ 225716 h 1157700"/>
-              <a:gd name="connsiteX4" fmla="*/ 9486900 w 9486900"/>
-              <a:gd name="connsiteY4" fmla="*/ 234508 h 1157700"/>
-              <a:gd name="connsiteX5" fmla="*/ 9478108 w 9486900"/>
-              <a:gd name="connsiteY5" fmla="*/ 1140116 h 1157700"/>
-              <a:gd name="connsiteX6" fmla="*/ 7262446 w 9486900"/>
-              <a:gd name="connsiteY6" fmla="*/ 1131323 h 1157700"/>
-              <a:gd name="connsiteX7" fmla="*/ 4835769 w 9486900"/>
-              <a:gd name="connsiteY7" fmla="*/ 1157700 h 1157700"/>
-              <a:gd name="connsiteX8" fmla="*/ 2760785 w 9486900"/>
-              <a:gd name="connsiteY8" fmla="*/ 1148908 h 1157700"/>
-              <a:gd name="connsiteX9" fmla="*/ 0 w 9486900"/>
-              <a:gd name="connsiteY9" fmla="*/ 1104946 h 1157700"/>
-              <a:gd name="connsiteX10" fmla="*/ 17585 w 9486900"/>
-              <a:gd name="connsiteY10" fmla="*/ 234508 h 1157700"/>
-              <a:gd name="connsiteX0" fmla="*/ 17585 w 9486900"/>
-              <a:gd name="connsiteY0" fmla="*/ 375168 h 1298360"/>
-              <a:gd name="connsiteX1" fmla="*/ 2004646 w 9486900"/>
-              <a:gd name="connsiteY1" fmla="*/ 392752 h 1298360"/>
-              <a:gd name="connsiteX2" fmla="*/ 4466492 w 9486900"/>
-              <a:gd name="connsiteY2" fmla="*/ 401545 h 1298360"/>
-              <a:gd name="connsiteX3" fmla="*/ 7025054 w 9486900"/>
-              <a:gd name="connsiteY3" fmla="*/ 366376 h 1298360"/>
-              <a:gd name="connsiteX4" fmla="*/ 9486900 w 9486900"/>
-              <a:gd name="connsiteY4" fmla="*/ 375168 h 1298360"/>
-              <a:gd name="connsiteX5" fmla="*/ 9478108 w 9486900"/>
-              <a:gd name="connsiteY5" fmla="*/ 1280776 h 1298360"/>
-              <a:gd name="connsiteX6" fmla="*/ 7262446 w 9486900"/>
-              <a:gd name="connsiteY6" fmla="*/ 1271983 h 1298360"/>
-              <a:gd name="connsiteX7" fmla="*/ 4835769 w 9486900"/>
-              <a:gd name="connsiteY7" fmla="*/ 1298360 h 1298360"/>
-              <a:gd name="connsiteX8" fmla="*/ 2760785 w 9486900"/>
-              <a:gd name="connsiteY8" fmla="*/ 1289568 h 1298360"/>
-              <a:gd name="connsiteX9" fmla="*/ 0 w 9486900"/>
-              <a:gd name="connsiteY9" fmla="*/ 1245606 h 1298360"/>
-              <a:gd name="connsiteX10" fmla="*/ 17585 w 9486900"/>
-              <a:gd name="connsiteY10" fmla="*/ 375168 h 1298360"/>
-              <a:gd name="connsiteX0" fmla="*/ 17585 w 9486900"/>
-              <a:gd name="connsiteY0" fmla="*/ 375168 h 1298360"/>
-              <a:gd name="connsiteX1" fmla="*/ 2004646 w 9486900"/>
-              <a:gd name="connsiteY1" fmla="*/ 392752 h 1298360"/>
-              <a:gd name="connsiteX2" fmla="*/ 4466492 w 9486900"/>
-              <a:gd name="connsiteY2" fmla="*/ 401545 h 1298360"/>
-              <a:gd name="connsiteX3" fmla="*/ 7025054 w 9486900"/>
-              <a:gd name="connsiteY3" fmla="*/ 366376 h 1298360"/>
-              <a:gd name="connsiteX4" fmla="*/ 9486900 w 9486900"/>
-              <a:gd name="connsiteY4" fmla="*/ 375168 h 1298360"/>
-              <a:gd name="connsiteX5" fmla="*/ 9478108 w 9486900"/>
-              <a:gd name="connsiteY5" fmla="*/ 1280776 h 1298360"/>
-              <a:gd name="connsiteX6" fmla="*/ 7262446 w 9486900"/>
-              <a:gd name="connsiteY6" fmla="*/ 1271983 h 1298360"/>
-              <a:gd name="connsiteX7" fmla="*/ 4835769 w 9486900"/>
-              <a:gd name="connsiteY7" fmla="*/ 1298360 h 1298360"/>
-              <a:gd name="connsiteX8" fmla="*/ 2760785 w 9486900"/>
-              <a:gd name="connsiteY8" fmla="*/ 1289568 h 1298360"/>
-              <a:gd name="connsiteX9" fmla="*/ 0 w 9486900"/>
-              <a:gd name="connsiteY9" fmla="*/ 1245606 h 1298360"/>
-              <a:gd name="connsiteX10" fmla="*/ 17585 w 9486900"/>
-              <a:gd name="connsiteY10" fmla="*/ 375168 h 1298360"/>
-              <a:gd name="connsiteX0" fmla="*/ 17585 w 9486900"/>
-              <a:gd name="connsiteY0" fmla="*/ 375168 h 1298360"/>
-              <a:gd name="connsiteX1" fmla="*/ 2004646 w 9486900"/>
-              <a:gd name="connsiteY1" fmla="*/ 392752 h 1298360"/>
-              <a:gd name="connsiteX2" fmla="*/ 4466492 w 9486900"/>
-              <a:gd name="connsiteY2" fmla="*/ 401545 h 1298360"/>
-              <a:gd name="connsiteX3" fmla="*/ 7025054 w 9486900"/>
-              <a:gd name="connsiteY3" fmla="*/ 366376 h 1298360"/>
-              <a:gd name="connsiteX4" fmla="*/ 9486900 w 9486900"/>
-              <a:gd name="connsiteY4" fmla="*/ 375168 h 1298360"/>
-              <a:gd name="connsiteX5" fmla="*/ 9478108 w 9486900"/>
-              <a:gd name="connsiteY5" fmla="*/ 1280776 h 1298360"/>
-              <a:gd name="connsiteX6" fmla="*/ 7262446 w 9486900"/>
-              <a:gd name="connsiteY6" fmla="*/ 1271983 h 1298360"/>
-              <a:gd name="connsiteX7" fmla="*/ 4835769 w 9486900"/>
-              <a:gd name="connsiteY7" fmla="*/ 1298360 h 1298360"/>
-              <a:gd name="connsiteX8" fmla="*/ 2760785 w 9486900"/>
-              <a:gd name="connsiteY8" fmla="*/ 1289568 h 1298360"/>
-              <a:gd name="connsiteX9" fmla="*/ 0 w 9486900"/>
-              <a:gd name="connsiteY9" fmla="*/ 1245606 h 1298360"/>
-              <a:gd name="connsiteX10" fmla="*/ 17585 w 9486900"/>
-              <a:gd name="connsiteY10" fmla="*/ 375168 h 1298360"/>
-              <a:gd name="connsiteX0" fmla="*/ 17585 w 9486900"/>
-              <a:gd name="connsiteY0" fmla="*/ 375168 h 1298360"/>
-              <a:gd name="connsiteX1" fmla="*/ 2004646 w 9486900"/>
-              <a:gd name="connsiteY1" fmla="*/ 392752 h 1298360"/>
-              <a:gd name="connsiteX2" fmla="*/ 4466492 w 9486900"/>
-              <a:gd name="connsiteY2" fmla="*/ 401545 h 1298360"/>
-              <a:gd name="connsiteX3" fmla="*/ 7025054 w 9486900"/>
-              <a:gd name="connsiteY3" fmla="*/ 366376 h 1298360"/>
-              <a:gd name="connsiteX4" fmla="*/ 9486900 w 9486900"/>
-              <a:gd name="connsiteY4" fmla="*/ 375168 h 1298360"/>
-              <a:gd name="connsiteX5" fmla="*/ 9478108 w 9486900"/>
-              <a:gd name="connsiteY5" fmla="*/ 1280776 h 1298360"/>
-              <a:gd name="connsiteX6" fmla="*/ 7262446 w 9486900"/>
-              <a:gd name="connsiteY6" fmla="*/ 1271983 h 1298360"/>
-              <a:gd name="connsiteX7" fmla="*/ 4835769 w 9486900"/>
-              <a:gd name="connsiteY7" fmla="*/ 1298360 h 1298360"/>
-              <a:gd name="connsiteX8" fmla="*/ 2760785 w 9486900"/>
-              <a:gd name="connsiteY8" fmla="*/ 1289568 h 1298360"/>
-              <a:gd name="connsiteX9" fmla="*/ 0 w 9486900"/>
-              <a:gd name="connsiteY9" fmla="*/ 1245606 h 1298360"/>
-              <a:gd name="connsiteX10" fmla="*/ 17585 w 9486900"/>
-              <a:gd name="connsiteY10" fmla="*/ 375168 h 1298360"/>
-              <a:gd name="connsiteX0" fmla="*/ 17585 w 9486900"/>
-              <a:gd name="connsiteY0" fmla="*/ 375168 h 1298360"/>
-              <a:gd name="connsiteX1" fmla="*/ 2004646 w 9486900"/>
-              <a:gd name="connsiteY1" fmla="*/ 392752 h 1298360"/>
-              <a:gd name="connsiteX2" fmla="*/ 4466492 w 9486900"/>
-              <a:gd name="connsiteY2" fmla="*/ 401545 h 1298360"/>
-              <a:gd name="connsiteX3" fmla="*/ 7025054 w 9486900"/>
-              <a:gd name="connsiteY3" fmla="*/ 366376 h 1298360"/>
-              <a:gd name="connsiteX4" fmla="*/ 9486900 w 9486900"/>
-              <a:gd name="connsiteY4" fmla="*/ 375168 h 1298360"/>
-              <a:gd name="connsiteX5" fmla="*/ 9478108 w 9486900"/>
-              <a:gd name="connsiteY5" fmla="*/ 1280776 h 1298360"/>
-              <a:gd name="connsiteX6" fmla="*/ 7262446 w 9486900"/>
-              <a:gd name="connsiteY6" fmla="*/ 1271983 h 1298360"/>
-              <a:gd name="connsiteX7" fmla="*/ 4835769 w 9486900"/>
-              <a:gd name="connsiteY7" fmla="*/ 1298360 h 1298360"/>
-              <a:gd name="connsiteX8" fmla="*/ 2760785 w 9486900"/>
-              <a:gd name="connsiteY8" fmla="*/ 1289568 h 1298360"/>
-              <a:gd name="connsiteX9" fmla="*/ 0 w 9486900"/>
-              <a:gd name="connsiteY9" fmla="*/ 1245606 h 1298360"/>
-              <a:gd name="connsiteX10" fmla="*/ 17585 w 9486900"/>
-              <a:gd name="connsiteY10" fmla="*/ 375168 h 1298360"/>
-              <a:gd name="connsiteX0" fmla="*/ 17585 w 9486900"/>
-              <a:gd name="connsiteY0" fmla="*/ 375168 h 1298360"/>
-              <a:gd name="connsiteX1" fmla="*/ 2004646 w 9486900"/>
-              <a:gd name="connsiteY1" fmla="*/ 392752 h 1298360"/>
-              <a:gd name="connsiteX2" fmla="*/ 4466492 w 9486900"/>
-              <a:gd name="connsiteY2" fmla="*/ 401545 h 1298360"/>
-              <a:gd name="connsiteX3" fmla="*/ 7025054 w 9486900"/>
-              <a:gd name="connsiteY3" fmla="*/ 366376 h 1298360"/>
-              <a:gd name="connsiteX4" fmla="*/ 9486900 w 9486900"/>
-              <a:gd name="connsiteY4" fmla="*/ 375168 h 1298360"/>
-              <a:gd name="connsiteX5" fmla="*/ 9478108 w 9486900"/>
-              <a:gd name="connsiteY5" fmla="*/ 1280776 h 1298360"/>
-              <a:gd name="connsiteX6" fmla="*/ 7262446 w 9486900"/>
-              <a:gd name="connsiteY6" fmla="*/ 1271983 h 1298360"/>
-              <a:gd name="connsiteX7" fmla="*/ 4835769 w 9486900"/>
-              <a:gd name="connsiteY7" fmla="*/ 1298360 h 1298360"/>
-              <a:gd name="connsiteX8" fmla="*/ 2760785 w 9486900"/>
-              <a:gd name="connsiteY8" fmla="*/ 1289568 h 1298360"/>
-              <a:gd name="connsiteX9" fmla="*/ 0 w 9486900"/>
-              <a:gd name="connsiteY9" fmla="*/ 1245606 h 1298360"/>
-              <a:gd name="connsiteX10" fmla="*/ 17585 w 9486900"/>
-              <a:gd name="connsiteY10" fmla="*/ 375168 h 1298360"/>
-              <a:gd name="connsiteX0" fmla="*/ 8792 w 9478107"/>
-              <a:gd name="connsiteY0" fmla="*/ 375168 h 1298360"/>
-              <a:gd name="connsiteX1" fmla="*/ 1995853 w 9478107"/>
-              <a:gd name="connsiteY1" fmla="*/ 392752 h 1298360"/>
-              <a:gd name="connsiteX2" fmla="*/ 4457699 w 9478107"/>
-              <a:gd name="connsiteY2" fmla="*/ 401545 h 1298360"/>
-              <a:gd name="connsiteX3" fmla="*/ 7016261 w 9478107"/>
-              <a:gd name="connsiteY3" fmla="*/ 366376 h 1298360"/>
-              <a:gd name="connsiteX4" fmla="*/ 9478107 w 9478107"/>
-              <a:gd name="connsiteY4" fmla="*/ 375168 h 1298360"/>
-              <a:gd name="connsiteX5" fmla="*/ 9469315 w 9478107"/>
-              <a:gd name="connsiteY5" fmla="*/ 1280776 h 1298360"/>
-              <a:gd name="connsiteX6" fmla="*/ 7253653 w 9478107"/>
-              <a:gd name="connsiteY6" fmla="*/ 1271983 h 1298360"/>
-              <a:gd name="connsiteX7" fmla="*/ 4826976 w 9478107"/>
-              <a:gd name="connsiteY7" fmla="*/ 1298360 h 1298360"/>
-              <a:gd name="connsiteX8" fmla="*/ 2751992 w 9478107"/>
-              <a:gd name="connsiteY8" fmla="*/ 1289568 h 1298360"/>
-              <a:gd name="connsiteX9" fmla="*/ 0 w 9478107"/>
-              <a:gd name="connsiteY9" fmla="*/ 1236814 h 1298360"/>
-              <a:gd name="connsiteX10" fmla="*/ 8792 w 9478107"/>
-              <a:gd name="connsiteY10" fmla="*/ 375168 h 1298360"/>
-              <a:gd name="connsiteX0" fmla="*/ 8792 w 9478107"/>
-              <a:gd name="connsiteY0" fmla="*/ 421112 h 1344304"/>
-              <a:gd name="connsiteX1" fmla="*/ 2057399 w 9478107"/>
-              <a:gd name="connsiteY1" fmla="*/ 377150 h 1344304"/>
-              <a:gd name="connsiteX2" fmla="*/ 4457699 w 9478107"/>
-              <a:gd name="connsiteY2" fmla="*/ 447489 h 1344304"/>
-              <a:gd name="connsiteX3" fmla="*/ 7016261 w 9478107"/>
-              <a:gd name="connsiteY3" fmla="*/ 412320 h 1344304"/>
-              <a:gd name="connsiteX4" fmla="*/ 9478107 w 9478107"/>
-              <a:gd name="connsiteY4" fmla="*/ 421112 h 1344304"/>
-              <a:gd name="connsiteX5" fmla="*/ 9469315 w 9478107"/>
-              <a:gd name="connsiteY5" fmla="*/ 1326720 h 1344304"/>
-              <a:gd name="connsiteX6" fmla="*/ 7253653 w 9478107"/>
-              <a:gd name="connsiteY6" fmla="*/ 1317927 h 1344304"/>
-              <a:gd name="connsiteX7" fmla="*/ 4826976 w 9478107"/>
-              <a:gd name="connsiteY7" fmla="*/ 1344304 h 1344304"/>
-              <a:gd name="connsiteX8" fmla="*/ 2751992 w 9478107"/>
-              <a:gd name="connsiteY8" fmla="*/ 1335512 h 1344304"/>
-              <a:gd name="connsiteX9" fmla="*/ 0 w 9478107"/>
-              <a:gd name="connsiteY9" fmla="*/ 1282758 h 1344304"/>
-              <a:gd name="connsiteX10" fmla="*/ 8792 w 9478107"/>
-              <a:gd name="connsiteY10" fmla="*/ 421112 h 1344304"/>
-              <a:gd name="connsiteX0" fmla="*/ 8792 w 9478107"/>
-              <a:gd name="connsiteY0" fmla="*/ 350485 h 1273677"/>
-              <a:gd name="connsiteX1" fmla="*/ 2057399 w 9478107"/>
-              <a:gd name="connsiteY1" fmla="*/ 306523 h 1273677"/>
-              <a:gd name="connsiteX2" fmla="*/ 4457699 w 9478107"/>
-              <a:gd name="connsiteY2" fmla="*/ 376862 h 1273677"/>
-              <a:gd name="connsiteX3" fmla="*/ 7016261 w 9478107"/>
-              <a:gd name="connsiteY3" fmla="*/ 341693 h 1273677"/>
-              <a:gd name="connsiteX4" fmla="*/ 9478107 w 9478107"/>
-              <a:gd name="connsiteY4" fmla="*/ 350485 h 1273677"/>
-              <a:gd name="connsiteX5" fmla="*/ 9469315 w 9478107"/>
-              <a:gd name="connsiteY5" fmla="*/ 1256093 h 1273677"/>
-              <a:gd name="connsiteX6" fmla="*/ 7253653 w 9478107"/>
-              <a:gd name="connsiteY6" fmla="*/ 1247300 h 1273677"/>
-              <a:gd name="connsiteX7" fmla="*/ 4826976 w 9478107"/>
-              <a:gd name="connsiteY7" fmla="*/ 1273677 h 1273677"/>
-              <a:gd name="connsiteX8" fmla="*/ 2751992 w 9478107"/>
-              <a:gd name="connsiteY8" fmla="*/ 1264885 h 1273677"/>
-              <a:gd name="connsiteX9" fmla="*/ 0 w 9478107"/>
-              <a:gd name="connsiteY9" fmla="*/ 1212131 h 1273677"/>
-              <a:gd name="connsiteX10" fmla="*/ 8792 w 9478107"/>
-              <a:gd name="connsiteY10" fmla="*/ 350485 h 1273677"/>
-              <a:gd name="connsiteX0" fmla="*/ 8792 w 9478107"/>
-              <a:gd name="connsiteY0" fmla="*/ 350485 h 1273677"/>
-              <a:gd name="connsiteX1" fmla="*/ 2057399 w 9478107"/>
-              <a:gd name="connsiteY1" fmla="*/ 306523 h 1273677"/>
-              <a:gd name="connsiteX2" fmla="*/ 4457699 w 9478107"/>
-              <a:gd name="connsiteY2" fmla="*/ 376862 h 1273677"/>
-              <a:gd name="connsiteX3" fmla="*/ 7016261 w 9478107"/>
-              <a:gd name="connsiteY3" fmla="*/ 341693 h 1273677"/>
-              <a:gd name="connsiteX4" fmla="*/ 9478107 w 9478107"/>
-              <a:gd name="connsiteY4" fmla="*/ 350485 h 1273677"/>
-              <a:gd name="connsiteX5" fmla="*/ 9469315 w 9478107"/>
-              <a:gd name="connsiteY5" fmla="*/ 1256093 h 1273677"/>
-              <a:gd name="connsiteX6" fmla="*/ 7253653 w 9478107"/>
-              <a:gd name="connsiteY6" fmla="*/ 1247300 h 1273677"/>
-              <a:gd name="connsiteX7" fmla="*/ 4826976 w 9478107"/>
-              <a:gd name="connsiteY7" fmla="*/ 1273677 h 1273677"/>
-              <a:gd name="connsiteX8" fmla="*/ 2751992 w 9478107"/>
-              <a:gd name="connsiteY8" fmla="*/ 1264885 h 1273677"/>
-              <a:gd name="connsiteX9" fmla="*/ 0 w 9478107"/>
-              <a:gd name="connsiteY9" fmla="*/ 1212131 h 1273677"/>
-              <a:gd name="connsiteX10" fmla="*/ 8792 w 9478107"/>
-              <a:gd name="connsiteY10" fmla="*/ 350485 h 1273677"/>
-            </a:gdLst>
-            <a:ahLst/>
-            <a:cxnLst>
-              <a:cxn ang="0">
-                <a:pos x="connsiteX0" y="connsiteY0"/>
-              </a:cxn>
-              <a:cxn ang="0">
-                <a:pos x="connsiteX1" y="connsiteY1"/>
-              </a:cxn>
-              <a:cxn ang="0">
-                <a:pos x="connsiteX2" y="connsiteY2"/>
-              </a:cxn>
-              <a:cxn ang="0">
-                <a:pos x="connsiteX3" y="connsiteY3"/>
-              </a:cxn>
-              <a:cxn ang="0">
-                <a:pos x="connsiteX4" y="connsiteY4"/>
-              </a:cxn>
-              <a:cxn ang="0">
-                <a:pos x="connsiteX5" y="connsiteY5"/>
-              </a:cxn>
-              <a:cxn ang="0">
-                <a:pos x="connsiteX6" y="connsiteY6"/>
-              </a:cxn>
-              <a:cxn ang="0">
-                <a:pos x="connsiteX7" y="connsiteY7"/>
-              </a:cxn>
-              <a:cxn ang="0">
-                <a:pos x="connsiteX8" y="connsiteY8"/>
-              </a:cxn>
-              <a:cxn ang="0">
-                <a:pos x="connsiteX9" y="connsiteY9"/>
-              </a:cxn>
-              <a:cxn ang="0">
-                <a:pos x="connsiteX10" y="connsiteY10"/>
-              </a:cxn>
-            </a:cxnLst>
-            <a:rect l="l" t="t" r="r" b="b"/>
-            <a:pathLst>
-              <a:path w="9478107" h="1273677">
-                <a:moveTo>
-                  <a:pt x="8792" y="350485"/>
-                </a:moveTo>
-                <a:cubicBezTo>
-                  <a:pt x="671146" y="356346"/>
-                  <a:pt x="973014" y="-402723"/>
-                  <a:pt x="2057399" y="306523"/>
-                </a:cubicBezTo>
-                <a:cubicBezTo>
-                  <a:pt x="3282459" y="1004046"/>
-                  <a:pt x="3979984" y="611323"/>
-                  <a:pt x="4457699" y="376862"/>
-                </a:cubicBezTo>
-                <a:cubicBezTo>
-                  <a:pt x="5723792" y="-223945"/>
-                  <a:pt x="6216161" y="-7069"/>
-                  <a:pt x="7016261" y="341693"/>
-                </a:cubicBezTo>
-                <a:cubicBezTo>
-                  <a:pt x="8672145" y="977671"/>
-                  <a:pt x="8657492" y="347554"/>
-                  <a:pt x="9478107" y="350485"/>
-                </a:cubicBezTo>
-                <a:cubicBezTo>
-                  <a:pt x="9475176" y="652354"/>
-                  <a:pt x="9472246" y="954224"/>
-                  <a:pt x="9469315" y="1256093"/>
-                </a:cubicBezTo>
-                <a:lnTo>
-                  <a:pt x="7253653" y="1247300"/>
-                </a:lnTo>
-                <a:lnTo>
-                  <a:pt x="4826976" y="1273677"/>
-                </a:lnTo>
-                <a:lnTo>
-                  <a:pt x="2751992" y="1264885"/>
-                </a:lnTo>
-                <a:lnTo>
-                  <a:pt x="0" y="1212131"/>
-                </a:lnTo>
-                <a:cubicBezTo>
-                  <a:pt x="2931" y="927846"/>
-                  <a:pt x="-2932" y="652354"/>
-                  <a:pt x="8792" y="350485"/>
-                </a:cubicBezTo>
-                <a:close/>
-              </a:path>
-            </a:pathLst>
-          </a:custGeom>
-          <a:gradFill>
-            <a:gsLst>
-              <a:gs pos="0">
-                <a:schemeClr val="accent1">
-                  <a:lumMod val="5000"/>
-                  <a:lumOff val="95000"/>
-                </a:schemeClr>
-              </a:gs>
-              <a:gs pos="74000">
-                <a:schemeClr val="accent1">
-                  <a:lumMod val="45000"/>
-                  <a:lumOff val="55000"/>
-                </a:schemeClr>
-              </a:gs>
-              <a:gs pos="83000">
-                <a:schemeClr val="accent1">
-                  <a:lumMod val="45000"/>
-                  <a:lumOff val="55000"/>
-                </a:schemeClr>
-              </a:gs>
-              <a:gs pos="100000">
-                <a:schemeClr val="accent1">
-                  <a:lumMod val="30000"/>
-                  <a:lumOff val="70000"/>
-                </a:schemeClr>
-              </a:gs>
-            </a:gsLst>
-            <a:lin ang="5400000" scaled="1"/>
-          </a:gradFill>
-          <a:ln>
-            <a:noFill/>
-          </a:ln>
-          <a:effectLst>
-            <a:glow>
-              <a:srgbClr val="FFFF00"/>
-            </a:glow>
-            <a:outerShdw algn="ctr" rotWithShape="0">
-              <a:schemeClr val="tx1"/>
-            </a:outerShdw>
-          </a:effectLst>
-          <a:scene3d>
-            <a:camera prst="orthographicFront"/>
-            <a:lightRig rig="threePt" dir="t"/>
-          </a:scene3d>
-          <a:sp3d>
-            <a:bevelT w="0"/>
-          </a:sp3d>
-        </p:spPr>
-        <p:style>
-          <a:lnRef idx="2">
-            <a:schemeClr val="accent1">
-              <a:shade val="15000"/>
-            </a:schemeClr>
-          </a:lnRef>
-          <a:fillRef idx="1">
-            <a:schemeClr val="accent1"/>
-          </a:fillRef>
-          <a:effectRef idx="0">
-            <a:schemeClr val="accent1"/>
-          </a:effectRef>
-          <a:fontRef idx="minor">
-            <a:schemeClr val="lt1"/>
-          </a:fontRef>
-        </p:style>
-        <p:txBody>
-          <a:bodyPr rtlCol="0" anchor="ctr"/>
-          <a:lstStyle/>
-          <a:p>
-            <a:pPr algn="ctr"/>
-            <a:endParaRPr lang="en-GB"/>
-          </a:p>
-        </p:txBody>
-      </p:sp>
-      <p:sp>
-        <p:nvSpPr>
-          <p:cNvPr id="9" name="Free-form: Shape 13">
-            <a:extLst>
-              <a:ext uri="{FF2B5EF4-FFF2-40B4-BE49-F238E27FC236}">
-                <a16:creationId xmlns:a16="http://schemas.microsoft.com/office/drawing/2014/main" id="{16784C5A-545D-7FC3-0803-92836236CBEC}"/>
-              </a:ext>
-            </a:extLst>
-          </p:cNvPr>
-          <p:cNvSpPr/>
-          <p:nvPr/>
-        </p:nvSpPr>
-        <p:spPr>
-          <a:xfrm rot="10800000">
-            <a:off x="-26376" y="-237830"/>
-            <a:ext cx="12218376" cy="965187"/>
-          </a:xfrm>
-          <a:custGeom>
-            <a:avLst/>
-            <a:gdLst>
-              <a:gd name="connsiteX0" fmla="*/ 17585 w 9486900"/>
-              <a:gd name="connsiteY0" fmla="*/ 8792 h 931984"/>
-              <a:gd name="connsiteX1" fmla="*/ 2004646 w 9486900"/>
-              <a:gd name="connsiteY1" fmla="*/ 26376 h 931984"/>
-              <a:gd name="connsiteX2" fmla="*/ 4466492 w 9486900"/>
-              <a:gd name="connsiteY2" fmla="*/ 35169 h 931984"/>
-              <a:gd name="connsiteX3" fmla="*/ 7025054 w 9486900"/>
-              <a:gd name="connsiteY3" fmla="*/ 0 h 931984"/>
-              <a:gd name="connsiteX4" fmla="*/ 9486900 w 9486900"/>
-              <a:gd name="connsiteY4" fmla="*/ 8792 h 931984"/>
-              <a:gd name="connsiteX5" fmla="*/ 9478108 w 9486900"/>
-              <a:gd name="connsiteY5" fmla="*/ 914400 h 931984"/>
-              <a:gd name="connsiteX6" fmla="*/ 7262446 w 9486900"/>
-              <a:gd name="connsiteY6" fmla="*/ 905607 h 931984"/>
-              <a:gd name="connsiteX7" fmla="*/ 4835769 w 9486900"/>
-              <a:gd name="connsiteY7" fmla="*/ 931984 h 931984"/>
-              <a:gd name="connsiteX8" fmla="*/ 2760785 w 9486900"/>
-              <a:gd name="connsiteY8" fmla="*/ 923192 h 931984"/>
-              <a:gd name="connsiteX9" fmla="*/ 0 w 9486900"/>
-              <a:gd name="connsiteY9" fmla="*/ 879230 h 931984"/>
-              <a:gd name="connsiteX10" fmla="*/ 17585 w 9486900"/>
-              <a:gd name="connsiteY10" fmla="*/ 8792 h 931984"/>
-              <a:gd name="connsiteX0" fmla="*/ 17585 w 9486900"/>
-              <a:gd name="connsiteY0" fmla="*/ 168095 h 1091287"/>
-              <a:gd name="connsiteX1" fmla="*/ 2004646 w 9486900"/>
-              <a:gd name="connsiteY1" fmla="*/ 185679 h 1091287"/>
-              <a:gd name="connsiteX2" fmla="*/ 4466492 w 9486900"/>
-              <a:gd name="connsiteY2" fmla="*/ 194472 h 1091287"/>
-              <a:gd name="connsiteX3" fmla="*/ 7025054 w 9486900"/>
-              <a:gd name="connsiteY3" fmla="*/ 159303 h 1091287"/>
-              <a:gd name="connsiteX4" fmla="*/ 9486900 w 9486900"/>
-              <a:gd name="connsiteY4" fmla="*/ 168095 h 1091287"/>
-              <a:gd name="connsiteX5" fmla="*/ 9478108 w 9486900"/>
-              <a:gd name="connsiteY5" fmla="*/ 1073703 h 1091287"/>
-              <a:gd name="connsiteX6" fmla="*/ 7262446 w 9486900"/>
-              <a:gd name="connsiteY6" fmla="*/ 1064910 h 1091287"/>
-              <a:gd name="connsiteX7" fmla="*/ 4835769 w 9486900"/>
-              <a:gd name="connsiteY7" fmla="*/ 1091287 h 1091287"/>
-              <a:gd name="connsiteX8" fmla="*/ 2760785 w 9486900"/>
-              <a:gd name="connsiteY8" fmla="*/ 1082495 h 1091287"/>
-              <a:gd name="connsiteX9" fmla="*/ 0 w 9486900"/>
-              <a:gd name="connsiteY9" fmla="*/ 1038533 h 1091287"/>
-              <a:gd name="connsiteX10" fmla="*/ 17585 w 9486900"/>
-              <a:gd name="connsiteY10" fmla="*/ 168095 h 1091287"/>
-              <a:gd name="connsiteX0" fmla="*/ 17585 w 9486900"/>
-              <a:gd name="connsiteY0" fmla="*/ 234508 h 1157700"/>
-              <a:gd name="connsiteX1" fmla="*/ 2004646 w 9486900"/>
-              <a:gd name="connsiteY1" fmla="*/ 252092 h 1157700"/>
-              <a:gd name="connsiteX2" fmla="*/ 4466492 w 9486900"/>
-              <a:gd name="connsiteY2" fmla="*/ 260885 h 1157700"/>
-              <a:gd name="connsiteX3" fmla="*/ 7025054 w 9486900"/>
-              <a:gd name="connsiteY3" fmla="*/ 225716 h 1157700"/>
-              <a:gd name="connsiteX4" fmla="*/ 9486900 w 9486900"/>
-              <a:gd name="connsiteY4" fmla="*/ 234508 h 1157700"/>
-              <a:gd name="connsiteX5" fmla="*/ 9478108 w 9486900"/>
-              <a:gd name="connsiteY5" fmla="*/ 1140116 h 1157700"/>
-              <a:gd name="connsiteX6" fmla="*/ 7262446 w 9486900"/>
-              <a:gd name="connsiteY6" fmla="*/ 1131323 h 1157700"/>
-              <a:gd name="connsiteX7" fmla="*/ 4835769 w 9486900"/>
-              <a:gd name="connsiteY7" fmla="*/ 1157700 h 1157700"/>
-              <a:gd name="connsiteX8" fmla="*/ 2760785 w 9486900"/>
-              <a:gd name="connsiteY8" fmla="*/ 1148908 h 1157700"/>
-              <a:gd name="connsiteX9" fmla="*/ 0 w 9486900"/>
-              <a:gd name="connsiteY9" fmla="*/ 1104946 h 1157700"/>
-              <a:gd name="connsiteX10" fmla="*/ 17585 w 9486900"/>
-              <a:gd name="connsiteY10" fmla="*/ 234508 h 1157700"/>
-              <a:gd name="connsiteX0" fmla="*/ 17585 w 9486900"/>
-              <a:gd name="connsiteY0" fmla="*/ 375168 h 1298360"/>
-              <a:gd name="connsiteX1" fmla="*/ 2004646 w 9486900"/>
-              <a:gd name="connsiteY1" fmla="*/ 392752 h 1298360"/>
-              <a:gd name="connsiteX2" fmla="*/ 4466492 w 9486900"/>
-              <a:gd name="connsiteY2" fmla="*/ 401545 h 1298360"/>
-              <a:gd name="connsiteX3" fmla="*/ 7025054 w 9486900"/>
-              <a:gd name="connsiteY3" fmla="*/ 366376 h 1298360"/>
-              <a:gd name="connsiteX4" fmla="*/ 9486900 w 9486900"/>
-              <a:gd name="connsiteY4" fmla="*/ 375168 h 1298360"/>
-              <a:gd name="connsiteX5" fmla="*/ 9478108 w 9486900"/>
-              <a:gd name="connsiteY5" fmla="*/ 1280776 h 1298360"/>
-              <a:gd name="connsiteX6" fmla="*/ 7262446 w 9486900"/>
-              <a:gd name="connsiteY6" fmla="*/ 1271983 h 1298360"/>
-              <a:gd name="connsiteX7" fmla="*/ 4835769 w 9486900"/>
-              <a:gd name="connsiteY7" fmla="*/ 1298360 h 1298360"/>
-              <a:gd name="connsiteX8" fmla="*/ 2760785 w 9486900"/>
-              <a:gd name="connsiteY8" fmla="*/ 1289568 h 1298360"/>
-              <a:gd name="connsiteX9" fmla="*/ 0 w 9486900"/>
-              <a:gd name="connsiteY9" fmla="*/ 1245606 h 1298360"/>
-              <a:gd name="connsiteX10" fmla="*/ 17585 w 9486900"/>
-              <a:gd name="connsiteY10" fmla="*/ 375168 h 1298360"/>
-              <a:gd name="connsiteX0" fmla="*/ 17585 w 9486900"/>
-              <a:gd name="connsiteY0" fmla="*/ 375168 h 1298360"/>
-              <a:gd name="connsiteX1" fmla="*/ 2004646 w 9486900"/>
-              <a:gd name="connsiteY1" fmla="*/ 392752 h 1298360"/>
-              <a:gd name="connsiteX2" fmla="*/ 4466492 w 9486900"/>
-              <a:gd name="connsiteY2" fmla="*/ 401545 h 1298360"/>
-              <a:gd name="connsiteX3" fmla="*/ 7025054 w 9486900"/>
-              <a:gd name="connsiteY3" fmla="*/ 366376 h 1298360"/>
-              <a:gd name="connsiteX4" fmla="*/ 9486900 w 9486900"/>
-              <a:gd name="connsiteY4" fmla="*/ 375168 h 1298360"/>
-              <a:gd name="connsiteX5" fmla="*/ 9478108 w 9486900"/>
-              <a:gd name="connsiteY5" fmla="*/ 1280776 h 1298360"/>
-              <a:gd name="connsiteX6" fmla="*/ 7262446 w 9486900"/>
-              <a:gd name="connsiteY6" fmla="*/ 1271983 h 1298360"/>
-              <a:gd name="connsiteX7" fmla="*/ 4835769 w 9486900"/>
-              <a:gd name="connsiteY7" fmla="*/ 1298360 h 1298360"/>
-              <a:gd name="connsiteX8" fmla="*/ 2760785 w 9486900"/>
-              <a:gd name="connsiteY8" fmla="*/ 1289568 h 1298360"/>
-              <a:gd name="connsiteX9" fmla="*/ 0 w 9486900"/>
-              <a:gd name="connsiteY9" fmla="*/ 1245606 h 1298360"/>
-              <a:gd name="connsiteX10" fmla="*/ 17585 w 9486900"/>
-              <a:gd name="connsiteY10" fmla="*/ 375168 h 1298360"/>
-              <a:gd name="connsiteX0" fmla="*/ 17585 w 9486900"/>
-              <a:gd name="connsiteY0" fmla="*/ 375168 h 1298360"/>
-              <a:gd name="connsiteX1" fmla="*/ 2004646 w 9486900"/>
-              <a:gd name="connsiteY1" fmla="*/ 392752 h 1298360"/>
-              <a:gd name="connsiteX2" fmla="*/ 4466492 w 9486900"/>
-              <a:gd name="connsiteY2" fmla="*/ 401545 h 1298360"/>
-              <a:gd name="connsiteX3" fmla="*/ 7025054 w 9486900"/>
-              <a:gd name="connsiteY3" fmla="*/ 366376 h 1298360"/>
-              <a:gd name="connsiteX4" fmla="*/ 9486900 w 9486900"/>
-              <a:gd name="connsiteY4" fmla="*/ 375168 h 1298360"/>
-              <a:gd name="connsiteX5" fmla="*/ 9478108 w 9486900"/>
-              <a:gd name="connsiteY5" fmla="*/ 1280776 h 1298360"/>
-              <a:gd name="connsiteX6" fmla="*/ 7262446 w 9486900"/>
-              <a:gd name="connsiteY6" fmla="*/ 1271983 h 1298360"/>
-              <a:gd name="connsiteX7" fmla="*/ 4835769 w 9486900"/>
-              <a:gd name="connsiteY7" fmla="*/ 1298360 h 1298360"/>
-              <a:gd name="connsiteX8" fmla="*/ 2760785 w 9486900"/>
-              <a:gd name="connsiteY8" fmla="*/ 1289568 h 1298360"/>
-              <a:gd name="connsiteX9" fmla="*/ 0 w 9486900"/>
-              <a:gd name="connsiteY9" fmla="*/ 1245606 h 1298360"/>
-              <a:gd name="connsiteX10" fmla="*/ 17585 w 9486900"/>
-              <a:gd name="connsiteY10" fmla="*/ 375168 h 1298360"/>
-              <a:gd name="connsiteX0" fmla="*/ 17585 w 9486900"/>
-              <a:gd name="connsiteY0" fmla="*/ 375168 h 1298360"/>
-              <a:gd name="connsiteX1" fmla="*/ 2004646 w 9486900"/>
-              <a:gd name="connsiteY1" fmla="*/ 392752 h 1298360"/>
-              <a:gd name="connsiteX2" fmla="*/ 4466492 w 9486900"/>
-              <a:gd name="connsiteY2" fmla="*/ 401545 h 1298360"/>
-              <a:gd name="connsiteX3" fmla="*/ 7025054 w 9486900"/>
-              <a:gd name="connsiteY3" fmla="*/ 366376 h 1298360"/>
-              <a:gd name="connsiteX4" fmla="*/ 9486900 w 9486900"/>
-              <a:gd name="connsiteY4" fmla="*/ 375168 h 1298360"/>
-              <a:gd name="connsiteX5" fmla="*/ 9478108 w 9486900"/>
-              <a:gd name="connsiteY5" fmla="*/ 1280776 h 1298360"/>
-              <a:gd name="connsiteX6" fmla="*/ 7262446 w 9486900"/>
-              <a:gd name="connsiteY6" fmla="*/ 1271983 h 1298360"/>
-              <a:gd name="connsiteX7" fmla="*/ 4835769 w 9486900"/>
-              <a:gd name="connsiteY7" fmla="*/ 1298360 h 1298360"/>
-              <a:gd name="connsiteX8" fmla="*/ 2760785 w 9486900"/>
-              <a:gd name="connsiteY8" fmla="*/ 1289568 h 1298360"/>
-              <a:gd name="connsiteX9" fmla="*/ 0 w 9486900"/>
-              <a:gd name="connsiteY9" fmla="*/ 1245606 h 1298360"/>
-              <a:gd name="connsiteX10" fmla="*/ 17585 w 9486900"/>
-              <a:gd name="connsiteY10" fmla="*/ 375168 h 1298360"/>
-              <a:gd name="connsiteX0" fmla="*/ 17585 w 9486900"/>
-              <a:gd name="connsiteY0" fmla="*/ 375168 h 1298360"/>
-              <a:gd name="connsiteX1" fmla="*/ 2004646 w 9486900"/>
-              <a:gd name="connsiteY1" fmla="*/ 392752 h 1298360"/>
-              <a:gd name="connsiteX2" fmla="*/ 4466492 w 9486900"/>
-              <a:gd name="connsiteY2" fmla="*/ 401545 h 1298360"/>
-              <a:gd name="connsiteX3" fmla="*/ 7025054 w 9486900"/>
-              <a:gd name="connsiteY3" fmla="*/ 366376 h 1298360"/>
-              <a:gd name="connsiteX4" fmla="*/ 9486900 w 9486900"/>
-              <a:gd name="connsiteY4" fmla="*/ 375168 h 1298360"/>
-              <a:gd name="connsiteX5" fmla="*/ 9478108 w 9486900"/>
-              <a:gd name="connsiteY5" fmla="*/ 1280776 h 1298360"/>
-              <a:gd name="connsiteX6" fmla="*/ 7262446 w 9486900"/>
-              <a:gd name="connsiteY6" fmla="*/ 1271983 h 1298360"/>
-              <a:gd name="connsiteX7" fmla="*/ 4835769 w 9486900"/>
-              <a:gd name="connsiteY7" fmla="*/ 1298360 h 1298360"/>
-              <a:gd name="connsiteX8" fmla="*/ 2760785 w 9486900"/>
-              <a:gd name="connsiteY8" fmla="*/ 1289568 h 1298360"/>
-              <a:gd name="connsiteX9" fmla="*/ 0 w 9486900"/>
-              <a:gd name="connsiteY9" fmla="*/ 1245606 h 1298360"/>
-              <a:gd name="connsiteX10" fmla="*/ 17585 w 9486900"/>
-              <a:gd name="connsiteY10" fmla="*/ 375168 h 1298360"/>
-              <a:gd name="connsiteX0" fmla="*/ 17585 w 9486900"/>
-              <a:gd name="connsiteY0" fmla="*/ 375168 h 1298360"/>
-              <a:gd name="connsiteX1" fmla="*/ 2004646 w 9486900"/>
-              <a:gd name="connsiteY1" fmla="*/ 392752 h 1298360"/>
-              <a:gd name="connsiteX2" fmla="*/ 4466492 w 9486900"/>
-              <a:gd name="connsiteY2" fmla="*/ 401545 h 1298360"/>
-              <a:gd name="connsiteX3" fmla="*/ 7025054 w 9486900"/>
-              <a:gd name="connsiteY3" fmla="*/ 366376 h 1298360"/>
-              <a:gd name="connsiteX4" fmla="*/ 9486900 w 9486900"/>
-              <a:gd name="connsiteY4" fmla="*/ 375168 h 1298360"/>
-              <a:gd name="connsiteX5" fmla="*/ 9478108 w 9486900"/>
-              <a:gd name="connsiteY5" fmla="*/ 1280776 h 1298360"/>
-              <a:gd name="connsiteX6" fmla="*/ 7262446 w 9486900"/>
-              <a:gd name="connsiteY6" fmla="*/ 1271983 h 1298360"/>
-              <a:gd name="connsiteX7" fmla="*/ 4835769 w 9486900"/>
-              <a:gd name="connsiteY7" fmla="*/ 1298360 h 1298360"/>
-              <a:gd name="connsiteX8" fmla="*/ 2760785 w 9486900"/>
-              <a:gd name="connsiteY8" fmla="*/ 1289568 h 1298360"/>
-              <a:gd name="connsiteX9" fmla="*/ 0 w 9486900"/>
-              <a:gd name="connsiteY9" fmla="*/ 1245606 h 1298360"/>
-              <a:gd name="connsiteX10" fmla="*/ 17585 w 9486900"/>
-              <a:gd name="connsiteY10" fmla="*/ 375168 h 1298360"/>
-              <a:gd name="connsiteX0" fmla="*/ 8792 w 9478107"/>
-              <a:gd name="connsiteY0" fmla="*/ 375168 h 1298360"/>
-              <a:gd name="connsiteX1" fmla="*/ 1995853 w 9478107"/>
-              <a:gd name="connsiteY1" fmla="*/ 392752 h 1298360"/>
-              <a:gd name="connsiteX2" fmla="*/ 4457699 w 9478107"/>
-              <a:gd name="connsiteY2" fmla="*/ 401545 h 1298360"/>
-              <a:gd name="connsiteX3" fmla="*/ 7016261 w 9478107"/>
-              <a:gd name="connsiteY3" fmla="*/ 366376 h 1298360"/>
-              <a:gd name="connsiteX4" fmla="*/ 9478107 w 9478107"/>
-              <a:gd name="connsiteY4" fmla="*/ 375168 h 1298360"/>
-              <a:gd name="connsiteX5" fmla="*/ 9469315 w 9478107"/>
-              <a:gd name="connsiteY5" fmla="*/ 1280776 h 1298360"/>
-              <a:gd name="connsiteX6" fmla="*/ 7253653 w 9478107"/>
-              <a:gd name="connsiteY6" fmla="*/ 1271983 h 1298360"/>
-              <a:gd name="connsiteX7" fmla="*/ 4826976 w 9478107"/>
-              <a:gd name="connsiteY7" fmla="*/ 1298360 h 1298360"/>
-              <a:gd name="connsiteX8" fmla="*/ 2751992 w 9478107"/>
-              <a:gd name="connsiteY8" fmla="*/ 1289568 h 1298360"/>
-              <a:gd name="connsiteX9" fmla="*/ 0 w 9478107"/>
-              <a:gd name="connsiteY9" fmla="*/ 1236814 h 1298360"/>
-              <a:gd name="connsiteX10" fmla="*/ 8792 w 9478107"/>
-              <a:gd name="connsiteY10" fmla="*/ 375168 h 1298360"/>
-              <a:gd name="connsiteX0" fmla="*/ 8792 w 9478107"/>
-              <a:gd name="connsiteY0" fmla="*/ 421112 h 1344304"/>
-              <a:gd name="connsiteX1" fmla="*/ 2057399 w 9478107"/>
-              <a:gd name="connsiteY1" fmla="*/ 377150 h 1344304"/>
-              <a:gd name="connsiteX2" fmla="*/ 4457699 w 9478107"/>
-              <a:gd name="connsiteY2" fmla="*/ 447489 h 1344304"/>
-              <a:gd name="connsiteX3" fmla="*/ 7016261 w 9478107"/>
-              <a:gd name="connsiteY3" fmla="*/ 412320 h 1344304"/>
-              <a:gd name="connsiteX4" fmla="*/ 9478107 w 9478107"/>
-              <a:gd name="connsiteY4" fmla="*/ 421112 h 1344304"/>
-              <a:gd name="connsiteX5" fmla="*/ 9469315 w 9478107"/>
-              <a:gd name="connsiteY5" fmla="*/ 1326720 h 1344304"/>
-              <a:gd name="connsiteX6" fmla="*/ 7253653 w 9478107"/>
-              <a:gd name="connsiteY6" fmla="*/ 1317927 h 1344304"/>
-              <a:gd name="connsiteX7" fmla="*/ 4826976 w 9478107"/>
-              <a:gd name="connsiteY7" fmla="*/ 1344304 h 1344304"/>
-              <a:gd name="connsiteX8" fmla="*/ 2751992 w 9478107"/>
-              <a:gd name="connsiteY8" fmla="*/ 1335512 h 1344304"/>
-              <a:gd name="connsiteX9" fmla="*/ 0 w 9478107"/>
-              <a:gd name="connsiteY9" fmla="*/ 1282758 h 1344304"/>
-              <a:gd name="connsiteX10" fmla="*/ 8792 w 9478107"/>
-              <a:gd name="connsiteY10" fmla="*/ 421112 h 1344304"/>
-              <a:gd name="connsiteX0" fmla="*/ 8792 w 9478107"/>
-              <a:gd name="connsiteY0" fmla="*/ 350485 h 1273677"/>
-              <a:gd name="connsiteX1" fmla="*/ 2057399 w 9478107"/>
-              <a:gd name="connsiteY1" fmla="*/ 306523 h 1273677"/>
-              <a:gd name="connsiteX2" fmla="*/ 4457699 w 9478107"/>
-              <a:gd name="connsiteY2" fmla="*/ 376862 h 1273677"/>
-              <a:gd name="connsiteX3" fmla="*/ 7016261 w 9478107"/>
-              <a:gd name="connsiteY3" fmla="*/ 341693 h 1273677"/>
-              <a:gd name="connsiteX4" fmla="*/ 9478107 w 9478107"/>
-              <a:gd name="connsiteY4" fmla="*/ 350485 h 1273677"/>
-              <a:gd name="connsiteX5" fmla="*/ 9469315 w 9478107"/>
-              <a:gd name="connsiteY5" fmla="*/ 1256093 h 1273677"/>
-              <a:gd name="connsiteX6" fmla="*/ 7253653 w 9478107"/>
-              <a:gd name="connsiteY6" fmla="*/ 1247300 h 1273677"/>
-              <a:gd name="connsiteX7" fmla="*/ 4826976 w 9478107"/>
-              <a:gd name="connsiteY7" fmla="*/ 1273677 h 1273677"/>
-              <a:gd name="connsiteX8" fmla="*/ 2751992 w 9478107"/>
-              <a:gd name="connsiteY8" fmla="*/ 1264885 h 1273677"/>
-              <a:gd name="connsiteX9" fmla="*/ 0 w 9478107"/>
-              <a:gd name="connsiteY9" fmla="*/ 1212131 h 1273677"/>
-              <a:gd name="connsiteX10" fmla="*/ 8792 w 9478107"/>
-              <a:gd name="connsiteY10" fmla="*/ 350485 h 1273677"/>
-              <a:gd name="connsiteX0" fmla="*/ 8792 w 9478107"/>
-              <a:gd name="connsiteY0" fmla="*/ 350485 h 1273677"/>
-              <a:gd name="connsiteX1" fmla="*/ 2057399 w 9478107"/>
-              <a:gd name="connsiteY1" fmla="*/ 306523 h 1273677"/>
-              <a:gd name="connsiteX2" fmla="*/ 4457699 w 9478107"/>
-              <a:gd name="connsiteY2" fmla="*/ 376862 h 1273677"/>
-              <a:gd name="connsiteX3" fmla="*/ 7016261 w 9478107"/>
-              <a:gd name="connsiteY3" fmla="*/ 341693 h 1273677"/>
-              <a:gd name="connsiteX4" fmla="*/ 9478107 w 9478107"/>
-              <a:gd name="connsiteY4" fmla="*/ 350485 h 1273677"/>
-              <a:gd name="connsiteX5" fmla="*/ 9469315 w 9478107"/>
-              <a:gd name="connsiteY5" fmla="*/ 1256093 h 1273677"/>
-              <a:gd name="connsiteX6" fmla="*/ 7253653 w 9478107"/>
-              <a:gd name="connsiteY6" fmla="*/ 1247300 h 1273677"/>
-              <a:gd name="connsiteX7" fmla="*/ 4826976 w 9478107"/>
-              <a:gd name="connsiteY7" fmla="*/ 1273677 h 1273677"/>
-              <a:gd name="connsiteX8" fmla="*/ 2751992 w 9478107"/>
-              <a:gd name="connsiteY8" fmla="*/ 1264885 h 1273677"/>
-              <a:gd name="connsiteX9" fmla="*/ 0 w 9478107"/>
-              <a:gd name="connsiteY9" fmla="*/ 1212131 h 1273677"/>
-              <a:gd name="connsiteX10" fmla="*/ 8792 w 9478107"/>
-              <a:gd name="connsiteY10" fmla="*/ 350485 h 1273677"/>
-              <a:gd name="connsiteX0" fmla="*/ 8792 w 9478107"/>
-              <a:gd name="connsiteY0" fmla="*/ 350485 h 1273677"/>
-              <a:gd name="connsiteX1" fmla="*/ 2057399 w 9478107"/>
-              <a:gd name="connsiteY1" fmla="*/ 306523 h 1273677"/>
-              <a:gd name="connsiteX2" fmla="*/ 4457699 w 9478107"/>
-              <a:gd name="connsiteY2" fmla="*/ 376862 h 1273677"/>
-              <a:gd name="connsiteX3" fmla="*/ 7016261 w 9478107"/>
-              <a:gd name="connsiteY3" fmla="*/ 341693 h 1273677"/>
-              <a:gd name="connsiteX4" fmla="*/ 8414099 w 9478107"/>
-              <a:gd name="connsiteY4" fmla="*/ 797823 h 1273677"/>
-              <a:gd name="connsiteX5" fmla="*/ 9478107 w 9478107"/>
-              <a:gd name="connsiteY5" fmla="*/ 350485 h 1273677"/>
-              <a:gd name="connsiteX6" fmla="*/ 9469315 w 9478107"/>
-              <a:gd name="connsiteY6" fmla="*/ 1256093 h 1273677"/>
-              <a:gd name="connsiteX7" fmla="*/ 7253653 w 9478107"/>
-              <a:gd name="connsiteY7" fmla="*/ 1247300 h 1273677"/>
-              <a:gd name="connsiteX8" fmla="*/ 4826976 w 9478107"/>
-              <a:gd name="connsiteY8" fmla="*/ 1273677 h 1273677"/>
-              <a:gd name="connsiteX9" fmla="*/ 2751992 w 9478107"/>
-              <a:gd name="connsiteY9" fmla="*/ 1264885 h 1273677"/>
-              <a:gd name="connsiteX10" fmla="*/ 0 w 9478107"/>
-              <a:gd name="connsiteY10" fmla="*/ 1212131 h 1273677"/>
-              <a:gd name="connsiteX11" fmla="*/ 8792 w 9478107"/>
-              <a:gd name="connsiteY11" fmla="*/ 350485 h 1273677"/>
-              <a:gd name="connsiteX0" fmla="*/ 8792 w 9478107"/>
-              <a:gd name="connsiteY0" fmla="*/ 463370 h 1386562"/>
-              <a:gd name="connsiteX1" fmla="*/ 2057399 w 9478107"/>
-              <a:gd name="connsiteY1" fmla="*/ 419408 h 1386562"/>
-              <a:gd name="connsiteX2" fmla="*/ 4457699 w 9478107"/>
-              <a:gd name="connsiteY2" fmla="*/ 489747 h 1386562"/>
-              <a:gd name="connsiteX3" fmla="*/ 7009426 w 9478107"/>
-              <a:gd name="connsiteY3" fmla="*/ 98357 h 1386562"/>
-              <a:gd name="connsiteX4" fmla="*/ 8414099 w 9478107"/>
-              <a:gd name="connsiteY4" fmla="*/ 910708 h 1386562"/>
-              <a:gd name="connsiteX5" fmla="*/ 9478107 w 9478107"/>
-              <a:gd name="connsiteY5" fmla="*/ 463370 h 1386562"/>
-              <a:gd name="connsiteX6" fmla="*/ 9469315 w 9478107"/>
-              <a:gd name="connsiteY6" fmla="*/ 1368978 h 1386562"/>
-              <a:gd name="connsiteX7" fmla="*/ 7253653 w 9478107"/>
-              <a:gd name="connsiteY7" fmla="*/ 1360185 h 1386562"/>
-              <a:gd name="connsiteX8" fmla="*/ 4826976 w 9478107"/>
-              <a:gd name="connsiteY8" fmla="*/ 1386562 h 1386562"/>
-              <a:gd name="connsiteX9" fmla="*/ 2751992 w 9478107"/>
-              <a:gd name="connsiteY9" fmla="*/ 1377770 h 1386562"/>
-              <a:gd name="connsiteX10" fmla="*/ 0 w 9478107"/>
-              <a:gd name="connsiteY10" fmla="*/ 1325016 h 1386562"/>
-              <a:gd name="connsiteX11" fmla="*/ 8792 w 9478107"/>
-              <a:gd name="connsiteY11" fmla="*/ 463370 h 1386562"/>
-              <a:gd name="connsiteX0" fmla="*/ 8792 w 9478107"/>
-              <a:gd name="connsiteY0" fmla="*/ 463370 h 1386562"/>
-              <a:gd name="connsiteX1" fmla="*/ 2057399 w 9478107"/>
-              <a:gd name="connsiteY1" fmla="*/ 419408 h 1386562"/>
-              <a:gd name="connsiteX2" fmla="*/ 4457699 w 9478107"/>
-              <a:gd name="connsiteY2" fmla="*/ 489747 h 1386562"/>
-              <a:gd name="connsiteX3" fmla="*/ 7009426 w 9478107"/>
-              <a:gd name="connsiteY3" fmla="*/ 98357 h 1386562"/>
-              <a:gd name="connsiteX4" fmla="*/ 8414099 w 9478107"/>
-              <a:gd name="connsiteY4" fmla="*/ 910708 h 1386562"/>
-              <a:gd name="connsiteX5" fmla="*/ 9478107 w 9478107"/>
-              <a:gd name="connsiteY5" fmla="*/ 463370 h 1386562"/>
-              <a:gd name="connsiteX6" fmla="*/ 9469315 w 9478107"/>
-              <a:gd name="connsiteY6" fmla="*/ 1368978 h 1386562"/>
-              <a:gd name="connsiteX7" fmla="*/ 7253653 w 9478107"/>
-              <a:gd name="connsiteY7" fmla="*/ 1360185 h 1386562"/>
-              <a:gd name="connsiteX8" fmla="*/ 4826976 w 9478107"/>
-              <a:gd name="connsiteY8" fmla="*/ 1386562 h 1386562"/>
-              <a:gd name="connsiteX9" fmla="*/ 2751992 w 9478107"/>
-              <a:gd name="connsiteY9" fmla="*/ 1377770 h 1386562"/>
-              <a:gd name="connsiteX10" fmla="*/ 0 w 9478107"/>
-              <a:gd name="connsiteY10" fmla="*/ 1325016 h 1386562"/>
-              <a:gd name="connsiteX11" fmla="*/ 8792 w 9478107"/>
-              <a:gd name="connsiteY11" fmla="*/ 463370 h 1386562"/>
-              <a:gd name="connsiteX0" fmla="*/ 8792 w 9498612"/>
-              <a:gd name="connsiteY0" fmla="*/ 463370 h 1386562"/>
-              <a:gd name="connsiteX1" fmla="*/ 2057399 w 9498612"/>
-              <a:gd name="connsiteY1" fmla="*/ 419408 h 1386562"/>
-              <a:gd name="connsiteX2" fmla="*/ 4457699 w 9498612"/>
-              <a:gd name="connsiteY2" fmla="*/ 489747 h 1386562"/>
-              <a:gd name="connsiteX3" fmla="*/ 7009426 w 9498612"/>
-              <a:gd name="connsiteY3" fmla="*/ 98357 h 1386562"/>
-              <a:gd name="connsiteX4" fmla="*/ 8414099 w 9498612"/>
-              <a:gd name="connsiteY4" fmla="*/ 910708 h 1386562"/>
-              <a:gd name="connsiteX5" fmla="*/ 9498612 w 9498612"/>
-              <a:gd name="connsiteY5" fmla="*/ 200892 h 1386562"/>
-              <a:gd name="connsiteX6" fmla="*/ 9469315 w 9498612"/>
-              <a:gd name="connsiteY6" fmla="*/ 1368978 h 1386562"/>
-              <a:gd name="connsiteX7" fmla="*/ 7253653 w 9498612"/>
-              <a:gd name="connsiteY7" fmla="*/ 1360185 h 1386562"/>
-              <a:gd name="connsiteX8" fmla="*/ 4826976 w 9498612"/>
-              <a:gd name="connsiteY8" fmla="*/ 1386562 h 1386562"/>
-              <a:gd name="connsiteX9" fmla="*/ 2751992 w 9498612"/>
-              <a:gd name="connsiteY9" fmla="*/ 1377770 h 1386562"/>
-              <a:gd name="connsiteX10" fmla="*/ 0 w 9498612"/>
-              <a:gd name="connsiteY10" fmla="*/ 1325016 h 1386562"/>
-              <a:gd name="connsiteX11" fmla="*/ 8792 w 9498612"/>
-              <a:gd name="connsiteY11" fmla="*/ 463370 h 1386562"/>
-              <a:gd name="connsiteX0" fmla="*/ 8792 w 9498612"/>
-              <a:gd name="connsiteY0" fmla="*/ 444298 h 1367490"/>
-              <a:gd name="connsiteX1" fmla="*/ 2057399 w 9498612"/>
-              <a:gd name="connsiteY1" fmla="*/ 400336 h 1367490"/>
-              <a:gd name="connsiteX2" fmla="*/ 4320995 w 9498612"/>
-              <a:gd name="connsiteY2" fmla="*/ 695656 h 1367490"/>
-              <a:gd name="connsiteX3" fmla="*/ 7009426 w 9498612"/>
-              <a:gd name="connsiteY3" fmla="*/ 79285 h 1367490"/>
-              <a:gd name="connsiteX4" fmla="*/ 8414099 w 9498612"/>
-              <a:gd name="connsiteY4" fmla="*/ 891636 h 1367490"/>
-              <a:gd name="connsiteX5" fmla="*/ 9498612 w 9498612"/>
-              <a:gd name="connsiteY5" fmla="*/ 181820 h 1367490"/>
-              <a:gd name="connsiteX6" fmla="*/ 9469315 w 9498612"/>
-              <a:gd name="connsiteY6" fmla="*/ 1349906 h 1367490"/>
-              <a:gd name="connsiteX7" fmla="*/ 7253653 w 9498612"/>
-              <a:gd name="connsiteY7" fmla="*/ 1341113 h 1367490"/>
-              <a:gd name="connsiteX8" fmla="*/ 4826976 w 9498612"/>
-              <a:gd name="connsiteY8" fmla="*/ 1367490 h 1367490"/>
-              <a:gd name="connsiteX9" fmla="*/ 2751992 w 9498612"/>
-              <a:gd name="connsiteY9" fmla="*/ 1358698 h 1367490"/>
-              <a:gd name="connsiteX10" fmla="*/ 0 w 9498612"/>
-              <a:gd name="connsiteY10" fmla="*/ 1305944 h 1367490"/>
-              <a:gd name="connsiteX11" fmla="*/ 8792 w 9498612"/>
-              <a:gd name="connsiteY11" fmla="*/ 444298 h 1367490"/>
-              <a:gd name="connsiteX0" fmla="*/ 8792 w 9498612"/>
-              <a:gd name="connsiteY0" fmla="*/ 428789 h 1351981"/>
-              <a:gd name="connsiteX1" fmla="*/ 2057399 w 9498612"/>
-              <a:gd name="connsiteY1" fmla="*/ 384827 h 1351981"/>
-              <a:gd name="connsiteX2" fmla="*/ 3698995 w 9498612"/>
-              <a:gd name="connsiteY2" fmla="*/ 961374 h 1351981"/>
-              <a:gd name="connsiteX3" fmla="*/ 7009426 w 9498612"/>
-              <a:gd name="connsiteY3" fmla="*/ 63776 h 1351981"/>
-              <a:gd name="connsiteX4" fmla="*/ 8414099 w 9498612"/>
-              <a:gd name="connsiteY4" fmla="*/ 876127 h 1351981"/>
-              <a:gd name="connsiteX5" fmla="*/ 9498612 w 9498612"/>
-              <a:gd name="connsiteY5" fmla="*/ 166311 h 1351981"/>
-              <a:gd name="connsiteX6" fmla="*/ 9469315 w 9498612"/>
-              <a:gd name="connsiteY6" fmla="*/ 1334397 h 1351981"/>
-              <a:gd name="connsiteX7" fmla="*/ 7253653 w 9498612"/>
-              <a:gd name="connsiteY7" fmla="*/ 1325604 h 1351981"/>
-              <a:gd name="connsiteX8" fmla="*/ 4826976 w 9498612"/>
-              <a:gd name="connsiteY8" fmla="*/ 1351981 h 1351981"/>
-              <a:gd name="connsiteX9" fmla="*/ 2751992 w 9498612"/>
-              <a:gd name="connsiteY9" fmla="*/ 1343189 h 1351981"/>
-              <a:gd name="connsiteX10" fmla="*/ 0 w 9498612"/>
-              <a:gd name="connsiteY10" fmla="*/ 1290435 h 1351981"/>
-              <a:gd name="connsiteX11" fmla="*/ 8792 w 9498612"/>
-              <a:gd name="connsiteY11" fmla="*/ 428789 h 1351981"/>
-              <a:gd name="connsiteX0" fmla="*/ 8792 w 9498612"/>
-              <a:gd name="connsiteY0" fmla="*/ 595005 h 1518197"/>
-              <a:gd name="connsiteX1" fmla="*/ 2057399 w 9498612"/>
-              <a:gd name="connsiteY1" fmla="*/ 551043 h 1518197"/>
-              <a:gd name="connsiteX2" fmla="*/ 3698995 w 9498612"/>
-              <a:gd name="connsiteY2" fmla="*/ 1127590 h 1518197"/>
-              <a:gd name="connsiteX3" fmla="*/ 5386116 w 9498612"/>
-              <a:gd name="connsiteY3" fmla="*/ 48678 h 1518197"/>
-              <a:gd name="connsiteX4" fmla="*/ 7009426 w 9498612"/>
-              <a:gd name="connsiteY4" fmla="*/ 229992 h 1518197"/>
-              <a:gd name="connsiteX5" fmla="*/ 8414099 w 9498612"/>
-              <a:gd name="connsiteY5" fmla="*/ 1042343 h 1518197"/>
-              <a:gd name="connsiteX6" fmla="*/ 9498612 w 9498612"/>
-              <a:gd name="connsiteY6" fmla="*/ 332527 h 1518197"/>
-              <a:gd name="connsiteX7" fmla="*/ 9469315 w 9498612"/>
-              <a:gd name="connsiteY7" fmla="*/ 1500613 h 1518197"/>
-              <a:gd name="connsiteX8" fmla="*/ 7253653 w 9498612"/>
-              <a:gd name="connsiteY8" fmla="*/ 1491820 h 1518197"/>
-              <a:gd name="connsiteX9" fmla="*/ 4826976 w 9498612"/>
-              <a:gd name="connsiteY9" fmla="*/ 1518197 h 1518197"/>
-              <a:gd name="connsiteX10" fmla="*/ 2751992 w 9498612"/>
-              <a:gd name="connsiteY10" fmla="*/ 1509405 h 1518197"/>
-              <a:gd name="connsiteX11" fmla="*/ 0 w 9498612"/>
-              <a:gd name="connsiteY11" fmla="*/ 1456651 h 1518197"/>
-              <a:gd name="connsiteX12" fmla="*/ 8792 w 9498612"/>
-              <a:gd name="connsiteY12" fmla="*/ 595005 h 1518197"/>
-              <a:gd name="connsiteX0" fmla="*/ 8792 w 9498612"/>
-              <a:gd name="connsiteY0" fmla="*/ 629716 h 1552908"/>
-              <a:gd name="connsiteX1" fmla="*/ 2057399 w 9498612"/>
-              <a:gd name="connsiteY1" fmla="*/ 585754 h 1552908"/>
-              <a:gd name="connsiteX2" fmla="*/ 3698995 w 9498612"/>
-              <a:gd name="connsiteY2" fmla="*/ 1162301 h 1552908"/>
-              <a:gd name="connsiteX3" fmla="*/ 5386116 w 9498612"/>
-              <a:gd name="connsiteY3" fmla="*/ 83389 h 1552908"/>
-              <a:gd name="connsiteX4" fmla="*/ 7009426 w 9498612"/>
-              <a:gd name="connsiteY4" fmla="*/ 264703 h 1552908"/>
-              <a:gd name="connsiteX5" fmla="*/ 8414099 w 9498612"/>
-              <a:gd name="connsiteY5" fmla="*/ 1077054 h 1552908"/>
-              <a:gd name="connsiteX6" fmla="*/ 9498612 w 9498612"/>
-              <a:gd name="connsiteY6" fmla="*/ 367238 h 1552908"/>
-              <a:gd name="connsiteX7" fmla="*/ 9469315 w 9498612"/>
-              <a:gd name="connsiteY7" fmla="*/ 1535324 h 1552908"/>
-              <a:gd name="connsiteX8" fmla="*/ 7253653 w 9498612"/>
-              <a:gd name="connsiteY8" fmla="*/ 1526531 h 1552908"/>
-              <a:gd name="connsiteX9" fmla="*/ 4826976 w 9498612"/>
-              <a:gd name="connsiteY9" fmla="*/ 1552908 h 1552908"/>
-              <a:gd name="connsiteX10" fmla="*/ 2751992 w 9498612"/>
-              <a:gd name="connsiteY10" fmla="*/ 1544116 h 1552908"/>
-              <a:gd name="connsiteX11" fmla="*/ 0 w 9498612"/>
-              <a:gd name="connsiteY11" fmla="*/ 1491362 h 1552908"/>
-              <a:gd name="connsiteX12" fmla="*/ 8792 w 9498612"/>
-              <a:gd name="connsiteY12" fmla="*/ 629716 h 1552908"/>
-              <a:gd name="connsiteX0" fmla="*/ 8792 w 9498612"/>
-              <a:gd name="connsiteY0" fmla="*/ 629716 h 1552908"/>
-              <a:gd name="connsiteX1" fmla="*/ 2057399 w 9498612"/>
-              <a:gd name="connsiteY1" fmla="*/ 585754 h 1552908"/>
-              <a:gd name="connsiteX2" fmla="*/ 3698995 w 9498612"/>
-              <a:gd name="connsiteY2" fmla="*/ 1162301 h 1552908"/>
-              <a:gd name="connsiteX3" fmla="*/ 5386116 w 9498612"/>
-              <a:gd name="connsiteY3" fmla="*/ 83389 h 1552908"/>
-              <a:gd name="connsiteX4" fmla="*/ 7009426 w 9498612"/>
-              <a:gd name="connsiteY4" fmla="*/ 264703 h 1552908"/>
-              <a:gd name="connsiteX5" fmla="*/ 8414099 w 9498612"/>
-              <a:gd name="connsiteY5" fmla="*/ 1077054 h 1552908"/>
-              <a:gd name="connsiteX6" fmla="*/ 9498612 w 9498612"/>
-              <a:gd name="connsiteY6" fmla="*/ 367238 h 1552908"/>
-              <a:gd name="connsiteX7" fmla="*/ 9469315 w 9498612"/>
-              <a:gd name="connsiteY7" fmla="*/ 1535324 h 1552908"/>
-              <a:gd name="connsiteX8" fmla="*/ 7253653 w 9498612"/>
-              <a:gd name="connsiteY8" fmla="*/ 1526531 h 1552908"/>
-              <a:gd name="connsiteX9" fmla="*/ 4826976 w 9498612"/>
-              <a:gd name="connsiteY9" fmla="*/ 1552908 h 1552908"/>
-              <a:gd name="connsiteX10" fmla="*/ 2751992 w 9498612"/>
-              <a:gd name="connsiteY10" fmla="*/ 1544116 h 1552908"/>
-              <a:gd name="connsiteX11" fmla="*/ 0 w 9498612"/>
-              <a:gd name="connsiteY11" fmla="*/ 1491362 h 1552908"/>
-              <a:gd name="connsiteX12" fmla="*/ 8792 w 9498612"/>
-              <a:gd name="connsiteY12" fmla="*/ 629716 h 1552908"/>
-            </a:gdLst>
-            <a:ahLst/>
-            <a:cxnLst>
-              <a:cxn ang="0">
-                <a:pos x="connsiteX0" y="connsiteY0"/>
-              </a:cxn>
-              <a:cxn ang="0">
-                <a:pos x="connsiteX1" y="connsiteY1"/>
-              </a:cxn>
-              <a:cxn ang="0">
-                <a:pos x="connsiteX2" y="connsiteY2"/>
-              </a:cxn>
-              <a:cxn ang="0">
-                <a:pos x="connsiteX3" y="connsiteY3"/>
-              </a:cxn>
-              <a:cxn ang="0">
-                <a:pos x="connsiteX4" y="connsiteY4"/>
-              </a:cxn>
-              <a:cxn ang="0">
-                <a:pos x="connsiteX5" y="connsiteY5"/>
-              </a:cxn>
-              <a:cxn ang="0">
-                <a:pos x="connsiteX6" y="connsiteY6"/>
-              </a:cxn>
-              <a:cxn ang="0">
-                <a:pos x="connsiteX7" y="connsiteY7"/>
-              </a:cxn>
-              <a:cxn ang="0">
-                <a:pos x="connsiteX8" y="connsiteY8"/>
-              </a:cxn>
-              <a:cxn ang="0">
-                <a:pos x="connsiteX9" y="connsiteY9"/>
-              </a:cxn>
-              <a:cxn ang="0">
-                <a:pos x="connsiteX10" y="connsiteY10"/>
-              </a:cxn>
-              <a:cxn ang="0">
-                <a:pos x="connsiteX11" y="connsiteY11"/>
-              </a:cxn>
-              <a:cxn ang="0">
-                <a:pos x="connsiteX12" y="connsiteY12"/>
-              </a:cxn>
-            </a:cxnLst>
-            <a:rect l="l" t="t" r="r" b="b"/>
-            <a:pathLst>
-              <a:path w="9498612" h="1552908">
-                <a:moveTo>
-                  <a:pt x="8792" y="629716"/>
-                </a:moveTo>
-                <a:cubicBezTo>
-                  <a:pt x="671146" y="635577"/>
-                  <a:pt x="973014" y="-123492"/>
-                  <a:pt x="2057399" y="585754"/>
-                </a:cubicBezTo>
-                <a:cubicBezTo>
-                  <a:pt x="3282459" y="1283277"/>
-                  <a:pt x="3144209" y="1246028"/>
-                  <a:pt x="3698995" y="1162301"/>
-                </a:cubicBezTo>
-                <a:cubicBezTo>
-                  <a:pt x="4253781" y="1078574"/>
-                  <a:pt x="4834377" y="232989"/>
-                  <a:pt x="5386116" y="83389"/>
-                </a:cubicBezTo>
-                <a:cubicBezTo>
-                  <a:pt x="5937855" y="-66211"/>
-                  <a:pt x="6463751" y="-19649"/>
-                  <a:pt x="7009426" y="264703"/>
-                </a:cubicBezTo>
-                <a:cubicBezTo>
-                  <a:pt x="7646042" y="612966"/>
-                  <a:pt x="8003791" y="1075589"/>
-                  <a:pt x="8414099" y="1077054"/>
-                </a:cubicBezTo>
-                <a:cubicBezTo>
-                  <a:pt x="8824407" y="1078519"/>
-                  <a:pt x="9320464" y="250238"/>
-                  <a:pt x="9498612" y="367238"/>
-                </a:cubicBezTo>
-                <a:cubicBezTo>
-                  <a:pt x="9495681" y="669107"/>
-                  <a:pt x="9472246" y="1233455"/>
-                  <a:pt x="9469315" y="1535324"/>
-                </a:cubicBezTo>
-                <a:lnTo>
-                  <a:pt x="7253653" y="1526531"/>
-                </a:lnTo>
-                <a:lnTo>
-                  <a:pt x="4826976" y="1552908"/>
-                </a:lnTo>
-                <a:lnTo>
-                  <a:pt x="2751992" y="1544116"/>
-                </a:lnTo>
-                <a:lnTo>
-                  <a:pt x="0" y="1491362"/>
-                </a:lnTo>
-                <a:cubicBezTo>
-                  <a:pt x="2931" y="1207077"/>
-                  <a:pt x="-2932" y="931585"/>
-                  <a:pt x="8792" y="629716"/>
-                </a:cubicBezTo>
-                <a:close/>
-              </a:path>
-            </a:pathLst>
-          </a:custGeom>
-          <a:gradFill>
-            <a:gsLst>
-              <a:gs pos="0">
-                <a:srgbClr val="EFFCFF"/>
-              </a:gs>
-              <a:gs pos="50000">
-                <a:schemeClr val="accent4">
-                  <a:lumMod val="40000"/>
-                  <a:lumOff val="60000"/>
-                </a:schemeClr>
-              </a:gs>
-              <a:gs pos="100000">
-                <a:schemeClr val="bg1"/>
-              </a:gs>
-            </a:gsLst>
-            <a:lin ang="5400000" scaled="1"/>
-          </a:gradFill>
-          <a:ln>
-            <a:noFill/>
-          </a:ln>
-          <a:effectLst>
-            <a:glow>
-              <a:srgbClr val="FFFF00"/>
-            </a:glow>
-            <a:outerShdw algn="ctr" rotWithShape="0">
-              <a:schemeClr val="tx1"/>
-            </a:outerShdw>
-          </a:effectLst>
-          <a:scene3d>
-            <a:camera prst="orthographicFront"/>
-            <a:lightRig rig="threePt" dir="t"/>
-          </a:scene3d>
-          <a:sp3d>
-            <a:bevelT w="0"/>
-          </a:sp3d>
-        </p:spPr>
-        <p:style>
-          <a:lnRef idx="2">
-            <a:schemeClr val="accent1">
-              <a:shade val="15000"/>
-            </a:schemeClr>
-          </a:lnRef>
-          <a:fillRef idx="1">
-            <a:schemeClr val="accent1"/>
-          </a:fillRef>
-          <a:effectRef idx="0">
-            <a:schemeClr val="accent1"/>
-          </a:effectRef>
-          <a:fontRef idx="minor">
-            <a:schemeClr val="lt1"/>
-          </a:fontRef>
-        </p:style>
-        <p:txBody>
-          <a:bodyPr rtlCol="0" anchor="ctr"/>
-          <a:lstStyle/>
-          <a:p>
-            <a:pPr algn="ctr"/>
-            <a:endParaRPr lang="en-GB"/>
-          </a:p>
-        </p:txBody>
-      </p:sp>
-      <p:sp>
-        <p:nvSpPr>
-          <p:cNvPr id="18" name="Rechteck 17">
-            <a:extLst>
-              <a:ext uri="{FF2B5EF4-FFF2-40B4-BE49-F238E27FC236}">
-                <a16:creationId xmlns:a16="http://schemas.microsoft.com/office/drawing/2014/main" id="{3F48FE32-30A8-91E8-073B-1CE94513A3C5}"/>
-              </a:ext>
-            </a:extLst>
-          </p:cNvPr>
-          <p:cNvSpPr/>
-          <p:nvPr/>
-        </p:nvSpPr>
-        <p:spPr>
-          <a:xfrm>
-            <a:off x="-7747" y="6538183"/>
-            <a:ext cx="12207494" cy="319817"/>
-          </a:xfrm>
-          <a:prstGeom prst="rect">
-            <a:avLst/>
-          </a:prstGeom>
-          <a:solidFill>
-            <a:srgbClr val="8ECEFA"/>
-          </a:solidFill>
-          <a:ln>
-            <a:solidFill>
-              <a:schemeClr val="bg1"/>
-            </a:solidFill>
-          </a:ln>
-        </p:spPr>
-        <p:style>
-          <a:lnRef idx="2">
-            <a:schemeClr val="accent1">
-              <a:shade val="15000"/>
-            </a:schemeClr>
-          </a:lnRef>
-          <a:fillRef idx="1">
-            <a:schemeClr val="accent1"/>
-          </a:fillRef>
-          <a:effectRef idx="0">
-            <a:schemeClr val="accent1"/>
-          </a:effectRef>
-          <a:fontRef idx="minor">
-            <a:schemeClr val="lt1"/>
-          </a:fontRef>
-        </p:style>
-        <p:txBody>
-          <a:bodyPr rtlCol="0" anchor="ctr"/>
-          <a:lstStyle/>
-          <a:p>
-            <a:pPr algn="ctr"/>
-            <a:endParaRPr lang="de-DE" dirty="0"/>
-          </a:p>
-        </p:txBody>
-      </p:sp>
-      <p:sp>
-        <p:nvSpPr>
-          <p:cNvPr id="19" name="TextBox 18">
-            <a:extLst>
-              <a:ext uri="{FF2B5EF4-FFF2-40B4-BE49-F238E27FC236}">
-                <a16:creationId xmlns:a16="http://schemas.microsoft.com/office/drawing/2014/main" id="{E32C03B4-4368-B8A0-5078-A33BA60C0D0C}"/>
-              </a:ext>
-            </a:extLst>
-          </p:cNvPr>
-          <p:cNvSpPr txBox="1"/>
-          <p:nvPr/>
-        </p:nvSpPr>
-        <p:spPr>
-          <a:xfrm>
-            <a:off x="463483" y="1401679"/>
-            <a:ext cx="10547024" cy="1477328"/>
-          </a:xfrm>
-          <a:prstGeom prst="rect">
-            <a:avLst/>
-          </a:prstGeom>
-          <a:noFill/>
-        </p:spPr>
-        <p:txBody>
-          <a:bodyPr wrap="square" rtlCol="0">
-            <a:spAutoFit/>
-          </a:bodyPr>
-          <a:lstStyle/>
-          <a:p>
-            <a:endParaRPr lang="it-IT" dirty="0"/>
-          </a:p>
-          <a:p>
-            <a:pPr marL="285750" indent="-285750">
-              <a:buFont typeface="Arial" panose="020B0604020202020204" pitchFamily="34" charset="0"/>
-              <a:buChar char="•"/>
-            </a:pPr>
-            <a:r>
-              <a:rPr lang="en-GB" dirty="0">
-                <a:solidFill>
-                  <a:schemeClr val="tx1">
-                    <a:lumMod val="95000"/>
-                    <a:lumOff val="5000"/>
-                  </a:schemeClr>
-                </a:solidFill>
-                <a:cs typeface="Times New Roman" panose="02020603050405020304" pitchFamily="18" charset="0"/>
-              </a:rPr>
-              <a:t>Load Reports of the OPTIMUS </a:t>
-            </a:r>
-            <a:r>
-              <a:rPr lang="en-GB" dirty="0" err="1">
-                <a:solidFill>
-                  <a:schemeClr val="tx1">
-                    <a:lumMod val="95000"/>
-                    <a:lumOff val="5000"/>
-                  </a:schemeClr>
-                </a:solidFill>
-                <a:cs typeface="Times New Roman" panose="02020603050405020304" pitchFamily="18" charset="0"/>
-              </a:rPr>
-              <a:t>Ocenaus</a:t>
-            </a:r>
-            <a:r>
-              <a:rPr lang="en-GB" dirty="0">
-                <a:solidFill>
-                  <a:schemeClr val="tx1">
-                    <a:lumMod val="95000"/>
-                    <a:lumOff val="5000"/>
-                  </a:schemeClr>
-                </a:solidFill>
-                <a:cs typeface="Times New Roman" panose="02020603050405020304" pitchFamily="18" charset="0"/>
-              </a:rPr>
-              <a:t> </a:t>
-            </a:r>
-          </a:p>
-          <a:p>
-            <a:pPr marL="285750" indent="-285750">
-              <a:buFont typeface="Arial" panose="020B0604020202020204" pitchFamily="34" charset="0"/>
-              <a:buChar char="•"/>
-            </a:pPr>
-            <a:r>
-              <a:rPr lang="en-US" dirty="0"/>
-              <a:t>Standard, DNVGL-ST-0376 – Edition December 2016</a:t>
-            </a:r>
-            <a:endParaRPr lang="en-GB" dirty="0">
-              <a:cs typeface="Times New Roman" panose="02020603050405020304" pitchFamily="18" charset="0"/>
-            </a:endParaRPr>
-          </a:p>
-          <a:p>
-            <a:pPr marL="285750" indent="-285750">
-              <a:buFont typeface="Arial" panose="020B0604020202020204" pitchFamily="34" charset="0"/>
-              <a:buChar char="•"/>
-            </a:pPr>
-            <a:r>
-              <a:rPr lang="en-GB" dirty="0" err="1">
-                <a:cs typeface="Times New Roman" panose="02020603050405020304" pitchFamily="18" charset="0"/>
-              </a:rPr>
-              <a:t>TurbSim</a:t>
-            </a:r>
-            <a:r>
-              <a:rPr lang="en-GB" dirty="0">
-                <a:cs typeface="Times New Roman" panose="02020603050405020304" pitchFamily="18" charset="0"/>
-              </a:rPr>
-              <a:t>, OpenFAST_v3.0 &amp; NREL 5 MW</a:t>
-            </a:r>
-          </a:p>
-          <a:p>
-            <a:pPr marL="285750" indent="-285750">
-              <a:buFont typeface="Arial" panose="020B0604020202020204" pitchFamily="34" charset="0"/>
-              <a:buChar char="•"/>
-            </a:pPr>
-            <a:r>
-              <a:rPr lang="en-GB" dirty="0" err="1">
-                <a:cs typeface="Times New Roman" panose="02020603050405020304" pitchFamily="18" charset="0"/>
-              </a:rPr>
-              <a:t>MatLAB</a:t>
-            </a:r>
-            <a:r>
-              <a:rPr lang="en-GB" dirty="0">
-                <a:cs typeface="Times New Roman" panose="02020603050405020304" pitchFamily="18" charset="0"/>
-              </a:rPr>
-              <a:t> 2011b, </a:t>
-            </a:r>
-            <a:r>
-              <a:rPr lang="en-GB" dirty="0" err="1">
-                <a:cs typeface="Times New Roman" panose="02020603050405020304" pitchFamily="18" charset="0"/>
-              </a:rPr>
-              <a:t>MExtremes</a:t>
-            </a:r>
-            <a:endParaRPr lang="en-GB" dirty="0">
-              <a:cs typeface="Times New Roman" panose="02020603050405020304" pitchFamily="18" charset="0"/>
-            </a:endParaRPr>
-          </a:p>
-        </p:txBody>
-      </p:sp>
-      <p:sp>
-        <p:nvSpPr>
-          <p:cNvPr id="2" name="Titel 1">
-            <a:extLst>
-              <a:ext uri="{FF2B5EF4-FFF2-40B4-BE49-F238E27FC236}">
-                <a16:creationId xmlns:a16="http://schemas.microsoft.com/office/drawing/2014/main" id="{25E1DA7A-832B-59A9-3560-8C4D55C27346}"/>
-              </a:ext>
-            </a:extLst>
-          </p:cNvPr>
-          <p:cNvSpPr>
-            <a:spLocks noGrp="1"/>
-          </p:cNvSpPr>
-          <p:nvPr>
-            <p:ph type="title"/>
-          </p:nvPr>
-        </p:nvSpPr>
-        <p:spPr>
-          <a:xfrm>
-            <a:off x="484418" y="502853"/>
-            <a:ext cx="2724774" cy="712728"/>
-          </a:xfrm>
-        </p:spPr>
-        <p:txBody>
-          <a:bodyPr>
-            <a:normAutofit fontScale="90000"/>
-          </a:bodyPr>
-          <a:lstStyle/>
-          <a:p>
-            <a:r>
-              <a:rPr lang="en-US" dirty="0"/>
-              <a:t>References</a:t>
-            </a:r>
-            <a:endParaRPr lang="de-DE" dirty="0"/>
-          </a:p>
-        </p:txBody>
-      </p:sp>
-      <p:cxnSp>
-        <p:nvCxnSpPr>
-          <p:cNvPr id="6" name="Straight Connector 5">
-            <a:extLst>
-              <a:ext uri="{FF2B5EF4-FFF2-40B4-BE49-F238E27FC236}">
-                <a16:creationId xmlns:a16="http://schemas.microsoft.com/office/drawing/2014/main" id="{A80213FB-EC9C-6767-58CC-49D609115B85}"/>
-              </a:ext>
-            </a:extLst>
-          </p:cNvPr>
-          <p:cNvCxnSpPr/>
-          <p:nvPr/>
-        </p:nvCxnSpPr>
-        <p:spPr>
-          <a:xfrm>
-            <a:off x="484418" y="1171879"/>
-            <a:ext cx="11218984" cy="0"/>
-          </a:xfrm>
-          <a:prstGeom prst="line">
-            <a:avLst/>
-          </a:prstGeom>
-          <a:ln w="38100">
-            <a:solidFill>
-              <a:srgbClr val="8ECEFA"/>
-            </a:solidFill>
-          </a:ln>
-        </p:spPr>
-        <p:style>
-          <a:lnRef idx="2">
-            <a:schemeClr val="accent1"/>
-          </a:lnRef>
-          <a:fillRef idx="0">
-            <a:schemeClr val="accent1"/>
-          </a:fillRef>
-          <a:effectRef idx="1">
-            <a:schemeClr val="accent1"/>
-          </a:effectRef>
-          <a:fontRef idx="minor">
-            <a:schemeClr val="tx1"/>
-          </a:fontRef>
-        </p:style>
-      </p:cxnSp>
-      <p:sp>
-        <p:nvSpPr>
-          <p:cNvPr id="4" name="Slide Number Placeholder 5">
-            <a:extLst>
-              <a:ext uri="{FF2B5EF4-FFF2-40B4-BE49-F238E27FC236}">
-                <a16:creationId xmlns:a16="http://schemas.microsoft.com/office/drawing/2014/main" id="{21129FCA-49E1-C2AD-B541-FCEDEF0BB603}"/>
-              </a:ext>
-            </a:extLst>
-          </p:cNvPr>
-          <p:cNvSpPr txBox="1">
-            <a:spLocks/>
-          </p:cNvSpPr>
-          <p:nvPr/>
-        </p:nvSpPr>
-        <p:spPr>
-          <a:xfrm>
-            <a:off x="1833304" y="6538183"/>
-            <a:ext cx="376496" cy="319817"/>
-          </a:xfrm>
-          <a:prstGeom prst="rect">
-            <a:avLst/>
-          </a:prstGeom>
-        </p:spPr>
-        <p:txBody>
-          <a:bodyPr vert="horz" lIns="91440" tIns="45720" rIns="91440" bIns="45720" rtlCol="0" anchor="ctr"/>
-          <a:lstStyle>
-            <a:defPPr>
-              <a:defRPr lang="en-US"/>
-            </a:defPPr>
-            <a:lvl1pPr marL="0" algn="r" defTabSz="914400" rtl="0" eaLnBrk="1" latinLnBrk="0" hangingPunct="1">
-              <a:defRPr sz="1200" kern="1200">
-                <a:solidFill>
-                  <a:schemeClr val="tx1">
-                    <a:tint val="82000"/>
-                  </a:schemeClr>
-                </a:solidFill>
-                <a:latin typeface="+mn-lt"/>
-                <a:ea typeface="+mn-ea"/>
-                <a:cs typeface="+mn-cs"/>
-              </a:defRPr>
-            </a:lvl1pPr>
-            <a:lvl2pPr marL="457200" algn="l" defTabSz="914400" rtl="0" eaLnBrk="1" latinLnBrk="0" hangingPunct="1">
-              <a:defRPr sz="1800" kern="1200">
-                <a:solidFill>
-                  <a:schemeClr val="tx1"/>
-                </a:solidFill>
-                <a:latin typeface="+mn-lt"/>
-                <a:ea typeface="+mn-ea"/>
-                <a:cs typeface="+mn-cs"/>
-              </a:defRPr>
-            </a:lvl2pPr>
-            <a:lvl3pPr marL="914400" algn="l" defTabSz="914400" rtl="0" eaLnBrk="1" latinLnBrk="0" hangingPunct="1">
-              <a:defRPr sz="1800" kern="1200">
-                <a:solidFill>
-                  <a:schemeClr val="tx1"/>
-                </a:solidFill>
-                <a:latin typeface="+mn-lt"/>
-                <a:ea typeface="+mn-ea"/>
-                <a:cs typeface="+mn-cs"/>
-              </a:defRPr>
-            </a:lvl3pPr>
-            <a:lvl4pPr marL="1371600" algn="l" defTabSz="914400" rtl="0" eaLnBrk="1" latinLnBrk="0" hangingPunct="1">
-              <a:defRPr sz="1800" kern="1200">
-                <a:solidFill>
-                  <a:schemeClr val="tx1"/>
-                </a:solidFill>
-                <a:latin typeface="+mn-lt"/>
-                <a:ea typeface="+mn-ea"/>
-                <a:cs typeface="+mn-cs"/>
-              </a:defRPr>
-            </a:lvl4pPr>
-            <a:lvl5pPr marL="1828800" algn="l" defTabSz="914400" rtl="0" eaLnBrk="1" latinLnBrk="0" hangingPunct="1">
-              <a:defRPr sz="1800" kern="1200">
-                <a:solidFill>
-                  <a:schemeClr val="tx1"/>
-                </a:solidFill>
-                <a:latin typeface="+mn-lt"/>
-                <a:ea typeface="+mn-ea"/>
-                <a:cs typeface="+mn-cs"/>
-              </a:defRPr>
-            </a:lvl5pPr>
-            <a:lvl6pPr marL="2286000" algn="l" defTabSz="914400" rtl="0" eaLnBrk="1" latinLnBrk="0" hangingPunct="1">
-              <a:defRPr sz="1800" kern="1200">
-                <a:solidFill>
-                  <a:schemeClr val="tx1"/>
-                </a:solidFill>
-                <a:latin typeface="+mn-lt"/>
-                <a:ea typeface="+mn-ea"/>
-                <a:cs typeface="+mn-cs"/>
-              </a:defRPr>
-            </a:lvl6pPr>
-            <a:lvl7pPr marL="2743200" algn="l" defTabSz="914400" rtl="0" eaLnBrk="1" latinLnBrk="0" hangingPunct="1">
-              <a:defRPr sz="1800" kern="1200">
-                <a:solidFill>
-                  <a:schemeClr val="tx1"/>
-                </a:solidFill>
-                <a:latin typeface="+mn-lt"/>
-                <a:ea typeface="+mn-ea"/>
-                <a:cs typeface="+mn-cs"/>
-              </a:defRPr>
-            </a:lvl7pPr>
-            <a:lvl8pPr marL="3200400" algn="l" defTabSz="914400" rtl="0" eaLnBrk="1" latinLnBrk="0" hangingPunct="1">
-              <a:defRPr sz="1800" kern="1200">
-                <a:solidFill>
-                  <a:schemeClr val="tx1"/>
-                </a:solidFill>
-                <a:latin typeface="+mn-lt"/>
-                <a:ea typeface="+mn-ea"/>
-                <a:cs typeface="+mn-cs"/>
-              </a:defRPr>
-            </a:lvl8pPr>
-            <a:lvl9pPr marL="3657600" algn="l" defTabSz="914400" rtl="0" eaLnBrk="1" latinLnBrk="0" hangingPunct="1">
-              <a:defRPr sz="1800" kern="1200">
-                <a:solidFill>
-                  <a:schemeClr val="tx1"/>
-                </a:solidFill>
-                <a:latin typeface="+mn-lt"/>
-                <a:ea typeface="+mn-ea"/>
-                <a:cs typeface="+mn-cs"/>
-              </a:defRPr>
-            </a:lvl9pPr>
-          </a:lstStyle>
-          <a:p>
-            <a:fld id="{013F6232-4F06-48BA-8F69-BF531F607829}" type="slidenum">
-              <a:rPr lang="en-GB" sz="1400" smtClean="0">
-                <a:solidFill>
-                  <a:schemeClr val="bg1"/>
-                </a:solidFill>
-              </a:rPr>
-              <a:pPr/>
-              <a:t>9</a:t>
-            </a:fld>
-            <a:endParaRPr lang="en-GB" sz="1400" dirty="0">
-              <a:solidFill>
-                <a:schemeClr val="bg1"/>
-              </a:solidFill>
-            </a:endParaRPr>
-          </a:p>
-        </p:txBody>
-      </p:sp>
-      <p:sp>
-        <p:nvSpPr>
-          <p:cNvPr id="7" name="TextBox 6">
-            <a:extLst>
-              <a:ext uri="{FF2B5EF4-FFF2-40B4-BE49-F238E27FC236}">
-                <a16:creationId xmlns:a16="http://schemas.microsoft.com/office/drawing/2014/main" id="{D1563EE5-B3E5-55A6-0898-3C96C1BE7B95}"/>
-              </a:ext>
-            </a:extLst>
-          </p:cNvPr>
-          <p:cNvSpPr txBox="1"/>
-          <p:nvPr/>
-        </p:nvSpPr>
-        <p:spPr>
-          <a:xfrm>
-            <a:off x="9172575" y="6542216"/>
-            <a:ext cx="2787685" cy="276999"/>
-          </a:xfrm>
-          <a:prstGeom prst="rect">
-            <a:avLst/>
-          </a:prstGeom>
-          <a:noFill/>
-        </p:spPr>
-        <p:txBody>
-          <a:bodyPr wrap="square" rtlCol="0">
-            <a:spAutoFit/>
-          </a:bodyPr>
-          <a:lstStyle/>
-          <a:p>
-            <a:r>
-              <a:rPr lang="en-US" sz="1200" dirty="0">
-                <a:solidFill>
-                  <a:schemeClr val="bg1"/>
-                </a:solidFill>
-              </a:rPr>
-              <a:t>Load &amp; Dynamics Team/ Optimus Syria</a:t>
-            </a:r>
-          </a:p>
-        </p:txBody>
-      </p:sp>
-      <p:sp>
-        <p:nvSpPr>
-          <p:cNvPr id="3" name="TextBox 2">
-            <a:extLst>
-              <a:ext uri="{FF2B5EF4-FFF2-40B4-BE49-F238E27FC236}">
-                <a16:creationId xmlns:a16="http://schemas.microsoft.com/office/drawing/2014/main" id="{5154D7F5-6570-ACBE-ED5E-F8FE71E45631}"/>
-              </a:ext>
-            </a:extLst>
-          </p:cNvPr>
-          <p:cNvSpPr txBox="1"/>
-          <p:nvPr/>
-        </p:nvSpPr>
-        <p:spPr>
-          <a:xfrm>
-            <a:off x="412716" y="6565449"/>
-            <a:ext cx="1000125" cy="276999"/>
-          </a:xfrm>
-          <a:prstGeom prst="rect">
-            <a:avLst/>
-          </a:prstGeom>
-          <a:noFill/>
-        </p:spPr>
-        <p:txBody>
-          <a:bodyPr wrap="square" rtlCol="0">
-            <a:spAutoFit/>
-          </a:bodyPr>
-          <a:lstStyle/>
-          <a:p>
-            <a:r>
-              <a:rPr lang="en-US" sz="1200" dirty="0">
-                <a:solidFill>
-                  <a:schemeClr val="bg1"/>
-                </a:solidFill>
-              </a:rPr>
-              <a:t>16/12/2025</a:t>
-            </a:r>
-          </a:p>
-        </p:txBody>
-      </p:sp>
-      <p:sp>
-        <p:nvSpPr>
-          <p:cNvPr id="8" name="TextBox 7">
-            <a:extLst>
-              <a:ext uri="{FF2B5EF4-FFF2-40B4-BE49-F238E27FC236}">
-                <a16:creationId xmlns:a16="http://schemas.microsoft.com/office/drawing/2014/main" id="{9B054D57-B39A-6E7C-09BD-BB4527BE02A1}"/>
-              </a:ext>
-            </a:extLst>
-          </p:cNvPr>
-          <p:cNvSpPr txBox="1"/>
-          <p:nvPr/>
-        </p:nvSpPr>
-        <p:spPr>
-          <a:xfrm>
-            <a:off x="5372759" y="6597317"/>
-            <a:ext cx="1476495" cy="276999"/>
-          </a:xfrm>
-          <a:prstGeom prst="rect">
-            <a:avLst/>
-          </a:prstGeom>
-          <a:noFill/>
-        </p:spPr>
-        <p:txBody>
-          <a:bodyPr wrap="square" rtlCol="0">
-            <a:spAutoFit/>
-          </a:bodyPr>
-          <a:lstStyle/>
-          <a:p>
-            <a:r>
-              <a:rPr lang="en-US" sz="1200" dirty="0">
-                <a:solidFill>
-                  <a:schemeClr val="bg1"/>
-                </a:solidFill>
-              </a:rPr>
-              <a:t>Paresh </a:t>
-            </a:r>
-            <a:r>
-              <a:rPr lang="en-US" sz="1200" dirty="0" err="1">
-                <a:solidFill>
-                  <a:schemeClr val="bg1"/>
-                </a:solidFill>
-              </a:rPr>
-              <a:t>Nakum</a:t>
-            </a:r>
-            <a:endParaRPr lang="en-US" sz="1200" dirty="0">
-              <a:solidFill>
-                <a:schemeClr val="bg1"/>
-              </a:solidFill>
-            </a:endParaRPr>
-          </a:p>
-        </p:txBody>
-      </p:sp>
-    </p:spTree>
-    <p:extLst>
-      <p:ext uri="{BB962C8B-B14F-4D97-AF65-F5344CB8AC3E}">
-        <p14:creationId xmlns:p14="http://schemas.microsoft.com/office/powerpoint/2010/main" val="3877941250"/>
       </p:ext>
     </p:extLst>
   </p:cSld>
